--- a/PAAD_Presentation.pptx
+++ b/PAAD_Presentation.pptx
@@ -58,6 +58,7 @@
     <p:sldId id="313" r:id="rId52"/>
     <p:sldId id="319" r:id="rId53"/>
     <p:sldId id="312" r:id="rId54"/>
+    <p:sldId id="320" r:id="rId55"/>
   </p:sldIdLst>
   <p:sldSz cx="12192000" cy="6858000"/>
   <p:notesSz cx="6858000" cy="9144000"/>
@@ -311,7 +312,7 @@
           <a:p>
             <a:fld id="{E816971E-1CC9-4B1B-B84A-56D45306C128}" type="datetimeFigureOut">
               <a:rPr lang="es-ES" smtClean="0"/>
-              <a:t>10/06/2022</a:t>
+              <a:t>14/06/2022</a:t>
             </a:fld>
             <a:endParaRPr lang="es-ES"/>
           </a:p>
@@ -481,7 +482,7 @@
           <a:p>
             <a:fld id="{E816971E-1CC9-4B1B-B84A-56D45306C128}" type="datetimeFigureOut">
               <a:rPr lang="es-ES" smtClean="0"/>
-              <a:t>10/06/2022</a:t>
+              <a:t>14/06/2022</a:t>
             </a:fld>
             <a:endParaRPr lang="es-ES"/>
           </a:p>
@@ -661,7 +662,7 @@
           <a:p>
             <a:fld id="{E816971E-1CC9-4B1B-B84A-56D45306C128}" type="datetimeFigureOut">
               <a:rPr lang="es-ES" smtClean="0"/>
-              <a:t>10/06/2022</a:t>
+              <a:t>14/06/2022</a:t>
             </a:fld>
             <a:endParaRPr lang="es-ES"/>
           </a:p>
@@ -831,7 +832,7 @@
           <a:p>
             <a:fld id="{E816971E-1CC9-4B1B-B84A-56D45306C128}" type="datetimeFigureOut">
               <a:rPr lang="es-ES" smtClean="0"/>
-              <a:t>10/06/2022</a:t>
+              <a:t>14/06/2022</a:t>
             </a:fld>
             <a:endParaRPr lang="es-ES"/>
           </a:p>
@@ -1077,7 +1078,7 @@
           <a:p>
             <a:fld id="{E816971E-1CC9-4B1B-B84A-56D45306C128}" type="datetimeFigureOut">
               <a:rPr lang="es-ES" smtClean="0"/>
-              <a:t>10/06/2022</a:t>
+              <a:t>14/06/2022</a:t>
             </a:fld>
             <a:endParaRPr lang="es-ES"/>
           </a:p>
@@ -1309,7 +1310,7 @@
           <a:p>
             <a:fld id="{E816971E-1CC9-4B1B-B84A-56D45306C128}" type="datetimeFigureOut">
               <a:rPr lang="es-ES" smtClean="0"/>
-              <a:t>10/06/2022</a:t>
+              <a:t>14/06/2022</a:t>
             </a:fld>
             <a:endParaRPr lang="es-ES"/>
           </a:p>
@@ -1676,7 +1677,7 @@
           <a:p>
             <a:fld id="{E816971E-1CC9-4B1B-B84A-56D45306C128}" type="datetimeFigureOut">
               <a:rPr lang="es-ES" smtClean="0"/>
-              <a:t>10/06/2022</a:t>
+              <a:t>14/06/2022</a:t>
             </a:fld>
             <a:endParaRPr lang="es-ES"/>
           </a:p>
@@ -1794,7 +1795,7 @@
           <a:p>
             <a:fld id="{E816971E-1CC9-4B1B-B84A-56D45306C128}" type="datetimeFigureOut">
               <a:rPr lang="es-ES" smtClean="0"/>
-              <a:t>10/06/2022</a:t>
+              <a:t>14/06/2022</a:t>
             </a:fld>
             <a:endParaRPr lang="es-ES"/>
           </a:p>
@@ -1889,7 +1890,7 @@
           <a:p>
             <a:fld id="{E816971E-1CC9-4B1B-B84A-56D45306C128}" type="datetimeFigureOut">
               <a:rPr lang="es-ES" smtClean="0"/>
-              <a:t>10/06/2022</a:t>
+              <a:t>14/06/2022</a:t>
             </a:fld>
             <a:endParaRPr lang="es-ES"/>
           </a:p>
@@ -2166,7 +2167,7 @@
           <a:p>
             <a:fld id="{E816971E-1CC9-4B1B-B84A-56D45306C128}" type="datetimeFigureOut">
               <a:rPr lang="es-ES" smtClean="0"/>
-              <a:t>10/06/2022</a:t>
+              <a:t>14/06/2022</a:t>
             </a:fld>
             <a:endParaRPr lang="es-ES"/>
           </a:p>
@@ -2419,7 +2420,7 @@
           <a:p>
             <a:fld id="{E816971E-1CC9-4B1B-B84A-56D45306C128}" type="datetimeFigureOut">
               <a:rPr lang="es-ES" smtClean="0"/>
-              <a:t>10/06/2022</a:t>
+              <a:t>14/06/2022</a:t>
             </a:fld>
             <a:endParaRPr lang="es-ES"/>
           </a:p>
@@ -2632,7 +2633,7 @@
           <a:p>
             <a:fld id="{E816971E-1CC9-4B1B-B84A-56D45306C128}" type="datetimeFigureOut">
               <a:rPr lang="es-ES" smtClean="0"/>
-              <a:t>10/06/2022</a:t>
+              <a:t>14/06/2022</a:t>
             </a:fld>
             <a:endParaRPr lang="es-ES"/>
           </a:p>
@@ -5393,7 +5394,7 @@
           <a:graphicData uri="http://schemas.openxmlformats.org/presentationml/2006/ole">
             <mc:AlternateContent xmlns:mc="http://schemas.openxmlformats.org/markup-compatibility/2006">
               <mc:Choice xmlns:v="urn:schemas-microsoft-com:vml" Requires="v">
-                <p:oleObj spid="_x0000_s2121" name="Acrobat Document" r:id="rId3" imgW="3428684" imgH="4800600" progId="AcroExch.Document.7">
+                <p:oleObj spid="_x0000_s2123" name="Acrobat Document" r:id="rId3" imgW="3428684" imgH="4800600" progId="AcroExch.Document.7">
                   <p:embed/>
                 </p:oleObj>
               </mc:Choice>
@@ -7512,7 +7513,7 @@
           <a:graphicData uri="http://schemas.openxmlformats.org/presentationml/2006/ole">
             <mc:AlternateContent xmlns:mc="http://schemas.openxmlformats.org/markup-compatibility/2006">
               <mc:Choice xmlns:v="urn:schemas-microsoft-com:vml" Requires="v">
-                <p:oleObj spid="_x0000_s3103" name="Acrobat Document" r:id="rId3" imgW="3428684" imgH="4800600" progId="AcroExch.Document.7">
+                <p:oleObj spid="_x0000_s3105" name="Acrobat Document" r:id="rId3" imgW="3428684" imgH="4800600" progId="AcroExch.Document.7">
                   <p:embed/>
                 </p:oleObj>
               </mc:Choice>
@@ -8114,7 +8115,7 @@
     <p:controls>
       <mc:AlternateContent xmlns:mc="http://schemas.openxmlformats.org/markup-compatibility/2006">
         <mc:Choice xmlns:v="urn:schemas-microsoft-com:vml" Requires="v">
-          <p:control spid="1415" name="HTMLCheckbox1" r:id="rId2" imgW="257040" imgH="304920"/>
+          <p:control spid="1423" name="HTMLCheckbox1" r:id="rId2" imgW="257040" imgH="304920"/>
         </mc:Choice>
         <mc:Fallback>
           <p:control name="HTMLCheckbox1" r:id="rId2" imgW="257040" imgH="304920">
@@ -8166,7 +8167,7 @@
       </mc:AlternateContent>
       <mc:AlternateContent xmlns:mc="http://schemas.openxmlformats.org/markup-compatibility/2006">
         <mc:Choice xmlns:v="urn:schemas-microsoft-com:vml" Requires="v">
-          <p:control spid="1416" name="HTMLCheckbox2" r:id="rId3" imgW="257040" imgH="304920"/>
+          <p:control spid="1424" name="HTMLCheckbox2" r:id="rId3" imgW="257040" imgH="304920"/>
         </mc:Choice>
         <mc:Fallback>
           <p:control name="HTMLCheckbox2" r:id="rId3" imgW="257040" imgH="304920">
@@ -8218,7 +8219,7 @@
       </mc:AlternateContent>
       <mc:AlternateContent xmlns:mc="http://schemas.openxmlformats.org/markup-compatibility/2006">
         <mc:Choice xmlns:v="urn:schemas-microsoft-com:vml" Requires="v">
-          <p:control spid="1417" name="HTMLCheckbox3" r:id="rId4" imgW="257040" imgH="304920"/>
+          <p:control spid="1425" name="HTMLCheckbox3" r:id="rId4" imgW="257040" imgH="304920"/>
         </mc:Choice>
         <mc:Fallback>
           <p:control name="HTMLCheckbox3" r:id="rId4" imgW="257040" imgH="304920">
@@ -8270,7 +8271,7 @@
       </mc:AlternateContent>
       <mc:AlternateContent xmlns:mc="http://schemas.openxmlformats.org/markup-compatibility/2006">
         <mc:Choice xmlns:v="urn:schemas-microsoft-com:vml" Requires="v">
-          <p:control spid="1418" name="HTMLCheckbox4" r:id="rId5" imgW="257040" imgH="304920"/>
+          <p:control spid="1426" name="HTMLCheckbox4" r:id="rId5" imgW="257040" imgH="304920"/>
         </mc:Choice>
         <mc:Fallback>
           <p:control name="HTMLCheckbox4" r:id="rId5" imgW="257040" imgH="304920">
@@ -10360,11 +10361,11 @@
             </a:r>
             <a:r>
               <a:rPr lang="es-ES" dirty="0"/>
-              <a:t> a case-</a:t>
-            </a:r>
-            <a:r>
-              <a:rPr lang="es-ES" dirty="0" err="1"/>
-              <a:t>wise</a:t>
+              <a:t> a </a:t>
+            </a:r>
+            <a:r>
+              <a:rPr lang="es-ES" dirty="0" err="1" smtClean="0"/>
+              <a:t>image-wise</a:t>
             </a:r>
             <a:r>
               <a:rPr lang="es-ES" dirty="0"/>
@@ -10882,6 +10883,43 @@
               <a:rPr lang="es-ES" dirty="0" smtClean="0"/>
               <a:t>Duda, si la clasificación se hace caso a caso, como se lidia con dos imágenes con diagnósticos distintos?</a:t>
             </a:r>
+          </a:p>
+          <a:p>
+            <a:endParaRPr lang="es-ES" dirty="0"/>
+          </a:p>
+          <a:p>
+            <a:r>
+              <a:rPr lang="es-ES" dirty="0" smtClean="0"/>
+              <a:t>Solución, descargar </a:t>
+            </a:r>
+            <a:r>
+              <a:rPr lang="es-ES" dirty="0" err="1" smtClean="0"/>
+              <a:t>diagnostic</a:t>
+            </a:r>
+            <a:r>
+              <a:rPr lang="es-ES" dirty="0" smtClean="0"/>
+              <a:t> </a:t>
+            </a:r>
+            <a:r>
+              <a:rPr lang="es-ES" dirty="0" err="1" smtClean="0"/>
+              <a:t>slides</a:t>
+            </a:r>
+            <a:r>
+              <a:rPr lang="es-ES" dirty="0" smtClean="0"/>
+              <a:t> no </a:t>
+            </a:r>
+            <a:r>
+              <a:rPr lang="es-ES" dirty="0" err="1" smtClean="0"/>
+              <a:t>tissue</a:t>
+            </a:r>
+            <a:r>
+              <a:rPr lang="es-ES" dirty="0" smtClean="0"/>
+              <a:t> </a:t>
+            </a:r>
+            <a:r>
+              <a:rPr lang="es-ES" dirty="0" err="1" smtClean="0"/>
+              <a:t>slides</a:t>
+            </a:r>
             <a:endParaRPr lang="es-ES" dirty="0"/>
           </a:p>
         </p:txBody>
@@ -10989,41 +11027,6 @@
             <a:endParaRPr lang="es-ES" dirty="0"/>
           </a:p>
           <a:p>
-            <a:r>
-              <a:rPr lang="es-ES" dirty="0" smtClean="0"/>
-              <a:t>Entrena </a:t>
-            </a:r>
-            <a:r>
-              <a:rPr lang="es-ES" dirty="0"/>
-              <a:t>primero la última capa y </a:t>
-            </a:r>
-            <a:r>
-              <a:rPr lang="es-ES" dirty="0" smtClean="0"/>
-              <a:t>después </a:t>
-            </a:r>
-            <a:r>
-              <a:rPr lang="es-ES" dirty="0"/>
-              <a:t>hace fine </a:t>
-            </a:r>
-            <a:r>
-              <a:rPr lang="es-ES" dirty="0" err="1" smtClean="0"/>
-              <a:t>tuning</a:t>
-            </a:r>
-            <a:r>
-              <a:rPr lang="es-ES" dirty="0"/>
-              <a:t> </a:t>
-            </a:r>
-            <a:r>
-              <a:rPr lang="es-ES" dirty="0" smtClean="0"/>
-              <a:t>con LR = 1E-5</a:t>
-            </a:r>
-            <a:r>
-              <a:rPr lang="es-ES" dirty="0" smtClean="0"/>
-              <a:t>?</a:t>
-            </a:r>
-            <a:endParaRPr lang="es-ES" dirty="0"/>
-          </a:p>
-          <a:p>
             <a:endParaRPr lang="es-ES" dirty="0" smtClean="0"/>
           </a:p>
           <a:p>
@@ -11053,6 +11056,17 @@
               <a:rPr lang="es-ES" dirty="0" smtClean="0"/>
               <a:t>? STAR-COUNT</a:t>
             </a:r>
+          </a:p>
+          <a:p>
+            <a:endParaRPr lang="es-ES" dirty="0" smtClean="0"/>
+          </a:p>
+          <a:p>
+            <a:r>
+              <a:rPr lang="es-ES" dirty="0" smtClean="0"/>
+              <a:t>Problema, parece que todos los casos para estos datos son positivos</a:t>
+            </a:r>
+          </a:p>
+          <a:p>
             <a:endParaRPr lang="es-ES" dirty="0"/>
           </a:p>
           <a:p>
@@ -11067,6 +11081,74 @@
     <p:extLst>
       <p:ext uri="{BB962C8B-B14F-4D97-AF65-F5344CB8AC3E}">
         <p14:creationId xmlns:p14="http://schemas.microsoft.com/office/powerpoint/2010/main" val="1889312737"/>
+      </p:ext>
+    </p:extLst>
+  </p:cSld>
+  <p:clrMapOvr>
+    <a:masterClrMapping/>
+  </p:clrMapOvr>
+</p:sld>
+</file>
+
+<file path=ppt/slides/slide54.xml><?xml version="1.0" encoding="utf-8"?>
+<p:sld xmlns:a="http://schemas.openxmlformats.org/drawingml/2006/main" xmlns:r="http://schemas.openxmlformats.org/officeDocument/2006/relationships" xmlns:p="http://schemas.openxmlformats.org/presentationml/2006/main">
+  <p:cSld>
+    <p:spTree>
+      <p:nvGrpSpPr>
+        <p:cNvPr id="1" name=""/>
+        <p:cNvGrpSpPr/>
+        <p:nvPr/>
+      </p:nvGrpSpPr>
+      <p:grpSpPr>
+        <a:xfrm>
+          <a:off x="0" y="0"/>
+          <a:ext cx="0" cy="0"/>
+          <a:chOff x="0" y="0"/>
+          <a:chExt cx="0" cy="0"/>
+        </a:xfrm>
+      </p:grpSpPr>
+      <p:sp>
+        <p:nvSpPr>
+          <p:cNvPr id="2" name="Título 1"/>
+          <p:cNvSpPr>
+            <a:spLocks noGrp="1"/>
+          </p:cNvSpPr>
+          <p:nvPr>
+            <p:ph type="title"/>
+          </p:nvPr>
+        </p:nvSpPr>
+        <p:spPr/>
+        <p:txBody>
+          <a:bodyPr/>
+          <a:lstStyle/>
+          <a:p>
+            <a:endParaRPr lang="es-ES"/>
+          </a:p>
+        </p:txBody>
+      </p:sp>
+      <p:sp>
+        <p:nvSpPr>
+          <p:cNvPr id="3" name="Marcador de contenido 2"/>
+          <p:cNvSpPr>
+            <a:spLocks noGrp="1"/>
+          </p:cNvSpPr>
+          <p:nvPr>
+            <p:ph idx="1"/>
+          </p:nvPr>
+        </p:nvSpPr>
+        <p:spPr/>
+        <p:txBody>
+          <a:bodyPr/>
+          <a:lstStyle/>
+          <a:p>
+            <a:endParaRPr lang="es-ES" dirty="0"/>
+          </a:p>
+        </p:txBody>
+      </p:sp>
+    </p:spTree>
+    <p:extLst>
+      <p:ext uri="{BB962C8B-B14F-4D97-AF65-F5344CB8AC3E}">
+        <p14:creationId xmlns:p14="http://schemas.microsoft.com/office/powerpoint/2010/main" val="639327384"/>
       </p:ext>
     </p:extLst>
   </p:cSld>

--- a/PAAD_Presentation.pptx
+++ b/PAAD_Presentation.pptx
@@ -58,7 +58,10 @@
     <p:sldId id="313" r:id="rId52"/>
     <p:sldId id="319" r:id="rId53"/>
     <p:sldId id="312" r:id="rId54"/>
-    <p:sldId id="320" r:id="rId55"/>
+    <p:sldId id="321" r:id="rId55"/>
+    <p:sldId id="322" r:id="rId56"/>
+    <p:sldId id="323" r:id="rId57"/>
+    <p:sldId id="324" r:id="rId58"/>
   </p:sldIdLst>
   <p:sldSz cx="12192000" cy="6858000"/>
   <p:notesSz cx="6858000" cy="9144000"/>
@@ -312,7 +315,7 @@
           <a:p>
             <a:fld id="{E816971E-1CC9-4B1B-B84A-56D45306C128}" type="datetimeFigureOut">
               <a:rPr lang="es-ES" smtClean="0"/>
-              <a:t>14/06/2022</a:t>
+              <a:t>21/06/2022</a:t>
             </a:fld>
             <a:endParaRPr lang="es-ES"/>
           </a:p>
@@ -482,7 +485,7 @@
           <a:p>
             <a:fld id="{E816971E-1CC9-4B1B-B84A-56D45306C128}" type="datetimeFigureOut">
               <a:rPr lang="es-ES" smtClean="0"/>
-              <a:t>14/06/2022</a:t>
+              <a:t>21/06/2022</a:t>
             </a:fld>
             <a:endParaRPr lang="es-ES"/>
           </a:p>
@@ -662,7 +665,7 @@
           <a:p>
             <a:fld id="{E816971E-1CC9-4B1B-B84A-56D45306C128}" type="datetimeFigureOut">
               <a:rPr lang="es-ES" smtClean="0"/>
-              <a:t>14/06/2022</a:t>
+              <a:t>21/06/2022</a:t>
             </a:fld>
             <a:endParaRPr lang="es-ES"/>
           </a:p>
@@ -832,7 +835,7 @@
           <a:p>
             <a:fld id="{E816971E-1CC9-4B1B-B84A-56D45306C128}" type="datetimeFigureOut">
               <a:rPr lang="es-ES" smtClean="0"/>
-              <a:t>14/06/2022</a:t>
+              <a:t>21/06/2022</a:t>
             </a:fld>
             <a:endParaRPr lang="es-ES"/>
           </a:p>
@@ -1078,7 +1081,7 @@
           <a:p>
             <a:fld id="{E816971E-1CC9-4B1B-B84A-56D45306C128}" type="datetimeFigureOut">
               <a:rPr lang="es-ES" smtClean="0"/>
-              <a:t>14/06/2022</a:t>
+              <a:t>21/06/2022</a:t>
             </a:fld>
             <a:endParaRPr lang="es-ES"/>
           </a:p>
@@ -1310,7 +1313,7 @@
           <a:p>
             <a:fld id="{E816971E-1CC9-4B1B-B84A-56D45306C128}" type="datetimeFigureOut">
               <a:rPr lang="es-ES" smtClean="0"/>
-              <a:t>14/06/2022</a:t>
+              <a:t>21/06/2022</a:t>
             </a:fld>
             <a:endParaRPr lang="es-ES"/>
           </a:p>
@@ -1677,7 +1680,7 @@
           <a:p>
             <a:fld id="{E816971E-1CC9-4B1B-B84A-56D45306C128}" type="datetimeFigureOut">
               <a:rPr lang="es-ES" smtClean="0"/>
-              <a:t>14/06/2022</a:t>
+              <a:t>21/06/2022</a:t>
             </a:fld>
             <a:endParaRPr lang="es-ES"/>
           </a:p>
@@ -1795,7 +1798,7 @@
           <a:p>
             <a:fld id="{E816971E-1CC9-4B1B-B84A-56D45306C128}" type="datetimeFigureOut">
               <a:rPr lang="es-ES" smtClean="0"/>
-              <a:t>14/06/2022</a:t>
+              <a:t>21/06/2022</a:t>
             </a:fld>
             <a:endParaRPr lang="es-ES"/>
           </a:p>
@@ -1890,7 +1893,7 @@
           <a:p>
             <a:fld id="{E816971E-1CC9-4B1B-B84A-56D45306C128}" type="datetimeFigureOut">
               <a:rPr lang="es-ES" smtClean="0"/>
-              <a:t>14/06/2022</a:t>
+              <a:t>21/06/2022</a:t>
             </a:fld>
             <a:endParaRPr lang="es-ES"/>
           </a:p>
@@ -2167,7 +2170,7 @@
           <a:p>
             <a:fld id="{E816971E-1CC9-4B1B-B84A-56D45306C128}" type="datetimeFigureOut">
               <a:rPr lang="es-ES" smtClean="0"/>
-              <a:t>14/06/2022</a:t>
+              <a:t>21/06/2022</a:t>
             </a:fld>
             <a:endParaRPr lang="es-ES"/>
           </a:p>
@@ -2420,7 +2423,7 @@
           <a:p>
             <a:fld id="{E816971E-1CC9-4B1B-B84A-56D45306C128}" type="datetimeFigureOut">
               <a:rPr lang="es-ES" smtClean="0"/>
-              <a:t>14/06/2022</a:t>
+              <a:t>21/06/2022</a:t>
             </a:fld>
             <a:endParaRPr lang="es-ES"/>
           </a:p>
@@ -2633,7 +2636,7 @@
           <a:p>
             <a:fld id="{E816971E-1CC9-4B1B-B84A-56D45306C128}" type="datetimeFigureOut">
               <a:rPr lang="es-ES" smtClean="0"/>
-              <a:t>14/06/2022</a:t>
+              <a:t>21/06/2022</a:t>
             </a:fld>
             <a:endParaRPr lang="es-ES"/>
           </a:p>
@@ -5394,7 +5397,7 @@
           <a:graphicData uri="http://schemas.openxmlformats.org/presentationml/2006/ole">
             <mc:AlternateContent xmlns:mc="http://schemas.openxmlformats.org/markup-compatibility/2006">
               <mc:Choice xmlns:v="urn:schemas-microsoft-com:vml" Requires="v">
-                <p:oleObj spid="_x0000_s2123" name="Acrobat Document" r:id="rId3" imgW="3428684" imgH="4800600" progId="AcroExch.Document.7">
+                <p:oleObj spid="_x0000_s2126" name="Acrobat Document" r:id="rId3" imgW="3428684" imgH="4800600" progId="AcroExch.Document.7">
                   <p:embed/>
                 </p:oleObj>
               </mc:Choice>
@@ -7513,7 +7516,7 @@
           <a:graphicData uri="http://schemas.openxmlformats.org/presentationml/2006/ole">
             <mc:AlternateContent xmlns:mc="http://schemas.openxmlformats.org/markup-compatibility/2006">
               <mc:Choice xmlns:v="urn:schemas-microsoft-com:vml" Requires="v">
-                <p:oleObj spid="_x0000_s3105" name="Acrobat Document" r:id="rId3" imgW="3428684" imgH="4800600" progId="AcroExch.Document.7">
+                <p:oleObj spid="_x0000_s3108" name="Acrobat Document" r:id="rId3" imgW="3428684" imgH="4800600" progId="AcroExch.Document.7">
                   <p:embed/>
                 </p:oleObj>
               </mc:Choice>
@@ -8115,7 +8118,7 @@
     <p:controls>
       <mc:AlternateContent xmlns:mc="http://schemas.openxmlformats.org/markup-compatibility/2006">
         <mc:Choice xmlns:v="urn:schemas-microsoft-com:vml" Requires="v">
-          <p:control spid="1423" name="HTMLCheckbox1" r:id="rId2" imgW="257040" imgH="304920"/>
+          <p:control spid="1435" name="HTMLCheckbox1" r:id="rId2" imgW="257040" imgH="304920"/>
         </mc:Choice>
         <mc:Fallback>
           <p:control name="HTMLCheckbox1" r:id="rId2" imgW="257040" imgH="304920">
@@ -8167,7 +8170,7 @@
       </mc:AlternateContent>
       <mc:AlternateContent xmlns:mc="http://schemas.openxmlformats.org/markup-compatibility/2006">
         <mc:Choice xmlns:v="urn:schemas-microsoft-com:vml" Requires="v">
-          <p:control spid="1424" name="HTMLCheckbox2" r:id="rId3" imgW="257040" imgH="304920"/>
+          <p:control spid="1436" name="HTMLCheckbox2" r:id="rId3" imgW="257040" imgH="304920"/>
         </mc:Choice>
         <mc:Fallback>
           <p:control name="HTMLCheckbox2" r:id="rId3" imgW="257040" imgH="304920">
@@ -8219,7 +8222,7 @@
       </mc:AlternateContent>
       <mc:AlternateContent xmlns:mc="http://schemas.openxmlformats.org/markup-compatibility/2006">
         <mc:Choice xmlns:v="urn:schemas-microsoft-com:vml" Requires="v">
-          <p:control spid="1425" name="HTMLCheckbox3" r:id="rId4" imgW="257040" imgH="304920"/>
+          <p:control spid="1437" name="HTMLCheckbox3" r:id="rId4" imgW="257040" imgH="304920"/>
         </mc:Choice>
         <mc:Fallback>
           <p:control name="HTMLCheckbox3" r:id="rId4" imgW="257040" imgH="304920">
@@ -8271,7 +8274,7 @@
       </mc:AlternateContent>
       <mc:AlternateContent xmlns:mc="http://schemas.openxmlformats.org/markup-compatibility/2006">
         <mc:Choice xmlns:v="urn:schemas-microsoft-com:vml" Requires="v">
-          <p:control spid="1426" name="HTMLCheckbox4" r:id="rId5" imgW="257040" imgH="304920"/>
+          <p:control spid="1438" name="HTMLCheckbox4" r:id="rId5" imgW="257040" imgH="304920"/>
         </mc:Choice>
         <mc:Fallback>
           <p:control name="HTMLCheckbox4" r:id="rId5" imgW="257040" imgH="304920">
@@ -11114,33 +11117,62 @@
             <a:spLocks noGrp="1"/>
           </p:cNvSpPr>
           <p:nvPr>
-            <p:ph type="title"/>
-          </p:nvPr>
-        </p:nvSpPr>
-        <p:spPr/>
-        <p:txBody>
-          <a:bodyPr/>
-          <a:lstStyle/>
-          <a:p>
-            <a:endParaRPr lang="es-ES"/>
-          </a:p>
-        </p:txBody>
-      </p:sp>
-      <p:sp>
-        <p:nvSpPr>
-          <p:cNvPr id="3" name="Marcador de contenido 2"/>
-          <p:cNvSpPr>
-            <a:spLocks noGrp="1"/>
-          </p:cNvSpPr>
-          <p:nvPr>
-            <p:ph idx="1"/>
-          </p:nvPr>
-        </p:nvSpPr>
-        <p:spPr/>
-        <p:txBody>
-          <a:bodyPr/>
-          <a:lstStyle/>
-          <a:p>
+            <p:ph type="ctrTitle"/>
+          </p:nvPr>
+        </p:nvSpPr>
+        <p:spPr>
+          <a:xfrm>
+            <a:off x="1524000" y="1122363"/>
+            <a:ext cx="9144000" cy="496125"/>
+          </a:xfrm>
+        </p:spPr>
+        <p:txBody>
+          <a:bodyPr>
+            <a:normAutofit fontScale="90000"/>
+          </a:bodyPr>
+          <a:lstStyle/>
+          <a:p>
+            <a:r>
+              <a:rPr lang="es-ES" dirty="0"/>
+              <a:t>Fusión de datos </a:t>
+            </a:r>
+            <a:r>
+              <a:rPr lang="es-ES" dirty="0" smtClean="0"/>
+              <a:t>heterogéneos: </a:t>
+            </a:r>
+            <a:endParaRPr lang="es-ES" dirty="0"/>
+          </a:p>
+        </p:txBody>
+      </p:sp>
+      <p:sp>
+        <p:nvSpPr>
+          <p:cNvPr id="3" name="Subtítulo 2"/>
+          <p:cNvSpPr>
+            <a:spLocks noGrp="1"/>
+          </p:cNvSpPr>
+          <p:nvPr>
+            <p:ph type="subTitle" idx="1"/>
+          </p:nvPr>
+        </p:nvSpPr>
+        <p:spPr>
+          <a:xfrm>
+            <a:off x="1524000" y="1755648"/>
+            <a:ext cx="9144000" cy="3502152"/>
+          </a:xfrm>
+        </p:spPr>
+        <p:txBody>
+          <a:bodyPr>
+            <a:normAutofit/>
+          </a:bodyPr>
+          <a:lstStyle/>
+          <a:p>
+            <a:endParaRPr lang="es-ES" dirty="0" smtClean="0"/>
+          </a:p>
+          <a:p>
+            <a:r>
+              <a:rPr lang="es-ES" dirty="0" smtClean="0"/>
+              <a:t>22/06/22</a:t>
+            </a:r>
             <a:endParaRPr lang="es-ES" dirty="0"/>
           </a:p>
         </p:txBody>
@@ -11148,7 +11180,417 @@
     </p:spTree>
     <p:extLst>
       <p:ext uri="{BB962C8B-B14F-4D97-AF65-F5344CB8AC3E}">
-        <p14:creationId xmlns:p14="http://schemas.microsoft.com/office/powerpoint/2010/main" val="639327384"/>
+        <p14:creationId xmlns:p14="http://schemas.microsoft.com/office/powerpoint/2010/main" val="2165125099"/>
+      </p:ext>
+    </p:extLst>
+  </p:cSld>
+  <p:clrMapOvr>
+    <a:masterClrMapping/>
+  </p:clrMapOvr>
+</p:sld>
+</file>
+
+<file path=ppt/slides/slide55.xml><?xml version="1.0" encoding="utf-8"?>
+<p:sld xmlns:a="http://schemas.openxmlformats.org/drawingml/2006/main" xmlns:r="http://schemas.openxmlformats.org/officeDocument/2006/relationships" xmlns:p="http://schemas.openxmlformats.org/presentationml/2006/main">
+  <p:cSld>
+    <p:spTree>
+      <p:nvGrpSpPr>
+        <p:cNvPr id="1" name=""/>
+        <p:cNvGrpSpPr/>
+        <p:nvPr/>
+      </p:nvGrpSpPr>
+      <p:grpSpPr>
+        <a:xfrm>
+          <a:off x="0" y="0"/>
+          <a:ext cx="0" cy="0"/>
+          <a:chOff x="0" y="0"/>
+          <a:chExt cx="0" cy="0"/>
+        </a:xfrm>
+      </p:grpSpPr>
+      <p:sp>
+        <p:nvSpPr>
+          <p:cNvPr id="2" name="Título 1"/>
+          <p:cNvSpPr>
+            <a:spLocks noGrp="1"/>
+          </p:cNvSpPr>
+          <p:nvPr>
+            <p:ph type="title"/>
+          </p:nvPr>
+        </p:nvSpPr>
+        <p:spPr/>
+        <p:txBody>
+          <a:bodyPr/>
+          <a:lstStyle/>
+          <a:p>
+            <a:r>
+              <a:rPr lang="es-ES" dirty="0" smtClean="0"/>
+              <a:t>Problema: Falta de datos</a:t>
+            </a:r>
+            <a:endParaRPr lang="es-ES" dirty="0"/>
+          </a:p>
+        </p:txBody>
+      </p:sp>
+      <p:sp>
+        <p:nvSpPr>
+          <p:cNvPr id="3" name="Marcador de contenido 2"/>
+          <p:cNvSpPr>
+            <a:spLocks noGrp="1"/>
+          </p:cNvSpPr>
+          <p:nvPr>
+            <p:ph idx="1"/>
+          </p:nvPr>
+        </p:nvSpPr>
+        <p:spPr/>
+        <p:txBody>
+          <a:bodyPr/>
+          <a:lstStyle/>
+          <a:p>
+            <a:r>
+              <a:rPr lang="es-ES" dirty="0" smtClean="0"/>
+              <a:t>Para </a:t>
+            </a:r>
+            <a:r>
+              <a:rPr lang="es-ES" dirty="0" err="1" smtClean="0"/>
+              <a:t>RNASeq</a:t>
+            </a:r>
+            <a:r>
+              <a:rPr lang="es-ES" dirty="0" smtClean="0"/>
+              <a:t> y otros datos hay menos de 10 </a:t>
+            </a:r>
+            <a:r>
+              <a:rPr lang="es-ES" dirty="0" err="1" smtClean="0"/>
+              <a:t>samples</a:t>
+            </a:r>
+            <a:r>
+              <a:rPr lang="es-ES" dirty="0"/>
+              <a:t> </a:t>
+            </a:r>
+            <a:r>
+              <a:rPr lang="es-ES" dirty="0" smtClean="0"/>
+              <a:t>positivas para páncreas.</a:t>
+            </a:r>
+          </a:p>
+          <a:p>
+            <a:endParaRPr lang="es-ES" dirty="0"/>
+          </a:p>
+          <a:p>
+            <a:r>
+              <a:rPr lang="es-ES" dirty="0" smtClean="0"/>
+              <a:t>Solución: Usar otro set</a:t>
+            </a:r>
+          </a:p>
+          <a:p>
+            <a:endParaRPr lang="es-ES" dirty="0" smtClean="0"/>
+          </a:p>
+          <a:p>
+            <a:endParaRPr lang="es-ES" dirty="0"/>
+          </a:p>
+        </p:txBody>
+      </p:sp>
+    </p:spTree>
+    <p:extLst>
+      <p:ext uri="{BB962C8B-B14F-4D97-AF65-F5344CB8AC3E}">
+        <p14:creationId xmlns:p14="http://schemas.microsoft.com/office/powerpoint/2010/main" val="2296678827"/>
+      </p:ext>
+    </p:extLst>
+  </p:cSld>
+  <p:clrMapOvr>
+    <a:masterClrMapping/>
+  </p:clrMapOvr>
+</p:sld>
+</file>
+
+<file path=ppt/slides/slide56.xml><?xml version="1.0" encoding="utf-8"?>
+<p:sld xmlns:a="http://schemas.openxmlformats.org/drawingml/2006/main" xmlns:r="http://schemas.openxmlformats.org/officeDocument/2006/relationships" xmlns:p="http://schemas.openxmlformats.org/presentationml/2006/main">
+  <p:cSld>
+    <p:spTree>
+      <p:nvGrpSpPr>
+        <p:cNvPr id="1" name=""/>
+        <p:cNvGrpSpPr/>
+        <p:nvPr/>
+      </p:nvGrpSpPr>
+      <p:grpSpPr>
+        <a:xfrm>
+          <a:off x="0" y="0"/>
+          <a:ext cx="0" cy="0"/>
+          <a:chOff x="0" y="0"/>
+          <a:chExt cx="0" cy="0"/>
+        </a:xfrm>
+      </p:grpSpPr>
+      <p:sp>
+        <p:nvSpPr>
+          <p:cNvPr id="2" name="Título 1"/>
+          <p:cNvSpPr>
+            <a:spLocks noGrp="1"/>
+          </p:cNvSpPr>
+          <p:nvPr>
+            <p:ph type="title"/>
+          </p:nvPr>
+        </p:nvSpPr>
+        <p:spPr/>
+        <p:txBody>
+          <a:bodyPr/>
+          <a:lstStyle/>
+          <a:p>
+            <a:r>
+              <a:rPr lang="es-ES" dirty="0" smtClean="0"/>
+              <a:t>TGCA: READ-COAD</a:t>
+            </a:r>
+            <a:endParaRPr lang="es-ES" dirty="0"/>
+          </a:p>
+        </p:txBody>
+      </p:sp>
+      <p:sp>
+        <p:nvSpPr>
+          <p:cNvPr id="3" name="Marcador de contenido 2"/>
+          <p:cNvSpPr>
+            <a:spLocks noGrp="1"/>
+          </p:cNvSpPr>
+          <p:nvPr>
+            <p:ph idx="1"/>
+          </p:nvPr>
+        </p:nvSpPr>
+        <p:spPr>
+          <a:xfrm>
+            <a:off x="6342425" y="1690689"/>
+            <a:ext cx="5011374" cy="4486274"/>
+          </a:xfrm>
+        </p:spPr>
+        <p:txBody>
+          <a:bodyPr/>
+          <a:lstStyle/>
+          <a:p>
+            <a:r>
+              <a:rPr lang="es-ES" dirty="0" smtClean="0"/>
+              <a:t>Problema de 3 clases</a:t>
+            </a:r>
+          </a:p>
+          <a:p>
+            <a:endParaRPr lang="es-ES" dirty="0" smtClean="0"/>
+          </a:p>
+          <a:p>
+            <a:r>
+              <a:rPr lang="es-ES" dirty="0" smtClean="0"/>
+              <a:t>Más casos, 627 en vez de 185</a:t>
+            </a:r>
+            <a:endParaRPr lang="es-ES" dirty="0"/>
+          </a:p>
+        </p:txBody>
+      </p:sp>
+      <p:pic>
+        <p:nvPicPr>
+          <p:cNvPr id="4100" name="Picture 4" descr="https://lh3.googleusercontent.com/CIVC0nmtD4iqwrERreEqJr1uCltYXPF3nrVOcUETQ74yCeDkYdvovoTmGJAjIbGsq5GjsVxfrhz2IzaIwLfeVs4dbfuxz4Lnoha74oOWw-9isCntRXYm6OTgOIdHCVbEbu8SG24uQIc4d8P1QKbggg"/>
+          <p:cNvPicPr>
+            <a:picLocks noChangeAspect="1" noChangeArrowheads="1"/>
+          </p:cNvPicPr>
+          <p:nvPr/>
+        </p:nvPicPr>
+        <p:blipFill>
+          <a:blip r:embed="rId2">
+            <a:extLst>
+              <a:ext uri="{28A0092B-C50C-407E-A947-70E740481C1C}">
+                <a14:useLocalDpi xmlns:a14="http://schemas.microsoft.com/office/drawing/2010/main" val="0"/>
+              </a:ext>
+            </a:extLst>
+          </a:blip>
+          <a:srcRect/>
+          <a:stretch>
+            <a:fillRect/>
+          </a:stretch>
+        </p:blipFill>
+        <p:spPr bwMode="auto">
+          <a:xfrm>
+            <a:off x="1054984" y="3007843"/>
+            <a:ext cx="5287441" cy="1639108"/>
+          </a:xfrm>
+          <a:prstGeom prst="rect">
+            <a:avLst/>
+          </a:prstGeom>
+          <a:noFill/>
+          <a:extLst>
+            <a:ext uri="{909E8E84-426E-40DD-AFC4-6F175D3DCCD1}">
+              <a14:hiddenFill xmlns:a14="http://schemas.microsoft.com/office/drawing/2010/main">
+                <a:solidFill>
+                  <a:srgbClr val="FFFFFF"/>
+                </a:solidFill>
+              </a14:hiddenFill>
+            </a:ext>
+          </a:extLst>
+        </p:spPr>
+      </p:pic>
+    </p:spTree>
+    <p:extLst>
+      <p:ext uri="{BB962C8B-B14F-4D97-AF65-F5344CB8AC3E}">
+        <p14:creationId xmlns:p14="http://schemas.microsoft.com/office/powerpoint/2010/main" val="1312462286"/>
+      </p:ext>
+    </p:extLst>
+  </p:cSld>
+  <p:clrMapOvr>
+    <a:masterClrMapping/>
+  </p:clrMapOvr>
+</p:sld>
+</file>
+
+<file path=ppt/slides/slide57.xml><?xml version="1.0" encoding="utf-8"?>
+<p:sld xmlns:a="http://schemas.openxmlformats.org/drawingml/2006/main" xmlns:r="http://schemas.openxmlformats.org/officeDocument/2006/relationships" xmlns:p="http://schemas.openxmlformats.org/presentationml/2006/main">
+  <p:cSld>
+    <p:spTree>
+      <p:nvGrpSpPr>
+        <p:cNvPr id="1" name=""/>
+        <p:cNvGrpSpPr/>
+        <p:nvPr/>
+      </p:nvGrpSpPr>
+      <p:grpSpPr>
+        <a:xfrm>
+          <a:off x="0" y="0"/>
+          <a:ext cx="0" cy="0"/>
+          <a:chOff x="0" y="0"/>
+          <a:chExt cx="0" cy="0"/>
+        </a:xfrm>
+      </p:grpSpPr>
+      <p:sp>
+        <p:nvSpPr>
+          <p:cNvPr id="2" name="Título 1"/>
+          <p:cNvSpPr>
+            <a:spLocks noGrp="1"/>
+          </p:cNvSpPr>
+          <p:nvPr>
+            <p:ph type="title"/>
+          </p:nvPr>
+        </p:nvSpPr>
+        <p:spPr/>
+        <p:txBody>
+          <a:bodyPr/>
+          <a:lstStyle/>
+          <a:p>
+            <a:r>
+              <a:rPr lang="es-ES" dirty="0" smtClean="0"/>
+              <a:t>Problema</a:t>
+            </a:r>
+            <a:endParaRPr lang="es-ES" dirty="0"/>
+          </a:p>
+        </p:txBody>
+      </p:sp>
+      <p:sp>
+        <p:nvSpPr>
+          <p:cNvPr id="3" name="Marcador de contenido 2"/>
+          <p:cNvSpPr>
+            <a:spLocks noGrp="1"/>
+          </p:cNvSpPr>
+          <p:nvPr>
+            <p:ph idx="1"/>
+          </p:nvPr>
+        </p:nvSpPr>
+        <p:spPr/>
+        <p:txBody>
+          <a:bodyPr/>
+          <a:lstStyle/>
+          <a:p>
+            <a:r>
+              <a:rPr lang="es-ES" dirty="0" smtClean="0"/>
+              <a:t>Usar </a:t>
+            </a:r>
+            <a:r>
+              <a:rPr lang="es-ES" dirty="0" err="1" smtClean="0"/>
+              <a:t>tissue</a:t>
+            </a:r>
+            <a:r>
+              <a:rPr lang="es-ES" dirty="0" smtClean="0"/>
+              <a:t> </a:t>
+            </a:r>
+            <a:r>
+              <a:rPr lang="es-ES" dirty="0" err="1" smtClean="0"/>
+              <a:t>slide</a:t>
+            </a:r>
+            <a:r>
+              <a:rPr lang="es-ES" dirty="0" smtClean="0"/>
+              <a:t> (TS) o </a:t>
+            </a:r>
+            <a:r>
+              <a:rPr lang="es-ES" dirty="0" err="1" smtClean="0"/>
+              <a:t>diagnostic</a:t>
+            </a:r>
+            <a:r>
+              <a:rPr lang="es-ES" dirty="0" smtClean="0"/>
+              <a:t> </a:t>
+            </a:r>
+            <a:r>
+              <a:rPr lang="es-ES" dirty="0" err="1" smtClean="0"/>
+              <a:t>slide</a:t>
+            </a:r>
+            <a:r>
+              <a:rPr lang="es-ES" dirty="0" smtClean="0"/>
+              <a:t> (DX) o los dos</a:t>
+            </a:r>
+          </a:p>
+          <a:p>
+            <a:pPr marL="0" indent="0">
+              <a:buNone/>
+            </a:pPr>
+            <a:endParaRPr lang="es-ES" dirty="0"/>
+          </a:p>
+          <a:p>
+            <a:r>
+              <a:rPr lang="es-ES" dirty="0" err="1" smtClean="0"/>
+              <a:t>Diagnostic</a:t>
+            </a:r>
+            <a:r>
+              <a:rPr lang="es-ES" dirty="0" smtClean="0"/>
+              <a:t> </a:t>
+            </a:r>
+            <a:r>
+              <a:rPr lang="es-ES" dirty="0" err="1" smtClean="0"/>
+              <a:t>slide</a:t>
+            </a:r>
+            <a:r>
+              <a:rPr lang="es-ES" dirty="0" smtClean="0"/>
+              <a:t>: </a:t>
+            </a:r>
+            <a:r>
+              <a:rPr lang="es-ES" dirty="0" err="1" smtClean="0"/>
+              <a:t>Samples</a:t>
+            </a:r>
+            <a:r>
+              <a:rPr lang="es-ES" dirty="0" smtClean="0"/>
+              <a:t> usadas para diagnóstico. Mejor calidad de imágenes</a:t>
+            </a:r>
+          </a:p>
+          <a:p>
+            <a:endParaRPr lang="es-ES" dirty="0"/>
+          </a:p>
+          <a:p>
+            <a:r>
+              <a:rPr lang="es-ES" dirty="0" err="1" smtClean="0"/>
+              <a:t>Tissue</a:t>
+            </a:r>
+            <a:r>
+              <a:rPr lang="es-ES" dirty="0" smtClean="0"/>
+              <a:t> </a:t>
+            </a:r>
+            <a:r>
+              <a:rPr lang="es-ES" u="sng" dirty="0" err="1" smtClean="0"/>
+              <a:t>slide</a:t>
+            </a:r>
+            <a:r>
+              <a:rPr lang="es-ES" dirty="0" smtClean="0"/>
+              <a:t>: </a:t>
+            </a:r>
+            <a:r>
+              <a:rPr lang="es-ES" dirty="0" err="1" smtClean="0"/>
+              <a:t>Samples</a:t>
+            </a:r>
+            <a:r>
+              <a:rPr lang="es-ES" dirty="0" smtClean="0"/>
+              <a:t> tomadas para hacer otros estudios</a:t>
+            </a:r>
+            <a:endParaRPr lang="es-ES" dirty="0"/>
+          </a:p>
+        </p:txBody>
+      </p:sp>
+    </p:spTree>
+    <p:extLst>
+      <p:ext uri="{BB962C8B-B14F-4D97-AF65-F5344CB8AC3E}">
+        <p14:creationId xmlns:p14="http://schemas.microsoft.com/office/powerpoint/2010/main" val="3290634519"/>
       </p:ext>
     </p:extLst>
   </p:cSld>

--- a/PAAD_Presentation.pptx
+++ b/PAAD_Presentation.pptx
@@ -62,6 +62,26 @@
     <p:sldId id="322" r:id="rId56"/>
     <p:sldId id="323" r:id="rId57"/>
     <p:sldId id="324" r:id="rId58"/>
+    <p:sldId id="326" r:id="rId59"/>
+    <p:sldId id="327" r:id="rId60"/>
+    <p:sldId id="328" r:id="rId61"/>
+    <p:sldId id="329" r:id="rId62"/>
+    <p:sldId id="331" r:id="rId63"/>
+    <p:sldId id="330" r:id="rId64"/>
+    <p:sldId id="333" r:id="rId65"/>
+    <p:sldId id="334" r:id="rId66"/>
+    <p:sldId id="335" r:id="rId67"/>
+    <p:sldId id="336" r:id="rId68"/>
+    <p:sldId id="337" r:id="rId69"/>
+    <p:sldId id="338" r:id="rId70"/>
+    <p:sldId id="340" r:id="rId71"/>
+    <p:sldId id="339" r:id="rId72"/>
+    <p:sldId id="341" r:id="rId73"/>
+    <p:sldId id="346" r:id="rId74"/>
+    <p:sldId id="342" r:id="rId75"/>
+    <p:sldId id="343" r:id="rId76"/>
+    <p:sldId id="344" r:id="rId77"/>
+    <p:sldId id="347" r:id="rId78"/>
   </p:sldIdLst>
   <p:sldSz cx="12192000" cy="6858000"/>
   <p:notesSz cx="6858000" cy="9144000"/>
@@ -315,7 +335,7 @@
           <a:p>
             <a:fld id="{E816971E-1CC9-4B1B-B84A-56D45306C128}" type="datetimeFigureOut">
               <a:rPr lang="es-ES" smtClean="0"/>
-              <a:t>21/06/2022</a:t>
+              <a:t>05/09/2022</a:t>
             </a:fld>
             <a:endParaRPr lang="es-ES"/>
           </a:p>
@@ -485,7 +505,7 @@
           <a:p>
             <a:fld id="{E816971E-1CC9-4B1B-B84A-56D45306C128}" type="datetimeFigureOut">
               <a:rPr lang="es-ES" smtClean="0"/>
-              <a:t>21/06/2022</a:t>
+              <a:t>05/09/2022</a:t>
             </a:fld>
             <a:endParaRPr lang="es-ES"/>
           </a:p>
@@ -665,7 +685,7 @@
           <a:p>
             <a:fld id="{E816971E-1CC9-4B1B-B84A-56D45306C128}" type="datetimeFigureOut">
               <a:rPr lang="es-ES" smtClean="0"/>
-              <a:t>21/06/2022</a:t>
+              <a:t>05/09/2022</a:t>
             </a:fld>
             <a:endParaRPr lang="es-ES"/>
           </a:p>
@@ -835,7 +855,7 @@
           <a:p>
             <a:fld id="{E816971E-1CC9-4B1B-B84A-56D45306C128}" type="datetimeFigureOut">
               <a:rPr lang="es-ES" smtClean="0"/>
-              <a:t>21/06/2022</a:t>
+              <a:t>05/09/2022</a:t>
             </a:fld>
             <a:endParaRPr lang="es-ES"/>
           </a:p>
@@ -1081,7 +1101,7 @@
           <a:p>
             <a:fld id="{E816971E-1CC9-4B1B-B84A-56D45306C128}" type="datetimeFigureOut">
               <a:rPr lang="es-ES" smtClean="0"/>
-              <a:t>21/06/2022</a:t>
+              <a:t>05/09/2022</a:t>
             </a:fld>
             <a:endParaRPr lang="es-ES"/>
           </a:p>
@@ -1313,7 +1333,7 @@
           <a:p>
             <a:fld id="{E816971E-1CC9-4B1B-B84A-56D45306C128}" type="datetimeFigureOut">
               <a:rPr lang="es-ES" smtClean="0"/>
-              <a:t>21/06/2022</a:t>
+              <a:t>05/09/2022</a:t>
             </a:fld>
             <a:endParaRPr lang="es-ES"/>
           </a:p>
@@ -1680,7 +1700,7 @@
           <a:p>
             <a:fld id="{E816971E-1CC9-4B1B-B84A-56D45306C128}" type="datetimeFigureOut">
               <a:rPr lang="es-ES" smtClean="0"/>
-              <a:t>21/06/2022</a:t>
+              <a:t>05/09/2022</a:t>
             </a:fld>
             <a:endParaRPr lang="es-ES"/>
           </a:p>
@@ -1798,7 +1818,7 @@
           <a:p>
             <a:fld id="{E816971E-1CC9-4B1B-B84A-56D45306C128}" type="datetimeFigureOut">
               <a:rPr lang="es-ES" smtClean="0"/>
-              <a:t>21/06/2022</a:t>
+              <a:t>05/09/2022</a:t>
             </a:fld>
             <a:endParaRPr lang="es-ES"/>
           </a:p>
@@ -1893,7 +1913,7 @@
           <a:p>
             <a:fld id="{E816971E-1CC9-4B1B-B84A-56D45306C128}" type="datetimeFigureOut">
               <a:rPr lang="es-ES" smtClean="0"/>
-              <a:t>21/06/2022</a:t>
+              <a:t>05/09/2022</a:t>
             </a:fld>
             <a:endParaRPr lang="es-ES"/>
           </a:p>
@@ -2170,7 +2190,7 @@
           <a:p>
             <a:fld id="{E816971E-1CC9-4B1B-B84A-56D45306C128}" type="datetimeFigureOut">
               <a:rPr lang="es-ES" smtClean="0"/>
-              <a:t>21/06/2022</a:t>
+              <a:t>05/09/2022</a:t>
             </a:fld>
             <a:endParaRPr lang="es-ES"/>
           </a:p>
@@ -2423,7 +2443,7 @@
           <a:p>
             <a:fld id="{E816971E-1CC9-4B1B-B84A-56D45306C128}" type="datetimeFigureOut">
               <a:rPr lang="es-ES" smtClean="0"/>
-              <a:t>21/06/2022</a:t>
+              <a:t>05/09/2022</a:t>
             </a:fld>
             <a:endParaRPr lang="es-ES"/>
           </a:p>
@@ -2636,7 +2656,7 @@
           <a:p>
             <a:fld id="{E816971E-1CC9-4B1B-B84A-56D45306C128}" type="datetimeFigureOut">
               <a:rPr lang="es-ES" smtClean="0"/>
-              <a:t>21/06/2022</a:t>
+              <a:t>05/09/2022</a:t>
             </a:fld>
             <a:endParaRPr lang="es-ES"/>
           </a:p>
@@ -5397,7 +5417,7 @@
           <a:graphicData uri="http://schemas.openxmlformats.org/presentationml/2006/ole">
             <mc:AlternateContent xmlns:mc="http://schemas.openxmlformats.org/markup-compatibility/2006">
               <mc:Choice xmlns:v="urn:schemas-microsoft-com:vml" Requires="v">
-                <p:oleObj spid="_x0000_s2126" name="Acrobat Document" r:id="rId3" imgW="3428684" imgH="4800600" progId="AcroExch.Document.7">
+                <p:oleObj spid="_x0000_s2147" name="Acrobat Document" r:id="rId3" imgW="3428684" imgH="4800600" progId="AcroExch.Document.7">
                   <p:embed/>
                 </p:oleObj>
               </mc:Choice>
@@ -7516,7 +7536,7 @@
           <a:graphicData uri="http://schemas.openxmlformats.org/presentationml/2006/ole">
             <mc:AlternateContent xmlns:mc="http://schemas.openxmlformats.org/markup-compatibility/2006">
               <mc:Choice xmlns:v="urn:schemas-microsoft-com:vml" Requires="v">
-                <p:oleObj spid="_x0000_s3108" name="Acrobat Document" r:id="rId3" imgW="3428684" imgH="4800600" progId="AcroExch.Document.7">
+                <p:oleObj spid="_x0000_s3129" name="Acrobat Document" r:id="rId3" imgW="3428684" imgH="4800600" progId="AcroExch.Document.7">
                   <p:embed/>
                 </p:oleObj>
               </mc:Choice>
@@ -8118,7 +8138,7 @@
     <p:controls>
       <mc:AlternateContent xmlns:mc="http://schemas.openxmlformats.org/markup-compatibility/2006">
         <mc:Choice xmlns:v="urn:schemas-microsoft-com:vml" Requires="v">
-          <p:control spid="1435" name="HTMLCheckbox1" r:id="rId2" imgW="257040" imgH="304920"/>
+          <p:control spid="1519" name="HTMLCheckbox1" r:id="rId2" imgW="257040" imgH="304920"/>
         </mc:Choice>
         <mc:Fallback>
           <p:control name="HTMLCheckbox1" r:id="rId2" imgW="257040" imgH="304920">
@@ -8170,7 +8190,7 @@
       </mc:AlternateContent>
       <mc:AlternateContent xmlns:mc="http://schemas.openxmlformats.org/markup-compatibility/2006">
         <mc:Choice xmlns:v="urn:schemas-microsoft-com:vml" Requires="v">
-          <p:control spid="1436" name="HTMLCheckbox2" r:id="rId3" imgW="257040" imgH="304920"/>
+          <p:control spid="1520" name="HTMLCheckbox2" r:id="rId3" imgW="257040" imgH="304920"/>
         </mc:Choice>
         <mc:Fallback>
           <p:control name="HTMLCheckbox2" r:id="rId3" imgW="257040" imgH="304920">
@@ -8222,7 +8242,7 @@
       </mc:AlternateContent>
       <mc:AlternateContent xmlns:mc="http://schemas.openxmlformats.org/markup-compatibility/2006">
         <mc:Choice xmlns:v="urn:schemas-microsoft-com:vml" Requires="v">
-          <p:control spid="1437" name="HTMLCheckbox3" r:id="rId4" imgW="257040" imgH="304920"/>
+          <p:control spid="1521" name="HTMLCheckbox3" r:id="rId4" imgW="257040" imgH="304920"/>
         </mc:Choice>
         <mc:Fallback>
           <p:control name="HTMLCheckbox3" r:id="rId4" imgW="257040" imgH="304920">
@@ -8274,7 +8294,7 @@
       </mc:AlternateContent>
       <mc:AlternateContent xmlns:mc="http://schemas.openxmlformats.org/markup-compatibility/2006">
         <mc:Choice xmlns:v="urn:schemas-microsoft-com:vml" Requires="v">
-          <p:control spid="1438" name="HTMLCheckbox4" r:id="rId5" imgW="257040" imgH="304920"/>
+          <p:control spid="1522" name="HTMLCheckbox4" r:id="rId5" imgW="257040" imgH="304920"/>
         </mc:Choice>
         <mc:Fallback>
           <p:control name="HTMLCheckbox4" r:id="rId5" imgW="257040" imgH="304920">
@@ -11600,6 +11620,324 @@
 </p:sld>
 </file>
 
+<file path=ppt/slides/slide58.xml><?xml version="1.0" encoding="utf-8"?>
+<p:sld xmlns:a="http://schemas.openxmlformats.org/drawingml/2006/main" xmlns:r="http://schemas.openxmlformats.org/officeDocument/2006/relationships" xmlns:p="http://schemas.openxmlformats.org/presentationml/2006/main">
+  <p:cSld>
+    <p:spTree>
+      <p:nvGrpSpPr>
+        <p:cNvPr id="1" name=""/>
+        <p:cNvGrpSpPr/>
+        <p:nvPr/>
+      </p:nvGrpSpPr>
+      <p:grpSpPr>
+        <a:xfrm>
+          <a:off x="0" y="0"/>
+          <a:ext cx="0" cy="0"/>
+          <a:chOff x="0" y="0"/>
+          <a:chExt cx="0" cy="0"/>
+        </a:xfrm>
+      </p:grpSpPr>
+      <p:sp>
+        <p:nvSpPr>
+          <p:cNvPr id="2" name="Título 1"/>
+          <p:cNvSpPr>
+            <a:spLocks noGrp="1"/>
+          </p:cNvSpPr>
+          <p:nvPr>
+            <p:ph type="ctrTitle"/>
+          </p:nvPr>
+        </p:nvSpPr>
+        <p:spPr>
+          <a:xfrm>
+            <a:off x="1524000" y="1077392"/>
+            <a:ext cx="9144000" cy="496125"/>
+          </a:xfrm>
+        </p:spPr>
+        <p:txBody>
+          <a:bodyPr>
+            <a:normAutofit fontScale="90000"/>
+          </a:bodyPr>
+          <a:lstStyle/>
+          <a:p>
+            <a:r>
+              <a:rPr lang="es-ES" dirty="0"/>
+              <a:t>Fusión de datos </a:t>
+            </a:r>
+            <a:r>
+              <a:rPr lang="es-ES" dirty="0" smtClean="0"/>
+              <a:t>heterogéneos: </a:t>
+            </a:r>
+            <a:endParaRPr lang="es-ES" dirty="0"/>
+          </a:p>
+        </p:txBody>
+      </p:sp>
+      <p:sp>
+        <p:nvSpPr>
+          <p:cNvPr id="3" name="Subtítulo 2"/>
+          <p:cNvSpPr>
+            <a:spLocks noGrp="1"/>
+          </p:cNvSpPr>
+          <p:nvPr>
+            <p:ph type="subTitle" idx="1"/>
+          </p:nvPr>
+        </p:nvSpPr>
+        <p:spPr>
+          <a:xfrm>
+            <a:off x="1524000" y="1755648"/>
+            <a:ext cx="9144000" cy="3502152"/>
+          </a:xfrm>
+        </p:spPr>
+        <p:txBody>
+          <a:bodyPr>
+            <a:normAutofit/>
+          </a:bodyPr>
+          <a:lstStyle/>
+          <a:p>
+            <a:endParaRPr lang="es-ES" dirty="0" smtClean="0"/>
+          </a:p>
+          <a:p>
+            <a:r>
+              <a:rPr lang="es-ES" dirty="0" smtClean="0"/>
+              <a:t>20/07/22</a:t>
+            </a:r>
+            <a:endParaRPr lang="es-ES" dirty="0"/>
+          </a:p>
+        </p:txBody>
+      </p:sp>
+    </p:spTree>
+    <p:extLst>
+      <p:ext uri="{BB962C8B-B14F-4D97-AF65-F5344CB8AC3E}">
+        <p14:creationId xmlns:p14="http://schemas.microsoft.com/office/powerpoint/2010/main" val="2917950408"/>
+      </p:ext>
+    </p:extLst>
+  </p:cSld>
+  <p:clrMapOvr>
+    <a:masterClrMapping/>
+  </p:clrMapOvr>
+</p:sld>
+</file>
+
+<file path=ppt/slides/slide59.xml><?xml version="1.0" encoding="utf-8"?>
+<p:sld xmlns:a="http://schemas.openxmlformats.org/drawingml/2006/main" xmlns:r="http://schemas.openxmlformats.org/officeDocument/2006/relationships" xmlns:p="http://schemas.openxmlformats.org/presentationml/2006/main">
+  <p:cSld>
+    <p:spTree>
+      <p:nvGrpSpPr>
+        <p:cNvPr id="1" name=""/>
+        <p:cNvGrpSpPr/>
+        <p:nvPr/>
+      </p:nvGrpSpPr>
+      <p:grpSpPr>
+        <a:xfrm>
+          <a:off x="0" y="0"/>
+          <a:ext cx="0" cy="0"/>
+          <a:chOff x="0" y="0"/>
+          <a:chExt cx="0" cy="0"/>
+        </a:xfrm>
+      </p:grpSpPr>
+      <p:sp>
+        <p:nvSpPr>
+          <p:cNvPr id="2" name="Título 1"/>
+          <p:cNvSpPr>
+            <a:spLocks noGrp="1"/>
+          </p:cNvSpPr>
+          <p:nvPr>
+            <p:ph type="title"/>
+          </p:nvPr>
+        </p:nvSpPr>
+        <p:spPr/>
+        <p:txBody>
+          <a:bodyPr/>
+          <a:lstStyle/>
+          <a:p>
+            <a:r>
+              <a:rPr lang="es-ES" dirty="0" smtClean="0"/>
+              <a:t>Entrenamiento </a:t>
+            </a:r>
+            <a:r>
+              <a:rPr lang="es-ES" dirty="0" err="1" smtClean="0"/>
+              <a:t>GDC+GTEx</a:t>
+            </a:r>
+            <a:r>
+              <a:rPr lang="es-ES" dirty="0" smtClean="0"/>
+              <a:t> (WSI)</a:t>
+            </a:r>
+            <a:endParaRPr lang="es-ES" dirty="0"/>
+          </a:p>
+        </p:txBody>
+      </p:sp>
+      <p:sp>
+        <p:nvSpPr>
+          <p:cNvPr id="3" name="Marcador de contenido 2"/>
+          <p:cNvSpPr>
+            <a:spLocks noGrp="1"/>
+          </p:cNvSpPr>
+          <p:nvPr>
+            <p:ph idx="1"/>
+          </p:nvPr>
+        </p:nvSpPr>
+        <p:spPr>
+          <a:xfrm>
+            <a:off x="838200" y="1825625"/>
+            <a:ext cx="6836764" cy="4351338"/>
+          </a:xfrm>
+        </p:spPr>
+        <p:txBody>
+          <a:bodyPr/>
+          <a:lstStyle/>
+          <a:p>
+            <a:r>
+              <a:rPr lang="es-ES" dirty="0" err="1"/>
+              <a:t>Patches</a:t>
+            </a:r>
+            <a:r>
+              <a:rPr lang="es-ES" dirty="0"/>
+              <a:t> </a:t>
+            </a:r>
+            <a:r>
+              <a:rPr lang="es-ES" dirty="0" err="1"/>
+              <a:t>for</a:t>
+            </a:r>
+            <a:r>
+              <a:rPr lang="es-ES" dirty="0"/>
+              <a:t> training: </a:t>
+            </a:r>
+            <a:r>
+              <a:rPr lang="es-ES" dirty="0" smtClean="0"/>
+              <a:t>70013</a:t>
+            </a:r>
+          </a:p>
+          <a:p>
+            <a:r>
+              <a:rPr lang="es-ES" dirty="0" err="1" smtClean="0"/>
+              <a:t>Patches</a:t>
+            </a:r>
+            <a:r>
+              <a:rPr lang="es-ES" dirty="0" smtClean="0"/>
+              <a:t> </a:t>
+            </a:r>
+            <a:r>
+              <a:rPr lang="es-ES" dirty="0" err="1"/>
+              <a:t>for</a:t>
+            </a:r>
+            <a:r>
+              <a:rPr lang="es-ES" dirty="0"/>
+              <a:t> </a:t>
+            </a:r>
+            <a:r>
+              <a:rPr lang="es-ES" dirty="0" err="1"/>
+              <a:t>validation</a:t>
+            </a:r>
+            <a:r>
+              <a:rPr lang="es-ES" dirty="0"/>
+              <a:t>: </a:t>
+            </a:r>
+            <a:r>
+              <a:rPr lang="es-ES" dirty="0" smtClean="0"/>
+              <a:t>8209</a:t>
+            </a:r>
+          </a:p>
+          <a:p>
+            <a:r>
+              <a:rPr lang="es-ES" dirty="0" err="1" smtClean="0"/>
+              <a:t>Patches</a:t>
+            </a:r>
+            <a:r>
+              <a:rPr lang="es-ES" dirty="0" smtClean="0"/>
+              <a:t> </a:t>
+            </a:r>
+            <a:r>
+              <a:rPr lang="es-ES" dirty="0" err="1" smtClean="0"/>
+              <a:t>for</a:t>
+            </a:r>
+            <a:r>
+              <a:rPr lang="es-ES" dirty="0" smtClean="0"/>
+              <a:t> test: 8207</a:t>
+            </a:r>
+          </a:p>
+          <a:p>
+            <a:endParaRPr lang="es-ES" dirty="0"/>
+          </a:p>
+          <a:p>
+            <a:r>
+              <a:rPr lang="es-ES" dirty="0" smtClean="0"/>
+              <a:t>Nº Imágenes: 536 </a:t>
+            </a:r>
+          </a:p>
+          <a:p>
+            <a:pPr marL="0" indent="0">
+              <a:buNone/>
+            </a:pPr>
+            <a:r>
+              <a:rPr lang="es-ES" dirty="0" smtClean="0"/>
+              <a:t>Nº </a:t>
+            </a:r>
+            <a:r>
+              <a:rPr lang="es-ES" dirty="0" err="1" smtClean="0"/>
+              <a:t>Samples</a:t>
+            </a:r>
+            <a:r>
+              <a:rPr lang="es-ES" dirty="0" smtClean="0"/>
+              <a:t>: 517</a:t>
+            </a:r>
+          </a:p>
+          <a:p>
+            <a:pPr marL="0" indent="0">
+              <a:buNone/>
+            </a:pPr>
+            <a:r>
+              <a:rPr lang="es-ES" dirty="0" smtClean="0"/>
+              <a:t>189 GDC (183 Positivas 6 Negativas)</a:t>
+            </a:r>
+          </a:p>
+          <a:p>
+            <a:pPr marL="0" indent="0">
+              <a:buNone/>
+            </a:pPr>
+            <a:r>
+              <a:rPr lang="es-ES" dirty="0" smtClean="0"/>
+              <a:t>328 </a:t>
+            </a:r>
+            <a:r>
+              <a:rPr lang="es-ES" dirty="0" err="1" smtClean="0"/>
+              <a:t>GTEx</a:t>
+            </a:r>
+            <a:r>
+              <a:rPr lang="es-ES" dirty="0" smtClean="0"/>
+              <a:t> (</a:t>
+            </a:r>
+            <a:r>
+              <a:rPr lang="es-ES" dirty="0" err="1" smtClean="0"/>
+              <a:t>Samples</a:t>
+            </a:r>
+            <a:r>
+              <a:rPr lang="es-ES" dirty="0" smtClean="0"/>
+              <a:t> con </a:t>
+            </a:r>
+            <a:r>
+              <a:rPr lang="es-ES" dirty="0" err="1" smtClean="0"/>
+              <a:t>RNASeq</a:t>
+            </a:r>
+            <a:r>
+              <a:rPr lang="es-ES" dirty="0" smtClean="0"/>
+              <a:t> e imágenes)</a:t>
+            </a:r>
+            <a:endParaRPr lang="es-ES" dirty="0"/>
+          </a:p>
+        </p:txBody>
+      </p:sp>
+    </p:spTree>
+    <p:extLst>
+      <p:ext uri="{BB962C8B-B14F-4D97-AF65-F5344CB8AC3E}">
+        <p14:creationId xmlns:p14="http://schemas.microsoft.com/office/powerpoint/2010/main" val="3586442899"/>
+      </p:ext>
+    </p:extLst>
+  </p:cSld>
+  <p:clrMapOvr>
+    <a:masterClrMapping/>
+  </p:clrMapOvr>
+</p:sld>
+</file>
+
 <file path=ppt/slides/slide6.xml><?xml version="1.0" encoding="utf-8"?>
 <p:sld xmlns:a="http://schemas.openxmlformats.org/drawingml/2006/main" xmlns:r="http://schemas.openxmlformats.org/officeDocument/2006/relationships" xmlns:p="http://schemas.openxmlformats.org/presentationml/2006/main">
   <p:cSld>
@@ -11760,6 +12098,1647 @@
     <p:extLst>
       <p:ext uri="{BB962C8B-B14F-4D97-AF65-F5344CB8AC3E}">
         <p14:creationId xmlns:p14="http://schemas.microsoft.com/office/powerpoint/2010/main" val="2217172858"/>
+      </p:ext>
+    </p:extLst>
+  </p:cSld>
+  <p:clrMapOvr>
+    <a:masterClrMapping/>
+  </p:clrMapOvr>
+</p:sld>
+</file>
+
+<file path=ppt/slides/slide60.xml><?xml version="1.0" encoding="utf-8"?>
+<p:sld xmlns:a="http://schemas.openxmlformats.org/drawingml/2006/main" xmlns:r="http://schemas.openxmlformats.org/officeDocument/2006/relationships" xmlns:p="http://schemas.openxmlformats.org/presentationml/2006/main">
+  <p:cSld>
+    <p:spTree>
+      <p:nvGrpSpPr>
+        <p:cNvPr id="1" name=""/>
+        <p:cNvGrpSpPr/>
+        <p:nvPr/>
+      </p:nvGrpSpPr>
+      <p:grpSpPr>
+        <a:xfrm>
+          <a:off x="0" y="0"/>
+          <a:ext cx="0" cy="0"/>
+          <a:chOff x="0" y="0"/>
+          <a:chExt cx="0" cy="0"/>
+        </a:xfrm>
+      </p:grpSpPr>
+      <p:sp>
+        <p:nvSpPr>
+          <p:cNvPr id="2" name="Título 1"/>
+          <p:cNvSpPr>
+            <a:spLocks noGrp="1"/>
+          </p:cNvSpPr>
+          <p:nvPr>
+            <p:ph type="title"/>
+          </p:nvPr>
+        </p:nvSpPr>
+        <p:spPr/>
+        <p:txBody>
+          <a:bodyPr/>
+          <a:lstStyle/>
+          <a:p>
+            <a:r>
+              <a:rPr lang="es-ES" dirty="0" smtClean="0"/>
+              <a:t>Entrenamiento </a:t>
+            </a:r>
+            <a:r>
+              <a:rPr lang="es-ES" dirty="0" err="1" smtClean="0"/>
+              <a:t>Patch-Wise</a:t>
+            </a:r>
+            <a:endParaRPr lang="es-ES" dirty="0"/>
+          </a:p>
+        </p:txBody>
+      </p:sp>
+      <p:pic>
+        <p:nvPicPr>
+          <p:cNvPr id="4" name="Marcador de contenido 3"/>
+          <p:cNvPicPr>
+            <a:picLocks noGrp="1" noChangeAspect="1"/>
+          </p:cNvPicPr>
+          <p:nvPr>
+            <p:ph idx="1"/>
+          </p:nvPr>
+        </p:nvPicPr>
+        <p:blipFill>
+          <a:blip r:embed="rId2"/>
+          <a:stretch>
+            <a:fillRect/>
+          </a:stretch>
+        </p:blipFill>
+        <p:spPr>
+          <a:xfrm>
+            <a:off x="838200" y="1921814"/>
+            <a:ext cx="5166808" cy="3589331"/>
+          </a:xfrm>
+          <a:prstGeom prst="rect">
+            <a:avLst/>
+          </a:prstGeom>
+        </p:spPr>
+      </p:pic>
+      <p:sp>
+        <p:nvSpPr>
+          <p:cNvPr id="5" name="Subtítulo 2"/>
+          <p:cNvSpPr txBox="1">
+            <a:spLocks/>
+          </p:cNvSpPr>
+          <p:nvPr/>
+        </p:nvSpPr>
+        <p:spPr>
+          <a:xfrm>
+            <a:off x="6280878" y="1755648"/>
+            <a:ext cx="4387121" cy="3502152"/>
+          </a:xfrm>
+          <a:prstGeom prst="rect">
+            <a:avLst/>
+          </a:prstGeom>
+        </p:spPr>
+        <p:txBody>
+          <a:bodyPr vert="horz" lIns="91440" tIns="45720" rIns="91440" bIns="45720" rtlCol="0">
+            <a:normAutofit/>
+          </a:bodyPr>
+          <a:lstStyle>
+            <a:lvl1pPr marL="228600" indent="-228600" algn="l" defTabSz="914400" rtl="0" eaLnBrk="1" latinLnBrk="0" hangingPunct="1">
+              <a:lnSpc>
+                <a:spcPct val="90000"/>
+              </a:lnSpc>
+              <a:spcBef>
+                <a:spcPts val="1000"/>
+              </a:spcBef>
+              <a:buFont typeface="Arial" panose="020B0604020202020204" pitchFamily="34" charset="0"/>
+              <a:buChar char="•"/>
+              <a:defRPr sz="2800" kern="1200">
+                <a:solidFill>
+                  <a:schemeClr val="tx1"/>
+                </a:solidFill>
+                <a:latin typeface="+mn-lt"/>
+                <a:ea typeface="+mn-ea"/>
+                <a:cs typeface="+mn-cs"/>
+              </a:defRPr>
+            </a:lvl1pPr>
+            <a:lvl2pPr marL="685800" indent="-228600" algn="l" defTabSz="914400" rtl="0" eaLnBrk="1" latinLnBrk="0" hangingPunct="1">
+              <a:lnSpc>
+                <a:spcPct val="90000"/>
+              </a:lnSpc>
+              <a:spcBef>
+                <a:spcPts val="500"/>
+              </a:spcBef>
+              <a:buFont typeface="Arial" panose="020B0604020202020204" pitchFamily="34" charset="0"/>
+              <a:buChar char="•"/>
+              <a:defRPr sz="2400" kern="1200">
+                <a:solidFill>
+                  <a:schemeClr val="tx1"/>
+                </a:solidFill>
+                <a:latin typeface="+mn-lt"/>
+                <a:ea typeface="+mn-ea"/>
+                <a:cs typeface="+mn-cs"/>
+              </a:defRPr>
+            </a:lvl2pPr>
+            <a:lvl3pPr marL="1143000" indent="-228600" algn="l" defTabSz="914400" rtl="0" eaLnBrk="1" latinLnBrk="0" hangingPunct="1">
+              <a:lnSpc>
+                <a:spcPct val="90000"/>
+              </a:lnSpc>
+              <a:spcBef>
+                <a:spcPts val="500"/>
+              </a:spcBef>
+              <a:buFont typeface="Arial" panose="020B0604020202020204" pitchFamily="34" charset="0"/>
+              <a:buChar char="•"/>
+              <a:defRPr sz="2000" kern="1200">
+                <a:solidFill>
+                  <a:schemeClr val="tx1"/>
+                </a:solidFill>
+                <a:latin typeface="+mn-lt"/>
+                <a:ea typeface="+mn-ea"/>
+                <a:cs typeface="+mn-cs"/>
+              </a:defRPr>
+            </a:lvl3pPr>
+            <a:lvl4pPr marL="1600200" indent="-228600" algn="l" defTabSz="914400" rtl="0" eaLnBrk="1" latinLnBrk="0" hangingPunct="1">
+              <a:lnSpc>
+                <a:spcPct val="90000"/>
+              </a:lnSpc>
+              <a:spcBef>
+                <a:spcPts val="500"/>
+              </a:spcBef>
+              <a:buFont typeface="Arial" panose="020B0604020202020204" pitchFamily="34" charset="0"/>
+              <a:buChar char="•"/>
+              <a:defRPr sz="1800" kern="1200">
+                <a:solidFill>
+                  <a:schemeClr val="tx1"/>
+                </a:solidFill>
+                <a:latin typeface="+mn-lt"/>
+                <a:ea typeface="+mn-ea"/>
+                <a:cs typeface="+mn-cs"/>
+              </a:defRPr>
+            </a:lvl4pPr>
+            <a:lvl5pPr marL="2057400" indent="-228600" algn="l" defTabSz="914400" rtl="0" eaLnBrk="1" latinLnBrk="0" hangingPunct="1">
+              <a:lnSpc>
+                <a:spcPct val="90000"/>
+              </a:lnSpc>
+              <a:spcBef>
+                <a:spcPts val="500"/>
+              </a:spcBef>
+              <a:buFont typeface="Arial" panose="020B0604020202020204" pitchFamily="34" charset="0"/>
+              <a:buChar char="•"/>
+              <a:defRPr sz="1800" kern="1200">
+                <a:solidFill>
+                  <a:schemeClr val="tx1"/>
+                </a:solidFill>
+                <a:latin typeface="+mn-lt"/>
+                <a:ea typeface="+mn-ea"/>
+                <a:cs typeface="+mn-cs"/>
+              </a:defRPr>
+            </a:lvl5pPr>
+            <a:lvl6pPr marL="2514600" indent="-228600" algn="l" defTabSz="914400" rtl="0" eaLnBrk="1" latinLnBrk="0" hangingPunct="1">
+              <a:lnSpc>
+                <a:spcPct val="90000"/>
+              </a:lnSpc>
+              <a:spcBef>
+                <a:spcPts val="500"/>
+              </a:spcBef>
+              <a:buFont typeface="Arial" panose="020B0604020202020204" pitchFamily="34" charset="0"/>
+              <a:buChar char="•"/>
+              <a:defRPr sz="1800" kern="1200">
+                <a:solidFill>
+                  <a:schemeClr val="tx1"/>
+                </a:solidFill>
+                <a:latin typeface="+mn-lt"/>
+                <a:ea typeface="+mn-ea"/>
+                <a:cs typeface="+mn-cs"/>
+              </a:defRPr>
+            </a:lvl6pPr>
+            <a:lvl7pPr marL="2971800" indent="-228600" algn="l" defTabSz="914400" rtl="0" eaLnBrk="1" latinLnBrk="0" hangingPunct="1">
+              <a:lnSpc>
+                <a:spcPct val="90000"/>
+              </a:lnSpc>
+              <a:spcBef>
+                <a:spcPts val="500"/>
+              </a:spcBef>
+              <a:buFont typeface="Arial" panose="020B0604020202020204" pitchFamily="34" charset="0"/>
+              <a:buChar char="•"/>
+              <a:defRPr sz="1800" kern="1200">
+                <a:solidFill>
+                  <a:schemeClr val="tx1"/>
+                </a:solidFill>
+                <a:latin typeface="+mn-lt"/>
+                <a:ea typeface="+mn-ea"/>
+                <a:cs typeface="+mn-cs"/>
+              </a:defRPr>
+            </a:lvl7pPr>
+            <a:lvl8pPr marL="3429000" indent="-228600" algn="l" defTabSz="914400" rtl="0" eaLnBrk="1" latinLnBrk="0" hangingPunct="1">
+              <a:lnSpc>
+                <a:spcPct val="90000"/>
+              </a:lnSpc>
+              <a:spcBef>
+                <a:spcPts val="500"/>
+              </a:spcBef>
+              <a:buFont typeface="Arial" panose="020B0604020202020204" pitchFamily="34" charset="0"/>
+              <a:buChar char="•"/>
+              <a:defRPr sz="1800" kern="1200">
+                <a:solidFill>
+                  <a:schemeClr val="tx1"/>
+                </a:solidFill>
+                <a:latin typeface="+mn-lt"/>
+                <a:ea typeface="+mn-ea"/>
+                <a:cs typeface="+mn-cs"/>
+              </a:defRPr>
+            </a:lvl8pPr>
+            <a:lvl9pPr marL="3886200" indent="-228600" algn="l" defTabSz="914400" rtl="0" eaLnBrk="1" latinLnBrk="0" hangingPunct="1">
+              <a:lnSpc>
+                <a:spcPct val="90000"/>
+              </a:lnSpc>
+              <a:spcBef>
+                <a:spcPts val="500"/>
+              </a:spcBef>
+              <a:buFont typeface="Arial" panose="020B0604020202020204" pitchFamily="34" charset="0"/>
+              <a:buChar char="•"/>
+              <a:defRPr sz="1800" kern="1200">
+                <a:solidFill>
+                  <a:schemeClr val="tx1"/>
+                </a:solidFill>
+                <a:latin typeface="+mn-lt"/>
+                <a:ea typeface="+mn-ea"/>
+                <a:cs typeface="+mn-cs"/>
+              </a:defRPr>
+            </a:lvl9pPr>
+          </a:lstStyle>
+          <a:p>
+            <a:endParaRPr lang="es-ES" dirty="0" smtClean="0"/>
+          </a:p>
+          <a:p>
+            <a:r>
+              <a:rPr lang="es-ES" dirty="0" smtClean="0"/>
+              <a:t>7 </a:t>
+            </a:r>
+            <a:r>
+              <a:rPr lang="es-ES" dirty="0" err="1" smtClean="0"/>
+              <a:t>epochs</a:t>
+            </a:r>
+            <a:r>
+              <a:rPr lang="es-ES" dirty="0" smtClean="0"/>
+              <a:t> por </a:t>
+            </a:r>
+            <a:r>
+              <a:rPr lang="es-ES" dirty="0" err="1" smtClean="0"/>
+              <a:t>early</a:t>
+            </a:r>
+            <a:r>
+              <a:rPr lang="es-ES" dirty="0" smtClean="0"/>
+              <a:t> </a:t>
+            </a:r>
+            <a:r>
+              <a:rPr lang="es-ES" dirty="0" err="1" smtClean="0"/>
+              <a:t>stopping</a:t>
+            </a:r>
+            <a:endParaRPr lang="es-ES" dirty="0" smtClean="0"/>
+          </a:p>
+          <a:p>
+            <a:endParaRPr lang="es-ES" dirty="0"/>
+          </a:p>
+        </p:txBody>
+      </p:sp>
+    </p:spTree>
+    <p:extLst>
+      <p:ext uri="{BB962C8B-B14F-4D97-AF65-F5344CB8AC3E}">
+        <p14:creationId xmlns:p14="http://schemas.microsoft.com/office/powerpoint/2010/main" val="1715255117"/>
+      </p:ext>
+    </p:extLst>
+  </p:cSld>
+  <p:clrMapOvr>
+    <a:masterClrMapping/>
+  </p:clrMapOvr>
+</p:sld>
+</file>
+
+<file path=ppt/slides/slide61.xml><?xml version="1.0" encoding="utf-8"?>
+<p:sld xmlns:a="http://schemas.openxmlformats.org/drawingml/2006/main" xmlns:r="http://schemas.openxmlformats.org/officeDocument/2006/relationships" xmlns:p="http://schemas.openxmlformats.org/presentationml/2006/main">
+  <p:cSld>
+    <p:spTree>
+      <p:nvGrpSpPr>
+        <p:cNvPr id="1" name=""/>
+        <p:cNvGrpSpPr/>
+        <p:nvPr/>
+      </p:nvGrpSpPr>
+      <p:grpSpPr>
+        <a:xfrm>
+          <a:off x="0" y="0"/>
+          <a:ext cx="0" cy="0"/>
+          <a:chOff x="0" y="0"/>
+          <a:chExt cx="0" cy="0"/>
+        </a:xfrm>
+      </p:grpSpPr>
+      <p:sp>
+        <p:nvSpPr>
+          <p:cNvPr id="2" name="Título 1"/>
+          <p:cNvSpPr>
+            <a:spLocks noGrp="1"/>
+          </p:cNvSpPr>
+          <p:nvPr>
+            <p:ph type="title"/>
+          </p:nvPr>
+        </p:nvSpPr>
+        <p:spPr/>
+        <p:txBody>
+          <a:bodyPr/>
+          <a:lstStyle/>
+          <a:p>
+            <a:r>
+              <a:rPr lang="es-ES" dirty="0" smtClean="0"/>
+              <a:t>Test, </a:t>
+            </a:r>
+            <a:r>
+              <a:rPr lang="es-ES" dirty="0" err="1" smtClean="0"/>
+              <a:t>Sample-Wise</a:t>
+            </a:r>
+            <a:endParaRPr lang="es-ES" dirty="0"/>
+          </a:p>
+        </p:txBody>
+      </p:sp>
+      <p:sp>
+        <p:nvSpPr>
+          <p:cNvPr id="3" name="Marcador de contenido 2"/>
+          <p:cNvSpPr>
+            <a:spLocks noGrp="1"/>
+          </p:cNvSpPr>
+          <p:nvPr>
+            <p:ph idx="1"/>
+          </p:nvPr>
+        </p:nvSpPr>
+        <p:spPr>
+          <a:xfrm>
+            <a:off x="4871802" y="1825625"/>
+            <a:ext cx="6481997" cy="4351338"/>
+          </a:xfrm>
+        </p:spPr>
+        <p:txBody>
+          <a:bodyPr/>
+          <a:lstStyle/>
+          <a:p>
+            <a:r>
+              <a:rPr lang="es-ES" dirty="0" smtClean="0"/>
+              <a:t>Buenos resultados</a:t>
+            </a:r>
+          </a:p>
+          <a:p>
+            <a:r>
+              <a:rPr lang="es-ES" dirty="0" smtClean="0"/>
+              <a:t>Balance de los parches bueno, aun sin </a:t>
+            </a:r>
+            <a:r>
+              <a:rPr lang="es-ES" dirty="0" err="1" smtClean="0"/>
+              <a:t>undersampling</a:t>
+            </a:r>
+            <a:endParaRPr lang="es-ES" dirty="0"/>
+          </a:p>
+          <a:p>
+            <a:r>
+              <a:rPr lang="es-ES" dirty="0" smtClean="0"/>
+              <a:t>Podría coger más </a:t>
+            </a:r>
+            <a:r>
+              <a:rPr lang="es-ES" dirty="0" err="1" smtClean="0"/>
+              <a:t>patches</a:t>
+            </a:r>
+            <a:r>
+              <a:rPr lang="es-ES" dirty="0" smtClean="0"/>
+              <a:t> y hacer fine </a:t>
+            </a:r>
+            <a:r>
+              <a:rPr lang="es-ES" dirty="0" err="1" smtClean="0"/>
+              <a:t>tuning</a:t>
+            </a:r>
+            <a:endParaRPr lang="es-ES" dirty="0"/>
+          </a:p>
+        </p:txBody>
+      </p:sp>
+      <p:pic>
+        <p:nvPicPr>
+          <p:cNvPr id="5" name="Imagen 4"/>
+          <p:cNvPicPr>
+            <a:picLocks noChangeAspect="1"/>
+          </p:cNvPicPr>
+          <p:nvPr/>
+        </p:nvPicPr>
+        <p:blipFill>
+          <a:blip r:embed="rId2"/>
+          <a:stretch>
+            <a:fillRect/>
+          </a:stretch>
+        </p:blipFill>
+        <p:spPr>
+          <a:xfrm>
+            <a:off x="838200" y="1825625"/>
+            <a:ext cx="3886537" cy="4298052"/>
+          </a:xfrm>
+          <a:prstGeom prst="rect">
+            <a:avLst/>
+          </a:prstGeom>
+        </p:spPr>
+      </p:pic>
+    </p:spTree>
+    <p:extLst>
+      <p:ext uri="{BB962C8B-B14F-4D97-AF65-F5344CB8AC3E}">
+        <p14:creationId xmlns:p14="http://schemas.microsoft.com/office/powerpoint/2010/main" val="2353490486"/>
+      </p:ext>
+    </p:extLst>
+  </p:cSld>
+  <p:clrMapOvr>
+    <a:masterClrMapping/>
+  </p:clrMapOvr>
+</p:sld>
+</file>
+
+<file path=ppt/slides/slide62.xml><?xml version="1.0" encoding="utf-8"?>
+<p:sld xmlns:a="http://schemas.openxmlformats.org/drawingml/2006/main" xmlns:r="http://schemas.openxmlformats.org/officeDocument/2006/relationships" xmlns:p="http://schemas.openxmlformats.org/presentationml/2006/main">
+  <p:cSld>
+    <p:spTree>
+      <p:nvGrpSpPr>
+        <p:cNvPr id="1" name=""/>
+        <p:cNvGrpSpPr/>
+        <p:nvPr/>
+      </p:nvGrpSpPr>
+      <p:grpSpPr>
+        <a:xfrm>
+          <a:off x="0" y="0"/>
+          <a:ext cx="0" cy="0"/>
+          <a:chOff x="0" y="0"/>
+          <a:chExt cx="0" cy="0"/>
+        </a:xfrm>
+      </p:grpSpPr>
+      <p:sp>
+        <p:nvSpPr>
+          <p:cNvPr id="2" name="Título 1"/>
+          <p:cNvSpPr>
+            <a:spLocks noGrp="1"/>
+          </p:cNvSpPr>
+          <p:nvPr>
+            <p:ph type="title"/>
+          </p:nvPr>
+        </p:nvSpPr>
+        <p:spPr/>
+        <p:txBody>
+          <a:bodyPr/>
+          <a:lstStyle/>
+          <a:p>
+            <a:r>
+              <a:rPr lang="es-ES" dirty="0" smtClean="0"/>
+              <a:t>Resultados 10CV</a:t>
+            </a:r>
+            <a:endParaRPr lang="es-ES" dirty="0"/>
+          </a:p>
+        </p:txBody>
+      </p:sp>
+      <p:sp>
+        <p:nvSpPr>
+          <p:cNvPr id="3" name="Marcador de contenido 2"/>
+          <p:cNvSpPr>
+            <a:spLocks noGrp="1"/>
+          </p:cNvSpPr>
+          <p:nvPr>
+            <p:ph idx="1"/>
+          </p:nvPr>
+        </p:nvSpPr>
+        <p:spPr/>
+        <p:txBody>
+          <a:bodyPr/>
+          <a:lstStyle/>
+          <a:p>
+            <a:r>
+              <a:rPr lang="es-ES" dirty="0" smtClean="0"/>
+              <a:t>(333 negativas +183 positivas)</a:t>
+            </a:r>
+          </a:p>
+          <a:p>
+            <a:endParaRPr lang="es-ES" dirty="0"/>
+          </a:p>
+          <a:p>
+            <a:r>
+              <a:rPr lang="es-ES" dirty="0" smtClean="0"/>
+              <a:t>ACC = 0.9888</a:t>
+            </a:r>
+          </a:p>
+          <a:p>
+            <a:r>
+              <a:rPr lang="es-ES" dirty="0" smtClean="0"/>
+              <a:t>F1 = 0.9914</a:t>
+            </a:r>
+          </a:p>
+          <a:p>
+            <a:endParaRPr lang="es-ES" dirty="0"/>
+          </a:p>
+          <a:p>
+            <a:r>
+              <a:rPr lang="es-ES" dirty="0" smtClean="0"/>
+              <a:t>6 Falsos positivos</a:t>
+            </a:r>
+            <a:endParaRPr lang="es-ES" dirty="0"/>
+          </a:p>
+          <a:p>
+            <a:endParaRPr lang="es-ES" dirty="0"/>
+          </a:p>
+        </p:txBody>
+      </p:sp>
+      <p:pic>
+        <p:nvPicPr>
+          <p:cNvPr id="4" name="Imagen 3"/>
+          <p:cNvPicPr>
+            <a:picLocks noChangeAspect="1"/>
+          </p:cNvPicPr>
+          <p:nvPr/>
+        </p:nvPicPr>
+        <p:blipFill>
+          <a:blip r:embed="rId2"/>
+          <a:stretch>
+            <a:fillRect/>
+          </a:stretch>
+        </p:blipFill>
+        <p:spPr>
+          <a:xfrm>
+            <a:off x="5964835" y="1930556"/>
+            <a:ext cx="5142876" cy="3657407"/>
+          </a:xfrm>
+          <a:prstGeom prst="rect">
+            <a:avLst/>
+          </a:prstGeom>
+        </p:spPr>
+      </p:pic>
+    </p:spTree>
+    <p:extLst>
+      <p:ext uri="{BB962C8B-B14F-4D97-AF65-F5344CB8AC3E}">
+        <p14:creationId xmlns:p14="http://schemas.microsoft.com/office/powerpoint/2010/main" val="1515107555"/>
+      </p:ext>
+    </p:extLst>
+  </p:cSld>
+  <p:clrMapOvr>
+    <a:masterClrMapping/>
+  </p:clrMapOvr>
+</p:sld>
+</file>
+
+<file path=ppt/slides/slide63.xml><?xml version="1.0" encoding="utf-8"?>
+<p:sld xmlns:a="http://schemas.openxmlformats.org/drawingml/2006/main" xmlns:r="http://schemas.openxmlformats.org/officeDocument/2006/relationships" xmlns:p="http://schemas.openxmlformats.org/presentationml/2006/main">
+  <p:cSld>
+    <p:spTree>
+      <p:nvGrpSpPr>
+        <p:cNvPr id="1" name=""/>
+        <p:cNvGrpSpPr/>
+        <p:nvPr/>
+      </p:nvGrpSpPr>
+      <p:grpSpPr>
+        <a:xfrm>
+          <a:off x="0" y="0"/>
+          <a:ext cx="0" cy="0"/>
+          <a:chOff x="0" y="0"/>
+          <a:chExt cx="0" cy="0"/>
+        </a:xfrm>
+      </p:grpSpPr>
+      <p:sp>
+        <p:nvSpPr>
+          <p:cNvPr id="2" name="Título 1"/>
+          <p:cNvSpPr>
+            <a:spLocks noGrp="1"/>
+          </p:cNvSpPr>
+          <p:nvPr>
+            <p:ph type="title"/>
+          </p:nvPr>
+        </p:nvSpPr>
+        <p:spPr/>
+        <p:txBody>
+          <a:bodyPr/>
+          <a:lstStyle/>
+          <a:p>
+            <a:r>
+              <a:rPr lang="es-ES" dirty="0" smtClean="0"/>
+              <a:t>Problemas</a:t>
+            </a:r>
+            <a:endParaRPr lang="es-ES" dirty="0"/>
+          </a:p>
+        </p:txBody>
+      </p:sp>
+      <p:sp>
+        <p:nvSpPr>
+          <p:cNvPr id="3" name="Marcador de contenido 2"/>
+          <p:cNvSpPr>
+            <a:spLocks noGrp="1"/>
+          </p:cNvSpPr>
+          <p:nvPr>
+            <p:ph idx="1"/>
+          </p:nvPr>
+        </p:nvSpPr>
+        <p:spPr/>
+        <p:txBody>
+          <a:bodyPr>
+            <a:normAutofit fontScale="85000" lnSpcReduction="20000"/>
+          </a:bodyPr>
+          <a:lstStyle/>
+          <a:p>
+            <a:r>
+              <a:rPr lang="es-ES" dirty="0" smtClean="0"/>
+              <a:t>Resultados muy buenos</a:t>
+            </a:r>
+          </a:p>
+          <a:p>
+            <a:pPr>
+              <a:buFontTx/>
+              <a:buChar char="-"/>
+            </a:pPr>
+            <a:r>
+              <a:rPr lang="es-ES" dirty="0" smtClean="0"/>
+              <a:t>Hay espacio para mejora usando </a:t>
+            </a:r>
+            <a:r>
+              <a:rPr lang="es-ES" dirty="0" err="1" smtClean="0"/>
+              <a:t>RNASeq</a:t>
+            </a:r>
+            <a:r>
+              <a:rPr lang="es-ES" dirty="0" smtClean="0"/>
+              <a:t>?</a:t>
+            </a:r>
+          </a:p>
+          <a:p>
+            <a:pPr>
+              <a:buFontTx/>
+              <a:buChar char="-"/>
+            </a:pPr>
+            <a:endParaRPr lang="es-ES" dirty="0"/>
+          </a:p>
+          <a:p>
+            <a:r>
+              <a:rPr lang="es-ES" dirty="0" smtClean="0"/>
+              <a:t>Paquete </a:t>
+            </a:r>
+            <a:r>
+              <a:rPr lang="es-ES" dirty="0" err="1" smtClean="0"/>
+              <a:t>KnowSeq</a:t>
+            </a:r>
+            <a:r>
+              <a:rPr lang="es-ES" dirty="0" smtClean="0"/>
+              <a:t> está anticuado para el nuevo formato de COUNTS de GDC</a:t>
+            </a:r>
+          </a:p>
+          <a:p>
+            <a:pPr>
+              <a:buFontTx/>
+              <a:buChar char="-"/>
+            </a:pPr>
+            <a:r>
+              <a:rPr lang="es-ES" dirty="0" smtClean="0"/>
+              <a:t>Intentando adaptarlo</a:t>
+            </a:r>
+          </a:p>
+          <a:p>
+            <a:pPr>
+              <a:buFontTx/>
+              <a:buChar char="-"/>
+            </a:pPr>
+            <a:r>
+              <a:rPr lang="es-ES" dirty="0" smtClean="0"/>
+              <a:t>Peleándome con R y con el paquete </a:t>
+            </a:r>
+            <a:r>
+              <a:rPr lang="es-ES" dirty="0" err="1" smtClean="0"/>
+              <a:t>KnowSeq</a:t>
+            </a:r>
+            <a:endParaRPr lang="es-ES" dirty="0" smtClean="0"/>
+          </a:p>
+          <a:p>
+            <a:pPr>
+              <a:buFontTx/>
+              <a:buChar char="-"/>
+            </a:pPr>
+            <a:endParaRPr lang="es-ES" dirty="0"/>
+          </a:p>
+          <a:p>
+            <a:r>
+              <a:rPr lang="es-ES" dirty="0" smtClean="0"/>
+              <a:t>Integración de </a:t>
+            </a:r>
+            <a:r>
+              <a:rPr lang="es-ES" dirty="0" err="1" smtClean="0"/>
+              <a:t>GTEx</a:t>
+            </a:r>
+            <a:r>
+              <a:rPr lang="es-ES" dirty="0" smtClean="0"/>
+              <a:t> con GDC? </a:t>
+            </a:r>
+            <a:r>
+              <a:rPr lang="es-ES" dirty="0" err="1" smtClean="0"/>
+              <a:t>Batch</a:t>
+            </a:r>
+            <a:r>
+              <a:rPr lang="es-ES" dirty="0" smtClean="0"/>
+              <a:t> </a:t>
+            </a:r>
+            <a:r>
+              <a:rPr lang="es-ES" dirty="0" err="1" smtClean="0"/>
+              <a:t>effect</a:t>
+            </a:r>
+            <a:r>
+              <a:rPr lang="es-ES" dirty="0" smtClean="0"/>
+              <a:t> </a:t>
+            </a:r>
+            <a:r>
+              <a:rPr lang="es-ES" dirty="0" err="1" smtClean="0"/>
+              <a:t>correction</a:t>
+            </a:r>
+            <a:r>
+              <a:rPr lang="es-ES" dirty="0" smtClean="0"/>
+              <a:t>?</a:t>
+            </a:r>
+          </a:p>
+          <a:p>
+            <a:endParaRPr lang="es-ES" dirty="0"/>
+          </a:p>
+          <a:p>
+            <a:r>
+              <a:rPr lang="es-ES" dirty="0" smtClean="0"/>
+              <a:t>En GDC y </a:t>
+            </a:r>
+            <a:r>
+              <a:rPr lang="es-ES" dirty="0" err="1" smtClean="0"/>
+              <a:t>GTEx</a:t>
+            </a:r>
+            <a:r>
+              <a:rPr lang="es-ES" dirty="0" smtClean="0"/>
+              <a:t> los genes tienen la siguiente </a:t>
+            </a:r>
+            <a:r>
+              <a:rPr lang="es-ES"/>
+              <a:t>forma ENSG00000000457.14 y ENSG00000002586.20_PAR_Y, </a:t>
+            </a:r>
+            <a:r>
+              <a:rPr lang="es-ES" dirty="0" smtClean="0"/>
+              <a:t>esto </a:t>
+            </a:r>
+            <a:r>
+              <a:rPr lang="es-ES" smtClean="0"/>
+              <a:t>da problemas</a:t>
+            </a:r>
+            <a:endParaRPr lang="es-ES" dirty="0" smtClean="0"/>
+          </a:p>
+          <a:p>
+            <a:endParaRPr lang="es-ES" dirty="0" smtClean="0"/>
+          </a:p>
+          <a:p>
+            <a:pPr marL="0" indent="0">
+              <a:buNone/>
+            </a:pPr>
+            <a:endParaRPr lang="es-ES" dirty="0"/>
+          </a:p>
+        </p:txBody>
+      </p:sp>
+    </p:spTree>
+    <p:extLst>
+      <p:ext uri="{BB962C8B-B14F-4D97-AF65-F5344CB8AC3E}">
+        <p14:creationId xmlns:p14="http://schemas.microsoft.com/office/powerpoint/2010/main" val="1497812549"/>
+      </p:ext>
+    </p:extLst>
+  </p:cSld>
+  <p:clrMapOvr>
+    <a:masterClrMapping/>
+  </p:clrMapOvr>
+</p:sld>
+</file>
+
+<file path=ppt/slides/slide64.xml><?xml version="1.0" encoding="utf-8"?>
+<p:sld xmlns:a="http://schemas.openxmlformats.org/drawingml/2006/main" xmlns:r="http://schemas.openxmlformats.org/officeDocument/2006/relationships" xmlns:p="http://schemas.openxmlformats.org/presentationml/2006/main">
+  <p:cSld>
+    <p:spTree>
+      <p:nvGrpSpPr>
+        <p:cNvPr id="1" name=""/>
+        <p:cNvGrpSpPr/>
+        <p:nvPr/>
+      </p:nvGrpSpPr>
+      <p:grpSpPr>
+        <a:xfrm>
+          <a:off x="0" y="0"/>
+          <a:ext cx="0" cy="0"/>
+          <a:chOff x="0" y="0"/>
+          <a:chExt cx="0" cy="0"/>
+        </a:xfrm>
+      </p:grpSpPr>
+      <p:sp>
+        <p:nvSpPr>
+          <p:cNvPr id="2" name="Título 1"/>
+          <p:cNvSpPr>
+            <a:spLocks noGrp="1"/>
+          </p:cNvSpPr>
+          <p:nvPr>
+            <p:ph type="ctrTitle"/>
+          </p:nvPr>
+        </p:nvSpPr>
+        <p:spPr>
+          <a:xfrm>
+            <a:off x="1524000" y="1077392"/>
+            <a:ext cx="9144000" cy="496125"/>
+          </a:xfrm>
+        </p:spPr>
+        <p:txBody>
+          <a:bodyPr>
+            <a:normAutofit fontScale="90000"/>
+          </a:bodyPr>
+          <a:lstStyle/>
+          <a:p>
+            <a:r>
+              <a:rPr lang="es-ES" dirty="0"/>
+              <a:t>Fusión de datos </a:t>
+            </a:r>
+            <a:r>
+              <a:rPr lang="es-ES" dirty="0" smtClean="0"/>
+              <a:t>heterogéneos: </a:t>
+            </a:r>
+            <a:endParaRPr lang="es-ES" dirty="0"/>
+          </a:p>
+        </p:txBody>
+      </p:sp>
+      <p:sp>
+        <p:nvSpPr>
+          <p:cNvPr id="3" name="Subtítulo 2"/>
+          <p:cNvSpPr>
+            <a:spLocks noGrp="1"/>
+          </p:cNvSpPr>
+          <p:nvPr>
+            <p:ph type="subTitle" idx="1"/>
+          </p:nvPr>
+        </p:nvSpPr>
+        <p:spPr>
+          <a:xfrm>
+            <a:off x="1524000" y="1755648"/>
+            <a:ext cx="9144000" cy="3502152"/>
+          </a:xfrm>
+        </p:spPr>
+        <p:txBody>
+          <a:bodyPr>
+            <a:normAutofit/>
+          </a:bodyPr>
+          <a:lstStyle/>
+          <a:p>
+            <a:endParaRPr lang="es-ES" dirty="0" smtClean="0"/>
+          </a:p>
+          <a:p>
+            <a:r>
+              <a:rPr lang="es-ES" dirty="0" smtClean="0"/>
+              <a:t>05/09/22</a:t>
+            </a:r>
+            <a:endParaRPr lang="es-ES" dirty="0"/>
+          </a:p>
+        </p:txBody>
+      </p:sp>
+    </p:spTree>
+    <p:extLst>
+      <p:ext uri="{BB962C8B-B14F-4D97-AF65-F5344CB8AC3E}">
+        <p14:creationId xmlns:p14="http://schemas.microsoft.com/office/powerpoint/2010/main" val="2593192115"/>
+      </p:ext>
+    </p:extLst>
+  </p:cSld>
+  <p:clrMapOvr>
+    <a:masterClrMapping/>
+  </p:clrMapOvr>
+</p:sld>
+</file>
+
+<file path=ppt/slides/slide65.xml><?xml version="1.0" encoding="utf-8"?>
+<p:sld xmlns:a="http://schemas.openxmlformats.org/drawingml/2006/main" xmlns:r="http://schemas.openxmlformats.org/officeDocument/2006/relationships" xmlns:p="http://schemas.openxmlformats.org/presentationml/2006/main">
+  <p:cSld>
+    <p:spTree>
+      <p:nvGrpSpPr>
+        <p:cNvPr id="1" name=""/>
+        <p:cNvGrpSpPr/>
+        <p:nvPr/>
+      </p:nvGrpSpPr>
+      <p:grpSpPr>
+        <a:xfrm>
+          <a:off x="0" y="0"/>
+          <a:ext cx="0" cy="0"/>
+          <a:chOff x="0" y="0"/>
+          <a:chExt cx="0" cy="0"/>
+        </a:xfrm>
+      </p:grpSpPr>
+      <p:sp>
+        <p:nvSpPr>
+          <p:cNvPr id="2" name="Título 1"/>
+          <p:cNvSpPr>
+            <a:spLocks noGrp="1"/>
+          </p:cNvSpPr>
+          <p:nvPr>
+            <p:ph type="title"/>
+          </p:nvPr>
+        </p:nvSpPr>
+        <p:spPr/>
+        <p:txBody>
+          <a:bodyPr/>
+          <a:lstStyle/>
+          <a:p>
+            <a:r>
+              <a:rPr lang="es-ES" dirty="0" smtClean="0"/>
+              <a:t>Resumen:</a:t>
+            </a:r>
+            <a:endParaRPr lang="es-ES" dirty="0"/>
+          </a:p>
+        </p:txBody>
+      </p:sp>
+      <p:sp>
+        <p:nvSpPr>
+          <p:cNvPr id="3" name="Marcador de contenido 2"/>
+          <p:cNvSpPr>
+            <a:spLocks noGrp="1"/>
+          </p:cNvSpPr>
+          <p:nvPr>
+            <p:ph idx="1"/>
+          </p:nvPr>
+        </p:nvSpPr>
+        <p:spPr/>
+        <p:txBody>
+          <a:bodyPr/>
+          <a:lstStyle/>
+          <a:p>
+            <a:pPr marL="0" indent="0">
+              <a:buNone/>
+            </a:pPr>
+            <a:r>
+              <a:rPr lang="es-ES" dirty="0" smtClean="0"/>
+              <a:t>Dos posibles problemas para estudiar:</a:t>
+            </a:r>
+          </a:p>
+          <a:p>
+            <a:pPr marL="0" indent="0">
+              <a:buNone/>
+            </a:pPr>
+            <a:endParaRPr lang="es-ES" dirty="0"/>
+          </a:p>
+          <a:p>
+            <a:r>
+              <a:rPr lang="es-ES" dirty="0"/>
+              <a:t>Problema A:</a:t>
+            </a:r>
+          </a:p>
+          <a:p>
+            <a:pPr marL="0" indent="0">
+              <a:buNone/>
+            </a:pPr>
+            <a:r>
+              <a:rPr lang="es-ES" dirty="0"/>
+              <a:t>Fusionar </a:t>
+            </a:r>
+            <a:r>
+              <a:rPr lang="es-ES" dirty="0" err="1"/>
+              <a:t>RNASeq+Imágenes</a:t>
+            </a:r>
+            <a:r>
+              <a:rPr lang="es-ES" dirty="0"/>
+              <a:t> usando las bases </a:t>
+            </a:r>
+            <a:r>
+              <a:rPr lang="es-ES" dirty="0" err="1"/>
+              <a:t>GTEx</a:t>
+            </a:r>
+            <a:r>
+              <a:rPr lang="es-ES" dirty="0"/>
+              <a:t> y </a:t>
+            </a:r>
+            <a:r>
+              <a:rPr lang="es-ES" dirty="0" smtClean="0"/>
+              <a:t>GDC</a:t>
+            </a:r>
+          </a:p>
+          <a:p>
+            <a:endParaRPr lang="es-ES" dirty="0" smtClean="0"/>
+          </a:p>
+          <a:p>
+            <a:r>
+              <a:rPr lang="es-ES" dirty="0" smtClean="0"/>
+              <a:t>Problema B: </a:t>
+            </a:r>
+          </a:p>
+          <a:p>
+            <a:pPr marL="0" indent="0">
+              <a:buNone/>
+            </a:pPr>
+            <a:r>
+              <a:rPr lang="es-ES" dirty="0" smtClean="0"/>
+              <a:t>Estadio </a:t>
+            </a:r>
+            <a:r>
+              <a:rPr lang="es-ES" dirty="0"/>
+              <a:t>de cáncer &lt;=IIA y &gt;</a:t>
+            </a:r>
+            <a:r>
+              <a:rPr lang="es-ES" dirty="0" smtClean="0"/>
+              <a:t>IIA usando </a:t>
+            </a:r>
+            <a:r>
+              <a:rPr lang="es-ES" dirty="0" err="1" smtClean="0"/>
+              <a:t>RNASeq</a:t>
+            </a:r>
+            <a:endParaRPr lang="es-ES" dirty="0" smtClean="0"/>
+          </a:p>
+          <a:p>
+            <a:pPr marL="0" indent="0">
+              <a:buNone/>
+            </a:pPr>
+            <a:endParaRPr lang="es-ES" dirty="0"/>
+          </a:p>
+          <a:p>
+            <a:pPr marL="0" indent="0">
+              <a:buNone/>
+            </a:pPr>
+            <a:endParaRPr lang="es-ES" dirty="0"/>
+          </a:p>
+          <a:p>
+            <a:pPr marL="0" indent="0">
+              <a:buNone/>
+            </a:pPr>
+            <a:endParaRPr lang="es-ES" dirty="0"/>
+          </a:p>
+          <a:p>
+            <a:pPr marL="0" indent="0">
+              <a:buNone/>
+            </a:pPr>
+            <a:endParaRPr lang="es-ES" dirty="0"/>
+          </a:p>
+        </p:txBody>
+      </p:sp>
+    </p:spTree>
+    <p:extLst>
+      <p:ext uri="{BB962C8B-B14F-4D97-AF65-F5344CB8AC3E}">
+        <p14:creationId xmlns:p14="http://schemas.microsoft.com/office/powerpoint/2010/main" val="1284988341"/>
+      </p:ext>
+    </p:extLst>
+  </p:cSld>
+  <p:clrMapOvr>
+    <a:masterClrMapping/>
+  </p:clrMapOvr>
+</p:sld>
+</file>
+
+<file path=ppt/slides/slide66.xml><?xml version="1.0" encoding="utf-8"?>
+<p:sld xmlns:a="http://schemas.openxmlformats.org/drawingml/2006/main" xmlns:r="http://schemas.openxmlformats.org/officeDocument/2006/relationships" xmlns:p="http://schemas.openxmlformats.org/presentationml/2006/main">
+  <p:cSld>
+    <p:spTree>
+      <p:nvGrpSpPr>
+        <p:cNvPr id="1" name=""/>
+        <p:cNvGrpSpPr/>
+        <p:nvPr/>
+      </p:nvGrpSpPr>
+      <p:grpSpPr>
+        <a:xfrm>
+          <a:off x="0" y="0"/>
+          <a:ext cx="0" cy="0"/>
+          <a:chOff x="0" y="0"/>
+          <a:chExt cx="0" cy="0"/>
+        </a:xfrm>
+      </p:grpSpPr>
+      <p:sp>
+        <p:nvSpPr>
+          <p:cNvPr id="2" name="Título 1"/>
+          <p:cNvSpPr>
+            <a:spLocks noGrp="1"/>
+          </p:cNvSpPr>
+          <p:nvPr>
+            <p:ph type="title"/>
+          </p:nvPr>
+        </p:nvSpPr>
+        <p:spPr/>
+        <p:txBody>
+          <a:bodyPr/>
+          <a:lstStyle/>
+          <a:p>
+            <a:r>
+              <a:rPr lang="es-ES" dirty="0" smtClean="0"/>
+              <a:t>Problema A: (WSI)</a:t>
+            </a:r>
+            <a:endParaRPr lang="es-ES" dirty="0"/>
+          </a:p>
+        </p:txBody>
+      </p:sp>
+      <p:sp>
+        <p:nvSpPr>
+          <p:cNvPr id="3" name="Marcador de contenido 2"/>
+          <p:cNvSpPr>
+            <a:spLocks noGrp="1"/>
+          </p:cNvSpPr>
+          <p:nvPr>
+            <p:ph idx="1"/>
+          </p:nvPr>
+        </p:nvSpPr>
+        <p:spPr/>
+        <p:txBody>
+          <a:bodyPr/>
+          <a:lstStyle/>
+          <a:p>
+            <a:pPr marL="0" indent="0">
+              <a:buNone/>
+            </a:pPr>
+            <a:r>
+              <a:rPr lang="es-ES" dirty="0" smtClean="0"/>
+              <a:t>Resultados 10CV</a:t>
+            </a:r>
+          </a:p>
+          <a:p>
+            <a:pPr marL="0" indent="0">
+              <a:buNone/>
+            </a:pPr>
+            <a:endParaRPr lang="es-ES" dirty="0" smtClean="0"/>
+          </a:p>
+          <a:p>
+            <a:r>
+              <a:rPr lang="es-ES" dirty="0" smtClean="0"/>
+              <a:t>(333 negativas +183 positivas)</a:t>
+            </a:r>
+          </a:p>
+          <a:p>
+            <a:endParaRPr lang="es-ES" dirty="0"/>
+          </a:p>
+          <a:p>
+            <a:r>
+              <a:rPr lang="es-ES" dirty="0" smtClean="0"/>
+              <a:t>ACC = 0.9888</a:t>
+            </a:r>
+          </a:p>
+          <a:p>
+            <a:r>
+              <a:rPr lang="es-ES" dirty="0" smtClean="0"/>
+              <a:t>F1 = 0.9914</a:t>
+            </a:r>
+          </a:p>
+          <a:p>
+            <a:endParaRPr lang="es-ES" dirty="0"/>
+          </a:p>
+          <a:p>
+            <a:r>
+              <a:rPr lang="es-ES" dirty="0" smtClean="0"/>
+              <a:t>6 Falsos positivos</a:t>
+            </a:r>
+            <a:endParaRPr lang="es-ES" dirty="0"/>
+          </a:p>
+          <a:p>
+            <a:endParaRPr lang="es-ES" dirty="0"/>
+          </a:p>
+        </p:txBody>
+      </p:sp>
+      <p:pic>
+        <p:nvPicPr>
+          <p:cNvPr id="4" name="Imagen 3"/>
+          <p:cNvPicPr>
+            <a:picLocks noChangeAspect="1"/>
+          </p:cNvPicPr>
+          <p:nvPr/>
+        </p:nvPicPr>
+        <p:blipFill>
+          <a:blip r:embed="rId2"/>
+          <a:stretch>
+            <a:fillRect/>
+          </a:stretch>
+        </p:blipFill>
+        <p:spPr>
+          <a:xfrm>
+            <a:off x="5964835" y="1930556"/>
+            <a:ext cx="5142876" cy="3657407"/>
+          </a:xfrm>
+          <a:prstGeom prst="rect">
+            <a:avLst/>
+          </a:prstGeom>
+        </p:spPr>
+      </p:pic>
+    </p:spTree>
+    <p:extLst>
+      <p:ext uri="{BB962C8B-B14F-4D97-AF65-F5344CB8AC3E}">
+        <p14:creationId xmlns:p14="http://schemas.microsoft.com/office/powerpoint/2010/main" val="3312838916"/>
+      </p:ext>
+    </p:extLst>
+  </p:cSld>
+  <p:clrMapOvr>
+    <a:masterClrMapping/>
+  </p:clrMapOvr>
+</p:sld>
+</file>
+
+<file path=ppt/slides/slide67.xml><?xml version="1.0" encoding="utf-8"?>
+<p:sld xmlns:a="http://schemas.openxmlformats.org/drawingml/2006/main" xmlns:r="http://schemas.openxmlformats.org/officeDocument/2006/relationships" xmlns:p="http://schemas.openxmlformats.org/presentationml/2006/main">
+  <p:cSld>
+    <p:spTree>
+      <p:nvGrpSpPr>
+        <p:cNvPr id="1" name=""/>
+        <p:cNvGrpSpPr/>
+        <p:nvPr/>
+      </p:nvGrpSpPr>
+      <p:grpSpPr>
+        <a:xfrm>
+          <a:off x="0" y="0"/>
+          <a:ext cx="0" cy="0"/>
+          <a:chOff x="0" y="0"/>
+          <a:chExt cx="0" cy="0"/>
+        </a:xfrm>
+      </p:grpSpPr>
+      <p:sp>
+        <p:nvSpPr>
+          <p:cNvPr id="2" name="Título 1"/>
+          <p:cNvSpPr>
+            <a:spLocks noGrp="1"/>
+          </p:cNvSpPr>
+          <p:nvPr>
+            <p:ph type="title"/>
+          </p:nvPr>
+        </p:nvSpPr>
+        <p:spPr/>
+        <p:txBody>
+          <a:bodyPr/>
+          <a:lstStyle/>
+          <a:p>
+            <a:r>
+              <a:rPr lang="es-ES" dirty="0" smtClean="0"/>
+              <a:t>Problema A: (</a:t>
+            </a:r>
+            <a:r>
+              <a:rPr lang="es-ES" dirty="0" err="1" smtClean="0"/>
+              <a:t>RNASeq</a:t>
+            </a:r>
+            <a:r>
+              <a:rPr lang="es-ES" dirty="0" smtClean="0"/>
+              <a:t>)</a:t>
+            </a:r>
+            <a:endParaRPr lang="es-ES" dirty="0"/>
+          </a:p>
+        </p:txBody>
+      </p:sp>
+      <p:sp>
+        <p:nvSpPr>
+          <p:cNvPr id="3" name="Marcador de contenido 2"/>
+          <p:cNvSpPr>
+            <a:spLocks noGrp="1"/>
+          </p:cNvSpPr>
+          <p:nvPr>
+            <p:ph idx="1"/>
+          </p:nvPr>
+        </p:nvSpPr>
+        <p:spPr/>
+        <p:txBody>
+          <a:bodyPr/>
+          <a:lstStyle/>
+          <a:p>
+            <a:r>
+              <a:rPr lang="es-ES" dirty="0" smtClean="0"/>
+              <a:t>Fusión de dos bases de datos con </a:t>
+            </a:r>
+            <a:r>
+              <a:rPr lang="es-ES" dirty="0" err="1" smtClean="0"/>
+              <a:t>preprocesamiento</a:t>
+            </a:r>
+            <a:r>
+              <a:rPr lang="es-ES" dirty="0" smtClean="0"/>
+              <a:t> distinto:</a:t>
+            </a:r>
+          </a:p>
+          <a:p>
+            <a:pPr marL="0" indent="0">
+              <a:buNone/>
+            </a:pPr>
+            <a:r>
+              <a:rPr lang="es-ES" b="1" dirty="0" err="1"/>
+              <a:t>Unifying</a:t>
+            </a:r>
+            <a:r>
+              <a:rPr lang="es-ES" b="1" dirty="0"/>
+              <a:t> </a:t>
+            </a:r>
+            <a:r>
+              <a:rPr lang="es-ES" b="1" dirty="0" smtClean="0"/>
+              <a:t>cáncer </a:t>
+            </a:r>
+            <a:r>
+              <a:rPr lang="en-US" b="1" dirty="0" smtClean="0"/>
+              <a:t>and </a:t>
+            </a:r>
+            <a:r>
+              <a:rPr lang="en-US" b="1" dirty="0"/>
+              <a:t>normal RNA sequencing </a:t>
+            </a:r>
+            <a:r>
+              <a:rPr lang="en-US" b="1" dirty="0" smtClean="0"/>
+              <a:t>data </a:t>
+            </a:r>
+            <a:r>
+              <a:rPr lang="es-ES" b="1" dirty="0" err="1" smtClean="0"/>
+              <a:t>from</a:t>
+            </a:r>
+            <a:r>
+              <a:rPr lang="es-ES" b="1" dirty="0" smtClean="0"/>
+              <a:t> </a:t>
+            </a:r>
+            <a:r>
+              <a:rPr lang="es-ES" b="1" dirty="0" err="1"/>
+              <a:t>different</a:t>
+            </a:r>
+            <a:r>
+              <a:rPr lang="es-ES" b="1" dirty="0"/>
+              <a:t> </a:t>
+            </a:r>
+            <a:r>
+              <a:rPr lang="es-ES" b="1" dirty="0" err="1" smtClean="0"/>
+              <a:t>sources</a:t>
+            </a:r>
+            <a:r>
+              <a:rPr lang="es-ES" b="1" dirty="0"/>
+              <a:t> </a:t>
+            </a:r>
+            <a:endParaRPr lang="es-ES" b="1" dirty="0" smtClean="0"/>
+          </a:p>
+          <a:p>
+            <a:pPr marL="0" indent="0">
+              <a:buNone/>
+            </a:pPr>
+            <a:r>
+              <a:rPr lang="es-ES" dirty="0" smtClean="0"/>
+              <a:t>DOI</a:t>
+            </a:r>
+            <a:r>
+              <a:rPr lang="es-ES" dirty="0"/>
+              <a:t>: </a:t>
+            </a:r>
+            <a:r>
+              <a:rPr lang="es-ES" dirty="0" smtClean="0"/>
+              <a:t>10.1038/sdata.2018.61 (2018)</a:t>
+            </a:r>
+          </a:p>
+          <a:p>
+            <a:pPr marL="0" indent="0">
+              <a:buNone/>
+            </a:pPr>
+            <a:endParaRPr lang="es-ES" dirty="0"/>
+          </a:p>
+          <a:p>
+            <a:pPr marL="0" indent="0">
+              <a:buNone/>
+            </a:pPr>
+            <a:r>
+              <a:rPr lang="es-ES" dirty="0" smtClean="0"/>
+              <a:t>Dos procesos para normalizar las bases de datos:</a:t>
+            </a:r>
+          </a:p>
+          <a:p>
+            <a:pPr marL="514350" indent="-514350">
+              <a:buAutoNum type="arabicPeriod"/>
+            </a:pPr>
+            <a:r>
+              <a:rPr lang="es-ES" dirty="0" err="1" smtClean="0"/>
+              <a:t>Preprocesamiento</a:t>
+            </a:r>
+            <a:r>
+              <a:rPr lang="es-ES" dirty="0" smtClean="0"/>
+              <a:t> uniforme.  STAR </a:t>
+            </a:r>
+            <a:r>
+              <a:rPr lang="es-ES" dirty="0" err="1" smtClean="0"/>
+              <a:t>Aligment</a:t>
+            </a:r>
+            <a:r>
+              <a:rPr lang="es-ES" dirty="0" smtClean="0"/>
+              <a:t> de los datos CRUDOS </a:t>
+            </a:r>
+          </a:p>
+          <a:p>
+            <a:pPr marL="514350" indent="-514350">
+              <a:buAutoNum type="arabicPeriod"/>
+            </a:pPr>
+            <a:r>
+              <a:rPr lang="es-ES" dirty="0" err="1" smtClean="0"/>
+              <a:t>Batch</a:t>
+            </a:r>
+            <a:r>
+              <a:rPr lang="es-ES" dirty="0" smtClean="0"/>
+              <a:t> </a:t>
+            </a:r>
+            <a:r>
+              <a:rPr lang="es-ES" dirty="0" err="1" smtClean="0"/>
+              <a:t>effect</a:t>
+            </a:r>
+            <a:r>
+              <a:rPr lang="es-ES" dirty="0" smtClean="0"/>
+              <a:t> </a:t>
+            </a:r>
+            <a:r>
+              <a:rPr lang="es-ES" dirty="0" err="1" smtClean="0"/>
+              <a:t>removal</a:t>
+            </a:r>
+            <a:r>
+              <a:rPr lang="es-ES" dirty="0" smtClean="0"/>
+              <a:t>.</a:t>
+            </a:r>
+          </a:p>
+          <a:p>
+            <a:pPr marL="0" indent="0">
+              <a:buNone/>
+            </a:pPr>
+            <a:endParaRPr lang="es-ES" dirty="0"/>
+          </a:p>
+        </p:txBody>
+      </p:sp>
+    </p:spTree>
+    <p:extLst>
+      <p:ext uri="{BB962C8B-B14F-4D97-AF65-F5344CB8AC3E}">
+        <p14:creationId xmlns:p14="http://schemas.microsoft.com/office/powerpoint/2010/main" val="3337403121"/>
+      </p:ext>
+    </p:extLst>
+  </p:cSld>
+  <p:clrMapOvr>
+    <a:masterClrMapping/>
+  </p:clrMapOvr>
+</p:sld>
+</file>
+
+<file path=ppt/slides/slide68.xml><?xml version="1.0" encoding="utf-8"?>
+<p:sld xmlns:a="http://schemas.openxmlformats.org/drawingml/2006/main" xmlns:r="http://schemas.openxmlformats.org/officeDocument/2006/relationships" xmlns:p="http://schemas.openxmlformats.org/presentationml/2006/main">
+  <p:cSld>
+    <p:spTree>
+      <p:nvGrpSpPr>
+        <p:cNvPr id="1" name=""/>
+        <p:cNvGrpSpPr/>
+        <p:nvPr/>
+      </p:nvGrpSpPr>
+      <p:grpSpPr>
+        <a:xfrm>
+          <a:off x="0" y="0"/>
+          <a:ext cx="0" cy="0"/>
+          <a:chOff x="0" y="0"/>
+          <a:chExt cx="0" cy="0"/>
+        </a:xfrm>
+      </p:grpSpPr>
+      <p:sp>
+        <p:nvSpPr>
+          <p:cNvPr id="2" name="Título 1"/>
+          <p:cNvSpPr>
+            <a:spLocks noGrp="1"/>
+          </p:cNvSpPr>
+          <p:nvPr>
+            <p:ph type="title"/>
+          </p:nvPr>
+        </p:nvSpPr>
+        <p:spPr/>
+        <p:txBody>
+          <a:bodyPr/>
+          <a:lstStyle/>
+          <a:p>
+            <a:r>
+              <a:rPr lang="es-ES" dirty="0" smtClean="0"/>
+              <a:t>Resultados en el </a:t>
+            </a:r>
+            <a:r>
+              <a:rPr lang="es-ES" dirty="0" err="1" smtClean="0"/>
+              <a:t>paper</a:t>
+            </a:r>
+            <a:r>
+              <a:rPr lang="es-ES" dirty="0" smtClean="0"/>
+              <a:t>:</a:t>
+            </a:r>
+            <a:endParaRPr lang="es-ES" dirty="0"/>
+          </a:p>
+        </p:txBody>
+      </p:sp>
+      <p:pic>
+        <p:nvPicPr>
+          <p:cNvPr id="4" name="Marcador de contenido 3"/>
+          <p:cNvPicPr>
+            <a:picLocks noGrp="1" noChangeAspect="1"/>
+          </p:cNvPicPr>
+          <p:nvPr>
+            <p:ph idx="1"/>
+          </p:nvPr>
+        </p:nvPicPr>
+        <p:blipFill>
+          <a:blip r:embed="rId2"/>
+          <a:stretch>
+            <a:fillRect/>
+          </a:stretch>
+        </p:blipFill>
+        <p:spPr>
+          <a:xfrm>
+            <a:off x="838200" y="1939611"/>
+            <a:ext cx="9670618" cy="3703641"/>
+          </a:xfrm>
+          <a:prstGeom prst="rect">
+            <a:avLst/>
+          </a:prstGeom>
+        </p:spPr>
+      </p:pic>
+    </p:spTree>
+    <p:extLst>
+      <p:ext uri="{BB962C8B-B14F-4D97-AF65-F5344CB8AC3E}">
+        <p14:creationId xmlns:p14="http://schemas.microsoft.com/office/powerpoint/2010/main" val="3960247585"/>
+      </p:ext>
+    </p:extLst>
+  </p:cSld>
+  <p:clrMapOvr>
+    <a:masterClrMapping/>
+  </p:clrMapOvr>
+</p:sld>
+</file>
+
+<file path=ppt/slides/slide69.xml><?xml version="1.0" encoding="utf-8"?>
+<p:sld xmlns:a="http://schemas.openxmlformats.org/drawingml/2006/main" xmlns:r="http://schemas.openxmlformats.org/officeDocument/2006/relationships" xmlns:p="http://schemas.openxmlformats.org/presentationml/2006/main">
+  <p:cSld>
+    <p:spTree>
+      <p:nvGrpSpPr>
+        <p:cNvPr id="1" name=""/>
+        <p:cNvGrpSpPr/>
+        <p:nvPr/>
+      </p:nvGrpSpPr>
+      <p:grpSpPr>
+        <a:xfrm>
+          <a:off x="0" y="0"/>
+          <a:ext cx="0" cy="0"/>
+          <a:chOff x="0" y="0"/>
+          <a:chExt cx="0" cy="0"/>
+        </a:xfrm>
+      </p:grpSpPr>
+      <p:sp>
+        <p:nvSpPr>
+          <p:cNvPr id="2" name="Título 1"/>
+          <p:cNvSpPr>
+            <a:spLocks noGrp="1"/>
+          </p:cNvSpPr>
+          <p:nvPr>
+            <p:ph type="title"/>
+          </p:nvPr>
+        </p:nvSpPr>
+        <p:spPr/>
+        <p:txBody>
+          <a:bodyPr/>
+          <a:lstStyle/>
+          <a:p>
+            <a:r>
+              <a:rPr lang="es-ES" dirty="0"/>
+              <a:t>Problema A: (</a:t>
+            </a:r>
+            <a:r>
+              <a:rPr lang="es-ES" dirty="0" err="1"/>
+              <a:t>RNASeq</a:t>
+            </a:r>
+            <a:r>
+              <a:rPr lang="es-ES" dirty="0"/>
+              <a:t>)</a:t>
+            </a:r>
+          </a:p>
+        </p:txBody>
+      </p:sp>
+      <p:sp>
+        <p:nvSpPr>
+          <p:cNvPr id="3" name="Marcador de contenido 2"/>
+          <p:cNvSpPr>
+            <a:spLocks noGrp="1"/>
+          </p:cNvSpPr>
+          <p:nvPr>
+            <p:ph idx="1"/>
+          </p:nvPr>
+        </p:nvSpPr>
+        <p:spPr/>
+        <p:txBody>
+          <a:bodyPr/>
+          <a:lstStyle/>
+          <a:p>
+            <a:r>
+              <a:rPr lang="es-ES" dirty="0" smtClean="0"/>
+              <a:t>Desafortunadamente no tengo acceso a los datos crudos (BAM) por lo que el </a:t>
+            </a:r>
+            <a:r>
+              <a:rPr lang="es-ES" dirty="0" err="1" smtClean="0"/>
+              <a:t>preprocesamiento</a:t>
+            </a:r>
+            <a:r>
+              <a:rPr lang="es-ES" dirty="0" smtClean="0"/>
+              <a:t> uniforme no es posible, y en el </a:t>
+            </a:r>
+            <a:r>
+              <a:rPr lang="es-ES" dirty="0" err="1" smtClean="0"/>
+              <a:t>paper</a:t>
+            </a:r>
+            <a:r>
+              <a:rPr lang="es-ES" dirty="0" smtClean="0"/>
+              <a:t> descubren que con corrección del efecto de lotes (</a:t>
+            </a:r>
+            <a:r>
+              <a:rPr lang="es-ES" dirty="0" err="1" smtClean="0"/>
+              <a:t>batch</a:t>
+            </a:r>
+            <a:r>
+              <a:rPr lang="es-ES" dirty="0" smtClean="0"/>
+              <a:t> </a:t>
+            </a:r>
+            <a:r>
+              <a:rPr lang="es-ES" dirty="0" err="1" smtClean="0"/>
+              <a:t>effect</a:t>
+            </a:r>
+            <a:r>
+              <a:rPr lang="es-ES" dirty="0" smtClean="0"/>
+              <a:t>) no es suficiente aun así decido comprobarlo.</a:t>
+            </a:r>
+            <a:endParaRPr lang="es-ES" dirty="0"/>
+          </a:p>
+        </p:txBody>
+      </p:sp>
+    </p:spTree>
+    <p:extLst>
+      <p:ext uri="{BB962C8B-B14F-4D97-AF65-F5344CB8AC3E}">
+        <p14:creationId xmlns:p14="http://schemas.microsoft.com/office/powerpoint/2010/main" val="1176268170"/>
       </p:ext>
     </p:extLst>
   </p:cSld>
@@ -11910,6 +13889,988 @@
     <p:extLst>
       <p:ext uri="{BB962C8B-B14F-4D97-AF65-F5344CB8AC3E}">
         <p14:creationId xmlns:p14="http://schemas.microsoft.com/office/powerpoint/2010/main" val="487349848"/>
+      </p:ext>
+    </p:extLst>
+  </p:cSld>
+  <p:clrMapOvr>
+    <a:masterClrMapping/>
+  </p:clrMapOvr>
+</p:sld>
+</file>
+
+<file path=ppt/slides/slide70.xml><?xml version="1.0" encoding="utf-8"?>
+<p:sld xmlns:a="http://schemas.openxmlformats.org/drawingml/2006/main" xmlns:r="http://schemas.openxmlformats.org/officeDocument/2006/relationships" xmlns:p="http://schemas.openxmlformats.org/presentationml/2006/main">
+  <p:cSld>
+    <p:spTree>
+      <p:nvGrpSpPr>
+        <p:cNvPr id="1" name=""/>
+        <p:cNvGrpSpPr/>
+        <p:nvPr/>
+      </p:nvGrpSpPr>
+      <p:grpSpPr>
+        <a:xfrm>
+          <a:off x="0" y="0"/>
+          <a:ext cx="0" cy="0"/>
+          <a:chOff x="0" y="0"/>
+          <a:chExt cx="0" cy="0"/>
+        </a:xfrm>
+      </p:grpSpPr>
+      <p:sp>
+        <p:nvSpPr>
+          <p:cNvPr id="2" name="Título 1"/>
+          <p:cNvSpPr>
+            <a:spLocks noGrp="1"/>
+          </p:cNvSpPr>
+          <p:nvPr>
+            <p:ph type="title"/>
+          </p:nvPr>
+        </p:nvSpPr>
+        <p:spPr/>
+        <p:txBody>
+          <a:bodyPr/>
+          <a:lstStyle/>
+          <a:p>
+            <a:r>
+              <a:rPr lang="es-ES" dirty="0" smtClean="0"/>
+              <a:t>PCA </a:t>
+            </a:r>
+            <a:r>
+              <a:rPr lang="es-ES" dirty="0" err="1" smtClean="0"/>
+              <a:t>RNASeq</a:t>
+            </a:r>
+            <a:endParaRPr lang="es-ES" dirty="0"/>
+          </a:p>
+        </p:txBody>
+      </p:sp>
+      <p:sp>
+        <p:nvSpPr>
+          <p:cNvPr id="3" name="Marcador de contenido 2"/>
+          <p:cNvSpPr>
+            <a:spLocks noGrp="1"/>
+          </p:cNvSpPr>
+          <p:nvPr>
+            <p:ph idx="1"/>
+          </p:nvPr>
+        </p:nvSpPr>
+        <p:spPr/>
+        <p:txBody>
+          <a:bodyPr/>
+          <a:lstStyle/>
+          <a:p>
+            <a:r>
+              <a:rPr lang="es-ES" dirty="0" smtClean="0"/>
+              <a:t>Se toma la expresión diferencial y se hace un análisis de componentes principales de dos componentes para los datos con y sin </a:t>
+            </a:r>
+            <a:r>
+              <a:rPr lang="es-ES" dirty="0" err="1" smtClean="0"/>
+              <a:t>batch</a:t>
+            </a:r>
+            <a:r>
+              <a:rPr lang="es-ES" dirty="0" smtClean="0"/>
+              <a:t> </a:t>
+            </a:r>
+            <a:r>
+              <a:rPr lang="es-ES" dirty="0" err="1" smtClean="0"/>
+              <a:t>effect</a:t>
+            </a:r>
+            <a:r>
+              <a:rPr lang="es-ES" dirty="0" smtClean="0"/>
+              <a:t> </a:t>
+            </a:r>
+            <a:r>
+              <a:rPr lang="es-ES" dirty="0" err="1" smtClean="0"/>
+              <a:t>removal</a:t>
+            </a:r>
+            <a:r>
+              <a:rPr lang="es-ES" dirty="0" smtClean="0"/>
+              <a:t>.</a:t>
+            </a:r>
+            <a:endParaRPr lang="es-ES" dirty="0"/>
+          </a:p>
+        </p:txBody>
+      </p:sp>
+      <p:pic>
+        <p:nvPicPr>
+          <p:cNvPr id="4" name="Imagen 3"/>
+          <p:cNvPicPr>
+            <a:picLocks noChangeAspect="1"/>
+          </p:cNvPicPr>
+          <p:nvPr/>
+        </p:nvPicPr>
+        <p:blipFill>
+          <a:blip r:embed="rId2">
+            <a:extLst>
+              <a:ext uri="{28A0092B-C50C-407E-A947-70E740481C1C}">
+                <a14:useLocalDpi xmlns:a14="http://schemas.microsoft.com/office/drawing/2010/main" val="0"/>
+              </a:ext>
+            </a:extLst>
+          </a:blip>
+          <a:stretch>
+            <a:fillRect/>
+          </a:stretch>
+        </p:blipFill>
+        <p:spPr>
+          <a:xfrm>
+            <a:off x="1072342" y="3681413"/>
+            <a:ext cx="3781425" cy="2495550"/>
+          </a:xfrm>
+          <a:prstGeom prst="rect">
+            <a:avLst/>
+          </a:prstGeom>
+        </p:spPr>
+      </p:pic>
+      <p:pic>
+        <p:nvPicPr>
+          <p:cNvPr id="5" name="Imagen 4"/>
+          <p:cNvPicPr>
+            <a:picLocks noChangeAspect="1"/>
+          </p:cNvPicPr>
+          <p:nvPr/>
+        </p:nvPicPr>
+        <p:blipFill>
+          <a:blip r:embed="rId3">
+            <a:extLst>
+              <a:ext uri="{28A0092B-C50C-407E-A947-70E740481C1C}">
+                <a14:useLocalDpi xmlns:a14="http://schemas.microsoft.com/office/drawing/2010/main" val="0"/>
+              </a:ext>
+            </a:extLst>
+          </a:blip>
+          <a:stretch>
+            <a:fillRect/>
+          </a:stretch>
+        </p:blipFill>
+        <p:spPr>
+          <a:xfrm>
+            <a:off x="6803778" y="3681413"/>
+            <a:ext cx="3724275" cy="2495550"/>
+          </a:xfrm>
+          <a:prstGeom prst="rect">
+            <a:avLst/>
+          </a:prstGeom>
+        </p:spPr>
+      </p:pic>
+    </p:spTree>
+    <p:extLst>
+      <p:ext uri="{BB962C8B-B14F-4D97-AF65-F5344CB8AC3E}">
+        <p14:creationId xmlns:p14="http://schemas.microsoft.com/office/powerpoint/2010/main" val="194853418"/>
+      </p:ext>
+    </p:extLst>
+  </p:cSld>
+  <p:clrMapOvr>
+    <a:masterClrMapping/>
+  </p:clrMapOvr>
+</p:sld>
+</file>
+
+<file path=ppt/slides/slide71.xml><?xml version="1.0" encoding="utf-8"?>
+<p:sld xmlns:a="http://schemas.openxmlformats.org/drawingml/2006/main" xmlns:r="http://schemas.openxmlformats.org/officeDocument/2006/relationships" xmlns:p="http://schemas.openxmlformats.org/presentationml/2006/main">
+  <p:cSld>
+    <p:spTree>
+      <p:nvGrpSpPr>
+        <p:cNvPr id="1" name=""/>
+        <p:cNvGrpSpPr/>
+        <p:nvPr/>
+      </p:nvGrpSpPr>
+      <p:grpSpPr>
+        <a:xfrm>
+          <a:off x="0" y="0"/>
+          <a:ext cx="0" cy="0"/>
+          <a:chOff x="0" y="0"/>
+          <a:chExt cx="0" cy="0"/>
+        </a:xfrm>
+      </p:grpSpPr>
+      <p:sp>
+        <p:nvSpPr>
+          <p:cNvPr id="2" name="Título 1"/>
+          <p:cNvSpPr>
+            <a:spLocks noGrp="1"/>
+          </p:cNvSpPr>
+          <p:nvPr>
+            <p:ph type="title"/>
+          </p:nvPr>
+        </p:nvSpPr>
+        <p:spPr/>
+        <p:txBody>
+          <a:bodyPr/>
+          <a:lstStyle/>
+          <a:p>
+            <a:r>
+              <a:rPr lang="es-ES" dirty="0"/>
+              <a:t>PCA </a:t>
+            </a:r>
+            <a:r>
+              <a:rPr lang="es-ES" dirty="0" err="1"/>
+              <a:t>RNASeq</a:t>
+            </a:r>
+            <a:endParaRPr lang="es-ES" dirty="0"/>
+          </a:p>
+        </p:txBody>
+      </p:sp>
+      <p:sp>
+        <p:nvSpPr>
+          <p:cNvPr id="3" name="Marcador de contenido 2"/>
+          <p:cNvSpPr>
+            <a:spLocks noGrp="1"/>
+          </p:cNvSpPr>
+          <p:nvPr>
+            <p:ph idx="1"/>
+          </p:nvPr>
+        </p:nvSpPr>
+        <p:spPr/>
+        <p:txBody>
+          <a:bodyPr/>
+          <a:lstStyle/>
+          <a:p>
+            <a:r>
+              <a:rPr lang="es-ES" dirty="0"/>
+              <a:t>D</a:t>
+            </a:r>
+            <a:r>
+              <a:rPr lang="es-ES" dirty="0" smtClean="0"/>
+              <a:t>e </a:t>
+            </a:r>
+            <a:r>
+              <a:rPr lang="es-ES" dirty="0"/>
+              <a:t>acuerdo con el artículo las bases de datos bien normalizadas deberían ser </a:t>
+            </a:r>
+            <a:r>
+              <a:rPr lang="es-ES" dirty="0" smtClean="0"/>
+              <a:t>similares</a:t>
+            </a:r>
+            <a:endParaRPr lang="es-ES" dirty="0"/>
+          </a:p>
+          <a:p>
+            <a:endParaRPr lang="es-ES" dirty="0" smtClean="0"/>
+          </a:p>
+          <a:p>
+            <a:r>
+              <a:rPr lang="es-ES" dirty="0" smtClean="0"/>
+              <a:t>Se confirma que el </a:t>
+            </a:r>
+            <a:r>
+              <a:rPr lang="es-ES" dirty="0" err="1" smtClean="0"/>
+              <a:t>preprocesamiento</a:t>
+            </a:r>
+            <a:r>
+              <a:rPr lang="es-ES" dirty="0" smtClean="0"/>
+              <a:t> uniforme es una parte vital de la normalización</a:t>
+            </a:r>
+            <a:endParaRPr lang="es-ES" dirty="0"/>
+          </a:p>
+          <a:p>
+            <a:endParaRPr lang="es-ES" dirty="0"/>
+          </a:p>
+        </p:txBody>
+      </p:sp>
+    </p:spTree>
+    <p:extLst>
+      <p:ext uri="{BB962C8B-B14F-4D97-AF65-F5344CB8AC3E}">
+        <p14:creationId xmlns:p14="http://schemas.microsoft.com/office/powerpoint/2010/main" val="2452856953"/>
+      </p:ext>
+    </p:extLst>
+  </p:cSld>
+  <p:clrMapOvr>
+    <a:masterClrMapping/>
+  </p:clrMapOvr>
+</p:sld>
+</file>
+
+<file path=ppt/slides/slide72.xml><?xml version="1.0" encoding="utf-8"?>
+<p:sld xmlns:a="http://schemas.openxmlformats.org/drawingml/2006/main" xmlns:r="http://schemas.openxmlformats.org/officeDocument/2006/relationships" xmlns:p="http://schemas.openxmlformats.org/presentationml/2006/main">
+  <p:cSld>
+    <p:spTree>
+      <p:nvGrpSpPr>
+        <p:cNvPr id="1" name=""/>
+        <p:cNvGrpSpPr/>
+        <p:nvPr/>
+      </p:nvGrpSpPr>
+      <p:grpSpPr>
+        <a:xfrm>
+          <a:off x="0" y="0"/>
+          <a:ext cx="0" cy="0"/>
+          <a:chOff x="0" y="0"/>
+          <a:chExt cx="0" cy="0"/>
+        </a:xfrm>
+      </p:grpSpPr>
+      <p:sp>
+        <p:nvSpPr>
+          <p:cNvPr id="2" name="Título 1"/>
+          <p:cNvSpPr>
+            <a:spLocks noGrp="1"/>
+          </p:cNvSpPr>
+          <p:nvPr>
+            <p:ph type="title"/>
+          </p:nvPr>
+        </p:nvSpPr>
+        <p:spPr/>
+        <p:txBody>
+          <a:bodyPr/>
+          <a:lstStyle/>
+          <a:p>
+            <a:r>
+              <a:rPr lang="es-ES" dirty="0" smtClean="0"/>
+              <a:t>Resumen problema A</a:t>
+            </a:r>
+            <a:endParaRPr lang="es-ES" dirty="0"/>
+          </a:p>
+        </p:txBody>
+      </p:sp>
+      <p:sp>
+        <p:nvSpPr>
+          <p:cNvPr id="3" name="Marcador de contenido 2"/>
+          <p:cNvSpPr>
+            <a:spLocks noGrp="1"/>
+          </p:cNvSpPr>
+          <p:nvPr>
+            <p:ph idx="1"/>
+          </p:nvPr>
+        </p:nvSpPr>
+        <p:spPr/>
+        <p:txBody>
+          <a:bodyPr/>
+          <a:lstStyle/>
+          <a:p>
+            <a:pPr marL="0" indent="0">
+              <a:buNone/>
+            </a:pPr>
+            <a:r>
+              <a:rPr lang="es-ES" dirty="0" smtClean="0"/>
+              <a:t>Se encuentran dos problema</a:t>
+            </a:r>
+          </a:p>
+          <a:p>
+            <a:pPr marL="0" indent="0">
+              <a:buNone/>
+            </a:pPr>
+            <a:endParaRPr lang="es-ES" dirty="0"/>
+          </a:p>
+          <a:p>
+            <a:pPr marL="514350" indent="-514350">
+              <a:buAutoNum type="arabicPeriod"/>
+            </a:pPr>
+            <a:r>
+              <a:rPr lang="es-ES" dirty="0" err="1" smtClean="0"/>
+              <a:t>Accuracy</a:t>
+            </a:r>
+            <a:r>
+              <a:rPr lang="es-ES" dirty="0" smtClean="0"/>
+              <a:t> del 98.9% para solo imágenes, es difícil observar una mejora usando fusión con la expresión de gen</a:t>
+            </a:r>
+          </a:p>
+          <a:p>
+            <a:pPr marL="514350" indent="-514350">
+              <a:buAutoNum type="arabicPeriod"/>
+            </a:pPr>
+            <a:r>
+              <a:rPr lang="es-ES" dirty="0" smtClean="0"/>
+              <a:t>Normalización de los datos no parece posible sin tener acceso a los ficheros BAM</a:t>
+            </a:r>
+          </a:p>
+          <a:p>
+            <a:pPr marL="514350" indent="-514350">
+              <a:buAutoNum type="arabicPeriod"/>
+            </a:pPr>
+            <a:endParaRPr lang="es-ES" dirty="0" smtClean="0"/>
+          </a:p>
+        </p:txBody>
+      </p:sp>
+    </p:spTree>
+    <p:extLst>
+      <p:ext uri="{BB962C8B-B14F-4D97-AF65-F5344CB8AC3E}">
+        <p14:creationId xmlns:p14="http://schemas.microsoft.com/office/powerpoint/2010/main" val="3418545432"/>
+      </p:ext>
+    </p:extLst>
+  </p:cSld>
+  <p:clrMapOvr>
+    <a:masterClrMapping/>
+  </p:clrMapOvr>
+</p:sld>
+</file>
+
+<file path=ppt/slides/slide73.xml><?xml version="1.0" encoding="utf-8"?>
+<p:sld xmlns:a="http://schemas.openxmlformats.org/drawingml/2006/main" xmlns:r="http://schemas.openxmlformats.org/officeDocument/2006/relationships" xmlns:p="http://schemas.openxmlformats.org/presentationml/2006/main">
+  <p:cSld>
+    <p:spTree>
+      <p:nvGrpSpPr>
+        <p:cNvPr id="1" name=""/>
+        <p:cNvGrpSpPr/>
+        <p:nvPr/>
+      </p:nvGrpSpPr>
+      <p:grpSpPr>
+        <a:xfrm>
+          <a:off x="0" y="0"/>
+          <a:ext cx="0" cy="0"/>
+          <a:chOff x="0" y="0"/>
+          <a:chExt cx="0" cy="0"/>
+        </a:xfrm>
+      </p:grpSpPr>
+      <p:sp>
+        <p:nvSpPr>
+          <p:cNvPr id="2" name="Título 1"/>
+          <p:cNvSpPr>
+            <a:spLocks noGrp="1"/>
+          </p:cNvSpPr>
+          <p:nvPr>
+            <p:ph type="title"/>
+          </p:nvPr>
+        </p:nvSpPr>
+        <p:spPr/>
+        <p:txBody>
+          <a:bodyPr/>
+          <a:lstStyle/>
+          <a:p>
+            <a:r>
+              <a:rPr lang="es-ES" dirty="0"/>
+              <a:t>Procesamiento de los datos </a:t>
+            </a:r>
+            <a:r>
+              <a:rPr lang="es-ES" dirty="0" smtClean="0"/>
+              <a:t>crudos GDC</a:t>
+            </a:r>
+            <a:endParaRPr lang="es-ES" dirty="0"/>
+          </a:p>
+        </p:txBody>
+      </p:sp>
+      <p:pic>
+        <p:nvPicPr>
+          <p:cNvPr id="4" name="Marcador de contenido 3"/>
+          <p:cNvPicPr>
+            <a:picLocks noGrp="1" noChangeAspect="1"/>
+          </p:cNvPicPr>
+          <p:nvPr>
+            <p:ph idx="1"/>
+          </p:nvPr>
+        </p:nvPicPr>
+        <p:blipFill>
+          <a:blip r:embed="rId2"/>
+          <a:stretch>
+            <a:fillRect/>
+          </a:stretch>
+        </p:blipFill>
+        <p:spPr>
+          <a:xfrm>
+            <a:off x="1763654" y="1882750"/>
+            <a:ext cx="8664691" cy="4237087"/>
+          </a:xfrm>
+          <a:prstGeom prst="rect">
+            <a:avLst/>
+          </a:prstGeom>
+        </p:spPr>
+      </p:pic>
+    </p:spTree>
+    <p:extLst>
+      <p:ext uri="{BB962C8B-B14F-4D97-AF65-F5344CB8AC3E}">
+        <p14:creationId xmlns:p14="http://schemas.microsoft.com/office/powerpoint/2010/main" val="2378024557"/>
+      </p:ext>
+    </p:extLst>
+  </p:cSld>
+  <p:clrMapOvr>
+    <a:masterClrMapping/>
+  </p:clrMapOvr>
+</p:sld>
+</file>
+
+<file path=ppt/slides/slide74.xml><?xml version="1.0" encoding="utf-8"?>
+<p:sld xmlns:a="http://schemas.openxmlformats.org/drawingml/2006/main" xmlns:r="http://schemas.openxmlformats.org/officeDocument/2006/relationships" xmlns:p="http://schemas.openxmlformats.org/presentationml/2006/main">
+  <p:cSld>
+    <p:spTree>
+      <p:nvGrpSpPr>
+        <p:cNvPr id="1" name=""/>
+        <p:cNvGrpSpPr/>
+        <p:nvPr/>
+      </p:nvGrpSpPr>
+      <p:grpSpPr>
+        <a:xfrm>
+          <a:off x="0" y="0"/>
+          <a:ext cx="0" cy="0"/>
+          <a:chOff x="0" y="0"/>
+          <a:chExt cx="0" cy="0"/>
+        </a:xfrm>
+      </p:grpSpPr>
+      <p:sp>
+        <p:nvSpPr>
+          <p:cNvPr id="2" name="Título 1"/>
+          <p:cNvSpPr>
+            <a:spLocks noGrp="1"/>
+          </p:cNvSpPr>
+          <p:nvPr>
+            <p:ph type="title"/>
+          </p:nvPr>
+        </p:nvSpPr>
+        <p:spPr/>
+        <p:txBody>
+          <a:bodyPr/>
+          <a:lstStyle/>
+          <a:p>
+            <a:r>
+              <a:rPr lang="es-ES" dirty="0" smtClean="0"/>
+              <a:t>Problema B:</a:t>
+            </a:r>
+            <a:endParaRPr lang="es-ES" dirty="0"/>
+          </a:p>
+        </p:txBody>
+      </p:sp>
+      <p:sp>
+        <p:nvSpPr>
+          <p:cNvPr id="3" name="Marcador de contenido 2"/>
+          <p:cNvSpPr>
+            <a:spLocks noGrp="1"/>
+          </p:cNvSpPr>
+          <p:nvPr>
+            <p:ph idx="1"/>
+          </p:nvPr>
+        </p:nvSpPr>
+        <p:spPr/>
+        <p:txBody>
+          <a:bodyPr/>
+          <a:lstStyle/>
+          <a:p>
+            <a:pPr marL="0" indent="0">
+              <a:buNone/>
+            </a:pPr>
+            <a:r>
+              <a:rPr lang="es-ES" dirty="0" smtClean="0"/>
+              <a:t>Interés de este problema</a:t>
+            </a:r>
+          </a:p>
+          <a:p>
+            <a:r>
+              <a:rPr lang="es-ES" dirty="0" smtClean="0"/>
+              <a:t>No existe nada en la bibliografía. </a:t>
+            </a:r>
+          </a:p>
+          <a:p>
+            <a:r>
+              <a:rPr lang="es-ES" dirty="0" smtClean="0"/>
+              <a:t>Posibles aplicaciones clínicas para ver si un tumor se puede operar (</a:t>
+            </a:r>
+            <a:r>
+              <a:rPr lang="es-ES" dirty="0" err="1" smtClean="0"/>
+              <a:t>resecable</a:t>
+            </a:r>
+            <a:r>
+              <a:rPr lang="es-ES" dirty="0" smtClean="0"/>
+              <a:t> o no </a:t>
+            </a:r>
+            <a:r>
+              <a:rPr lang="es-ES" dirty="0" err="1" smtClean="0"/>
+              <a:t>resecable</a:t>
+            </a:r>
+            <a:r>
+              <a:rPr lang="es-ES" dirty="0" smtClean="0"/>
+              <a:t>)</a:t>
+            </a:r>
+          </a:p>
+          <a:p>
+            <a:r>
+              <a:rPr lang="es-ES" dirty="0" smtClean="0"/>
+              <a:t>Descubrir si existe o no una expresión diferencial genética para el estadio de cáncer de páncreas</a:t>
+            </a:r>
+            <a:endParaRPr lang="es-ES" dirty="0"/>
+          </a:p>
+        </p:txBody>
+      </p:sp>
+    </p:spTree>
+    <p:extLst>
+      <p:ext uri="{BB962C8B-B14F-4D97-AF65-F5344CB8AC3E}">
+        <p14:creationId xmlns:p14="http://schemas.microsoft.com/office/powerpoint/2010/main" val="421892500"/>
+      </p:ext>
+    </p:extLst>
+  </p:cSld>
+  <p:clrMapOvr>
+    <a:masterClrMapping/>
+  </p:clrMapOvr>
+</p:sld>
+</file>
+
+<file path=ppt/slides/slide75.xml><?xml version="1.0" encoding="utf-8"?>
+<p:sld xmlns:a="http://schemas.openxmlformats.org/drawingml/2006/main" xmlns:r="http://schemas.openxmlformats.org/officeDocument/2006/relationships" xmlns:p="http://schemas.openxmlformats.org/presentationml/2006/main">
+  <p:cSld>
+    <p:spTree>
+      <p:nvGrpSpPr>
+        <p:cNvPr id="1" name=""/>
+        <p:cNvGrpSpPr/>
+        <p:nvPr/>
+      </p:nvGrpSpPr>
+      <p:grpSpPr>
+        <a:xfrm>
+          <a:off x="0" y="0"/>
+          <a:ext cx="0" cy="0"/>
+          <a:chOff x="0" y="0"/>
+          <a:chExt cx="0" cy="0"/>
+        </a:xfrm>
+      </p:grpSpPr>
+      <p:sp>
+        <p:nvSpPr>
+          <p:cNvPr id="2" name="Título 1"/>
+          <p:cNvSpPr>
+            <a:spLocks noGrp="1"/>
+          </p:cNvSpPr>
+          <p:nvPr>
+            <p:ph type="title"/>
+          </p:nvPr>
+        </p:nvSpPr>
+        <p:spPr/>
+        <p:txBody>
+          <a:bodyPr/>
+          <a:lstStyle/>
+          <a:p>
+            <a:r>
+              <a:rPr lang="es-ES" dirty="0"/>
+              <a:t>Problema B:</a:t>
+            </a:r>
+          </a:p>
+        </p:txBody>
+      </p:sp>
+      <p:sp>
+        <p:nvSpPr>
+          <p:cNvPr id="3" name="Marcador de contenido 2"/>
+          <p:cNvSpPr>
+            <a:spLocks noGrp="1"/>
+          </p:cNvSpPr>
+          <p:nvPr>
+            <p:ph idx="1"/>
+          </p:nvPr>
+        </p:nvSpPr>
+        <p:spPr/>
+        <p:txBody>
+          <a:bodyPr/>
+          <a:lstStyle/>
+          <a:p>
+            <a:r>
+              <a:rPr lang="es-ES" dirty="0"/>
+              <a:t>No se encuentran genes expresados diferencialmente, se prueba a variar LFC desde 0.5 a 2</a:t>
+            </a:r>
+          </a:p>
+          <a:p>
+            <a:endParaRPr lang="es-ES" dirty="0"/>
+          </a:p>
+        </p:txBody>
+      </p:sp>
+      <p:sp>
+        <p:nvSpPr>
+          <p:cNvPr id="4" name="Rectángulo 3"/>
+          <p:cNvSpPr/>
+          <p:nvPr/>
+        </p:nvSpPr>
+        <p:spPr>
+          <a:xfrm>
+            <a:off x="5432452" y="3244334"/>
+            <a:ext cx="184731" cy="369332"/>
+          </a:xfrm>
+          <a:prstGeom prst="rect">
+            <a:avLst/>
+          </a:prstGeom>
+        </p:spPr>
+        <p:txBody>
+          <a:bodyPr wrap="none">
+            <a:spAutoFit/>
+          </a:bodyPr>
+          <a:lstStyle/>
+          <a:p>
+            <a:endParaRPr lang="es-ES" dirty="0"/>
+          </a:p>
+        </p:txBody>
+      </p:sp>
+    </p:spTree>
+    <p:extLst>
+      <p:ext uri="{BB962C8B-B14F-4D97-AF65-F5344CB8AC3E}">
+        <p14:creationId xmlns:p14="http://schemas.microsoft.com/office/powerpoint/2010/main" val="1817178632"/>
+      </p:ext>
+    </p:extLst>
+  </p:cSld>
+  <p:clrMapOvr>
+    <a:masterClrMapping/>
+  </p:clrMapOvr>
+</p:sld>
+</file>
+
+<file path=ppt/slides/slide76.xml><?xml version="1.0" encoding="utf-8"?>
+<p:sld xmlns:a="http://schemas.openxmlformats.org/drawingml/2006/main" xmlns:r="http://schemas.openxmlformats.org/officeDocument/2006/relationships" xmlns:p="http://schemas.openxmlformats.org/presentationml/2006/main">
+  <p:cSld>
+    <p:spTree>
+      <p:nvGrpSpPr>
+        <p:cNvPr id="1" name=""/>
+        <p:cNvGrpSpPr/>
+        <p:nvPr/>
+      </p:nvGrpSpPr>
+      <p:grpSpPr>
+        <a:xfrm>
+          <a:off x="0" y="0"/>
+          <a:ext cx="0" cy="0"/>
+          <a:chOff x="0" y="0"/>
+          <a:chExt cx="0" cy="0"/>
+        </a:xfrm>
+      </p:grpSpPr>
+      <p:sp>
+        <p:nvSpPr>
+          <p:cNvPr id="2" name="Título 1"/>
+          <p:cNvSpPr>
+            <a:spLocks noGrp="1"/>
+          </p:cNvSpPr>
+          <p:nvPr>
+            <p:ph type="title"/>
+          </p:nvPr>
+        </p:nvSpPr>
+        <p:spPr/>
+        <p:txBody>
+          <a:bodyPr/>
+          <a:lstStyle/>
+          <a:p>
+            <a:r>
+              <a:rPr lang="es-ES" dirty="0" smtClean="0"/>
+              <a:t>Posibles soluciones</a:t>
+            </a:r>
+            <a:endParaRPr lang="es-ES" dirty="0"/>
+          </a:p>
+        </p:txBody>
+      </p:sp>
+      <p:sp>
+        <p:nvSpPr>
+          <p:cNvPr id="3" name="Marcador de contenido 2"/>
+          <p:cNvSpPr>
+            <a:spLocks noGrp="1"/>
+          </p:cNvSpPr>
+          <p:nvPr>
+            <p:ph idx="1"/>
+          </p:nvPr>
+        </p:nvSpPr>
+        <p:spPr/>
+        <p:txBody>
+          <a:bodyPr>
+            <a:normAutofit lnSpcReduction="10000"/>
+          </a:bodyPr>
+          <a:lstStyle/>
+          <a:p>
+            <a:r>
+              <a:rPr lang="es-ES" dirty="0"/>
+              <a:t>Intentar obtener acceso a los datos crudos de GDC y GTEX:</a:t>
+            </a:r>
+          </a:p>
+          <a:p>
+            <a:pPr lvl="1">
+              <a:buFontTx/>
+              <a:buChar char="-"/>
+            </a:pPr>
+            <a:r>
+              <a:rPr lang="es-ES" dirty="0"/>
+              <a:t>GDC puede tardar semanas en responder, </a:t>
+            </a:r>
+            <a:r>
+              <a:rPr lang="es-ES" dirty="0" err="1"/>
+              <a:t>GTEx</a:t>
+            </a:r>
+            <a:r>
+              <a:rPr lang="es-ES" dirty="0"/>
+              <a:t> parece responder pronto. </a:t>
+            </a:r>
+          </a:p>
+          <a:p>
+            <a:pPr lvl="1">
+              <a:buFontTx/>
+              <a:buChar char="-"/>
+            </a:pPr>
+            <a:r>
+              <a:rPr lang="es-ES" dirty="0" err="1"/>
+              <a:t>Accuracy</a:t>
+            </a:r>
+            <a:r>
+              <a:rPr lang="es-ES" dirty="0"/>
+              <a:t> cercano al 100%</a:t>
+            </a:r>
+          </a:p>
+          <a:p>
+            <a:pPr marL="0" indent="0">
+              <a:buNone/>
+            </a:pPr>
+            <a:endParaRPr lang="es-ES" dirty="0"/>
+          </a:p>
+          <a:p>
+            <a:r>
+              <a:rPr lang="es-ES" dirty="0"/>
+              <a:t>Continuar con cáncer </a:t>
+            </a:r>
+            <a:r>
+              <a:rPr lang="es-ES" dirty="0" err="1"/>
+              <a:t>colorectal</a:t>
+            </a:r>
+            <a:r>
+              <a:rPr lang="es-ES" dirty="0"/>
+              <a:t>:</a:t>
+            </a:r>
+          </a:p>
+          <a:p>
+            <a:pPr lvl="1">
+              <a:buFontTx/>
+              <a:buChar char="-"/>
+            </a:pPr>
+            <a:r>
+              <a:rPr lang="es-ES" dirty="0"/>
+              <a:t>No es un problema de 3 clases, no es posible distinguir COAD de READ Por lo que </a:t>
+            </a:r>
+            <a:r>
+              <a:rPr lang="es-ES" dirty="0" err="1"/>
+              <a:t>accuracy</a:t>
+            </a:r>
+            <a:r>
+              <a:rPr lang="es-ES" dirty="0"/>
+              <a:t> cercano al 100% sin </a:t>
+            </a:r>
+            <a:r>
+              <a:rPr lang="es-ES" dirty="0" err="1"/>
+              <a:t>multiómicas</a:t>
+            </a:r>
+            <a:r>
+              <a:rPr lang="es-ES" dirty="0" smtClean="0"/>
+              <a:t>.</a:t>
+            </a:r>
+          </a:p>
+          <a:p>
+            <a:endParaRPr lang="es-ES" dirty="0"/>
+          </a:p>
+          <a:p>
+            <a:r>
+              <a:rPr lang="es-ES" dirty="0" smtClean="0"/>
+              <a:t>Hacer problema de pronóstico(?)</a:t>
+            </a:r>
+            <a:endParaRPr lang="es-ES" sz="2400" dirty="0" smtClean="0"/>
+          </a:p>
+          <a:p>
+            <a:pPr marL="0" indent="0">
+              <a:buNone/>
+            </a:pPr>
+            <a:r>
+              <a:rPr lang="es-ES" sz="2400" dirty="0"/>
+              <a:t> </a:t>
+            </a:r>
+            <a:r>
+              <a:rPr lang="es-ES" sz="2400" dirty="0" smtClean="0"/>
+              <a:t>      -  Están balanceados </a:t>
+            </a:r>
+            <a:r>
+              <a:rPr lang="es-ES" sz="2400" smtClean="0"/>
+              <a:t>los datos?</a:t>
+            </a:r>
+            <a:endParaRPr lang="es-ES" sz="2400" dirty="0"/>
+          </a:p>
+          <a:p>
+            <a:pPr marL="0" indent="0">
+              <a:buNone/>
+            </a:pPr>
+            <a:endParaRPr lang="es-ES" sz="2400" dirty="0" smtClean="0"/>
+          </a:p>
+          <a:p>
+            <a:pPr marL="457200" lvl="1" indent="0">
+              <a:buNone/>
+            </a:pPr>
+            <a:endParaRPr lang="es-ES" dirty="0" smtClean="0"/>
+          </a:p>
+          <a:p>
+            <a:pPr marL="457200" lvl="1" indent="0">
+              <a:buNone/>
+            </a:pPr>
+            <a:endParaRPr lang="es-ES" dirty="0"/>
+          </a:p>
+        </p:txBody>
+      </p:sp>
+    </p:spTree>
+    <p:extLst>
+      <p:ext uri="{BB962C8B-B14F-4D97-AF65-F5344CB8AC3E}">
+        <p14:creationId xmlns:p14="http://schemas.microsoft.com/office/powerpoint/2010/main" val="1151012451"/>
+      </p:ext>
+    </p:extLst>
+  </p:cSld>
+  <p:clrMapOvr>
+    <a:masterClrMapping/>
+  </p:clrMapOvr>
+</p:sld>
+</file>
+
+<file path=ppt/slides/slide77.xml><?xml version="1.0" encoding="utf-8"?>
+<p:sld xmlns:a="http://schemas.openxmlformats.org/drawingml/2006/main" xmlns:r="http://schemas.openxmlformats.org/officeDocument/2006/relationships" xmlns:p="http://schemas.openxmlformats.org/presentationml/2006/main">
+  <p:cSld>
+    <p:spTree>
+      <p:nvGrpSpPr>
+        <p:cNvPr id="1" name=""/>
+        <p:cNvGrpSpPr/>
+        <p:nvPr/>
+      </p:nvGrpSpPr>
+      <p:grpSpPr>
+        <a:xfrm>
+          <a:off x="0" y="0"/>
+          <a:ext cx="0" cy="0"/>
+          <a:chOff x="0" y="0"/>
+          <a:chExt cx="0" cy="0"/>
+        </a:xfrm>
+      </p:grpSpPr>
+      <p:sp>
+        <p:nvSpPr>
+          <p:cNvPr id="2" name="Título 1"/>
+          <p:cNvSpPr>
+            <a:spLocks noGrp="1"/>
+          </p:cNvSpPr>
+          <p:nvPr>
+            <p:ph type="title"/>
+          </p:nvPr>
+        </p:nvSpPr>
+        <p:spPr/>
+        <p:txBody>
+          <a:bodyPr/>
+          <a:lstStyle/>
+          <a:p>
+            <a:r>
+              <a:rPr lang="es-ES" dirty="0" smtClean="0"/>
+              <a:t>Enlaces de interés</a:t>
+            </a:r>
+            <a:endParaRPr lang="es-ES" dirty="0"/>
+          </a:p>
+        </p:txBody>
+      </p:sp>
+      <p:sp>
+        <p:nvSpPr>
+          <p:cNvPr id="3" name="Marcador de contenido 2"/>
+          <p:cNvSpPr>
+            <a:spLocks noGrp="1"/>
+          </p:cNvSpPr>
+          <p:nvPr>
+            <p:ph idx="1"/>
+          </p:nvPr>
+        </p:nvSpPr>
+        <p:spPr/>
+        <p:txBody>
+          <a:bodyPr/>
+          <a:lstStyle/>
+          <a:p>
+            <a:pPr marL="0" indent="0">
+              <a:buNone/>
+            </a:pPr>
+            <a:endParaRPr lang="es-ES" dirty="0"/>
+          </a:p>
+          <a:p>
+            <a:r>
+              <a:rPr lang="es-ES" dirty="0" smtClean="0"/>
+              <a:t>Obtener acceso a datos controlados GDC:</a:t>
+            </a:r>
+          </a:p>
+          <a:p>
+            <a:pPr marL="0" indent="0">
+              <a:buNone/>
+            </a:pPr>
+            <a:r>
+              <a:rPr lang="es-ES" dirty="0" smtClean="0"/>
+              <a:t>https</a:t>
+            </a:r>
+            <a:r>
+              <a:rPr lang="es-ES" dirty="0"/>
+              <a:t>://gdc.cancer.gov/access-data/obtaining-access-controlled-data</a:t>
+            </a:r>
+          </a:p>
+        </p:txBody>
+      </p:sp>
+    </p:spTree>
+    <p:extLst>
+      <p:ext uri="{BB962C8B-B14F-4D97-AF65-F5344CB8AC3E}">
+        <p14:creationId xmlns:p14="http://schemas.microsoft.com/office/powerpoint/2010/main" val="1776649476"/>
       </p:ext>
     </p:extLst>
   </p:cSld>

--- a/PAAD_Presentation.pptx
+++ b/PAAD_Presentation.pptx
@@ -82,6 +82,42 @@
     <p:sldId id="343" r:id="rId76"/>
     <p:sldId id="344" r:id="rId77"/>
     <p:sldId id="347" r:id="rId78"/>
+    <p:sldId id="348" r:id="rId79"/>
+    <p:sldId id="351" r:id="rId80"/>
+    <p:sldId id="352" r:id="rId81"/>
+    <p:sldId id="353" r:id="rId82"/>
+    <p:sldId id="349" r:id="rId83"/>
+    <p:sldId id="350" r:id="rId84"/>
+    <p:sldId id="354" r:id="rId85"/>
+    <p:sldId id="359" r:id="rId86"/>
+    <p:sldId id="355" r:id="rId87"/>
+    <p:sldId id="356" r:id="rId88"/>
+    <p:sldId id="357" r:id="rId89"/>
+    <p:sldId id="365" r:id="rId90"/>
+    <p:sldId id="360" r:id="rId91"/>
+    <p:sldId id="361" r:id="rId92"/>
+    <p:sldId id="367" r:id="rId93"/>
+    <p:sldId id="366" r:id="rId94"/>
+    <p:sldId id="368" r:id="rId95"/>
+    <p:sldId id="369" r:id="rId96"/>
+    <p:sldId id="363" r:id="rId97"/>
+    <p:sldId id="362" r:id="rId98"/>
+    <p:sldId id="374" r:id="rId99"/>
+    <p:sldId id="370" r:id="rId100"/>
+    <p:sldId id="371" r:id="rId101"/>
+    <p:sldId id="372" r:id="rId102"/>
+    <p:sldId id="375" r:id="rId103"/>
+    <p:sldId id="376" r:id="rId104"/>
+    <p:sldId id="377" r:id="rId105"/>
+    <p:sldId id="378" r:id="rId106"/>
+    <p:sldId id="380" r:id="rId107"/>
+    <p:sldId id="379" r:id="rId108"/>
+    <p:sldId id="382" r:id="rId109"/>
+    <p:sldId id="381" r:id="rId110"/>
+    <p:sldId id="386" r:id="rId111"/>
+    <p:sldId id="385" r:id="rId112"/>
+    <p:sldId id="383" r:id="rId113"/>
+    <p:sldId id="384" r:id="rId114"/>
   </p:sldIdLst>
   <p:sldSz cx="12192000" cy="6858000"/>
   <p:notesSz cx="6858000" cy="9144000"/>
@@ -335,7 +371,7 @@
           <a:p>
             <a:fld id="{E816971E-1CC9-4B1B-B84A-56D45306C128}" type="datetimeFigureOut">
               <a:rPr lang="es-ES" smtClean="0"/>
-              <a:t>05/09/2022</a:t>
+              <a:t>27/09/2022</a:t>
             </a:fld>
             <a:endParaRPr lang="es-ES"/>
           </a:p>
@@ -505,7 +541,7 @@
           <a:p>
             <a:fld id="{E816971E-1CC9-4B1B-B84A-56D45306C128}" type="datetimeFigureOut">
               <a:rPr lang="es-ES" smtClean="0"/>
-              <a:t>05/09/2022</a:t>
+              <a:t>27/09/2022</a:t>
             </a:fld>
             <a:endParaRPr lang="es-ES"/>
           </a:p>
@@ -685,7 +721,7 @@
           <a:p>
             <a:fld id="{E816971E-1CC9-4B1B-B84A-56D45306C128}" type="datetimeFigureOut">
               <a:rPr lang="es-ES" smtClean="0"/>
-              <a:t>05/09/2022</a:t>
+              <a:t>27/09/2022</a:t>
             </a:fld>
             <a:endParaRPr lang="es-ES"/>
           </a:p>
@@ -855,7 +891,7 @@
           <a:p>
             <a:fld id="{E816971E-1CC9-4B1B-B84A-56D45306C128}" type="datetimeFigureOut">
               <a:rPr lang="es-ES" smtClean="0"/>
-              <a:t>05/09/2022</a:t>
+              <a:t>27/09/2022</a:t>
             </a:fld>
             <a:endParaRPr lang="es-ES"/>
           </a:p>
@@ -1101,7 +1137,7 @@
           <a:p>
             <a:fld id="{E816971E-1CC9-4B1B-B84A-56D45306C128}" type="datetimeFigureOut">
               <a:rPr lang="es-ES" smtClean="0"/>
-              <a:t>05/09/2022</a:t>
+              <a:t>27/09/2022</a:t>
             </a:fld>
             <a:endParaRPr lang="es-ES"/>
           </a:p>
@@ -1333,7 +1369,7 @@
           <a:p>
             <a:fld id="{E816971E-1CC9-4B1B-B84A-56D45306C128}" type="datetimeFigureOut">
               <a:rPr lang="es-ES" smtClean="0"/>
-              <a:t>05/09/2022</a:t>
+              <a:t>27/09/2022</a:t>
             </a:fld>
             <a:endParaRPr lang="es-ES"/>
           </a:p>
@@ -1700,7 +1736,7 @@
           <a:p>
             <a:fld id="{E816971E-1CC9-4B1B-B84A-56D45306C128}" type="datetimeFigureOut">
               <a:rPr lang="es-ES" smtClean="0"/>
-              <a:t>05/09/2022</a:t>
+              <a:t>27/09/2022</a:t>
             </a:fld>
             <a:endParaRPr lang="es-ES"/>
           </a:p>
@@ -1818,7 +1854,7 @@
           <a:p>
             <a:fld id="{E816971E-1CC9-4B1B-B84A-56D45306C128}" type="datetimeFigureOut">
               <a:rPr lang="es-ES" smtClean="0"/>
-              <a:t>05/09/2022</a:t>
+              <a:t>27/09/2022</a:t>
             </a:fld>
             <a:endParaRPr lang="es-ES"/>
           </a:p>
@@ -1913,7 +1949,7 @@
           <a:p>
             <a:fld id="{E816971E-1CC9-4B1B-B84A-56D45306C128}" type="datetimeFigureOut">
               <a:rPr lang="es-ES" smtClean="0"/>
-              <a:t>05/09/2022</a:t>
+              <a:t>27/09/2022</a:t>
             </a:fld>
             <a:endParaRPr lang="es-ES"/>
           </a:p>
@@ -2190,7 +2226,7 @@
           <a:p>
             <a:fld id="{E816971E-1CC9-4B1B-B84A-56D45306C128}" type="datetimeFigureOut">
               <a:rPr lang="es-ES" smtClean="0"/>
-              <a:t>05/09/2022</a:t>
+              <a:t>27/09/2022</a:t>
             </a:fld>
             <a:endParaRPr lang="es-ES"/>
           </a:p>
@@ -2443,7 +2479,7 @@
           <a:p>
             <a:fld id="{E816971E-1CC9-4B1B-B84A-56D45306C128}" type="datetimeFigureOut">
               <a:rPr lang="es-ES" smtClean="0"/>
-              <a:t>05/09/2022</a:t>
+              <a:t>27/09/2022</a:t>
             </a:fld>
             <a:endParaRPr lang="es-ES"/>
           </a:p>
@@ -2656,7 +2692,7 @@
           <a:p>
             <a:fld id="{E816971E-1CC9-4B1B-B84A-56D45306C128}" type="datetimeFigureOut">
               <a:rPr lang="es-ES" smtClean="0"/>
-              <a:t>05/09/2022</a:t>
+              <a:t>27/09/2022</a:t>
             </a:fld>
             <a:endParaRPr lang="es-ES"/>
           </a:p>
@@ -3255,6 +3291,2440 @@
 </p:sld>
 </file>
 
+<file path=ppt/slides/slide100.xml><?xml version="1.0" encoding="utf-8"?>
+<p:sld xmlns:a="http://schemas.openxmlformats.org/drawingml/2006/main" xmlns:r="http://schemas.openxmlformats.org/officeDocument/2006/relationships" xmlns:p="http://schemas.openxmlformats.org/presentationml/2006/main">
+  <p:cSld>
+    <p:spTree>
+      <p:nvGrpSpPr>
+        <p:cNvPr id="1" name=""/>
+        <p:cNvGrpSpPr/>
+        <p:nvPr/>
+      </p:nvGrpSpPr>
+      <p:grpSpPr>
+        <a:xfrm>
+          <a:off x="0" y="0"/>
+          <a:ext cx="0" cy="0"/>
+          <a:chOff x="0" y="0"/>
+          <a:chExt cx="0" cy="0"/>
+        </a:xfrm>
+      </p:grpSpPr>
+      <p:sp>
+        <p:nvSpPr>
+          <p:cNvPr id="2" name="Título 1"/>
+          <p:cNvSpPr>
+            <a:spLocks noGrp="1"/>
+          </p:cNvSpPr>
+          <p:nvPr>
+            <p:ph type="title"/>
+          </p:nvPr>
+        </p:nvSpPr>
+        <p:spPr/>
+        <p:txBody>
+          <a:bodyPr/>
+          <a:lstStyle/>
+          <a:p>
+            <a:r>
+              <a:rPr lang="es-ES" dirty="0" smtClean="0"/>
+              <a:t>Resultado TCIA imágenes</a:t>
+            </a:r>
+            <a:endParaRPr lang="es-ES" dirty="0"/>
+          </a:p>
+        </p:txBody>
+      </p:sp>
+      <p:sp>
+        <p:nvSpPr>
+          <p:cNvPr id="3" name="Marcador de contenido 2"/>
+          <p:cNvSpPr>
+            <a:spLocks noGrp="1"/>
+          </p:cNvSpPr>
+          <p:nvPr>
+            <p:ph idx="1"/>
+          </p:nvPr>
+        </p:nvSpPr>
+        <p:spPr>
+          <a:xfrm>
+            <a:off x="838200" y="1825625"/>
+            <a:ext cx="4648200" cy="4351338"/>
+          </a:xfrm>
+        </p:spPr>
+        <p:txBody>
+          <a:bodyPr/>
+          <a:lstStyle/>
+          <a:p>
+            <a:r>
+              <a:rPr lang="es-ES" dirty="0" smtClean="0"/>
+              <a:t>Existen imágenes que al ser muy claras el </a:t>
+            </a:r>
+            <a:r>
+              <a:rPr lang="es-ES" dirty="0" err="1" smtClean="0"/>
+              <a:t>preprocesamiento</a:t>
+            </a:r>
+            <a:r>
+              <a:rPr lang="es-ES" dirty="0" smtClean="0"/>
+              <a:t> no obtiene apenas </a:t>
+            </a:r>
+            <a:r>
+              <a:rPr lang="es-ES" dirty="0" err="1" smtClean="0"/>
+              <a:t>patches</a:t>
+            </a:r>
+            <a:r>
+              <a:rPr lang="es-ES" dirty="0" smtClean="0"/>
+              <a:t>: </a:t>
+            </a:r>
+            <a:r>
+              <a:rPr lang="es-ES" dirty="0" err="1" smtClean="0"/>
+              <a:t>ej</a:t>
+            </a:r>
+            <a:r>
+              <a:rPr lang="es-ES" dirty="0" smtClean="0"/>
+              <a:t> C3N-02589</a:t>
+            </a:r>
+            <a:endParaRPr lang="es-ES" dirty="0"/>
+          </a:p>
+        </p:txBody>
+      </p:sp>
+      <p:pic>
+        <p:nvPicPr>
+          <p:cNvPr id="4" name="Imagen 3"/>
+          <p:cNvPicPr>
+            <a:picLocks noChangeAspect="1"/>
+          </p:cNvPicPr>
+          <p:nvPr/>
+        </p:nvPicPr>
+        <p:blipFill>
+          <a:blip r:embed="rId2"/>
+          <a:stretch>
+            <a:fillRect/>
+          </a:stretch>
+        </p:blipFill>
+        <p:spPr>
+          <a:xfrm>
+            <a:off x="6393240" y="1825625"/>
+            <a:ext cx="4659771" cy="3690362"/>
+          </a:xfrm>
+          <a:prstGeom prst="rect">
+            <a:avLst/>
+          </a:prstGeom>
+        </p:spPr>
+      </p:pic>
+    </p:spTree>
+    <p:extLst>
+      <p:ext uri="{BB962C8B-B14F-4D97-AF65-F5344CB8AC3E}">
+        <p14:creationId xmlns:p14="http://schemas.microsoft.com/office/powerpoint/2010/main" val="1359704197"/>
+      </p:ext>
+    </p:extLst>
+  </p:cSld>
+  <p:clrMapOvr>
+    <a:masterClrMapping/>
+  </p:clrMapOvr>
+</p:sld>
+</file>
+
+<file path=ppt/slides/slide101.xml><?xml version="1.0" encoding="utf-8"?>
+<p:sld xmlns:a="http://schemas.openxmlformats.org/drawingml/2006/main" xmlns:r="http://schemas.openxmlformats.org/officeDocument/2006/relationships" xmlns:p="http://schemas.openxmlformats.org/presentationml/2006/main">
+  <p:cSld>
+    <p:spTree>
+      <p:nvGrpSpPr>
+        <p:cNvPr id="1" name=""/>
+        <p:cNvGrpSpPr/>
+        <p:nvPr/>
+      </p:nvGrpSpPr>
+      <p:grpSpPr>
+        <a:xfrm>
+          <a:off x="0" y="0"/>
+          <a:ext cx="0" cy="0"/>
+          <a:chOff x="0" y="0"/>
+          <a:chExt cx="0" cy="0"/>
+        </a:xfrm>
+      </p:grpSpPr>
+      <p:sp>
+        <p:nvSpPr>
+          <p:cNvPr id="2" name="Título 1"/>
+          <p:cNvSpPr>
+            <a:spLocks noGrp="1"/>
+          </p:cNvSpPr>
+          <p:nvPr>
+            <p:ph type="title"/>
+          </p:nvPr>
+        </p:nvSpPr>
+        <p:spPr/>
+        <p:txBody>
+          <a:bodyPr/>
+          <a:lstStyle/>
+          <a:p>
+            <a:r>
+              <a:rPr lang="es-ES" dirty="0" smtClean="0"/>
+              <a:t>Resultado en 6 de los </a:t>
+            </a:r>
+            <a:r>
+              <a:rPr lang="es-ES" dirty="0" err="1" smtClean="0"/>
+              <a:t>splits</a:t>
+            </a:r>
+            <a:endParaRPr lang="es-ES" dirty="0"/>
+          </a:p>
+        </p:txBody>
+      </p:sp>
+      <p:sp>
+        <p:nvSpPr>
+          <p:cNvPr id="5" name="Marcador de contenido 4"/>
+          <p:cNvSpPr>
+            <a:spLocks noGrp="1"/>
+          </p:cNvSpPr>
+          <p:nvPr>
+            <p:ph idx="1"/>
+          </p:nvPr>
+        </p:nvSpPr>
+        <p:spPr>
+          <a:xfrm>
+            <a:off x="5989320" y="1925053"/>
+            <a:ext cx="5364480" cy="4251910"/>
+          </a:xfrm>
+        </p:spPr>
+        <p:txBody>
+          <a:bodyPr/>
+          <a:lstStyle/>
+          <a:p>
+            <a:endParaRPr lang="es-ES" dirty="0" smtClean="0"/>
+          </a:p>
+          <a:p>
+            <a:endParaRPr lang="es-ES" dirty="0"/>
+          </a:p>
+          <a:p>
+            <a:pPr marL="0" indent="0">
+              <a:buNone/>
+            </a:pPr>
+            <a:r>
+              <a:rPr lang="es-ES" dirty="0" smtClean="0"/>
+              <a:t>Resultados:</a:t>
+            </a:r>
+          </a:p>
+          <a:p>
+            <a:r>
+              <a:rPr lang="es-ES" dirty="0" smtClean="0"/>
+              <a:t>ACC: 0.888</a:t>
+            </a:r>
+          </a:p>
+          <a:p>
+            <a:r>
+              <a:rPr lang="es-ES" dirty="0" smtClean="0"/>
+              <a:t>F1: 0.919</a:t>
+            </a:r>
+            <a:endParaRPr lang="es-ES" dirty="0"/>
+          </a:p>
+        </p:txBody>
+      </p:sp>
+      <p:pic>
+        <p:nvPicPr>
+          <p:cNvPr id="8" name="Imagen 7"/>
+          <p:cNvPicPr>
+            <a:picLocks noChangeAspect="1"/>
+          </p:cNvPicPr>
+          <p:nvPr/>
+        </p:nvPicPr>
+        <p:blipFill>
+          <a:blip r:embed="rId2"/>
+          <a:stretch>
+            <a:fillRect/>
+          </a:stretch>
+        </p:blipFill>
+        <p:spPr>
+          <a:xfrm>
+            <a:off x="0" y="2134353"/>
+            <a:ext cx="5647310" cy="4042610"/>
+          </a:xfrm>
+          <a:prstGeom prst="rect">
+            <a:avLst/>
+          </a:prstGeom>
+        </p:spPr>
+      </p:pic>
+    </p:spTree>
+    <p:extLst>
+      <p:ext uri="{BB962C8B-B14F-4D97-AF65-F5344CB8AC3E}">
+        <p14:creationId xmlns:p14="http://schemas.microsoft.com/office/powerpoint/2010/main" val="3614219363"/>
+      </p:ext>
+    </p:extLst>
+  </p:cSld>
+  <p:clrMapOvr>
+    <a:masterClrMapping/>
+  </p:clrMapOvr>
+</p:sld>
+</file>
+
+<file path=ppt/slides/slide102.xml><?xml version="1.0" encoding="utf-8"?>
+<p:sld xmlns:a="http://schemas.openxmlformats.org/drawingml/2006/main" xmlns:r="http://schemas.openxmlformats.org/officeDocument/2006/relationships" xmlns:p="http://schemas.openxmlformats.org/presentationml/2006/main">
+  <p:cSld>
+    <p:spTree>
+      <p:nvGrpSpPr>
+        <p:cNvPr id="1" name=""/>
+        <p:cNvGrpSpPr/>
+        <p:nvPr/>
+      </p:nvGrpSpPr>
+      <p:grpSpPr>
+        <a:xfrm>
+          <a:off x="0" y="0"/>
+          <a:ext cx="0" cy="0"/>
+          <a:chOff x="0" y="0"/>
+          <a:chExt cx="0" cy="0"/>
+        </a:xfrm>
+      </p:grpSpPr>
+      <p:sp>
+        <p:nvSpPr>
+          <p:cNvPr id="2" name="Título 1"/>
+          <p:cNvSpPr>
+            <a:spLocks noGrp="1"/>
+          </p:cNvSpPr>
+          <p:nvPr>
+            <p:ph type="title"/>
+          </p:nvPr>
+        </p:nvSpPr>
+        <p:spPr/>
+        <p:txBody>
+          <a:bodyPr/>
+          <a:lstStyle/>
+          <a:p>
+            <a:r>
+              <a:rPr lang="es-ES" dirty="0" smtClean="0"/>
+              <a:t>Resultados TCIA </a:t>
+            </a:r>
+            <a:r>
+              <a:rPr lang="es-ES" dirty="0" err="1" smtClean="0"/>
+              <a:t>RNASeq</a:t>
+            </a:r>
+            <a:endParaRPr lang="es-ES" dirty="0"/>
+          </a:p>
+        </p:txBody>
+      </p:sp>
+      <p:sp>
+        <p:nvSpPr>
+          <p:cNvPr id="3" name="Marcador de contenido 2"/>
+          <p:cNvSpPr>
+            <a:spLocks noGrp="1"/>
+          </p:cNvSpPr>
+          <p:nvPr>
+            <p:ph idx="1"/>
+          </p:nvPr>
+        </p:nvSpPr>
+        <p:spPr>
+          <a:xfrm>
+            <a:off x="838200" y="1825625"/>
+            <a:ext cx="4876800" cy="4351338"/>
+          </a:xfrm>
+        </p:spPr>
+        <p:txBody>
+          <a:bodyPr>
+            <a:normAutofit/>
+          </a:bodyPr>
+          <a:lstStyle/>
+          <a:p>
+            <a:pPr marL="0" indent="0">
+              <a:buNone/>
+            </a:pPr>
+            <a:r>
+              <a:rPr lang="en-US" dirty="0" err="1" smtClean="0"/>
+              <a:t>Resultados</a:t>
+            </a:r>
+            <a:r>
+              <a:rPr lang="en-US" dirty="0" smtClean="0"/>
+              <a:t>:</a:t>
+            </a:r>
+          </a:p>
+          <a:p>
+            <a:r>
+              <a:rPr lang="en-US" dirty="0" smtClean="0"/>
+              <a:t>Accuracy</a:t>
+            </a:r>
+            <a:r>
+              <a:rPr lang="en-US" dirty="0"/>
+              <a:t>: </a:t>
+            </a:r>
+            <a:r>
+              <a:rPr lang="en-US" dirty="0" smtClean="0"/>
+              <a:t>0.95 +\- 0.05 </a:t>
+            </a:r>
+          </a:p>
+          <a:p>
+            <a:r>
+              <a:rPr lang="en-US" dirty="0" smtClean="0"/>
+              <a:t>F1-Score</a:t>
+            </a:r>
+            <a:r>
+              <a:rPr lang="en-US" dirty="0"/>
+              <a:t>: </a:t>
+            </a:r>
+            <a:r>
+              <a:rPr lang="en-US" dirty="0" smtClean="0"/>
+              <a:t>0.96 </a:t>
+            </a:r>
+            <a:r>
+              <a:rPr lang="en-US" dirty="0"/>
+              <a:t>+\- </a:t>
+            </a:r>
+            <a:r>
+              <a:rPr lang="en-US" dirty="0" smtClean="0"/>
+              <a:t> 0.03</a:t>
+            </a:r>
+          </a:p>
+          <a:p>
+            <a:endParaRPr lang="en-US" dirty="0"/>
+          </a:p>
+          <a:p>
+            <a:pPr marL="0" indent="0">
+              <a:buNone/>
+            </a:pPr>
+            <a:r>
+              <a:rPr lang="en-US" dirty="0" err="1" smtClean="0"/>
+              <a:t>Faltan</a:t>
+            </a:r>
+            <a:r>
+              <a:rPr lang="en-US" dirty="0" smtClean="0"/>
+              <a:t> </a:t>
+            </a:r>
+            <a:r>
+              <a:rPr lang="en-US" dirty="0" err="1" smtClean="0"/>
+              <a:t>algunos</a:t>
+            </a:r>
+            <a:r>
+              <a:rPr lang="en-US" dirty="0" smtClean="0"/>
+              <a:t> samples, </a:t>
+            </a:r>
+            <a:r>
+              <a:rPr lang="en-US" dirty="0" err="1" smtClean="0"/>
+              <a:t>puede</a:t>
+            </a:r>
+            <a:r>
+              <a:rPr lang="en-US" dirty="0" smtClean="0"/>
+              <a:t> </a:t>
+            </a:r>
+            <a:r>
+              <a:rPr lang="en-US" dirty="0" err="1" smtClean="0"/>
+              <a:t>ser</a:t>
+            </a:r>
+            <a:r>
+              <a:rPr lang="en-US" dirty="0" smtClean="0"/>
+              <a:t> </a:t>
+            </a:r>
+            <a:r>
+              <a:rPr lang="en-US" dirty="0" err="1" smtClean="0"/>
+              <a:t>por</a:t>
+            </a:r>
+            <a:r>
+              <a:rPr lang="en-US" dirty="0" smtClean="0"/>
+              <a:t> </a:t>
+            </a:r>
+            <a:r>
+              <a:rPr lang="en-US" dirty="0" err="1" smtClean="0"/>
+              <a:t>los</a:t>
+            </a:r>
+            <a:r>
+              <a:rPr lang="en-US" dirty="0" smtClean="0"/>
+              <a:t> </a:t>
+            </a:r>
+            <a:r>
+              <a:rPr lang="en-US" dirty="0" err="1" smtClean="0"/>
+              <a:t>ficheros</a:t>
+            </a:r>
+            <a:r>
+              <a:rPr lang="en-US" dirty="0" smtClean="0"/>
+              <a:t> con multiples samples o </a:t>
+            </a:r>
+            <a:r>
+              <a:rPr lang="en-US" dirty="0" err="1" smtClean="0"/>
+              <a:t>por</a:t>
+            </a:r>
+            <a:r>
+              <a:rPr lang="en-US" dirty="0" smtClean="0"/>
+              <a:t> </a:t>
+            </a:r>
+            <a:r>
+              <a:rPr lang="en-US" dirty="0" err="1" smtClean="0"/>
+              <a:t>algún</a:t>
+            </a:r>
+            <a:r>
+              <a:rPr lang="en-US" dirty="0" smtClean="0"/>
+              <a:t> bug</a:t>
+            </a:r>
+            <a:endParaRPr lang="es-ES" dirty="0"/>
+          </a:p>
+        </p:txBody>
+      </p:sp>
+      <p:pic>
+        <p:nvPicPr>
+          <p:cNvPr id="4" name="Imagen 3"/>
+          <p:cNvPicPr>
+            <a:picLocks noChangeAspect="1"/>
+          </p:cNvPicPr>
+          <p:nvPr/>
+        </p:nvPicPr>
+        <p:blipFill>
+          <a:blip r:embed="rId2"/>
+          <a:stretch>
+            <a:fillRect/>
+          </a:stretch>
+        </p:blipFill>
+        <p:spPr>
+          <a:xfrm>
+            <a:off x="5715000" y="1825625"/>
+            <a:ext cx="5638800" cy="4036518"/>
+          </a:xfrm>
+          <a:prstGeom prst="rect">
+            <a:avLst/>
+          </a:prstGeom>
+        </p:spPr>
+      </p:pic>
+    </p:spTree>
+    <p:extLst>
+      <p:ext uri="{BB962C8B-B14F-4D97-AF65-F5344CB8AC3E}">
+        <p14:creationId xmlns:p14="http://schemas.microsoft.com/office/powerpoint/2010/main" val="3375847568"/>
+      </p:ext>
+    </p:extLst>
+  </p:cSld>
+  <p:clrMapOvr>
+    <a:masterClrMapping/>
+  </p:clrMapOvr>
+</p:sld>
+</file>
+
+<file path=ppt/slides/slide103.xml><?xml version="1.0" encoding="utf-8"?>
+<p:sld xmlns:a="http://schemas.openxmlformats.org/drawingml/2006/main" xmlns:r="http://schemas.openxmlformats.org/officeDocument/2006/relationships" xmlns:p="http://schemas.openxmlformats.org/presentationml/2006/main">
+  <p:cSld>
+    <p:spTree>
+      <p:nvGrpSpPr>
+        <p:cNvPr id="1" name=""/>
+        <p:cNvGrpSpPr/>
+        <p:nvPr/>
+      </p:nvGrpSpPr>
+      <p:grpSpPr>
+        <a:xfrm>
+          <a:off x="0" y="0"/>
+          <a:ext cx="0" cy="0"/>
+          <a:chOff x="0" y="0"/>
+          <a:chExt cx="0" cy="0"/>
+        </a:xfrm>
+      </p:grpSpPr>
+      <p:sp>
+        <p:nvSpPr>
+          <p:cNvPr id="2" name="Título 1"/>
+          <p:cNvSpPr>
+            <a:spLocks noGrp="1"/>
+          </p:cNvSpPr>
+          <p:nvPr>
+            <p:ph type="title"/>
+          </p:nvPr>
+        </p:nvSpPr>
+        <p:spPr/>
+        <p:txBody>
+          <a:bodyPr/>
+          <a:lstStyle/>
+          <a:p>
+            <a:r>
+              <a:rPr lang="es-ES" dirty="0" smtClean="0"/>
+              <a:t>Preguntas</a:t>
+            </a:r>
+            <a:endParaRPr lang="es-ES" dirty="0"/>
+          </a:p>
+        </p:txBody>
+      </p:sp>
+      <p:sp>
+        <p:nvSpPr>
+          <p:cNvPr id="3" name="Marcador de contenido 2"/>
+          <p:cNvSpPr>
+            <a:spLocks noGrp="1"/>
+          </p:cNvSpPr>
+          <p:nvPr>
+            <p:ph idx="1"/>
+          </p:nvPr>
+        </p:nvSpPr>
+        <p:spPr/>
+        <p:txBody>
+          <a:bodyPr/>
+          <a:lstStyle/>
+          <a:p>
+            <a:r>
+              <a:rPr lang="es-ES" dirty="0" smtClean="0"/>
+              <a:t>Para SVM es necesario tener los mismos genes de entradas, pero el </a:t>
+            </a:r>
+            <a:r>
+              <a:rPr lang="es-ES" dirty="0" err="1" smtClean="0"/>
+              <a:t>preprocesamiento</a:t>
+            </a:r>
+            <a:r>
+              <a:rPr lang="es-ES" dirty="0" smtClean="0"/>
+              <a:t> da distintos gene. Utilizo los genes en común entre el set de test y de entrenamiento?</a:t>
+            </a:r>
+            <a:endParaRPr lang="es-ES" dirty="0"/>
+          </a:p>
+        </p:txBody>
+      </p:sp>
+    </p:spTree>
+    <p:extLst>
+      <p:ext uri="{BB962C8B-B14F-4D97-AF65-F5344CB8AC3E}">
+        <p14:creationId xmlns:p14="http://schemas.microsoft.com/office/powerpoint/2010/main" val="1271736319"/>
+      </p:ext>
+    </p:extLst>
+  </p:cSld>
+  <p:clrMapOvr>
+    <a:masterClrMapping/>
+  </p:clrMapOvr>
+</p:sld>
+</file>
+
+<file path=ppt/slides/slide104.xml><?xml version="1.0" encoding="utf-8"?>
+<p:sld xmlns:a="http://schemas.openxmlformats.org/drawingml/2006/main" xmlns:r="http://schemas.openxmlformats.org/officeDocument/2006/relationships" xmlns:p="http://schemas.openxmlformats.org/presentationml/2006/main">
+  <p:cSld>
+    <p:spTree>
+      <p:nvGrpSpPr>
+        <p:cNvPr id="1" name=""/>
+        <p:cNvGrpSpPr/>
+        <p:nvPr/>
+      </p:nvGrpSpPr>
+      <p:grpSpPr>
+        <a:xfrm>
+          <a:off x="0" y="0"/>
+          <a:ext cx="0" cy="0"/>
+          <a:chOff x="0" y="0"/>
+          <a:chExt cx="0" cy="0"/>
+        </a:xfrm>
+      </p:grpSpPr>
+      <p:sp>
+        <p:nvSpPr>
+          <p:cNvPr id="2" name="Título 1"/>
+          <p:cNvSpPr>
+            <a:spLocks noGrp="1"/>
+          </p:cNvSpPr>
+          <p:nvPr>
+            <p:ph type="title"/>
+          </p:nvPr>
+        </p:nvSpPr>
+        <p:spPr/>
+        <p:txBody>
+          <a:bodyPr/>
+          <a:lstStyle/>
+          <a:p>
+            <a:r>
+              <a:rPr lang="es-ES" dirty="0" smtClean="0"/>
+              <a:t>Resumen</a:t>
+            </a:r>
+            <a:endParaRPr lang="es-ES" dirty="0"/>
+          </a:p>
+        </p:txBody>
+      </p:sp>
+      <p:sp>
+        <p:nvSpPr>
+          <p:cNvPr id="3" name="Marcador de contenido 2"/>
+          <p:cNvSpPr>
+            <a:spLocks noGrp="1"/>
+          </p:cNvSpPr>
+          <p:nvPr>
+            <p:ph idx="1"/>
+          </p:nvPr>
+        </p:nvSpPr>
+        <p:spPr/>
+        <p:txBody>
+          <a:bodyPr>
+            <a:normAutofit fontScale="55000" lnSpcReduction="20000"/>
+          </a:bodyPr>
+          <a:lstStyle/>
+          <a:p>
+            <a:pPr marL="0" indent="0">
+              <a:buNone/>
+            </a:pPr>
+            <a:r>
+              <a:rPr lang="es-ES" dirty="0"/>
+              <a:t>C1. Ver GDC solo con </a:t>
+            </a:r>
+            <a:r>
+              <a:rPr lang="es-ES" dirty="0" err="1"/>
+              <a:t>rnaseq</a:t>
+            </a:r>
+            <a:r>
+              <a:rPr lang="es-ES" dirty="0"/>
+              <a:t> e imágenes</a:t>
+            </a:r>
+          </a:p>
+          <a:p>
+            <a:pPr marL="0" indent="0">
+              <a:buNone/>
+            </a:pPr>
+            <a:r>
+              <a:rPr lang="es-ES" dirty="0" smtClean="0">
+                <a:solidFill>
+                  <a:schemeClr val="tx1">
+                    <a:lumMod val="50000"/>
+                    <a:lumOff val="50000"/>
+                  </a:schemeClr>
+                </a:solidFill>
+              </a:rPr>
+              <a:t>	1</a:t>
+            </a:r>
+            <a:r>
+              <a:rPr lang="es-ES" dirty="0">
+                <a:solidFill>
+                  <a:schemeClr val="tx1">
+                    <a:lumMod val="50000"/>
+                    <a:lumOff val="50000"/>
+                  </a:schemeClr>
+                </a:solidFill>
+              </a:rPr>
+              <a:t>.- RNASEQ: GDC muy pocos datos sanos</a:t>
+            </a:r>
+          </a:p>
+          <a:p>
+            <a:pPr marL="0" indent="0">
+              <a:buNone/>
+            </a:pPr>
+            <a:r>
+              <a:rPr lang="es-ES" dirty="0" smtClean="0">
+                <a:solidFill>
+                  <a:schemeClr val="tx1">
+                    <a:lumMod val="50000"/>
+                    <a:lumOff val="50000"/>
+                  </a:schemeClr>
+                </a:solidFill>
+              </a:rPr>
+              <a:t>	2</a:t>
+            </a:r>
+            <a:r>
+              <a:rPr lang="es-ES" dirty="0">
+                <a:solidFill>
+                  <a:schemeClr val="tx1">
+                    <a:lumMod val="50000"/>
+                    <a:lumOff val="50000"/>
+                  </a:schemeClr>
+                </a:solidFill>
+              </a:rPr>
+              <a:t>.- Imágenes: GDC muy pocas </a:t>
+            </a:r>
+            <a:r>
+              <a:rPr lang="es-ES" dirty="0" smtClean="0">
+                <a:solidFill>
+                  <a:schemeClr val="tx1">
+                    <a:lumMod val="50000"/>
+                    <a:lumOff val="50000"/>
+                  </a:schemeClr>
+                </a:solidFill>
+              </a:rPr>
+              <a:t>imágenes</a:t>
+            </a:r>
+          </a:p>
+          <a:p>
+            <a:pPr marL="0" indent="0">
+              <a:buNone/>
+            </a:pPr>
+            <a:endParaRPr lang="es-ES" dirty="0"/>
+          </a:p>
+          <a:p>
+            <a:pPr marL="0" indent="0">
+              <a:buNone/>
+            </a:pPr>
+            <a:r>
+              <a:rPr lang="es-ES" dirty="0"/>
+              <a:t>C2. Integración </a:t>
+            </a:r>
+            <a:r>
+              <a:rPr lang="es-ES" dirty="0" err="1"/>
+              <a:t>RNASeq</a:t>
+            </a:r>
+            <a:r>
+              <a:rPr lang="es-ES" dirty="0"/>
+              <a:t> + WSI</a:t>
+            </a:r>
+          </a:p>
+          <a:p>
+            <a:pPr marL="0" indent="0">
+              <a:buNone/>
+            </a:pPr>
+            <a:r>
+              <a:rPr lang="es-ES" dirty="0" smtClean="0">
+                <a:solidFill>
+                  <a:schemeClr val="tx1">
+                    <a:lumMod val="50000"/>
+                    <a:lumOff val="50000"/>
+                  </a:schemeClr>
+                </a:solidFill>
+              </a:rPr>
+              <a:t>	1</a:t>
+            </a:r>
+            <a:r>
+              <a:rPr lang="es-ES" dirty="0">
+                <a:solidFill>
+                  <a:schemeClr val="tx1">
+                    <a:lumMod val="50000"/>
+                    <a:lumOff val="50000"/>
+                  </a:schemeClr>
+                </a:solidFill>
+              </a:rPr>
+              <a:t>.- GDC</a:t>
+            </a:r>
+          </a:p>
+          <a:p>
+            <a:pPr marL="0" indent="0">
+              <a:buNone/>
+            </a:pPr>
+            <a:r>
+              <a:rPr lang="es-ES" dirty="0" smtClean="0">
+                <a:solidFill>
+                  <a:schemeClr val="tx1">
+                    <a:lumMod val="50000"/>
+                    <a:lumOff val="50000"/>
+                  </a:schemeClr>
+                </a:solidFill>
+              </a:rPr>
+              <a:t>		Imposible</a:t>
+            </a:r>
+            <a:r>
+              <a:rPr lang="es-ES" dirty="0">
+                <a:solidFill>
+                  <a:schemeClr val="tx1">
+                    <a:lumMod val="50000"/>
+                    <a:lumOff val="50000"/>
+                  </a:schemeClr>
+                </a:solidFill>
+              </a:rPr>
+              <a:t>, clase sana no balanceada</a:t>
+            </a:r>
+          </a:p>
+          <a:p>
+            <a:pPr marL="0" indent="0">
+              <a:buNone/>
+            </a:pPr>
+            <a:r>
+              <a:rPr lang="es-ES" dirty="0" smtClean="0"/>
+              <a:t>	2</a:t>
+            </a:r>
+            <a:r>
+              <a:rPr lang="es-ES" dirty="0"/>
+              <a:t>.- GDC + </a:t>
+            </a:r>
+            <a:r>
+              <a:rPr lang="es-ES" dirty="0" err="1"/>
+              <a:t>GTex</a:t>
+            </a:r>
+            <a:endParaRPr lang="es-ES" dirty="0"/>
+          </a:p>
+          <a:p>
+            <a:pPr marL="0" indent="0">
+              <a:buNone/>
+            </a:pPr>
+            <a:r>
+              <a:rPr lang="es-ES" dirty="0" smtClean="0"/>
+              <a:t>		- </a:t>
+            </a:r>
+            <a:r>
+              <a:rPr lang="es-ES" dirty="0"/>
+              <a:t>a) para genes está pendiente por temas de integración, hace falta pipeline </a:t>
+            </a:r>
+            <a:r>
+              <a:rPr lang="es-ES" dirty="0" err="1"/>
+              <a:t>wang</a:t>
+            </a:r>
+            <a:r>
+              <a:rPr lang="es-ES" dirty="0"/>
+              <a:t> 2019</a:t>
+            </a:r>
+          </a:p>
+          <a:p>
+            <a:pPr marL="0" indent="0">
+              <a:buNone/>
+            </a:pPr>
+            <a:r>
+              <a:rPr lang="es-ES" dirty="0" smtClean="0"/>
+              <a:t>		- </a:t>
+            </a:r>
+            <a:r>
+              <a:rPr lang="es-ES" dirty="0"/>
+              <a:t>b) imágenes solas OK! 98</a:t>
+            </a:r>
+            <a:r>
+              <a:rPr lang="es-ES" dirty="0" smtClean="0"/>
+              <a:t>%+</a:t>
+            </a:r>
+          </a:p>
+          <a:p>
+            <a:pPr marL="0" indent="0">
+              <a:buNone/>
+            </a:pPr>
+            <a:r>
+              <a:rPr lang="es-ES" dirty="0"/>
+              <a:t>	3.- TCIA:</a:t>
+            </a:r>
+          </a:p>
+          <a:p>
+            <a:pPr marL="0" indent="0">
+              <a:buNone/>
+            </a:pPr>
+            <a:r>
+              <a:rPr lang="es-ES" dirty="0"/>
+              <a:t>		- a) Para genes </a:t>
+            </a:r>
+            <a:r>
+              <a:rPr lang="en-US" dirty="0"/>
+              <a:t>: 95 +\-  5%</a:t>
+            </a:r>
+          </a:p>
+          <a:p>
+            <a:pPr marL="0" indent="0">
+              <a:buNone/>
+            </a:pPr>
+            <a:r>
+              <a:rPr lang="en-US" dirty="0"/>
+              <a:t>		- b) Para </a:t>
+            </a:r>
+            <a:r>
+              <a:rPr lang="en-US" dirty="0" err="1"/>
+              <a:t>imágenes</a:t>
+            </a:r>
+            <a:r>
+              <a:rPr lang="en-US" dirty="0"/>
+              <a:t>: 88%</a:t>
+            </a:r>
+          </a:p>
+          <a:p>
+            <a:pPr marL="0" indent="0">
+              <a:buNone/>
+            </a:pPr>
+            <a:r>
+              <a:rPr lang="en-US" dirty="0"/>
+              <a:t>		</a:t>
+            </a:r>
+            <a:r>
+              <a:rPr lang="en-US" dirty="0">
+                <a:solidFill>
+                  <a:srgbClr val="FF0000"/>
+                </a:solidFill>
+              </a:rPr>
+              <a:t>- c) </a:t>
+            </a:r>
+            <a:r>
+              <a:rPr lang="en-US" dirty="0" err="1">
+                <a:solidFill>
+                  <a:srgbClr val="FF0000"/>
+                </a:solidFill>
+              </a:rPr>
+              <a:t>Fusión</a:t>
+            </a:r>
+            <a:r>
+              <a:rPr lang="en-US" dirty="0">
+                <a:solidFill>
+                  <a:srgbClr val="FF0000"/>
+                </a:solidFill>
+              </a:rPr>
+              <a:t>: </a:t>
+            </a:r>
+            <a:r>
+              <a:rPr lang="en-US" dirty="0" err="1">
+                <a:solidFill>
+                  <a:srgbClr val="FF0000"/>
+                </a:solidFill>
+              </a:rPr>
+              <a:t>Pendiente</a:t>
+            </a:r>
+            <a:endParaRPr lang="es-ES" dirty="0">
+              <a:solidFill>
+                <a:srgbClr val="FF0000"/>
+              </a:solidFill>
+            </a:endParaRPr>
+          </a:p>
+          <a:p>
+            <a:pPr marL="0" indent="0">
+              <a:buNone/>
+            </a:pPr>
+            <a:r>
+              <a:rPr lang="es-ES" dirty="0"/>
+              <a:t>	4.- TCIA + GDC:</a:t>
+            </a:r>
+          </a:p>
+          <a:p>
+            <a:pPr marL="0" indent="0">
+              <a:buNone/>
+            </a:pPr>
+            <a:endParaRPr lang="es-ES" dirty="0"/>
+          </a:p>
+        </p:txBody>
+      </p:sp>
+    </p:spTree>
+    <p:extLst>
+      <p:ext uri="{BB962C8B-B14F-4D97-AF65-F5344CB8AC3E}">
+        <p14:creationId xmlns:p14="http://schemas.microsoft.com/office/powerpoint/2010/main" val="1751641592"/>
+      </p:ext>
+    </p:extLst>
+  </p:cSld>
+  <p:clrMapOvr>
+    <a:masterClrMapping/>
+  </p:clrMapOvr>
+</p:sld>
+</file>
+
+<file path=ppt/slides/slide105.xml><?xml version="1.0" encoding="utf-8"?>
+<p:sld xmlns:a="http://schemas.openxmlformats.org/drawingml/2006/main" xmlns:r="http://schemas.openxmlformats.org/officeDocument/2006/relationships" xmlns:p="http://schemas.openxmlformats.org/presentationml/2006/main">
+  <p:cSld>
+    <p:spTree>
+      <p:nvGrpSpPr>
+        <p:cNvPr id="1" name=""/>
+        <p:cNvGrpSpPr/>
+        <p:nvPr/>
+      </p:nvGrpSpPr>
+      <p:grpSpPr>
+        <a:xfrm>
+          <a:off x="0" y="0"/>
+          <a:ext cx="0" cy="0"/>
+          <a:chOff x="0" y="0"/>
+          <a:chExt cx="0" cy="0"/>
+        </a:xfrm>
+      </p:grpSpPr>
+      <p:sp>
+        <p:nvSpPr>
+          <p:cNvPr id="2" name="Título 1"/>
+          <p:cNvSpPr>
+            <a:spLocks noGrp="1"/>
+          </p:cNvSpPr>
+          <p:nvPr>
+            <p:ph type="title"/>
+          </p:nvPr>
+        </p:nvSpPr>
+        <p:spPr/>
+        <p:txBody>
+          <a:bodyPr/>
+          <a:lstStyle/>
+          <a:p>
+            <a:r>
+              <a:rPr lang="es-ES" dirty="0"/>
+              <a:t>Resumen</a:t>
+            </a:r>
+          </a:p>
+        </p:txBody>
+      </p:sp>
+      <p:sp>
+        <p:nvSpPr>
+          <p:cNvPr id="3" name="Marcador de contenido 2"/>
+          <p:cNvSpPr>
+            <a:spLocks noGrp="1"/>
+          </p:cNvSpPr>
+          <p:nvPr>
+            <p:ph idx="1"/>
+          </p:nvPr>
+        </p:nvSpPr>
+        <p:spPr/>
+        <p:txBody>
+          <a:bodyPr>
+            <a:normAutofit fontScale="62500" lnSpcReduction="20000"/>
+          </a:bodyPr>
+          <a:lstStyle/>
+          <a:p>
+            <a:pPr marL="0" indent="0">
+              <a:buNone/>
+            </a:pPr>
+            <a:r>
+              <a:rPr lang="es-ES" dirty="0"/>
+              <a:t>C3. Imágenes </a:t>
+            </a:r>
+            <a:r>
+              <a:rPr lang="es-ES" dirty="0" smtClean="0"/>
+              <a:t>solas</a:t>
+            </a:r>
+          </a:p>
+          <a:p>
+            <a:pPr marL="0" indent="0">
+              <a:buNone/>
+            </a:pPr>
+            <a:r>
+              <a:rPr lang="es-ES" dirty="0"/>
+              <a:t>	</a:t>
+            </a:r>
+            <a:r>
+              <a:rPr lang="es-ES" dirty="0" smtClean="0"/>
+              <a:t>1.- Bibliografía WSI Cáncer de páncreas:</a:t>
+            </a:r>
+          </a:p>
+          <a:p>
+            <a:pPr marL="0" indent="0">
+              <a:buNone/>
+            </a:pPr>
+            <a:r>
+              <a:rPr lang="es-ES" dirty="0"/>
+              <a:t>	</a:t>
+            </a:r>
+            <a:r>
+              <a:rPr lang="es-ES" dirty="0" smtClean="0"/>
+              <a:t>	</a:t>
+            </a:r>
+            <a:endParaRPr lang="es-ES" dirty="0"/>
+          </a:p>
+          <a:p>
+            <a:pPr marL="0" indent="0">
+              <a:buNone/>
+            </a:pPr>
+            <a:r>
+              <a:rPr lang="es-ES" dirty="0" smtClean="0"/>
+              <a:t>	2.- </a:t>
+            </a:r>
+            <a:r>
+              <a:rPr lang="es-ES" dirty="0" err="1"/>
+              <a:t>GTex</a:t>
+            </a:r>
+            <a:r>
+              <a:rPr lang="es-ES" dirty="0"/>
+              <a:t> + GDC: 98%</a:t>
+            </a:r>
+          </a:p>
+          <a:p>
+            <a:pPr marL="0" indent="0">
+              <a:buNone/>
+            </a:pPr>
+            <a:r>
+              <a:rPr lang="es-ES" dirty="0" smtClean="0"/>
+              <a:t>	</a:t>
+            </a:r>
+            <a:r>
+              <a:rPr lang="es-ES" dirty="0"/>
+              <a:t>	</a:t>
+            </a:r>
+            <a:r>
+              <a:rPr lang="es-ES" dirty="0" smtClean="0"/>
+              <a:t>- a) testear </a:t>
+            </a:r>
+            <a:r>
+              <a:rPr lang="es-ES" dirty="0"/>
+              <a:t>con otras bases de datos </a:t>
+            </a:r>
+            <a:r>
+              <a:rPr lang="es-ES" dirty="0" smtClean="0"/>
+              <a:t>públicas:</a:t>
+            </a:r>
+          </a:p>
+          <a:p>
+            <a:pPr marL="0" indent="0">
+              <a:buNone/>
+            </a:pPr>
+            <a:r>
+              <a:rPr lang="es-ES" dirty="0">
+                <a:solidFill>
+                  <a:schemeClr val="accent6">
+                    <a:lumMod val="75000"/>
+                  </a:schemeClr>
+                </a:solidFill>
+              </a:rPr>
+              <a:t>	</a:t>
+            </a:r>
+            <a:r>
+              <a:rPr lang="es-ES" dirty="0" smtClean="0">
+                <a:solidFill>
+                  <a:schemeClr val="accent6">
+                    <a:lumMod val="75000"/>
+                  </a:schemeClr>
+                </a:solidFill>
+              </a:rPr>
+              <a:t>		-</a:t>
+            </a:r>
+            <a:r>
+              <a:rPr lang="es-ES" i="1" dirty="0" smtClean="0">
+                <a:solidFill>
+                  <a:schemeClr val="accent6">
+                    <a:lumMod val="75000"/>
+                  </a:schemeClr>
+                </a:solidFill>
+              </a:rPr>
+              <a:t>Test en TCIA: </a:t>
+            </a:r>
+          </a:p>
+          <a:p>
+            <a:pPr marL="0" indent="0">
+              <a:buNone/>
+            </a:pPr>
+            <a:r>
+              <a:rPr lang="es-ES" i="1" dirty="0">
+                <a:solidFill>
+                  <a:schemeClr val="accent6">
+                    <a:lumMod val="75000"/>
+                  </a:schemeClr>
+                </a:solidFill>
+              </a:rPr>
+              <a:t>	</a:t>
+            </a:r>
+            <a:r>
+              <a:rPr lang="es-ES" i="1" dirty="0" smtClean="0">
+                <a:solidFill>
+                  <a:schemeClr val="accent6">
+                    <a:lumMod val="75000"/>
+                  </a:schemeClr>
+                </a:solidFill>
+              </a:rPr>
+              <a:t>		Resultados desbalanceados, sesgo por usar dos bases de datos para cada clase (?)</a:t>
+            </a:r>
+            <a:endParaRPr lang="es-ES" dirty="0" smtClean="0">
+              <a:solidFill>
+                <a:schemeClr val="accent6">
+                  <a:lumMod val="75000"/>
+                </a:schemeClr>
+              </a:solidFill>
+            </a:endParaRPr>
+          </a:p>
+          <a:p>
+            <a:pPr marL="0" indent="0">
+              <a:buNone/>
+            </a:pPr>
+            <a:endParaRPr lang="es-ES" dirty="0" smtClean="0"/>
+          </a:p>
+          <a:p>
+            <a:pPr marL="0" indent="0">
+              <a:buNone/>
+            </a:pPr>
+            <a:r>
+              <a:rPr lang="es-ES" dirty="0"/>
+              <a:t>	</a:t>
+            </a:r>
+            <a:r>
+              <a:rPr lang="es-ES" dirty="0" smtClean="0"/>
+              <a:t>3.- TCIA: 88% (Entrenamiento Mejorable)</a:t>
+            </a:r>
+          </a:p>
+          <a:p>
+            <a:pPr marL="0" indent="0">
+              <a:buNone/>
+            </a:pPr>
+            <a:r>
+              <a:rPr lang="es-ES" dirty="0"/>
+              <a:t>	</a:t>
+            </a:r>
+            <a:r>
+              <a:rPr lang="es-ES" dirty="0" smtClean="0"/>
+              <a:t>	- </a:t>
+            </a:r>
+            <a:r>
+              <a:rPr lang="es-ES" dirty="0"/>
+              <a:t>a) testear con otras bases de datos públicas</a:t>
+            </a:r>
+            <a:r>
+              <a:rPr lang="es-ES" dirty="0" smtClean="0"/>
+              <a:t>:</a:t>
+            </a:r>
+          </a:p>
+          <a:p>
+            <a:pPr marL="0" indent="0">
+              <a:buNone/>
+            </a:pPr>
+            <a:r>
+              <a:rPr lang="es-ES" dirty="0"/>
+              <a:t>	</a:t>
+            </a:r>
+            <a:r>
+              <a:rPr lang="es-ES" dirty="0">
+                <a:solidFill>
+                  <a:schemeClr val="accent6">
+                    <a:lumMod val="75000"/>
+                  </a:schemeClr>
+                </a:solidFill>
+              </a:rPr>
+              <a:t>	</a:t>
+            </a:r>
+            <a:r>
+              <a:rPr lang="es-ES" dirty="0" smtClean="0">
+                <a:solidFill>
+                  <a:schemeClr val="accent6">
+                    <a:lumMod val="75000"/>
+                  </a:schemeClr>
+                </a:solidFill>
+              </a:rPr>
+              <a:t>	</a:t>
+            </a:r>
+            <a:r>
+              <a:rPr lang="es-ES" dirty="0">
+                <a:solidFill>
+                  <a:schemeClr val="accent6">
+                    <a:lumMod val="75000"/>
+                  </a:schemeClr>
+                </a:solidFill>
+              </a:rPr>
+              <a:t>-</a:t>
+            </a:r>
+            <a:r>
+              <a:rPr lang="es-ES" i="1" dirty="0">
+                <a:solidFill>
+                  <a:schemeClr val="accent6">
+                    <a:lumMod val="75000"/>
+                  </a:schemeClr>
+                </a:solidFill>
+              </a:rPr>
+              <a:t>Test en </a:t>
+            </a:r>
+            <a:r>
+              <a:rPr lang="es-ES" i="1" dirty="0" smtClean="0">
+                <a:solidFill>
+                  <a:schemeClr val="accent6">
+                    <a:lumMod val="75000"/>
+                  </a:schemeClr>
+                </a:solidFill>
+              </a:rPr>
+              <a:t>GTEX+GDC: 88%</a:t>
+            </a:r>
+            <a:endParaRPr lang="es-ES" dirty="0">
+              <a:solidFill>
+                <a:schemeClr val="accent6">
+                  <a:lumMod val="75000"/>
+                </a:schemeClr>
+              </a:solidFill>
+            </a:endParaRPr>
+          </a:p>
+          <a:p>
+            <a:pPr marL="0" indent="0">
+              <a:buNone/>
+            </a:pPr>
+            <a:endParaRPr lang="es-ES" dirty="0"/>
+          </a:p>
+          <a:p>
+            <a:pPr marL="0" indent="0">
+              <a:buNone/>
+            </a:pPr>
+            <a:r>
+              <a:rPr lang="es-ES" dirty="0"/>
+              <a:t/>
+            </a:r>
+            <a:br>
+              <a:rPr lang="es-ES" dirty="0"/>
+            </a:br>
+            <a:endParaRPr lang="es-ES" dirty="0" smtClean="0"/>
+          </a:p>
+          <a:p>
+            <a:endParaRPr lang="es-ES" dirty="0"/>
+          </a:p>
+        </p:txBody>
+      </p:sp>
+    </p:spTree>
+    <p:extLst>
+      <p:ext uri="{BB962C8B-B14F-4D97-AF65-F5344CB8AC3E}">
+        <p14:creationId xmlns:p14="http://schemas.microsoft.com/office/powerpoint/2010/main" val="537806751"/>
+      </p:ext>
+    </p:extLst>
+  </p:cSld>
+  <p:clrMapOvr>
+    <a:masterClrMapping/>
+  </p:clrMapOvr>
+</p:sld>
+</file>
+
+<file path=ppt/slides/slide106.xml><?xml version="1.0" encoding="utf-8"?>
+<p:sld xmlns:a="http://schemas.openxmlformats.org/drawingml/2006/main" xmlns:r="http://schemas.openxmlformats.org/officeDocument/2006/relationships" xmlns:p="http://schemas.openxmlformats.org/presentationml/2006/main">
+  <p:cSld>
+    <p:spTree>
+      <p:nvGrpSpPr>
+        <p:cNvPr id="1" name=""/>
+        <p:cNvGrpSpPr/>
+        <p:nvPr/>
+      </p:nvGrpSpPr>
+      <p:grpSpPr>
+        <a:xfrm>
+          <a:off x="0" y="0"/>
+          <a:ext cx="0" cy="0"/>
+          <a:chOff x="0" y="0"/>
+          <a:chExt cx="0" cy="0"/>
+        </a:xfrm>
+      </p:grpSpPr>
+      <p:sp>
+        <p:nvSpPr>
+          <p:cNvPr id="2" name="Título 1"/>
+          <p:cNvSpPr>
+            <a:spLocks noGrp="1"/>
+          </p:cNvSpPr>
+          <p:nvPr>
+            <p:ph type="title"/>
+          </p:nvPr>
+        </p:nvSpPr>
+        <p:spPr/>
+        <p:txBody>
+          <a:bodyPr/>
+          <a:lstStyle/>
+          <a:p>
+            <a:r>
+              <a:rPr lang="es-ES" dirty="0"/>
+              <a:t>Resumen</a:t>
+            </a:r>
+          </a:p>
+        </p:txBody>
+      </p:sp>
+      <p:sp>
+        <p:nvSpPr>
+          <p:cNvPr id="3" name="Marcador de contenido 2"/>
+          <p:cNvSpPr>
+            <a:spLocks noGrp="1"/>
+          </p:cNvSpPr>
+          <p:nvPr>
+            <p:ph idx="1"/>
+          </p:nvPr>
+        </p:nvSpPr>
+        <p:spPr/>
+        <p:txBody>
+          <a:bodyPr>
+            <a:normAutofit lnSpcReduction="10000"/>
+          </a:bodyPr>
+          <a:lstStyle/>
+          <a:p>
+            <a:pPr marL="0" indent="0">
+              <a:buNone/>
+            </a:pPr>
+            <a:r>
+              <a:rPr lang="es-ES" dirty="0"/>
+              <a:t>C4. </a:t>
+            </a:r>
+            <a:r>
+              <a:rPr lang="es-ES" dirty="0" err="1"/>
+              <a:t>RNASeq</a:t>
+            </a:r>
+            <a:r>
+              <a:rPr lang="es-ES" dirty="0"/>
+              <a:t> solo</a:t>
+            </a:r>
+          </a:p>
+          <a:p>
+            <a:pPr marL="0" indent="0">
+              <a:buNone/>
+            </a:pPr>
+            <a:r>
+              <a:rPr lang="es-ES" dirty="0"/>
+              <a:t>	1.- Repasar bibliografía para clasificación</a:t>
+            </a:r>
+          </a:p>
+          <a:p>
+            <a:pPr marL="0" indent="0">
+              <a:buNone/>
+            </a:pPr>
+            <a:r>
+              <a:rPr lang="es-ES" dirty="0"/>
+              <a:t>	2.- Más bases de datos (GEO)</a:t>
+            </a:r>
+          </a:p>
+          <a:p>
+            <a:pPr marL="0" indent="0">
+              <a:buNone/>
+            </a:pPr>
+            <a:r>
+              <a:rPr lang="es-ES" dirty="0"/>
+              <a:t>	3.- Pedir acceso</a:t>
+            </a:r>
+          </a:p>
+          <a:p>
+            <a:pPr marL="0" indent="0">
+              <a:buNone/>
+            </a:pPr>
+            <a:r>
+              <a:rPr lang="es-ES" dirty="0">
+                <a:solidFill>
+                  <a:schemeClr val="tx1">
+                    <a:lumMod val="50000"/>
+                    <a:lumOff val="50000"/>
+                  </a:schemeClr>
+                </a:solidFill>
+              </a:rPr>
+              <a:t>	4.- Ver fusión archivos </a:t>
+            </a:r>
+            <a:r>
+              <a:rPr lang="es-ES" dirty="0" err="1">
+                <a:solidFill>
+                  <a:schemeClr val="tx1">
+                    <a:lumMod val="50000"/>
+                    <a:lumOff val="50000"/>
+                  </a:schemeClr>
+                </a:solidFill>
+              </a:rPr>
+              <a:t>count</a:t>
+            </a:r>
+            <a:r>
+              <a:rPr lang="es-ES" dirty="0">
+                <a:solidFill>
+                  <a:schemeClr val="tx1">
+                    <a:lumMod val="50000"/>
+                    <a:lumOff val="50000"/>
+                  </a:schemeClr>
+                </a:solidFill>
+              </a:rPr>
+              <a:t> distintas bases de datos</a:t>
+            </a:r>
+          </a:p>
+          <a:p>
+            <a:pPr marL="0" indent="0">
+              <a:buNone/>
+            </a:pPr>
+            <a:r>
+              <a:rPr lang="es-ES" i="1" dirty="0">
+                <a:solidFill>
+                  <a:schemeClr val="tx1">
+                    <a:lumMod val="50000"/>
+                    <a:lumOff val="50000"/>
+                  </a:schemeClr>
+                </a:solidFill>
+              </a:rPr>
+              <a:t>		- </a:t>
+            </a:r>
+            <a:r>
+              <a:rPr lang="es-ES" i="1" dirty="0" smtClean="0">
+                <a:solidFill>
+                  <a:schemeClr val="tx1">
+                    <a:lumMod val="50000"/>
+                    <a:lumOff val="50000"/>
+                  </a:schemeClr>
+                </a:solidFill>
+              </a:rPr>
+              <a:t>No promete </a:t>
+            </a:r>
+            <a:r>
+              <a:rPr lang="es-ES" dirty="0" smtClean="0">
+                <a:hlinkClick r:id="rId2"/>
+              </a:rPr>
+              <a:t>https</a:t>
+            </a:r>
+            <a:r>
+              <a:rPr lang="es-ES" dirty="0">
+                <a:hlinkClick r:id="rId2"/>
+              </a:rPr>
+              <a:t>://support.bioconductor.org/p/133724</a:t>
+            </a:r>
+            <a:r>
+              <a:rPr lang="es-ES" dirty="0" smtClean="0">
+                <a:hlinkClick r:id="rId2"/>
+              </a:rPr>
+              <a:t>/</a:t>
+            </a:r>
+            <a:endParaRPr lang="es-ES" dirty="0" smtClean="0"/>
+          </a:p>
+          <a:p>
+            <a:pPr marL="0" indent="0">
+              <a:buNone/>
+            </a:pPr>
+            <a:endParaRPr lang="es-ES" dirty="0">
+              <a:solidFill>
+                <a:schemeClr val="tx1">
+                  <a:lumMod val="50000"/>
+                  <a:lumOff val="50000"/>
+                </a:schemeClr>
+              </a:solidFill>
+            </a:endParaRPr>
+          </a:p>
+          <a:p>
+            <a:pPr marL="0" indent="0">
+              <a:buNone/>
+            </a:pPr>
+            <a:r>
+              <a:rPr lang="es-ES" dirty="0"/>
+              <a:t>	5.Hablar con Dani fusión de </a:t>
+            </a:r>
+            <a:r>
+              <a:rPr lang="es-ES" dirty="0" err="1"/>
+              <a:t>counts</a:t>
+            </a:r>
+            <a:r>
+              <a:rPr lang="es-ES" dirty="0"/>
+              <a:t> o </a:t>
+            </a:r>
+            <a:r>
+              <a:rPr lang="es-ES" dirty="0" err="1"/>
+              <a:t>bam</a:t>
+            </a:r>
+            <a:endParaRPr lang="es-ES" dirty="0"/>
+          </a:p>
+          <a:p>
+            <a:pPr marL="0" indent="0">
+              <a:buNone/>
+            </a:pPr>
+            <a:r>
+              <a:rPr lang="es-ES" i="1" dirty="0"/>
+              <a:t>		- </a:t>
+            </a:r>
+            <a:r>
+              <a:rPr lang="es-ES" i="1" dirty="0" smtClean="0"/>
+              <a:t>Comunicado </a:t>
+            </a:r>
+            <a:r>
+              <a:rPr lang="es-ES" i="1" dirty="0"/>
+              <a:t>pero no ha respondido</a:t>
+            </a:r>
+            <a:endParaRPr lang="es-ES" dirty="0"/>
+          </a:p>
+          <a:p>
+            <a:endParaRPr lang="es-ES" dirty="0"/>
+          </a:p>
+        </p:txBody>
+      </p:sp>
+    </p:spTree>
+    <p:extLst>
+      <p:ext uri="{BB962C8B-B14F-4D97-AF65-F5344CB8AC3E}">
+        <p14:creationId xmlns:p14="http://schemas.microsoft.com/office/powerpoint/2010/main" val="306231421"/>
+      </p:ext>
+    </p:extLst>
+  </p:cSld>
+  <p:clrMapOvr>
+    <a:masterClrMapping/>
+  </p:clrMapOvr>
+</p:sld>
+</file>
+
+<file path=ppt/slides/slide107.xml><?xml version="1.0" encoding="utf-8"?>
+<p:sld xmlns:a="http://schemas.openxmlformats.org/drawingml/2006/main" xmlns:r="http://schemas.openxmlformats.org/officeDocument/2006/relationships" xmlns:p="http://schemas.openxmlformats.org/presentationml/2006/main">
+  <p:cSld>
+    <p:spTree>
+      <p:nvGrpSpPr>
+        <p:cNvPr id="1" name=""/>
+        <p:cNvGrpSpPr/>
+        <p:nvPr/>
+      </p:nvGrpSpPr>
+      <p:grpSpPr>
+        <a:xfrm>
+          <a:off x="0" y="0"/>
+          <a:ext cx="0" cy="0"/>
+          <a:chOff x="0" y="0"/>
+          <a:chExt cx="0" cy="0"/>
+        </a:xfrm>
+      </p:grpSpPr>
+      <p:sp>
+        <p:nvSpPr>
+          <p:cNvPr id="2" name="Título 1"/>
+          <p:cNvSpPr>
+            <a:spLocks noGrp="1"/>
+          </p:cNvSpPr>
+          <p:nvPr>
+            <p:ph type="title"/>
+          </p:nvPr>
+        </p:nvSpPr>
+        <p:spPr/>
+        <p:txBody>
+          <a:bodyPr/>
+          <a:lstStyle/>
+          <a:p>
+            <a:r>
+              <a:rPr lang="es-ES" dirty="0"/>
+              <a:t>Resumen</a:t>
+            </a:r>
+          </a:p>
+        </p:txBody>
+      </p:sp>
+      <p:sp>
+        <p:nvSpPr>
+          <p:cNvPr id="3" name="Marcador de contenido 2"/>
+          <p:cNvSpPr>
+            <a:spLocks noGrp="1"/>
+          </p:cNvSpPr>
+          <p:nvPr>
+            <p:ph idx="1"/>
+          </p:nvPr>
+        </p:nvSpPr>
+        <p:spPr/>
+        <p:txBody>
+          <a:bodyPr>
+            <a:normAutofit fontScale="70000" lnSpcReduction="20000"/>
+          </a:bodyPr>
+          <a:lstStyle/>
+          <a:p>
+            <a:pPr marL="0" indent="0">
+              <a:buNone/>
+            </a:pPr>
+            <a:r>
+              <a:rPr lang="es-ES" dirty="0" smtClean="0">
+                <a:solidFill>
+                  <a:schemeClr val="tx1">
+                    <a:lumMod val="50000"/>
+                    <a:lumOff val="50000"/>
+                  </a:schemeClr>
+                </a:solidFill>
+              </a:rPr>
+              <a:t>C5. </a:t>
+            </a:r>
+            <a:r>
+              <a:rPr lang="es-ES" dirty="0">
+                <a:solidFill>
+                  <a:schemeClr val="tx1">
+                    <a:lumMod val="50000"/>
+                    <a:lumOff val="50000"/>
+                  </a:schemeClr>
+                </a:solidFill>
+              </a:rPr>
+              <a:t>Estudio sobre </a:t>
+            </a:r>
+            <a:r>
+              <a:rPr lang="es-ES" dirty="0" err="1">
+                <a:solidFill>
+                  <a:schemeClr val="tx1">
+                    <a:lumMod val="50000"/>
+                    <a:lumOff val="50000"/>
+                  </a:schemeClr>
+                </a:solidFill>
+              </a:rPr>
+              <a:t>estadío</a:t>
+            </a:r>
+            <a:r>
+              <a:rPr lang="es-ES" dirty="0">
+                <a:solidFill>
+                  <a:schemeClr val="tx1">
+                    <a:lumMod val="50000"/>
+                    <a:lumOff val="50000"/>
+                  </a:schemeClr>
+                </a:solidFill>
+              </a:rPr>
+              <a:t>:</a:t>
+            </a:r>
+          </a:p>
+          <a:p>
+            <a:pPr marL="0" indent="0">
+              <a:buNone/>
+            </a:pPr>
+            <a:r>
+              <a:rPr lang="es-ES" dirty="0" smtClean="0">
+                <a:solidFill>
+                  <a:schemeClr val="tx1">
+                    <a:lumMod val="50000"/>
+                    <a:lumOff val="50000"/>
+                  </a:schemeClr>
+                </a:solidFill>
+              </a:rPr>
+              <a:t>	1.- </a:t>
+            </a:r>
+            <a:r>
+              <a:rPr lang="es-ES" dirty="0">
+                <a:solidFill>
+                  <a:schemeClr val="tx1">
+                    <a:lumMod val="50000"/>
+                    <a:lumOff val="50000"/>
+                  </a:schemeClr>
+                </a:solidFill>
+              </a:rPr>
+              <a:t>WSI </a:t>
+            </a:r>
+          </a:p>
+          <a:p>
+            <a:pPr marL="0" indent="0">
+              <a:buNone/>
+            </a:pPr>
+            <a:r>
+              <a:rPr lang="es-ES" dirty="0" smtClean="0">
+                <a:solidFill>
+                  <a:schemeClr val="tx1">
+                    <a:lumMod val="50000"/>
+                    <a:lumOff val="50000"/>
+                  </a:schemeClr>
+                </a:solidFill>
+              </a:rPr>
+              <a:t>		- descartado</a:t>
+            </a:r>
+          </a:p>
+          <a:p>
+            <a:pPr marL="0" indent="0">
+              <a:buNone/>
+            </a:pPr>
+            <a:r>
+              <a:rPr lang="es-ES" dirty="0">
+                <a:solidFill>
+                  <a:schemeClr val="tx1">
+                    <a:lumMod val="50000"/>
+                    <a:lumOff val="50000"/>
+                  </a:schemeClr>
+                </a:solidFill>
+              </a:rPr>
+              <a:t>	</a:t>
+            </a:r>
+            <a:r>
+              <a:rPr lang="es-ES" dirty="0" smtClean="0">
+                <a:solidFill>
+                  <a:schemeClr val="tx1">
+                    <a:lumMod val="50000"/>
+                    <a:lumOff val="50000"/>
+                  </a:schemeClr>
+                </a:solidFill>
+              </a:rPr>
+              <a:t>2</a:t>
+            </a:r>
+            <a:r>
+              <a:rPr lang="es-ES" dirty="0">
+                <a:solidFill>
+                  <a:schemeClr val="tx1">
+                    <a:lumMod val="50000"/>
+                    <a:lumOff val="50000"/>
+                  </a:schemeClr>
+                </a:solidFill>
+              </a:rPr>
+              <a:t>.- </a:t>
+            </a:r>
+            <a:r>
+              <a:rPr lang="es-ES" dirty="0" err="1" smtClean="0">
+                <a:solidFill>
+                  <a:schemeClr val="tx1">
+                    <a:lumMod val="50000"/>
+                    <a:lumOff val="50000"/>
+                  </a:schemeClr>
+                </a:solidFill>
+              </a:rPr>
+              <a:t>RNASeq</a:t>
+            </a:r>
+            <a:endParaRPr lang="es-ES" dirty="0" smtClean="0">
+              <a:solidFill>
+                <a:schemeClr val="tx1">
+                  <a:lumMod val="50000"/>
+                  <a:lumOff val="50000"/>
+                </a:schemeClr>
+              </a:solidFill>
+            </a:endParaRPr>
+          </a:p>
+          <a:p>
+            <a:pPr marL="0" indent="0">
+              <a:buNone/>
+            </a:pPr>
+            <a:r>
+              <a:rPr lang="es-ES" dirty="0">
+                <a:solidFill>
+                  <a:schemeClr val="tx1">
+                    <a:lumMod val="50000"/>
+                    <a:lumOff val="50000"/>
+                  </a:schemeClr>
+                </a:solidFill>
+              </a:rPr>
+              <a:t>	</a:t>
+            </a:r>
+            <a:r>
+              <a:rPr lang="es-ES" dirty="0" smtClean="0">
+                <a:solidFill>
+                  <a:schemeClr val="tx1">
+                    <a:lumMod val="50000"/>
+                    <a:lumOff val="50000"/>
+                  </a:schemeClr>
+                </a:solidFill>
+              </a:rPr>
+              <a:t>	- </a:t>
+            </a:r>
+            <a:r>
+              <a:rPr lang="es-ES" dirty="0">
+                <a:solidFill>
+                  <a:schemeClr val="tx1">
+                    <a:lumMod val="50000"/>
+                    <a:lumOff val="50000"/>
+                  </a:schemeClr>
+                </a:solidFill>
+              </a:rPr>
+              <a:t>descartado</a:t>
+            </a:r>
+          </a:p>
+          <a:p>
+            <a:pPr marL="0" indent="0">
+              <a:buNone/>
+            </a:pPr>
+            <a:r>
+              <a:rPr lang="es-ES" dirty="0" smtClean="0">
+                <a:solidFill>
+                  <a:schemeClr val="tx1">
+                    <a:lumMod val="50000"/>
+                    <a:lumOff val="50000"/>
+                  </a:schemeClr>
+                </a:solidFill>
+              </a:rPr>
+              <a:t>	3</a:t>
+            </a:r>
+            <a:r>
+              <a:rPr lang="es-ES" dirty="0">
+                <a:solidFill>
+                  <a:schemeClr val="tx1">
+                    <a:lumMod val="50000"/>
+                    <a:lumOff val="50000"/>
+                  </a:schemeClr>
+                </a:solidFill>
+              </a:rPr>
+              <a:t>.- Otras </a:t>
+            </a:r>
+            <a:r>
+              <a:rPr lang="es-ES" dirty="0" err="1">
+                <a:solidFill>
+                  <a:schemeClr val="tx1">
+                    <a:lumMod val="50000"/>
+                    <a:lumOff val="50000"/>
+                  </a:schemeClr>
+                </a:solidFill>
+              </a:rPr>
+              <a:t>ómicas</a:t>
+            </a:r>
+            <a:endParaRPr lang="es-ES" dirty="0">
+              <a:solidFill>
+                <a:schemeClr val="tx1">
+                  <a:lumMod val="50000"/>
+                  <a:lumOff val="50000"/>
+                </a:schemeClr>
+              </a:solidFill>
+            </a:endParaRPr>
+          </a:p>
+          <a:p>
+            <a:pPr marL="0" indent="0">
+              <a:buNone/>
+            </a:pPr>
+            <a:r>
+              <a:rPr lang="es-ES" dirty="0" smtClean="0">
+                <a:solidFill>
+                  <a:schemeClr val="tx1">
+                    <a:lumMod val="50000"/>
+                    <a:lumOff val="50000"/>
+                  </a:schemeClr>
+                </a:solidFill>
+              </a:rPr>
+              <a:t>		- </a:t>
+            </a:r>
+            <a:r>
+              <a:rPr lang="es-ES" dirty="0">
+                <a:solidFill>
+                  <a:schemeClr val="tx1">
+                    <a:lumMod val="50000"/>
+                    <a:lumOff val="50000"/>
+                  </a:schemeClr>
+                </a:solidFill>
+              </a:rPr>
+              <a:t>no parece </a:t>
+            </a:r>
+            <a:r>
+              <a:rPr lang="es-ES" dirty="0" smtClean="0">
+                <a:solidFill>
+                  <a:schemeClr val="tx1">
+                    <a:lumMod val="50000"/>
+                    <a:lumOff val="50000"/>
+                  </a:schemeClr>
+                </a:solidFill>
+              </a:rPr>
+              <a:t>prometedor</a:t>
+            </a:r>
+          </a:p>
+          <a:p>
+            <a:endParaRPr lang="es-ES" dirty="0"/>
+          </a:p>
+          <a:p>
+            <a:pPr marL="0" indent="0">
+              <a:buNone/>
+            </a:pPr>
+            <a:r>
+              <a:rPr lang="es-ES" dirty="0" smtClean="0"/>
+              <a:t>C6. Pronóstico</a:t>
+            </a:r>
+            <a:endParaRPr lang="es-ES" dirty="0"/>
+          </a:p>
+          <a:p>
+            <a:pPr marL="0" indent="0">
+              <a:buNone/>
+            </a:pPr>
+            <a:r>
+              <a:rPr lang="es-ES" dirty="0" smtClean="0"/>
+              <a:t>	1.- Ver </a:t>
+            </a:r>
+            <a:r>
+              <a:rPr lang="es-ES" dirty="0"/>
+              <a:t>datos, análisis preliminar</a:t>
+            </a:r>
+          </a:p>
+          <a:p>
+            <a:pPr marL="0" indent="0">
+              <a:buNone/>
+            </a:pPr>
+            <a:r>
+              <a:rPr lang="es-ES" dirty="0" smtClean="0"/>
+              <a:t>	2.- Ver </a:t>
+            </a:r>
+            <a:r>
+              <a:rPr lang="es-ES" dirty="0"/>
+              <a:t>en GEO con datos de pronóstico</a:t>
+            </a:r>
+          </a:p>
+          <a:p>
+            <a:pPr marL="0" indent="0">
+              <a:buNone/>
+            </a:pPr>
+            <a:r>
+              <a:rPr lang="es-ES" dirty="0"/>
+              <a:t/>
+            </a:r>
+            <a:br>
+              <a:rPr lang="es-ES" dirty="0"/>
+            </a:br>
+            <a:endParaRPr lang="es-ES" dirty="0"/>
+          </a:p>
+        </p:txBody>
+      </p:sp>
+    </p:spTree>
+    <p:extLst>
+      <p:ext uri="{BB962C8B-B14F-4D97-AF65-F5344CB8AC3E}">
+        <p14:creationId xmlns:p14="http://schemas.microsoft.com/office/powerpoint/2010/main" val="1814998041"/>
+      </p:ext>
+    </p:extLst>
+  </p:cSld>
+  <p:clrMapOvr>
+    <a:masterClrMapping/>
+  </p:clrMapOvr>
+</p:sld>
+</file>
+
+<file path=ppt/slides/slide108.xml><?xml version="1.0" encoding="utf-8"?>
+<p:sld xmlns:a="http://schemas.openxmlformats.org/drawingml/2006/main" xmlns:r="http://schemas.openxmlformats.org/officeDocument/2006/relationships" xmlns:p="http://schemas.openxmlformats.org/presentationml/2006/main">
+  <p:cSld>
+    <p:spTree>
+      <p:nvGrpSpPr>
+        <p:cNvPr id="1" name=""/>
+        <p:cNvGrpSpPr/>
+        <p:nvPr/>
+      </p:nvGrpSpPr>
+      <p:grpSpPr>
+        <a:xfrm>
+          <a:off x="0" y="0"/>
+          <a:ext cx="0" cy="0"/>
+          <a:chOff x="0" y="0"/>
+          <a:chExt cx="0" cy="0"/>
+        </a:xfrm>
+      </p:grpSpPr>
+      <p:sp>
+        <p:nvSpPr>
+          <p:cNvPr id="2" name="Título 1"/>
+          <p:cNvSpPr>
+            <a:spLocks noGrp="1"/>
+          </p:cNvSpPr>
+          <p:nvPr>
+            <p:ph type="title"/>
+          </p:nvPr>
+        </p:nvSpPr>
+        <p:spPr/>
+        <p:txBody>
+          <a:bodyPr/>
+          <a:lstStyle/>
+          <a:p>
+            <a:r>
+              <a:rPr lang="es-ES" dirty="0" smtClean="0"/>
+              <a:t>C3. 1. Bibliografía Clasificación WSI cáncer de páncreas</a:t>
+            </a:r>
+            <a:endParaRPr lang="es-ES" dirty="0"/>
+          </a:p>
+        </p:txBody>
+      </p:sp>
+      <p:pic>
+        <p:nvPicPr>
+          <p:cNvPr id="5" name="Marcador de contenido 4"/>
+          <p:cNvPicPr>
+            <a:picLocks noGrp="1" noChangeAspect="1"/>
+          </p:cNvPicPr>
+          <p:nvPr>
+            <p:ph idx="1"/>
+          </p:nvPr>
+        </p:nvPicPr>
+        <p:blipFill>
+          <a:blip r:embed="rId2"/>
+          <a:stretch>
+            <a:fillRect/>
+          </a:stretch>
+        </p:blipFill>
+        <p:spPr>
+          <a:xfrm>
+            <a:off x="1228046" y="2216940"/>
+            <a:ext cx="9669224" cy="504895"/>
+          </a:xfrm>
+          <a:prstGeom prst="rect">
+            <a:avLst/>
+          </a:prstGeom>
+        </p:spPr>
+      </p:pic>
+      <p:pic>
+        <p:nvPicPr>
+          <p:cNvPr id="4" name="Imagen 3"/>
+          <p:cNvPicPr>
+            <a:picLocks noChangeAspect="1"/>
+          </p:cNvPicPr>
+          <p:nvPr/>
+        </p:nvPicPr>
+        <p:blipFill>
+          <a:blip r:embed="rId3"/>
+          <a:stretch>
+            <a:fillRect/>
+          </a:stretch>
+        </p:blipFill>
+        <p:spPr>
+          <a:xfrm>
+            <a:off x="1294730" y="2781209"/>
+            <a:ext cx="9602540" cy="1295581"/>
+          </a:xfrm>
+          <a:prstGeom prst="rect">
+            <a:avLst/>
+          </a:prstGeom>
+        </p:spPr>
+      </p:pic>
+      <p:sp>
+        <p:nvSpPr>
+          <p:cNvPr id="6" name="Marcador de contenido 2"/>
+          <p:cNvSpPr txBox="1">
+            <a:spLocks/>
+          </p:cNvSpPr>
+          <p:nvPr/>
+        </p:nvSpPr>
+        <p:spPr>
+          <a:xfrm>
+            <a:off x="838200" y="4255805"/>
+            <a:ext cx="10515600" cy="1972432"/>
+          </a:xfrm>
+          <a:prstGeom prst="rect">
+            <a:avLst/>
+          </a:prstGeom>
+        </p:spPr>
+        <p:txBody>
+          <a:bodyPr vert="horz" lIns="91440" tIns="45720" rIns="91440" bIns="45720" rtlCol="0">
+            <a:normAutofit fontScale="70000" lnSpcReduction="20000"/>
+          </a:bodyPr>
+          <a:lstStyle>
+            <a:lvl1pPr marL="228600" indent="-228600" algn="l" defTabSz="914400" rtl="0" eaLnBrk="1" latinLnBrk="0" hangingPunct="1">
+              <a:lnSpc>
+                <a:spcPct val="90000"/>
+              </a:lnSpc>
+              <a:spcBef>
+                <a:spcPts val="1000"/>
+              </a:spcBef>
+              <a:buFont typeface="Arial" panose="020B0604020202020204" pitchFamily="34" charset="0"/>
+              <a:buChar char="•"/>
+              <a:defRPr sz="2800" kern="1200">
+                <a:solidFill>
+                  <a:schemeClr val="tx1"/>
+                </a:solidFill>
+                <a:latin typeface="+mn-lt"/>
+                <a:ea typeface="+mn-ea"/>
+                <a:cs typeface="+mn-cs"/>
+              </a:defRPr>
+            </a:lvl1pPr>
+            <a:lvl2pPr marL="685800" indent="-228600" algn="l" defTabSz="914400" rtl="0" eaLnBrk="1" latinLnBrk="0" hangingPunct="1">
+              <a:lnSpc>
+                <a:spcPct val="90000"/>
+              </a:lnSpc>
+              <a:spcBef>
+                <a:spcPts val="500"/>
+              </a:spcBef>
+              <a:buFont typeface="Arial" panose="020B0604020202020204" pitchFamily="34" charset="0"/>
+              <a:buChar char="•"/>
+              <a:defRPr sz="2400" kern="1200">
+                <a:solidFill>
+                  <a:schemeClr val="tx1"/>
+                </a:solidFill>
+                <a:latin typeface="+mn-lt"/>
+                <a:ea typeface="+mn-ea"/>
+                <a:cs typeface="+mn-cs"/>
+              </a:defRPr>
+            </a:lvl2pPr>
+            <a:lvl3pPr marL="1143000" indent="-228600" algn="l" defTabSz="914400" rtl="0" eaLnBrk="1" latinLnBrk="0" hangingPunct="1">
+              <a:lnSpc>
+                <a:spcPct val="90000"/>
+              </a:lnSpc>
+              <a:spcBef>
+                <a:spcPts val="500"/>
+              </a:spcBef>
+              <a:buFont typeface="Arial" panose="020B0604020202020204" pitchFamily="34" charset="0"/>
+              <a:buChar char="•"/>
+              <a:defRPr sz="2000" kern="1200">
+                <a:solidFill>
+                  <a:schemeClr val="tx1"/>
+                </a:solidFill>
+                <a:latin typeface="+mn-lt"/>
+                <a:ea typeface="+mn-ea"/>
+                <a:cs typeface="+mn-cs"/>
+              </a:defRPr>
+            </a:lvl3pPr>
+            <a:lvl4pPr marL="1600200" indent="-228600" algn="l" defTabSz="914400" rtl="0" eaLnBrk="1" latinLnBrk="0" hangingPunct="1">
+              <a:lnSpc>
+                <a:spcPct val="90000"/>
+              </a:lnSpc>
+              <a:spcBef>
+                <a:spcPts val="500"/>
+              </a:spcBef>
+              <a:buFont typeface="Arial" panose="020B0604020202020204" pitchFamily="34" charset="0"/>
+              <a:buChar char="•"/>
+              <a:defRPr sz="1800" kern="1200">
+                <a:solidFill>
+                  <a:schemeClr val="tx1"/>
+                </a:solidFill>
+                <a:latin typeface="+mn-lt"/>
+                <a:ea typeface="+mn-ea"/>
+                <a:cs typeface="+mn-cs"/>
+              </a:defRPr>
+            </a:lvl4pPr>
+            <a:lvl5pPr marL="2057400" indent="-228600" algn="l" defTabSz="914400" rtl="0" eaLnBrk="1" latinLnBrk="0" hangingPunct="1">
+              <a:lnSpc>
+                <a:spcPct val="90000"/>
+              </a:lnSpc>
+              <a:spcBef>
+                <a:spcPts val="500"/>
+              </a:spcBef>
+              <a:buFont typeface="Arial" panose="020B0604020202020204" pitchFamily="34" charset="0"/>
+              <a:buChar char="•"/>
+              <a:defRPr sz="1800" kern="1200">
+                <a:solidFill>
+                  <a:schemeClr val="tx1"/>
+                </a:solidFill>
+                <a:latin typeface="+mn-lt"/>
+                <a:ea typeface="+mn-ea"/>
+                <a:cs typeface="+mn-cs"/>
+              </a:defRPr>
+            </a:lvl5pPr>
+            <a:lvl6pPr marL="2514600" indent="-228600" algn="l" defTabSz="914400" rtl="0" eaLnBrk="1" latinLnBrk="0" hangingPunct="1">
+              <a:lnSpc>
+                <a:spcPct val="90000"/>
+              </a:lnSpc>
+              <a:spcBef>
+                <a:spcPts val="500"/>
+              </a:spcBef>
+              <a:buFont typeface="Arial" panose="020B0604020202020204" pitchFamily="34" charset="0"/>
+              <a:buChar char="•"/>
+              <a:defRPr sz="1800" kern="1200">
+                <a:solidFill>
+                  <a:schemeClr val="tx1"/>
+                </a:solidFill>
+                <a:latin typeface="+mn-lt"/>
+                <a:ea typeface="+mn-ea"/>
+                <a:cs typeface="+mn-cs"/>
+              </a:defRPr>
+            </a:lvl6pPr>
+            <a:lvl7pPr marL="2971800" indent="-228600" algn="l" defTabSz="914400" rtl="0" eaLnBrk="1" latinLnBrk="0" hangingPunct="1">
+              <a:lnSpc>
+                <a:spcPct val="90000"/>
+              </a:lnSpc>
+              <a:spcBef>
+                <a:spcPts val="500"/>
+              </a:spcBef>
+              <a:buFont typeface="Arial" panose="020B0604020202020204" pitchFamily="34" charset="0"/>
+              <a:buChar char="•"/>
+              <a:defRPr sz="1800" kern="1200">
+                <a:solidFill>
+                  <a:schemeClr val="tx1"/>
+                </a:solidFill>
+                <a:latin typeface="+mn-lt"/>
+                <a:ea typeface="+mn-ea"/>
+                <a:cs typeface="+mn-cs"/>
+              </a:defRPr>
+            </a:lvl7pPr>
+            <a:lvl8pPr marL="3429000" indent="-228600" algn="l" defTabSz="914400" rtl="0" eaLnBrk="1" latinLnBrk="0" hangingPunct="1">
+              <a:lnSpc>
+                <a:spcPct val="90000"/>
+              </a:lnSpc>
+              <a:spcBef>
+                <a:spcPts val="500"/>
+              </a:spcBef>
+              <a:buFont typeface="Arial" panose="020B0604020202020204" pitchFamily="34" charset="0"/>
+              <a:buChar char="•"/>
+              <a:defRPr sz="1800" kern="1200">
+                <a:solidFill>
+                  <a:schemeClr val="tx1"/>
+                </a:solidFill>
+                <a:latin typeface="+mn-lt"/>
+                <a:ea typeface="+mn-ea"/>
+                <a:cs typeface="+mn-cs"/>
+              </a:defRPr>
+            </a:lvl8pPr>
+            <a:lvl9pPr marL="3886200" indent="-228600" algn="l" defTabSz="914400" rtl="0" eaLnBrk="1" latinLnBrk="0" hangingPunct="1">
+              <a:lnSpc>
+                <a:spcPct val="90000"/>
+              </a:lnSpc>
+              <a:spcBef>
+                <a:spcPts val="500"/>
+              </a:spcBef>
+              <a:buFont typeface="Arial" panose="020B0604020202020204" pitchFamily="34" charset="0"/>
+              <a:buChar char="•"/>
+              <a:defRPr sz="1800" kern="1200">
+                <a:solidFill>
+                  <a:schemeClr val="tx1"/>
+                </a:solidFill>
+                <a:latin typeface="+mn-lt"/>
+                <a:ea typeface="+mn-ea"/>
+                <a:cs typeface="+mn-cs"/>
+              </a:defRPr>
+            </a:lvl9pPr>
+          </a:lstStyle>
+          <a:p>
+            <a:r>
+              <a:rPr lang="es-ES" dirty="0" err="1" smtClean="0"/>
+              <a:t>Naito</a:t>
+            </a:r>
+            <a:r>
+              <a:rPr lang="es-ES" dirty="0" smtClean="0"/>
+              <a:t> et al. : Datos privados</a:t>
+            </a:r>
+          </a:p>
+          <a:p>
+            <a:r>
+              <a:rPr lang="es-ES" dirty="0" smtClean="0"/>
+              <a:t>Fu et al. : Datos se pueden pedir, pero modelos privados</a:t>
+            </a:r>
+          </a:p>
+          <a:p>
+            <a:r>
+              <a:rPr lang="es-ES" dirty="0" err="1" smtClean="0"/>
+              <a:t>Kriegsmann</a:t>
+            </a:r>
+            <a:r>
+              <a:rPr lang="es-ES" dirty="0" smtClean="0"/>
+              <a:t> et al. :  </a:t>
+            </a:r>
+            <a:r>
+              <a:rPr lang="en-US" dirty="0"/>
+              <a:t>Data are available from the corresponding authors upon reasonable request</a:t>
+            </a:r>
+            <a:r>
+              <a:rPr lang="en-US" dirty="0" smtClean="0"/>
+              <a:t>. </a:t>
+            </a:r>
+          </a:p>
+          <a:p>
+            <a:endParaRPr lang="en-US" dirty="0" smtClean="0"/>
+          </a:p>
+          <a:p>
+            <a:r>
+              <a:rPr lang="en-US" dirty="0" smtClean="0"/>
+              <a:t>*: Internal Test **: External Test</a:t>
+            </a:r>
+            <a:endParaRPr lang="es-ES" dirty="0" smtClean="0"/>
+          </a:p>
+        </p:txBody>
+      </p:sp>
+    </p:spTree>
+    <p:extLst>
+      <p:ext uri="{BB962C8B-B14F-4D97-AF65-F5344CB8AC3E}">
+        <p14:creationId xmlns:p14="http://schemas.microsoft.com/office/powerpoint/2010/main" val="3305110631"/>
+      </p:ext>
+    </p:extLst>
+  </p:cSld>
+  <p:clrMapOvr>
+    <a:masterClrMapping/>
+  </p:clrMapOvr>
+</p:sld>
+</file>
+
+<file path=ppt/slides/slide109.xml><?xml version="1.0" encoding="utf-8"?>
+<p:sld xmlns:a="http://schemas.openxmlformats.org/drawingml/2006/main" xmlns:r="http://schemas.openxmlformats.org/officeDocument/2006/relationships" xmlns:p="http://schemas.openxmlformats.org/presentationml/2006/main">
+  <p:cSld>
+    <p:spTree>
+      <p:nvGrpSpPr>
+        <p:cNvPr id="1" name=""/>
+        <p:cNvGrpSpPr/>
+        <p:nvPr/>
+      </p:nvGrpSpPr>
+      <p:grpSpPr>
+        <a:xfrm>
+          <a:off x="0" y="0"/>
+          <a:ext cx="0" cy="0"/>
+          <a:chOff x="0" y="0"/>
+          <a:chExt cx="0" cy="0"/>
+        </a:xfrm>
+      </p:grpSpPr>
+      <p:sp>
+        <p:nvSpPr>
+          <p:cNvPr id="2" name="Título 1"/>
+          <p:cNvSpPr>
+            <a:spLocks noGrp="1"/>
+          </p:cNvSpPr>
+          <p:nvPr>
+            <p:ph type="title"/>
+          </p:nvPr>
+        </p:nvSpPr>
+        <p:spPr/>
+        <p:txBody>
+          <a:bodyPr/>
+          <a:lstStyle/>
+          <a:p>
+            <a:r>
+              <a:rPr lang="es-ES" dirty="0" smtClean="0"/>
+              <a:t>C3. 3. a) Resultados test externo (GDC+GTEX)</a:t>
+            </a:r>
+            <a:endParaRPr lang="es-ES" dirty="0"/>
+          </a:p>
+        </p:txBody>
+      </p:sp>
+      <p:sp>
+        <p:nvSpPr>
+          <p:cNvPr id="3" name="Marcador de contenido 2"/>
+          <p:cNvSpPr>
+            <a:spLocks noGrp="1"/>
+          </p:cNvSpPr>
+          <p:nvPr>
+            <p:ph idx="1"/>
+          </p:nvPr>
+        </p:nvSpPr>
+        <p:spPr>
+          <a:xfrm>
+            <a:off x="838200" y="1938527"/>
+            <a:ext cx="5267325" cy="4238435"/>
+          </a:xfrm>
+        </p:spPr>
+        <p:txBody>
+          <a:bodyPr/>
+          <a:lstStyle/>
+          <a:p>
+            <a:r>
+              <a:rPr lang="es-ES" dirty="0" smtClean="0"/>
+              <a:t>Resultados</a:t>
+            </a:r>
+          </a:p>
+          <a:p>
+            <a:pPr marL="0" indent="0">
+              <a:buNone/>
+            </a:pPr>
+            <a:r>
+              <a:rPr lang="es-ES" dirty="0" smtClean="0"/>
+              <a:t>ACC: 88%</a:t>
+            </a:r>
+          </a:p>
+          <a:p>
+            <a:pPr marL="0" indent="0">
+              <a:buNone/>
+            </a:pPr>
+            <a:r>
+              <a:rPr lang="es-ES" dirty="0" smtClean="0"/>
+              <a:t>F1: 84%</a:t>
+            </a:r>
+          </a:p>
+          <a:p>
+            <a:pPr marL="0" indent="0">
+              <a:buNone/>
+            </a:pPr>
+            <a:endParaRPr lang="es-ES" dirty="0" smtClean="0"/>
+          </a:p>
+          <a:p>
+            <a:r>
+              <a:rPr lang="es-ES" dirty="0" smtClean="0"/>
+              <a:t>Preocupación: 95% de las imágenes de GDC son del conducto del páncreas. Mientras que el </a:t>
+            </a:r>
+            <a:r>
+              <a:rPr lang="es-ES" dirty="0" err="1" smtClean="0"/>
+              <a:t>GTEx</a:t>
+            </a:r>
+            <a:r>
+              <a:rPr lang="es-ES" dirty="0" smtClean="0"/>
+              <a:t> no hay diferencia.</a:t>
+            </a:r>
+            <a:endParaRPr lang="es-ES" dirty="0"/>
+          </a:p>
+        </p:txBody>
+      </p:sp>
+      <p:pic>
+        <p:nvPicPr>
+          <p:cNvPr id="5" name="Imagen 4"/>
+          <p:cNvPicPr>
+            <a:picLocks noChangeAspect="1"/>
+          </p:cNvPicPr>
+          <p:nvPr/>
+        </p:nvPicPr>
+        <p:blipFill>
+          <a:blip r:embed="rId2"/>
+          <a:stretch>
+            <a:fillRect/>
+          </a:stretch>
+        </p:blipFill>
+        <p:spPr>
+          <a:xfrm>
+            <a:off x="6105525" y="2272665"/>
+            <a:ext cx="5248275" cy="3756962"/>
+          </a:xfrm>
+          <a:prstGeom prst="rect">
+            <a:avLst/>
+          </a:prstGeom>
+        </p:spPr>
+      </p:pic>
+    </p:spTree>
+    <p:extLst>
+      <p:ext uri="{BB962C8B-B14F-4D97-AF65-F5344CB8AC3E}">
+        <p14:creationId xmlns:p14="http://schemas.microsoft.com/office/powerpoint/2010/main" val="1680302574"/>
+      </p:ext>
+    </p:extLst>
+  </p:cSld>
+  <p:clrMapOvr>
+    <a:masterClrMapping/>
+  </p:clrMapOvr>
+</p:sld>
+</file>
+
 <file path=ppt/slides/slide11.xml><?xml version="1.0" encoding="utf-8"?>
 <p:sld xmlns:a="http://schemas.openxmlformats.org/drawingml/2006/main" xmlns:r="http://schemas.openxmlformats.org/officeDocument/2006/relationships" xmlns:p="http://schemas.openxmlformats.org/presentationml/2006/main">
   <p:cSld>
@@ -3383,6 +5853,594 @@
     <p:extLst>
       <p:ext uri="{BB962C8B-B14F-4D97-AF65-F5344CB8AC3E}">
         <p14:creationId xmlns:p14="http://schemas.microsoft.com/office/powerpoint/2010/main" val="289972962"/>
+      </p:ext>
+    </p:extLst>
+  </p:cSld>
+  <p:clrMapOvr>
+    <a:masterClrMapping/>
+  </p:clrMapOvr>
+</p:sld>
+</file>
+
+<file path=ppt/slides/slide110.xml><?xml version="1.0" encoding="utf-8"?>
+<p:sld xmlns:a="http://schemas.openxmlformats.org/drawingml/2006/main" xmlns:r="http://schemas.openxmlformats.org/officeDocument/2006/relationships" xmlns:p="http://schemas.openxmlformats.org/presentationml/2006/main">
+  <p:cSld>
+    <p:spTree>
+      <p:nvGrpSpPr>
+        <p:cNvPr id="1" name=""/>
+        <p:cNvGrpSpPr/>
+        <p:nvPr/>
+      </p:nvGrpSpPr>
+      <p:grpSpPr>
+        <a:xfrm>
+          <a:off x="0" y="0"/>
+          <a:ext cx="0" cy="0"/>
+          <a:chOff x="0" y="0"/>
+          <a:chExt cx="0" cy="0"/>
+        </a:xfrm>
+      </p:grpSpPr>
+      <p:sp>
+        <p:nvSpPr>
+          <p:cNvPr id="2" name="Título 1"/>
+          <p:cNvSpPr>
+            <a:spLocks noGrp="1"/>
+          </p:cNvSpPr>
+          <p:nvPr>
+            <p:ph type="title"/>
+          </p:nvPr>
+        </p:nvSpPr>
+        <p:spPr/>
+        <p:txBody>
+          <a:bodyPr/>
+          <a:lstStyle/>
+          <a:p>
+            <a:r>
+              <a:rPr lang="es-ES" dirty="0"/>
+              <a:t>C3. 3. a) Resultados test externo </a:t>
+            </a:r>
+            <a:r>
+              <a:rPr lang="es-ES" dirty="0" smtClean="0"/>
+              <a:t>WSI(GTEX</a:t>
+            </a:r>
+            <a:r>
+              <a:rPr lang="es-ES" dirty="0"/>
+              <a:t>)</a:t>
+            </a:r>
+          </a:p>
+        </p:txBody>
+      </p:sp>
+      <p:pic>
+        <p:nvPicPr>
+          <p:cNvPr id="4" name="Marcador de contenido 3"/>
+          <p:cNvPicPr>
+            <a:picLocks noGrp="1" noChangeAspect="1"/>
+          </p:cNvPicPr>
+          <p:nvPr>
+            <p:ph idx="1"/>
+          </p:nvPr>
+        </p:nvPicPr>
+        <p:blipFill>
+          <a:blip r:embed="rId2"/>
+          <a:stretch>
+            <a:fillRect/>
+          </a:stretch>
+        </p:blipFill>
+        <p:spPr>
+          <a:xfrm>
+            <a:off x="5623755" y="2121827"/>
+            <a:ext cx="5053262" cy="3617362"/>
+          </a:xfrm>
+          <a:prstGeom prst="rect">
+            <a:avLst/>
+          </a:prstGeom>
+        </p:spPr>
+      </p:pic>
+      <p:sp>
+        <p:nvSpPr>
+          <p:cNvPr id="7" name="Rectángulo 6"/>
+          <p:cNvSpPr/>
+          <p:nvPr/>
+        </p:nvSpPr>
+        <p:spPr>
+          <a:xfrm>
+            <a:off x="3048000" y="2321005"/>
+            <a:ext cx="6096000" cy="646331"/>
+          </a:xfrm>
+          <a:prstGeom prst="rect">
+            <a:avLst/>
+          </a:prstGeom>
+        </p:spPr>
+        <p:txBody>
+          <a:bodyPr>
+            <a:spAutoFit/>
+          </a:bodyPr>
+          <a:lstStyle/>
+          <a:p>
+            <a:pPr fontAlgn="base">
+              <a:spcAft>
+                <a:spcPts val="1200"/>
+              </a:spcAft>
+            </a:pPr>
+            <a:r>
+              <a:rPr lang="es-ES" dirty="0"/>
+              <a:t/>
+            </a:r>
+            <a:br>
+              <a:rPr lang="es-ES" dirty="0"/>
+            </a:br>
+            <a:endParaRPr lang="es-ES" dirty="0"/>
+          </a:p>
+        </p:txBody>
+      </p:sp>
+    </p:spTree>
+    <p:extLst>
+      <p:ext uri="{BB962C8B-B14F-4D97-AF65-F5344CB8AC3E}">
+        <p14:creationId xmlns:p14="http://schemas.microsoft.com/office/powerpoint/2010/main" val="1862007303"/>
+      </p:ext>
+    </p:extLst>
+  </p:cSld>
+  <p:clrMapOvr>
+    <a:masterClrMapping/>
+  </p:clrMapOvr>
+</p:sld>
+</file>
+
+<file path=ppt/slides/slide111.xml><?xml version="1.0" encoding="utf-8"?>
+<p:sld xmlns:a="http://schemas.openxmlformats.org/drawingml/2006/main" xmlns:r="http://schemas.openxmlformats.org/officeDocument/2006/relationships" xmlns:p="http://schemas.openxmlformats.org/presentationml/2006/main">
+  <p:cSld>
+    <p:spTree>
+      <p:nvGrpSpPr>
+        <p:cNvPr id="1" name=""/>
+        <p:cNvGrpSpPr/>
+        <p:nvPr/>
+      </p:nvGrpSpPr>
+      <p:grpSpPr>
+        <a:xfrm>
+          <a:off x="0" y="0"/>
+          <a:ext cx="0" cy="0"/>
+          <a:chOff x="0" y="0"/>
+          <a:chExt cx="0" cy="0"/>
+        </a:xfrm>
+      </p:grpSpPr>
+      <p:sp>
+        <p:nvSpPr>
+          <p:cNvPr id="2" name="Título 1"/>
+          <p:cNvSpPr>
+            <a:spLocks noGrp="1"/>
+          </p:cNvSpPr>
+          <p:nvPr>
+            <p:ph type="title"/>
+          </p:nvPr>
+        </p:nvSpPr>
+        <p:spPr/>
+        <p:txBody>
+          <a:bodyPr/>
+          <a:lstStyle/>
+          <a:p>
+            <a:r>
+              <a:rPr lang="es-ES" dirty="0" smtClean="0"/>
+              <a:t>C4. 1. Bibliografía clasificación </a:t>
+            </a:r>
+            <a:r>
+              <a:rPr lang="es-ES" dirty="0" err="1" smtClean="0"/>
+              <a:t>RNASeq</a:t>
+            </a:r>
+            <a:endParaRPr lang="es-ES" dirty="0"/>
+          </a:p>
+        </p:txBody>
+      </p:sp>
+      <p:sp>
+        <p:nvSpPr>
+          <p:cNvPr id="3" name="Marcador de contenido 2"/>
+          <p:cNvSpPr>
+            <a:spLocks noGrp="1"/>
+          </p:cNvSpPr>
+          <p:nvPr>
+            <p:ph idx="1"/>
+          </p:nvPr>
+        </p:nvSpPr>
+        <p:spPr/>
+        <p:txBody>
+          <a:bodyPr>
+            <a:normAutofit fontScale="92500" lnSpcReduction="20000"/>
+          </a:bodyPr>
+          <a:lstStyle/>
+          <a:p>
+            <a:r>
+              <a:rPr lang="en-US" b="1" dirty="0"/>
+              <a:t>Deep Learning Improves Pancreatic Cancer Diagnosis </a:t>
+            </a:r>
+            <a:r>
+              <a:rPr lang="en-US" b="1" dirty="0" smtClean="0"/>
+              <a:t>Using </a:t>
+            </a:r>
+            <a:r>
+              <a:rPr lang="es-ES" b="1" dirty="0" smtClean="0"/>
+              <a:t>RNA-</a:t>
+            </a:r>
+            <a:r>
+              <a:rPr lang="es-ES" b="1" dirty="0" err="1" smtClean="0"/>
+              <a:t>Based</a:t>
+            </a:r>
+            <a:r>
+              <a:rPr lang="es-ES" b="1" dirty="0" smtClean="0"/>
+              <a:t> </a:t>
+            </a:r>
+            <a:r>
+              <a:rPr lang="es-ES" b="1" dirty="0" err="1" smtClean="0"/>
+              <a:t>Variants</a:t>
+            </a:r>
+            <a:endParaRPr lang="es-ES" b="1" dirty="0" smtClean="0"/>
+          </a:p>
+          <a:p>
+            <a:pPr marL="0" indent="0">
+              <a:buNone/>
+            </a:pPr>
+            <a:r>
+              <a:rPr lang="es-ES" dirty="0" smtClean="0"/>
+              <a:t>ACC: 91%, F1: 90%, AUC: 96% Interno</a:t>
+            </a:r>
+          </a:p>
+          <a:p>
+            <a:pPr marL="0" indent="0">
+              <a:buNone/>
+            </a:pPr>
+            <a:r>
+              <a:rPr lang="es-ES" dirty="0" smtClean="0">
+                <a:hlinkClick r:id="rId2"/>
+              </a:rPr>
+              <a:t>https</a:t>
+            </a:r>
+            <a:r>
+              <a:rPr lang="es-ES" dirty="0">
+                <a:hlinkClick r:id="rId2"/>
+              </a:rPr>
+              <a:t>://</a:t>
+            </a:r>
+            <a:r>
+              <a:rPr lang="es-ES" dirty="0" smtClean="0">
+                <a:hlinkClick r:id="rId2"/>
+              </a:rPr>
+              <a:t>doi.org/10.3390/cancers13112654</a:t>
+            </a:r>
+            <a:endParaRPr lang="es-ES" dirty="0" smtClean="0"/>
+          </a:p>
+          <a:p>
+            <a:pPr marL="0" indent="0">
+              <a:buNone/>
+            </a:pPr>
+            <a:endParaRPr lang="es-ES" dirty="0" smtClean="0"/>
+          </a:p>
+          <a:p>
+            <a:r>
+              <a:rPr lang="en-US" b="1" dirty="0"/>
+              <a:t>Early Diagnosis of Pancreatic Ductal Adenocarcinoma by Combining Relative Expression Orderings With Machine-Learning </a:t>
+            </a:r>
+            <a:r>
+              <a:rPr lang="en-US" b="1" dirty="0" smtClean="0"/>
+              <a:t>Method</a:t>
+            </a:r>
+            <a:endParaRPr lang="es-ES" dirty="0"/>
+          </a:p>
+          <a:p>
+            <a:pPr marL="0" indent="0">
+              <a:buNone/>
+            </a:pPr>
+            <a:r>
+              <a:rPr lang="es-ES" dirty="0" smtClean="0"/>
+              <a:t>ACC 98.77%  Interno</a:t>
+            </a:r>
+          </a:p>
+          <a:p>
+            <a:pPr marL="0" indent="0">
+              <a:buNone/>
+            </a:pPr>
+            <a:r>
+              <a:rPr lang="es-ES" dirty="0" smtClean="0"/>
+              <a:t>Hacen </a:t>
+            </a:r>
+            <a:r>
+              <a:rPr lang="es-ES" dirty="0" err="1" smtClean="0"/>
+              <a:t>feature</a:t>
+            </a:r>
+            <a:r>
+              <a:rPr lang="es-ES" dirty="0" smtClean="0"/>
+              <a:t> </a:t>
+            </a:r>
+            <a:r>
+              <a:rPr lang="es-ES" dirty="0" err="1" smtClean="0"/>
+              <a:t>selection</a:t>
+            </a:r>
+            <a:r>
+              <a:rPr lang="es-ES" dirty="0" smtClean="0"/>
+              <a:t> con todo el set???</a:t>
+            </a:r>
+          </a:p>
+          <a:p>
+            <a:pPr marL="0" indent="0">
+              <a:buNone/>
+            </a:pPr>
+            <a:r>
+              <a:rPr lang="es-ES" dirty="0">
+                <a:hlinkClick r:id="rId3"/>
+              </a:rPr>
+              <a:t>https://</a:t>
+            </a:r>
+            <a:r>
+              <a:rPr lang="es-ES" dirty="0" smtClean="0">
+                <a:hlinkClick r:id="rId3"/>
+              </a:rPr>
+              <a:t>www.frontiersin.org/articles/10.3389/fcell.2020.582864/full</a:t>
+            </a:r>
+            <a:endParaRPr lang="es-ES" dirty="0" smtClean="0"/>
+          </a:p>
+          <a:p>
+            <a:pPr marL="0" indent="0">
+              <a:buNone/>
+            </a:pPr>
+            <a:r>
+              <a:rPr lang="es-ES" dirty="0" err="1" smtClean="0"/>
+              <a:t>RNASeq</a:t>
+            </a:r>
+            <a:r>
+              <a:rPr lang="es-ES" dirty="0" smtClean="0"/>
+              <a:t> y </a:t>
+            </a:r>
+            <a:r>
+              <a:rPr lang="es-ES" dirty="0" err="1" smtClean="0"/>
+              <a:t>Microarray</a:t>
+            </a:r>
+            <a:endParaRPr lang="es-ES" dirty="0" smtClean="0"/>
+          </a:p>
+          <a:p>
+            <a:pPr marL="0" indent="0">
+              <a:buNone/>
+            </a:pPr>
+            <a:endParaRPr lang="es-ES" dirty="0"/>
+          </a:p>
+        </p:txBody>
+      </p:sp>
+    </p:spTree>
+    <p:extLst>
+      <p:ext uri="{BB962C8B-B14F-4D97-AF65-F5344CB8AC3E}">
+        <p14:creationId xmlns:p14="http://schemas.microsoft.com/office/powerpoint/2010/main" val="1911016344"/>
+      </p:ext>
+    </p:extLst>
+  </p:cSld>
+  <p:clrMapOvr>
+    <a:masterClrMapping/>
+  </p:clrMapOvr>
+</p:sld>
+</file>
+
+<file path=ppt/slides/slide112.xml><?xml version="1.0" encoding="utf-8"?>
+<p:sld xmlns:a="http://schemas.openxmlformats.org/drawingml/2006/main" xmlns:r="http://schemas.openxmlformats.org/officeDocument/2006/relationships" xmlns:p="http://schemas.openxmlformats.org/presentationml/2006/main">
+  <p:cSld>
+    <p:spTree>
+      <p:nvGrpSpPr>
+        <p:cNvPr id="1" name=""/>
+        <p:cNvGrpSpPr/>
+        <p:nvPr/>
+      </p:nvGrpSpPr>
+      <p:grpSpPr>
+        <a:xfrm>
+          <a:off x="0" y="0"/>
+          <a:ext cx="0" cy="0"/>
+          <a:chOff x="0" y="0"/>
+          <a:chExt cx="0" cy="0"/>
+        </a:xfrm>
+      </p:grpSpPr>
+      <p:sp>
+        <p:nvSpPr>
+          <p:cNvPr id="2" name="Título 1"/>
+          <p:cNvSpPr>
+            <a:spLocks noGrp="1"/>
+          </p:cNvSpPr>
+          <p:nvPr>
+            <p:ph type="title"/>
+          </p:nvPr>
+        </p:nvSpPr>
+        <p:spPr/>
+        <p:txBody>
+          <a:bodyPr/>
+          <a:lstStyle/>
+          <a:p>
+            <a:r>
+              <a:rPr lang="es-ES" dirty="0" smtClean="0"/>
+              <a:t>C4. 2. Bases de datos </a:t>
+            </a:r>
+            <a:r>
+              <a:rPr lang="es-ES" dirty="0" err="1" smtClean="0"/>
+              <a:t>RNASeq</a:t>
+            </a:r>
+            <a:endParaRPr lang="es-ES" dirty="0"/>
+          </a:p>
+        </p:txBody>
+      </p:sp>
+      <p:sp>
+        <p:nvSpPr>
+          <p:cNvPr id="3" name="Marcador de contenido 2"/>
+          <p:cNvSpPr>
+            <a:spLocks noGrp="1"/>
+          </p:cNvSpPr>
+          <p:nvPr>
+            <p:ph idx="1"/>
+          </p:nvPr>
+        </p:nvSpPr>
+        <p:spPr/>
+        <p:txBody>
+          <a:bodyPr/>
+          <a:lstStyle/>
+          <a:p>
+            <a:r>
+              <a:rPr lang="es-ES" dirty="0">
+                <a:hlinkClick r:id="rId2"/>
+              </a:rPr>
+              <a:t>https://</a:t>
+            </a:r>
+            <a:r>
+              <a:rPr lang="es-ES" dirty="0" smtClean="0">
+                <a:hlinkClick r:id="rId2"/>
+              </a:rPr>
+              <a:t>www.ncbi.nlm.nih.gov/sites/GDSbrowser?acc=GDS3836</a:t>
+            </a:r>
+            <a:endParaRPr lang="es-ES" dirty="0" smtClean="0"/>
+          </a:p>
+          <a:p>
+            <a:r>
+              <a:rPr lang="es-ES" dirty="0">
+                <a:hlinkClick r:id="rId3"/>
+              </a:rPr>
+              <a:t>https://</a:t>
+            </a:r>
+            <a:r>
+              <a:rPr lang="es-ES" dirty="0" smtClean="0">
+                <a:hlinkClick r:id="rId3"/>
+              </a:rPr>
+              <a:t>www.ncbi.nlm.nih.gov/sites/GDSbrowser?acc=GDS4103</a:t>
+            </a:r>
+            <a:r>
+              <a:rPr lang="es-ES" dirty="0" smtClean="0"/>
+              <a:t> **</a:t>
+            </a:r>
+          </a:p>
+          <a:p>
+            <a:r>
+              <a:rPr lang="es-ES" dirty="0">
+                <a:hlinkClick r:id="rId4"/>
+              </a:rPr>
+              <a:t>https://</a:t>
+            </a:r>
+            <a:r>
+              <a:rPr lang="es-ES" dirty="0" smtClean="0">
+                <a:hlinkClick r:id="rId4"/>
+              </a:rPr>
+              <a:t>www.ncbi.nlm.nih.gov/sites/GDSbrowser?acc=GDS4102</a:t>
+            </a:r>
+            <a:endParaRPr lang="es-ES" dirty="0" smtClean="0"/>
+          </a:p>
+          <a:p>
+            <a:endParaRPr lang="es-ES" dirty="0"/>
+          </a:p>
+        </p:txBody>
+      </p:sp>
+    </p:spTree>
+    <p:extLst>
+      <p:ext uri="{BB962C8B-B14F-4D97-AF65-F5344CB8AC3E}">
+        <p14:creationId xmlns:p14="http://schemas.microsoft.com/office/powerpoint/2010/main" val="2201386182"/>
+      </p:ext>
+    </p:extLst>
+  </p:cSld>
+  <p:clrMapOvr>
+    <a:masterClrMapping/>
+  </p:clrMapOvr>
+</p:sld>
+</file>
+
+<file path=ppt/slides/slide113.xml><?xml version="1.0" encoding="utf-8"?>
+<p:sld xmlns:a="http://schemas.openxmlformats.org/drawingml/2006/main" xmlns:r="http://schemas.openxmlformats.org/officeDocument/2006/relationships" xmlns:p="http://schemas.openxmlformats.org/presentationml/2006/main">
+  <p:cSld>
+    <p:spTree>
+      <p:nvGrpSpPr>
+        <p:cNvPr id="1" name=""/>
+        <p:cNvGrpSpPr/>
+        <p:nvPr/>
+      </p:nvGrpSpPr>
+      <p:grpSpPr>
+        <a:xfrm>
+          <a:off x="0" y="0"/>
+          <a:ext cx="0" cy="0"/>
+          <a:chOff x="0" y="0"/>
+          <a:chExt cx="0" cy="0"/>
+        </a:xfrm>
+      </p:grpSpPr>
+      <p:sp>
+        <p:nvSpPr>
+          <p:cNvPr id="2" name="Título 1"/>
+          <p:cNvSpPr>
+            <a:spLocks noGrp="1"/>
+          </p:cNvSpPr>
+          <p:nvPr>
+            <p:ph type="title"/>
+          </p:nvPr>
+        </p:nvSpPr>
+        <p:spPr/>
+        <p:txBody>
+          <a:bodyPr/>
+          <a:lstStyle/>
+          <a:p>
+            <a:r>
+              <a:rPr lang="es-ES" dirty="0" smtClean="0"/>
+              <a:t>Conclusión</a:t>
+            </a:r>
+            <a:endParaRPr lang="es-ES" dirty="0"/>
+          </a:p>
+        </p:txBody>
+      </p:sp>
+      <p:sp>
+        <p:nvSpPr>
+          <p:cNvPr id="3" name="Marcador de contenido 2"/>
+          <p:cNvSpPr>
+            <a:spLocks noGrp="1"/>
+          </p:cNvSpPr>
+          <p:nvPr>
+            <p:ph idx="1"/>
+          </p:nvPr>
+        </p:nvSpPr>
+        <p:spPr/>
+        <p:txBody>
+          <a:bodyPr/>
+          <a:lstStyle/>
+          <a:p>
+            <a:r>
+              <a:rPr lang="es-ES" dirty="0" smtClean="0"/>
+              <a:t>Como podría estructurar un artículo con estos resultados?</a:t>
+            </a:r>
+          </a:p>
+          <a:p>
+            <a:pPr marL="0" indent="0">
+              <a:buNone/>
+            </a:pPr>
+            <a:r>
+              <a:rPr lang="es-ES" dirty="0" smtClean="0"/>
+              <a:t>- Imágenes + test externo</a:t>
+            </a:r>
+          </a:p>
+          <a:p>
+            <a:pPr>
+              <a:buFontTx/>
+              <a:buChar char="-"/>
+            </a:pPr>
+            <a:r>
+              <a:rPr lang="es-ES" dirty="0" err="1" smtClean="0"/>
+              <a:t>RNASeq</a:t>
+            </a:r>
+            <a:r>
+              <a:rPr lang="es-ES" dirty="0" smtClean="0"/>
+              <a:t> + test externo</a:t>
+            </a:r>
+          </a:p>
+          <a:p>
+            <a:pPr>
+              <a:buFontTx/>
+              <a:buChar char="-"/>
+            </a:pPr>
+            <a:r>
+              <a:rPr lang="es-ES" dirty="0" smtClean="0"/>
+              <a:t>Fusión imágenes + </a:t>
+            </a:r>
+            <a:r>
+              <a:rPr lang="es-ES" dirty="0" err="1" smtClean="0"/>
+              <a:t>RNASeq</a:t>
+            </a:r>
+            <a:endParaRPr lang="es-ES" dirty="0"/>
+          </a:p>
+        </p:txBody>
+      </p:sp>
+    </p:spTree>
+    <p:extLst>
+      <p:ext uri="{BB962C8B-B14F-4D97-AF65-F5344CB8AC3E}">
+        <p14:creationId xmlns:p14="http://schemas.microsoft.com/office/powerpoint/2010/main" val="3690743469"/>
       </p:ext>
     </p:extLst>
   </p:cSld>
@@ -5417,7 +8475,7 @@
           <a:graphicData uri="http://schemas.openxmlformats.org/presentationml/2006/ole">
             <mc:AlternateContent xmlns:mc="http://schemas.openxmlformats.org/markup-compatibility/2006">
               <mc:Choice xmlns:v="urn:schemas-microsoft-com:vml" Requires="v">
-                <p:oleObj spid="_x0000_s2147" name="Acrobat Document" r:id="rId3" imgW="3428684" imgH="4800600" progId="AcroExch.Document.7">
+                <p:oleObj spid="_x0000_s2177" name="Acrobat Document" r:id="rId3" imgW="3428684" imgH="4800600" progId="AcroExch.Document.7">
                   <p:embed/>
                 </p:oleObj>
               </mc:Choice>
@@ -7536,7 +10594,7 @@
           <a:graphicData uri="http://schemas.openxmlformats.org/presentationml/2006/ole">
             <mc:AlternateContent xmlns:mc="http://schemas.openxmlformats.org/markup-compatibility/2006">
               <mc:Choice xmlns:v="urn:schemas-microsoft-com:vml" Requires="v">
-                <p:oleObj spid="_x0000_s3129" name="Acrobat Document" r:id="rId3" imgW="3428684" imgH="4800600" progId="AcroExch.Document.7">
+                <p:oleObj spid="_x0000_s3159" name="Acrobat Document" r:id="rId3" imgW="3428684" imgH="4800600" progId="AcroExch.Document.7">
                   <p:embed/>
                 </p:oleObj>
               </mc:Choice>
@@ -8138,7 +11196,7 @@
     <p:controls>
       <mc:AlternateContent xmlns:mc="http://schemas.openxmlformats.org/markup-compatibility/2006">
         <mc:Choice xmlns:v="urn:schemas-microsoft-com:vml" Requires="v">
-          <p:control spid="1519" name="HTMLCheckbox1" r:id="rId2" imgW="257040" imgH="304920"/>
+          <p:control spid="1639" name="HTMLCheckbox1" r:id="rId2" imgW="257040" imgH="304920"/>
         </mc:Choice>
         <mc:Fallback>
           <p:control name="HTMLCheckbox1" r:id="rId2" imgW="257040" imgH="304920">
@@ -8190,7 +11248,7 @@
       </mc:AlternateContent>
       <mc:AlternateContent xmlns:mc="http://schemas.openxmlformats.org/markup-compatibility/2006">
         <mc:Choice xmlns:v="urn:schemas-microsoft-com:vml" Requires="v">
-          <p:control spid="1520" name="HTMLCheckbox2" r:id="rId3" imgW="257040" imgH="304920"/>
+          <p:control spid="1640" name="HTMLCheckbox2" r:id="rId3" imgW="257040" imgH="304920"/>
         </mc:Choice>
         <mc:Fallback>
           <p:control name="HTMLCheckbox2" r:id="rId3" imgW="257040" imgH="304920">
@@ -8242,7 +11300,7 @@
       </mc:AlternateContent>
       <mc:AlternateContent xmlns:mc="http://schemas.openxmlformats.org/markup-compatibility/2006">
         <mc:Choice xmlns:v="urn:schemas-microsoft-com:vml" Requires="v">
-          <p:control spid="1521" name="HTMLCheckbox3" r:id="rId4" imgW="257040" imgH="304920"/>
+          <p:control spid="1641" name="HTMLCheckbox3" r:id="rId4" imgW="257040" imgH="304920"/>
         </mc:Choice>
         <mc:Fallback>
           <p:control name="HTMLCheckbox3" r:id="rId4" imgW="257040" imgH="304920">
@@ -8294,7 +11352,7 @@
       </mc:AlternateContent>
       <mc:AlternateContent xmlns:mc="http://schemas.openxmlformats.org/markup-compatibility/2006">
         <mc:Choice xmlns:v="urn:schemas-microsoft-com:vml" Requires="v">
-          <p:control spid="1522" name="HTMLCheckbox4" r:id="rId5" imgW="257040" imgH="304920"/>
+          <p:control spid="1642" name="HTMLCheckbox4" r:id="rId5" imgW="257040" imgH="304920"/>
         </mc:Choice>
         <mc:Fallback>
           <p:control name="HTMLCheckbox4" r:id="rId5" imgW="257040" imgH="304920">
@@ -13098,10 +16156,14 @@
             </a:r>
             <a:r>
               <a:rPr lang="es-ES" dirty="0" smtClean="0"/>
-              <a:t>GDC</a:t>
-            </a:r>
-          </a:p>
-          <a:p>
+              <a:t>GDC, predicción sano/no sano</a:t>
+            </a:r>
+            <a:endParaRPr lang="es-ES" dirty="0"/>
+          </a:p>
+          <a:p>
+            <a:pPr marL="0" indent="0">
+              <a:buNone/>
+            </a:pPr>
             <a:endParaRPr lang="es-ES" dirty="0" smtClean="0"/>
           </a:p>
           <a:p>
@@ -13116,7 +16178,7 @@
             </a:pPr>
             <a:r>
               <a:rPr lang="es-ES" dirty="0" smtClean="0"/>
-              <a:t>Estadio </a:t>
+              <a:t>Predicción estadio </a:t>
             </a:r>
             <a:r>
               <a:rPr lang="es-ES" dirty="0"/>
@@ -13221,9 +16283,16 @@
             <p:ph idx="1"/>
           </p:nvPr>
         </p:nvSpPr>
-        <p:spPr/>
-        <p:txBody>
-          <a:bodyPr/>
+        <p:spPr>
+          <a:xfrm>
+            <a:off x="838200" y="1825625"/>
+            <a:ext cx="5126635" cy="4105156"/>
+          </a:xfrm>
+        </p:spPr>
+        <p:txBody>
+          <a:bodyPr>
+            <a:normAutofit fontScale="70000" lnSpcReduction="20000"/>
+          </a:bodyPr>
           <a:lstStyle/>
           <a:p>
             <a:pPr marL="0" indent="0">
@@ -13269,9 +16338,23 @@
               <a:rPr lang="es-ES" dirty="0" smtClean="0"/>
               <a:t>6 Falsos positivos</a:t>
             </a:r>
-            <a:endParaRPr lang="es-ES" dirty="0"/>
-          </a:p>
-          <a:p>
+          </a:p>
+          <a:p>
+            <a:endParaRPr lang="es-ES" dirty="0"/>
+          </a:p>
+          <a:p>
+            <a:r>
+              <a:rPr lang="es-ES" dirty="0" smtClean="0"/>
+              <a:t>Repasar </a:t>
+            </a:r>
+            <a:r>
+              <a:rPr lang="es-ES" dirty="0" err="1" smtClean="0"/>
+              <a:t>paper</a:t>
+            </a:r>
+            <a:r>
+              <a:rPr lang="es-ES" dirty="0" smtClean="0"/>
+              <a:t> Hao Fu et al., ver si el modelo es público, ver bases de datos externas para test, y ver si las bases son públicas</a:t>
+            </a:r>
             <a:endParaRPr lang="es-ES" dirty="0"/>
           </a:p>
         </p:txBody>
@@ -13705,15 +16788,7 @@
             </a:r>
             <a:r>
               <a:rPr lang="es-ES" dirty="0" smtClean="0"/>
-              <a:t> uniforme no es posible, y en el </a:t>
-            </a:r>
-            <a:r>
-              <a:rPr lang="es-ES" dirty="0" err="1" smtClean="0"/>
-              <a:t>paper</a:t>
-            </a:r>
-            <a:r>
-              <a:rPr lang="es-ES" dirty="0" smtClean="0"/>
-              <a:t> descubren que con corrección del efecto de lotes (</a:t>
+              <a:t> uniforme no es posible, y en el paper descubren que con corrección del efecto de lotes (</a:t>
             </a:r>
             <a:r>
               <a:rPr lang="es-ES" dirty="0" err="1" smtClean="0"/>
@@ -13730,6 +16805,15 @@
             <a:r>
               <a:rPr lang="es-ES" dirty="0" smtClean="0"/>
               <a:t>) no es suficiente aun así decido comprobarlo.</a:t>
+            </a:r>
+          </a:p>
+          <a:p>
+            <a:endParaRPr lang="es-ES" dirty="0"/>
+          </a:p>
+          <a:p>
+            <a:r>
+              <a:rPr lang="es-ES" dirty="0" smtClean="0"/>
+              <a:t>Ver como funciona en solo GDC</a:t>
             </a:r>
             <a:endParaRPr lang="es-ES" dirty="0"/>
           </a:p>
@@ -14880,6 +17964,356 @@
 </p:sld>
 </file>
 
+<file path=ppt/slides/slide78.xml><?xml version="1.0" encoding="utf-8"?>
+<p:sld xmlns:a="http://schemas.openxmlformats.org/drawingml/2006/main" xmlns:r="http://schemas.openxmlformats.org/officeDocument/2006/relationships" xmlns:p="http://schemas.openxmlformats.org/presentationml/2006/main">
+  <p:cSld>
+    <p:spTree>
+      <p:nvGrpSpPr>
+        <p:cNvPr id="1" name=""/>
+        <p:cNvGrpSpPr/>
+        <p:nvPr/>
+      </p:nvGrpSpPr>
+      <p:grpSpPr>
+        <a:xfrm>
+          <a:off x="0" y="0"/>
+          <a:ext cx="0" cy="0"/>
+          <a:chOff x="0" y="0"/>
+          <a:chExt cx="0" cy="0"/>
+        </a:xfrm>
+      </p:grpSpPr>
+      <p:sp>
+        <p:nvSpPr>
+          <p:cNvPr id="2" name="Título 1"/>
+          <p:cNvSpPr>
+            <a:spLocks noGrp="1"/>
+          </p:cNvSpPr>
+          <p:nvPr>
+            <p:ph type="title"/>
+          </p:nvPr>
+        </p:nvSpPr>
+        <p:spPr/>
+        <p:txBody>
+          <a:bodyPr/>
+          <a:lstStyle/>
+          <a:p>
+            <a:r>
+              <a:rPr lang="es-ES" dirty="0" smtClean="0"/>
+              <a:t>Posibles rutas</a:t>
+            </a:r>
+            <a:endParaRPr lang="es-ES" dirty="0"/>
+          </a:p>
+        </p:txBody>
+      </p:sp>
+      <p:sp>
+        <p:nvSpPr>
+          <p:cNvPr id="3" name="Marcador de contenido 2"/>
+          <p:cNvSpPr>
+            <a:spLocks noGrp="1"/>
+          </p:cNvSpPr>
+          <p:nvPr>
+            <p:ph idx="1"/>
+          </p:nvPr>
+        </p:nvSpPr>
+        <p:spPr/>
+        <p:txBody>
+          <a:bodyPr>
+            <a:normAutofit/>
+          </a:bodyPr>
+          <a:lstStyle/>
+          <a:p>
+            <a:pPr marL="514350" indent="-514350">
+              <a:buFont typeface="+mj-lt"/>
+              <a:buAutoNum type="arabicPeriod"/>
+            </a:pPr>
+            <a:r>
+              <a:rPr lang="es-ES" dirty="0"/>
+              <a:t>Ver mejora </a:t>
+            </a:r>
+            <a:r>
+              <a:rPr lang="es-ES" dirty="0" err="1"/>
+              <a:t>gdc</a:t>
+            </a:r>
+            <a:r>
+              <a:rPr lang="es-ES" dirty="0"/>
+              <a:t> solo </a:t>
+            </a:r>
+            <a:r>
+              <a:rPr lang="es-ES" dirty="0" err="1"/>
+              <a:t>rnaseq</a:t>
+            </a:r>
+            <a:r>
+              <a:rPr lang="es-ES" dirty="0"/>
+              <a:t> e </a:t>
+            </a:r>
+            <a:r>
+              <a:rPr lang="es-ES" dirty="0" smtClean="0"/>
+              <a:t>imágenes</a:t>
+            </a:r>
+            <a:endParaRPr lang="es-ES" dirty="0"/>
+          </a:p>
+          <a:p>
+            <a:pPr marL="514350" indent="-514350">
+              <a:buFont typeface="+mj-lt"/>
+              <a:buAutoNum type="arabicPeriod"/>
+            </a:pPr>
+            <a:r>
+              <a:rPr lang="es-ES" dirty="0" smtClean="0"/>
+              <a:t>Mirar si los datos del </a:t>
+            </a:r>
+            <a:r>
+              <a:rPr lang="es-ES" dirty="0" err="1" smtClean="0"/>
+              <a:t>paper</a:t>
+            </a:r>
+            <a:r>
+              <a:rPr lang="es-ES" dirty="0" smtClean="0"/>
+              <a:t> de Hao Fu et al. Son públicos</a:t>
+            </a:r>
+          </a:p>
+          <a:p>
+            <a:pPr marL="514350" indent="-514350">
+              <a:buFont typeface="+mj-lt"/>
+              <a:buAutoNum type="arabicPeriod"/>
+            </a:pPr>
+            <a:r>
+              <a:rPr lang="es-ES" dirty="0" smtClean="0"/>
+              <a:t>Mirar </a:t>
+            </a:r>
+            <a:r>
+              <a:rPr lang="es-ES" dirty="0"/>
+              <a:t>predicción estadio con </a:t>
+            </a:r>
+            <a:r>
+              <a:rPr lang="es-ES" dirty="0" smtClean="0"/>
+              <a:t>imágenes</a:t>
+            </a:r>
+          </a:p>
+          <a:p>
+            <a:pPr marL="514350" indent="-514350">
+              <a:buFont typeface="+mj-lt"/>
+              <a:buAutoNum type="arabicPeriod"/>
+            </a:pPr>
+            <a:r>
+              <a:rPr lang="es-ES" dirty="0" smtClean="0"/>
+              <a:t>Pronóstico</a:t>
+            </a:r>
+          </a:p>
+        </p:txBody>
+      </p:sp>
+    </p:spTree>
+    <p:extLst>
+      <p:ext uri="{BB962C8B-B14F-4D97-AF65-F5344CB8AC3E}">
+        <p14:creationId xmlns:p14="http://schemas.microsoft.com/office/powerpoint/2010/main" val="851753557"/>
+      </p:ext>
+    </p:extLst>
+  </p:cSld>
+  <p:clrMapOvr>
+    <a:masterClrMapping/>
+  </p:clrMapOvr>
+</p:sld>
+</file>
+
+<file path=ppt/slides/slide79.xml><?xml version="1.0" encoding="utf-8"?>
+<p:sld xmlns:a="http://schemas.openxmlformats.org/drawingml/2006/main" xmlns:r="http://schemas.openxmlformats.org/officeDocument/2006/relationships" xmlns:p="http://schemas.openxmlformats.org/presentationml/2006/main">
+  <p:cSld>
+    <p:spTree>
+      <p:nvGrpSpPr>
+        <p:cNvPr id="1" name=""/>
+        <p:cNvGrpSpPr/>
+        <p:nvPr/>
+      </p:nvGrpSpPr>
+      <p:grpSpPr>
+        <a:xfrm>
+          <a:off x="0" y="0"/>
+          <a:ext cx="0" cy="0"/>
+          <a:chOff x="0" y="0"/>
+          <a:chExt cx="0" cy="0"/>
+        </a:xfrm>
+      </p:grpSpPr>
+      <p:sp>
+        <p:nvSpPr>
+          <p:cNvPr id="2" name="Título 1"/>
+          <p:cNvSpPr>
+            <a:spLocks noGrp="1"/>
+          </p:cNvSpPr>
+          <p:nvPr>
+            <p:ph type="title"/>
+          </p:nvPr>
+        </p:nvSpPr>
+        <p:spPr/>
+        <p:txBody>
+          <a:bodyPr/>
+          <a:lstStyle/>
+          <a:p>
+            <a:r>
+              <a:rPr lang="es-ES" dirty="0" smtClean="0"/>
+              <a:t>1. Diferencia de rendimiento entre GDC y GTEX</a:t>
+            </a:r>
+            <a:endParaRPr lang="es-ES" dirty="0"/>
+          </a:p>
+        </p:txBody>
+      </p:sp>
+      <p:sp>
+        <p:nvSpPr>
+          <p:cNvPr id="3" name="Marcador de contenido 2"/>
+          <p:cNvSpPr>
+            <a:spLocks noGrp="1"/>
+          </p:cNvSpPr>
+          <p:nvPr>
+            <p:ph idx="1"/>
+          </p:nvPr>
+        </p:nvSpPr>
+        <p:spPr/>
+        <p:txBody>
+          <a:bodyPr>
+            <a:normAutofit fontScale="77500" lnSpcReduction="20000"/>
+          </a:bodyPr>
+          <a:lstStyle/>
+          <a:p>
+            <a:pPr marL="0" indent="0">
+              <a:buNone/>
+            </a:pPr>
+            <a:r>
+              <a:rPr lang="es-ES" u="sng" dirty="0" smtClean="0"/>
+              <a:t>GDC:</a:t>
+            </a:r>
+          </a:p>
+          <a:p>
+            <a:pPr marL="0" indent="0">
+              <a:buNone/>
+            </a:pPr>
+            <a:r>
+              <a:rPr lang="es-ES" dirty="0" smtClean="0"/>
+              <a:t>WSI SAMPLES (DX):</a:t>
+            </a:r>
+          </a:p>
+          <a:p>
+            <a:r>
+              <a:rPr lang="en-US" dirty="0" smtClean="0"/>
+              <a:t>Primary </a:t>
+            </a:r>
+            <a:r>
+              <a:rPr lang="en-US" dirty="0"/>
+              <a:t>tumor samples: 183 </a:t>
+            </a:r>
+            <a:endParaRPr lang="en-US" dirty="0" smtClean="0"/>
+          </a:p>
+          <a:p>
+            <a:r>
+              <a:rPr lang="en-US" dirty="0"/>
+              <a:t>N</a:t>
+            </a:r>
+            <a:r>
+              <a:rPr lang="en-US" dirty="0" smtClean="0"/>
+              <a:t>ormal </a:t>
+            </a:r>
+            <a:r>
+              <a:rPr lang="en-US" dirty="0"/>
+              <a:t>tissue samples: </a:t>
+            </a:r>
+            <a:r>
+              <a:rPr lang="en-US" dirty="0" smtClean="0"/>
+              <a:t>6</a:t>
+            </a:r>
+          </a:p>
+          <a:p>
+            <a:pPr marL="0" indent="0">
+              <a:buNone/>
+            </a:pPr>
+            <a:r>
+              <a:rPr lang="en-US" dirty="0"/>
+              <a:t>C</a:t>
+            </a:r>
+            <a:r>
+              <a:rPr lang="en-US" dirty="0" smtClean="0"/>
+              <a:t>ases: 183</a:t>
+            </a:r>
+          </a:p>
+          <a:p>
+            <a:endParaRPr lang="en-US" dirty="0" smtClean="0"/>
+          </a:p>
+          <a:p>
+            <a:pPr marL="0" indent="0">
+              <a:buNone/>
+            </a:pPr>
+            <a:r>
+              <a:rPr lang="en-US" dirty="0" smtClean="0"/>
+              <a:t>RNASEQ SAMPLES (TS):</a:t>
+            </a:r>
+          </a:p>
+          <a:p>
+            <a:r>
+              <a:rPr lang="en-US" dirty="0"/>
+              <a:t>P</a:t>
+            </a:r>
+            <a:r>
+              <a:rPr lang="en-US" dirty="0" smtClean="0"/>
+              <a:t>rimary </a:t>
+            </a:r>
+            <a:r>
+              <a:rPr lang="en-US" dirty="0"/>
+              <a:t>tumor samples: 178 </a:t>
+            </a:r>
+            <a:endParaRPr lang="en-US" dirty="0" smtClean="0"/>
+          </a:p>
+          <a:p>
+            <a:r>
+              <a:rPr lang="en-US" dirty="0" smtClean="0"/>
+              <a:t>Normal </a:t>
+            </a:r>
+            <a:r>
+              <a:rPr lang="en-US" dirty="0"/>
+              <a:t>tissue samples: 4 </a:t>
+            </a:r>
+            <a:endParaRPr lang="en-US" dirty="0" smtClean="0"/>
+          </a:p>
+          <a:p>
+            <a:pPr marL="0" indent="0">
+              <a:buNone/>
+            </a:pPr>
+            <a:r>
+              <a:rPr lang="en-US" dirty="0" smtClean="0"/>
+              <a:t>Cases: 178</a:t>
+            </a:r>
+          </a:p>
+          <a:p>
+            <a:pPr marL="0" indent="0">
+              <a:buNone/>
+            </a:pPr>
+            <a:endParaRPr lang="en-US" dirty="0"/>
+          </a:p>
+          <a:p>
+            <a:pPr marL="0" indent="0">
+              <a:buNone/>
+            </a:pPr>
+            <a:r>
+              <a:rPr lang="en-US" dirty="0" smtClean="0"/>
+              <a:t>Samples with </a:t>
+            </a:r>
+            <a:r>
+              <a:rPr lang="en-US" dirty="0" err="1"/>
+              <a:t>RNASeq</a:t>
+            </a:r>
+            <a:r>
+              <a:rPr lang="en-US" dirty="0"/>
+              <a:t> and WSI data: 177</a:t>
+            </a:r>
+            <a:endParaRPr lang="es-ES" dirty="0"/>
+          </a:p>
+        </p:txBody>
+      </p:sp>
+    </p:spTree>
+    <p:extLst>
+      <p:ext uri="{BB962C8B-B14F-4D97-AF65-F5344CB8AC3E}">
+        <p14:creationId xmlns:p14="http://schemas.microsoft.com/office/powerpoint/2010/main" val="2812294270"/>
+      </p:ext>
+    </p:extLst>
+  </p:cSld>
+  <p:clrMapOvr>
+    <a:masterClrMapping/>
+  </p:clrMapOvr>
+</p:sld>
+</file>
+
 <file path=ppt/slides/slide8.xml><?xml version="1.0" encoding="utf-8"?>
 <p:sld xmlns:a="http://schemas.openxmlformats.org/drawingml/2006/main" xmlns:r="http://schemas.openxmlformats.org/officeDocument/2006/relationships" xmlns:p="http://schemas.openxmlformats.org/presentationml/2006/main">
   <p:cSld>
@@ -15014,6 +18448,1657 @@
     <p:extLst>
       <p:ext uri="{BB962C8B-B14F-4D97-AF65-F5344CB8AC3E}">
         <p14:creationId xmlns:p14="http://schemas.microsoft.com/office/powerpoint/2010/main" val="2568396610"/>
+      </p:ext>
+    </p:extLst>
+  </p:cSld>
+  <p:clrMapOvr>
+    <a:masterClrMapping/>
+  </p:clrMapOvr>
+</p:sld>
+</file>
+
+<file path=ppt/slides/slide80.xml><?xml version="1.0" encoding="utf-8"?>
+<p:sld xmlns:a="http://schemas.openxmlformats.org/drawingml/2006/main" xmlns:r="http://schemas.openxmlformats.org/officeDocument/2006/relationships" xmlns:p="http://schemas.openxmlformats.org/presentationml/2006/main">
+  <p:cSld>
+    <p:spTree>
+      <p:nvGrpSpPr>
+        <p:cNvPr id="1" name=""/>
+        <p:cNvGrpSpPr/>
+        <p:nvPr/>
+      </p:nvGrpSpPr>
+      <p:grpSpPr>
+        <a:xfrm>
+          <a:off x="0" y="0"/>
+          <a:ext cx="0" cy="0"/>
+          <a:chOff x="0" y="0"/>
+          <a:chExt cx="0" cy="0"/>
+        </a:xfrm>
+      </p:grpSpPr>
+      <p:sp>
+        <p:nvSpPr>
+          <p:cNvPr id="2" name="Título 1"/>
+          <p:cNvSpPr>
+            <a:spLocks noGrp="1"/>
+          </p:cNvSpPr>
+          <p:nvPr>
+            <p:ph type="title"/>
+          </p:nvPr>
+        </p:nvSpPr>
+        <p:spPr/>
+        <p:txBody>
+          <a:bodyPr/>
+          <a:lstStyle/>
+          <a:p>
+            <a:r>
+              <a:rPr lang="es-ES" dirty="0"/>
+              <a:t>1. Diferencia de rendimiento entre GDC y GTEX</a:t>
+            </a:r>
+          </a:p>
+        </p:txBody>
+      </p:sp>
+      <p:sp>
+        <p:nvSpPr>
+          <p:cNvPr id="3" name="Marcador de contenido 2"/>
+          <p:cNvSpPr>
+            <a:spLocks noGrp="1"/>
+          </p:cNvSpPr>
+          <p:nvPr>
+            <p:ph idx="1"/>
+          </p:nvPr>
+        </p:nvSpPr>
+        <p:spPr>
+          <a:xfrm>
+            <a:off x="838200" y="1825625"/>
+            <a:ext cx="4519534" cy="4005549"/>
+          </a:xfrm>
+        </p:spPr>
+        <p:txBody>
+          <a:bodyPr>
+            <a:normAutofit fontScale="85000" lnSpcReduction="20000"/>
+          </a:bodyPr>
+          <a:lstStyle/>
+          <a:p>
+            <a:r>
+              <a:rPr lang="es-ES" dirty="0" smtClean="0"/>
+              <a:t>Resultados clasificación WSI binaria solo usando GDC</a:t>
+            </a:r>
+          </a:p>
+          <a:p>
+            <a:endParaRPr lang="es-ES" dirty="0" smtClean="0"/>
+          </a:p>
+          <a:p>
+            <a:r>
+              <a:rPr lang="es-ES" dirty="0" smtClean="0"/>
+              <a:t>Solo hay 6 muestras de tejido sano por lo que 10CV estratificado no es posible</a:t>
+            </a:r>
+          </a:p>
+          <a:p>
+            <a:endParaRPr lang="es-ES" dirty="0" smtClean="0"/>
+          </a:p>
+          <a:p>
+            <a:r>
+              <a:rPr lang="es-ES" dirty="0" smtClean="0"/>
+              <a:t>Resultados pobres</a:t>
+            </a:r>
+          </a:p>
+          <a:p>
+            <a:pPr marL="0" indent="0">
+              <a:buNone/>
+            </a:pPr>
+            <a:r>
+              <a:rPr lang="es-ES" dirty="0" smtClean="0"/>
+              <a:t>ACC = 0.97</a:t>
+            </a:r>
+          </a:p>
+          <a:p>
+            <a:pPr marL="0" indent="0">
+              <a:buNone/>
+            </a:pPr>
+            <a:r>
+              <a:rPr lang="es-ES" dirty="0" smtClean="0"/>
+              <a:t>F1 = 0.98</a:t>
+            </a:r>
+          </a:p>
+          <a:p>
+            <a:pPr marL="0" indent="0">
+              <a:buNone/>
+            </a:pPr>
+            <a:r>
+              <a:rPr lang="es-ES" dirty="0" smtClean="0"/>
+              <a:t>TNR = 0.66 !</a:t>
+            </a:r>
+          </a:p>
+          <a:p>
+            <a:pPr marL="0" indent="0">
+              <a:buNone/>
+            </a:pPr>
+            <a:endParaRPr lang="es-ES" dirty="0"/>
+          </a:p>
+        </p:txBody>
+      </p:sp>
+      <p:pic>
+        <p:nvPicPr>
+          <p:cNvPr id="4" name="Imagen 3"/>
+          <p:cNvPicPr>
+            <a:picLocks noChangeAspect="1"/>
+          </p:cNvPicPr>
+          <p:nvPr/>
+        </p:nvPicPr>
+        <p:blipFill>
+          <a:blip r:embed="rId2"/>
+          <a:stretch>
+            <a:fillRect/>
+          </a:stretch>
+        </p:blipFill>
+        <p:spPr>
+          <a:xfrm>
+            <a:off x="5357734" y="1860777"/>
+            <a:ext cx="5996066" cy="4281034"/>
+          </a:xfrm>
+          <a:prstGeom prst="rect">
+            <a:avLst/>
+          </a:prstGeom>
+        </p:spPr>
+      </p:pic>
+    </p:spTree>
+    <p:extLst>
+      <p:ext uri="{BB962C8B-B14F-4D97-AF65-F5344CB8AC3E}">
+        <p14:creationId xmlns:p14="http://schemas.microsoft.com/office/powerpoint/2010/main" val="4045855954"/>
+      </p:ext>
+    </p:extLst>
+  </p:cSld>
+  <p:clrMapOvr>
+    <a:masterClrMapping/>
+  </p:clrMapOvr>
+</p:sld>
+</file>
+
+<file path=ppt/slides/slide81.xml><?xml version="1.0" encoding="utf-8"?>
+<p:sld xmlns:a="http://schemas.openxmlformats.org/drawingml/2006/main" xmlns:r="http://schemas.openxmlformats.org/officeDocument/2006/relationships" xmlns:p="http://schemas.openxmlformats.org/presentationml/2006/main">
+  <p:cSld>
+    <p:spTree>
+      <p:nvGrpSpPr>
+        <p:cNvPr id="1" name=""/>
+        <p:cNvGrpSpPr/>
+        <p:nvPr/>
+      </p:nvGrpSpPr>
+      <p:grpSpPr>
+        <a:xfrm>
+          <a:off x="0" y="0"/>
+          <a:ext cx="0" cy="0"/>
+          <a:chOff x="0" y="0"/>
+          <a:chExt cx="0" cy="0"/>
+        </a:xfrm>
+      </p:grpSpPr>
+      <p:sp>
+        <p:nvSpPr>
+          <p:cNvPr id="2" name="Título 1"/>
+          <p:cNvSpPr>
+            <a:spLocks noGrp="1"/>
+          </p:cNvSpPr>
+          <p:nvPr>
+            <p:ph type="title"/>
+          </p:nvPr>
+        </p:nvSpPr>
+        <p:spPr/>
+        <p:txBody>
+          <a:bodyPr/>
+          <a:lstStyle/>
+          <a:p>
+            <a:r>
+              <a:rPr lang="es-ES" dirty="0"/>
+              <a:t>1. Diferencia de rendimiento entre GDC y GTEX</a:t>
+            </a:r>
+          </a:p>
+        </p:txBody>
+      </p:sp>
+      <p:sp>
+        <p:nvSpPr>
+          <p:cNvPr id="3" name="Marcador de contenido 2"/>
+          <p:cNvSpPr>
+            <a:spLocks noGrp="1"/>
+          </p:cNvSpPr>
+          <p:nvPr>
+            <p:ph idx="1"/>
+          </p:nvPr>
+        </p:nvSpPr>
+        <p:spPr/>
+        <p:txBody>
+          <a:bodyPr/>
+          <a:lstStyle/>
+          <a:p>
+            <a:pPr marL="0" indent="0">
+              <a:buNone/>
+            </a:pPr>
+            <a:r>
+              <a:rPr lang="es-ES" dirty="0" smtClean="0"/>
+              <a:t>Para </a:t>
+            </a:r>
+            <a:r>
+              <a:rPr lang="es-ES" dirty="0" err="1" smtClean="0"/>
+              <a:t>RNASeq</a:t>
+            </a:r>
+            <a:r>
+              <a:rPr lang="es-ES" dirty="0" smtClean="0"/>
+              <a:t>:</a:t>
+            </a:r>
+          </a:p>
+          <a:p>
+            <a:r>
+              <a:rPr lang="es-ES" dirty="0" smtClean="0"/>
+              <a:t>Tener cortes sin tejido sano hace imposible el </a:t>
+            </a:r>
+            <a:r>
+              <a:rPr lang="es-ES" dirty="0" err="1" smtClean="0"/>
+              <a:t>preprocesamiento</a:t>
+            </a:r>
+            <a:endParaRPr lang="es-ES" dirty="0" smtClean="0"/>
+          </a:p>
+          <a:p>
+            <a:r>
+              <a:rPr lang="es-ES" dirty="0" smtClean="0"/>
+              <a:t>No se encuentran genes que se expresen diferencialmente</a:t>
+            </a:r>
+          </a:p>
+          <a:p>
+            <a:endParaRPr lang="es-ES" dirty="0"/>
+          </a:p>
+          <a:p>
+            <a:pPr marL="0" indent="0">
+              <a:buNone/>
+            </a:pPr>
+            <a:r>
+              <a:rPr lang="es-ES" dirty="0" smtClean="0"/>
+              <a:t>Por esta razón casi toda la literatura en cáncer de páncreas es en pronóstico</a:t>
+            </a:r>
+          </a:p>
+          <a:p>
+            <a:endParaRPr lang="es-ES" dirty="0"/>
+          </a:p>
+        </p:txBody>
+      </p:sp>
+    </p:spTree>
+    <p:extLst>
+      <p:ext uri="{BB962C8B-B14F-4D97-AF65-F5344CB8AC3E}">
+        <p14:creationId xmlns:p14="http://schemas.microsoft.com/office/powerpoint/2010/main" val="247936850"/>
+      </p:ext>
+    </p:extLst>
+  </p:cSld>
+  <p:clrMapOvr>
+    <a:masterClrMapping/>
+  </p:clrMapOvr>
+</p:sld>
+</file>
+
+<file path=ppt/slides/slide82.xml><?xml version="1.0" encoding="utf-8"?>
+<p:sld xmlns:a="http://schemas.openxmlformats.org/drawingml/2006/main" xmlns:r="http://schemas.openxmlformats.org/officeDocument/2006/relationships" xmlns:p="http://schemas.openxmlformats.org/presentationml/2006/main">
+  <p:cSld>
+    <p:spTree>
+      <p:nvGrpSpPr>
+        <p:cNvPr id="1" name=""/>
+        <p:cNvGrpSpPr/>
+        <p:nvPr/>
+      </p:nvGrpSpPr>
+      <p:grpSpPr>
+        <a:xfrm>
+          <a:off x="0" y="0"/>
+          <a:ext cx="0" cy="0"/>
+          <a:chOff x="0" y="0"/>
+          <a:chExt cx="0" cy="0"/>
+        </a:xfrm>
+      </p:grpSpPr>
+      <p:sp>
+        <p:nvSpPr>
+          <p:cNvPr id="2" name="Título 1"/>
+          <p:cNvSpPr>
+            <a:spLocks noGrp="1"/>
+          </p:cNvSpPr>
+          <p:nvPr>
+            <p:ph type="title"/>
+          </p:nvPr>
+        </p:nvSpPr>
+        <p:spPr/>
+        <p:txBody>
+          <a:bodyPr/>
+          <a:lstStyle/>
+          <a:p>
+            <a:r>
+              <a:rPr lang="es-ES" dirty="0" smtClean="0"/>
+              <a:t>2. Son públicos los modelos y los datos?</a:t>
+            </a:r>
+            <a:endParaRPr lang="es-ES" dirty="0"/>
+          </a:p>
+        </p:txBody>
+      </p:sp>
+      <p:sp>
+        <p:nvSpPr>
+          <p:cNvPr id="3" name="Marcador de contenido 2"/>
+          <p:cNvSpPr>
+            <a:spLocks noGrp="1"/>
+          </p:cNvSpPr>
+          <p:nvPr>
+            <p:ph idx="1"/>
+          </p:nvPr>
+        </p:nvSpPr>
+        <p:spPr/>
+        <p:txBody>
+          <a:bodyPr>
+            <a:normAutofit lnSpcReduction="10000"/>
+          </a:bodyPr>
+          <a:lstStyle/>
+          <a:p>
+            <a:r>
+              <a:rPr lang="en-US" dirty="0" smtClean="0"/>
+              <a:t>“All </a:t>
+            </a:r>
+            <a:r>
+              <a:rPr lang="en-US" dirty="0"/>
+              <a:t>the pancreatic image samples were collected </a:t>
+            </a:r>
+            <a:r>
+              <a:rPr lang="en-US" dirty="0" smtClean="0"/>
+              <a:t>and their </a:t>
+            </a:r>
+            <a:r>
+              <a:rPr lang="en-US" dirty="0"/>
+              <a:t>use authorized by Peking Union Medical College Hospital (PUMCH</a:t>
+            </a:r>
+            <a:r>
+              <a:rPr lang="en-US" dirty="0" smtClean="0"/>
+              <a:t>).”</a:t>
+            </a:r>
+          </a:p>
+          <a:p>
+            <a:r>
+              <a:rPr lang="es-ES" b="1" dirty="0" smtClean="0"/>
+              <a:t>“DATA </a:t>
+            </a:r>
+            <a:r>
+              <a:rPr lang="es-ES" b="1" dirty="0"/>
+              <a:t>AVAILABILITY STATEMENT</a:t>
+            </a:r>
+          </a:p>
+          <a:p>
+            <a:r>
+              <a:rPr lang="en-US" dirty="0"/>
+              <a:t>The raw data supporting the conclusions of this article will be available </a:t>
+            </a:r>
+            <a:r>
+              <a:rPr lang="en-US" dirty="0" smtClean="0"/>
+              <a:t>by the </a:t>
+            </a:r>
+            <a:r>
+              <a:rPr lang="en-US" dirty="0"/>
+              <a:t>authors without undue reservation</a:t>
+            </a:r>
+            <a:r>
+              <a:rPr lang="en-US" dirty="0" smtClean="0"/>
+              <a:t>.”</a:t>
+            </a:r>
+            <a:endParaRPr lang="en-US" dirty="0"/>
+          </a:p>
+          <a:p>
+            <a:r>
+              <a:rPr lang="en-US" dirty="0" smtClean="0"/>
+              <a:t>“Our </a:t>
+            </a:r>
+            <a:r>
+              <a:rPr lang="en-US" dirty="0"/>
+              <a:t>independent validation dataset contains </a:t>
+            </a:r>
+            <a:r>
+              <a:rPr lang="en-US" u="sng" dirty="0"/>
+              <a:t>52 WSIs obtained from </a:t>
+            </a:r>
+            <a:r>
+              <a:rPr lang="en-US" u="sng" dirty="0" smtClean="0"/>
+              <a:t>TCGA” (TODAS CARCINOMA)</a:t>
+            </a:r>
+            <a:endParaRPr lang="es-ES" u="sng" dirty="0"/>
+          </a:p>
+          <a:p>
+            <a:pPr marL="0" indent="0">
+              <a:buNone/>
+            </a:pPr>
+            <a:endParaRPr lang="es-ES" u="sng" dirty="0"/>
+          </a:p>
+          <a:p>
+            <a:pPr marL="0" indent="0">
+              <a:buNone/>
+            </a:pPr>
+            <a:r>
+              <a:rPr lang="es-ES" dirty="0" smtClean="0"/>
+              <a:t>Se entiende que los datos se pueden pedir y te los proporcionarán, pero no encuentro mención de los modelos</a:t>
+            </a:r>
+          </a:p>
+        </p:txBody>
+      </p:sp>
+    </p:spTree>
+    <p:extLst>
+      <p:ext uri="{BB962C8B-B14F-4D97-AF65-F5344CB8AC3E}">
+        <p14:creationId xmlns:p14="http://schemas.microsoft.com/office/powerpoint/2010/main" val="3829935998"/>
+      </p:ext>
+    </p:extLst>
+  </p:cSld>
+  <p:clrMapOvr>
+    <a:masterClrMapping/>
+  </p:clrMapOvr>
+</p:sld>
+</file>
+
+<file path=ppt/slides/slide83.xml><?xml version="1.0" encoding="utf-8"?>
+<p:sld xmlns:a="http://schemas.openxmlformats.org/drawingml/2006/main" xmlns:r="http://schemas.openxmlformats.org/officeDocument/2006/relationships" xmlns:p="http://schemas.openxmlformats.org/presentationml/2006/main">
+  <p:cSld>
+    <p:spTree>
+      <p:nvGrpSpPr>
+        <p:cNvPr id="1" name=""/>
+        <p:cNvGrpSpPr/>
+        <p:nvPr/>
+      </p:nvGrpSpPr>
+      <p:grpSpPr>
+        <a:xfrm>
+          <a:off x="0" y="0"/>
+          <a:ext cx="0" cy="0"/>
+          <a:chOff x="0" y="0"/>
+          <a:chExt cx="0" cy="0"/>
+        </a:xfrm>
+      </p:grpSpPr>
+      <p:sp>
+        <p:nvSpPr>
+          <p:cNvPr id="2" name="Título 1"/>
+          <p:cNvSpPr>
+            <a:spLocks noGrp="1"/>
+          </p:cNvSpPr>
+          <p:nvPr>
+            <p:ph type="title"/>
+          </p:nvPr>
+        </p:nvSpPr>
+        <p:spPr/>
+        <p:txBody>
+          <a:bodyPr/>
+          <a:lstStyle/>
+          <a:p>
+            <a:r>
+              <a:rPr lang="es-ES" dirty="0" smtClean="0"/>
+              <a:t>Resultados Hao Fu et al.</a:t>
+            </a:r>
+            <a:endParaRPr lang="es-ES" dirty="0"/>
+          </a:p>
+        </p:txBody>
+      </p:sp>
+      <p:sp>
+        <p:nvSpPr>
+          <p:cNvPr id="3" name="Marcador de contenido 2"/>
+          <p:cNvSpPr>
+            <a:spLocks noGrp="1"/>
+          </p:cNvSpPr>
+          <p:nvPr>
+            <p:ph idx="1"/>
+          </p:nvPr>
+        </p:nvSpPr>
+        <p:spPr/>
+        <p:txBody>
+          <a:bodyPr/>
+          <a:lstStyle/>
+          <a:p>
+            <a:r>
+              <a:rPr lang="es-ES" dirty="0" smtClean="0"/>
+              <a:t>90.38% en TGCA test externo</a:t>
+            </a:r>
+          </a:p>
+          <a:p>
+            <a:endParaRPr lang="es-ES" dirty="0"/>
+          </a:p>
+          <a:p>
+            <a:r>
+              <a:rPr lang="es-ES" dirty="0" smtClean="0"/>
+              <a:t>100% en test set privado</a:t>
+            </a:r>
+            <a:endParaRPr lang="es-ES" dirty="0"/>
+          </a:p>
+          <a:p>
+            <a:endParaRPr lang="es-ES" dirty="0"/>
+          </a:p>
+        </p:txBody>
+      </p:sp>
+      <p:pic>
+        <p:nvPicPr>
+          <p:cNvPr id="4" name="Imagen 3"/>
+          <p:cNvPicPr>
+            <a:picLocks noChangeAspect="1"/>
+          </p:cNvPicPr>
+          <p:nvPr/>
+        </p:nvPicPr>
+        <p:blipFill>
+          <a:blip r:embed="rId2"/>
+          <a:stretch>
+            <a:fillRect/>
+          </a:stretch>
+        </p:blipFill>
+        <p:spPr>
+          <a:xfrm>
+            <a:off x="5358442" y="1690688"/>
+            <a:ext cx="6277851" cy="4363059"/>
+          </a:xfrm>
+          <a:prstGeom prst="rect">
+            <a:avLst/>
+          </a:prstGeom>
+        </p:spPr>
+      </p:pic>
+    </p:spTree>
+    <p:extLst>
+      <p:ext uri="{BB962C8B-B14F-4D97-AF65-F5344CB8AC3E}">
+        <p14:creationId xmlns:p14="http://schemas.microsoft.com/office/powerpoint/2010/main" val="1808537654"/>
+      </p:ext>
+    </p:extLst>
+  </p:cSld>
+  <p:clrMapOvr>
+    <a:masterClrMapping/>
+  </p:clrMapOvr>
+</p:sld>
+</file>
+
+<file path=ppt/slides/slide84.xml><?xml version="1.0" encoding="utf-8"?>
+<p:sld xmlns:a="http://schemas.openxmlformats.org/drawingml/2006/main" xmlns:r="http://schemas.openxmlformats.org/officeDocument/2006/relationships" xmlns:p="http://schemas.openxmlformats.org/presentationml/2006/main">
+  <p:cSld>
+    <p:spTree>
+      <p:nvGrpSpPr>
+        <p:cNvPr id="1" name=""/>
+        <p:cNvGrpSpPr/>
+        <p:nvPr/>
+      </p:nvGrpSpPr>
+      <p:grpSpPr>
+        <a:xfrm>
+          <a:off x="0" y="0"/>
+          <a:ext cx="0" cy="0"/>
+          <a:chOff x="0" y="0"/>
+          <a:chExt cx="0" cy="0"/>
+        </a:xfrm>
+      </p:grpSpPr>
+      <p:sp>
+        <p:nvSpPr>
+          <p:cNvPr id="2" name="Título 1"/>
+          <p:cNvSpPr>
+            <a:spLocks noGrp="1"/>
+          </p:cNvSpPr>
+          <p:nvPr>
+            <p:ph type="title"/>
+          </p:nvPr>
+        </p:nvSpPr>
+        <p:spPr/>
+        <p:txBody>
+          <a:bodyPr/>
+          <a:lstStyle/>
+          <a:p>
+            <a:r>
+              <a:rPr lang="es-ES" dirty="0" smtClean="0"/>
+              <a:t>3. Predicción de estadio con imágenes</a:t>
+            </a:r>
+            <a:endParaRPr lang="es-ES" dirty="0"/>
+          </a:p>
+        </p:txBody>
+      </p:sp>
+      <p:sp>
+        <p:nvSpPr>
+          <p:cNvPr id="3" name="Marcador de contenido 2"/>
+          <p:cNvSpPr>
+            <a:spLocks noGrp="1"/>
+          </p:cNvSpPr>
+          <p:nvPr>
+            <p:ph idx="1"/>
+          </p:nvPr>
+        </p:nvSpPr>
+        <p:spPr/>
+        <p:txBody>
+          <a:bodyPr/>
+          <a:lstStyle/>
+          <a:p>
+            <a:r>
+              <a:rPr lang="es-ES" dirty="0" smtClean="0"/>
+              <a:t>Expresión de gen no ha dado resultados para predicción de estadio</a:t>
+            </a:r>
+          </a:p>
+          <a:p>
+            <a:r>
+              <a:rPr lang="es-ES" dirty="0" smtClean="0"/>
+              <a:t>WSI Seguramente tampoco de resultados, está </a:t>
+            </a:r>
+            <a:r>
+              <a:rPr lang="es-ES" dirty="0" err="1" smtClean="0"/>
+              <a:t>ejecutandose</a:t>
+            </a:r>
+            <a:endParaRPr lang="es-ES" dirty="0"/>
+          </a:p>
+        </p:txBody>
+      </p:sp>
+    </p:spTree>
+    <p:extLst>
+      <p:ext uri="{BB962C8B-B14F-4D97-AF65-F5344CB8AC3E}">
+        <p14:creationId xmlns:p14="http://schemas.microsoft.com/office/powerpoint/2010/main" val="1024004229"/>
+      </p:ext>
+    </p:extLst>
+  </p:cSld>
+  <p:clrMapOvr>
+    <a:masterClrMapping/>
+  </p:clrMapOvr>
+</p:sld>
+</file>
+
+<file path=ppt/slides/slide85.xml><?xml version="1.0" encoding="utf-8"?>
+<p:sld xmlns:a="http://schemas.openxmlformats.org/drawingml/2006/main" xmlns:r="http://schemas.openxmlformats.org/officeDocument/2006/relationships" xmlns:p="http://schemas.openxmlformats.org/presentationml/2006/main">
+  <p:cSld>
+    <p:spTree>
+      <p:nvGrpSpPr>
+        <p:cNvPr id="1" name=""/>
+        <p:cNvGrpSpPr/>
+        <p:nvPr/>
+      </p:nvGrpSpPr>
+      <p:grpSpPr>
+        <a:xfrm>
+          <a:off x="0" y="0"/>
+          <a:ext cx="0" cy="0"/>
+          <a:chOff x="0" y="0"/>
+          <a:chExt cx="0" cy="0"/>
+        </a:xfrm>
+      </p:grpSpPr>
+      <p:sp>
+        <p:nvSpPr>
+          <p:cNvPr id="2" name="Título 1"/>
+          <p:cNvSpPr>
+            <a:spLocks noGrp="1"/>
+          </p:cNvSpPr>
+          <p:nvPr>
+            <p:ph type="ctrTitle"/>
+          </p:nvPr>
+        </p:nvSpPr>
+        <p:spPr>
+          <a:xfrm>
+            <a:off x="1524000" y="1077392"/>
+            <a:ext cx="9144000" cy="496125"/>
+          </a:xfrm>
+        </p:spPr>
+        <p:txBody>
+          <a:bodyPr>
+            <a:normAutofit fontScale="90000"/>
+          </a:bodyPr>
+          <a:lstStyle/>
+          <a:p>
+            <a:r>
+              <a:rPr lang="es-ES" dirty="0"/>
+              <a:t>Fusión de datos </a:t>
+            </a:r>
+            <a:r>
+              <a:rPr lang="es-ES" dirty="0" smtClean="0"/>
+              <a:t>heterogéneos: </a:t>
+            </a:r>
+            <a:endParaRPr lang="es-ES" dirty="0"/>
+          </a:p>
+        </p:txBody>
+      </p:sp>
+      <p:sp>
+        <p:nvSpPr>
+          <p:cNvPr id="3" name="Subtítulo 2"/>
+          <p:cNvSpPr>
+            <a:spLocks noGrp="1"/>
+          </p:cNvSpPr>
+          <p:nvPr>
+            <p:ph type="subTitle" idx="1"/>
+          </p:nvPr>
+        </p:nvSpPr>
+        <p:spPr>
+          <a:xfrm>
+            <a:off x="1524000" y="1755648"/>
+            <a:ext cx="9144000" cy="3502152"/>
+          </a:xfrm>
+        </p:spPr>
+        <p:txBody>
+          <a:bodyPr>
+            <a:normAutofit/>
+          </a:bodyPr>
+          <a:lstStyle/>
+          <a:p>
+            <a:endParaRPr lang="es-ES" dirty="0" smtClean="0"/>
+          </a:p>
+          <a:p>
+            <a:r>
+              <a:rPr lang="es-ES" dirty="0" smtClean="0"/>
+              <a:t>19/09/22</a:t>
+            </a:r>
+            <a:endParaRPr lang="es-ES" dirty="0"/>
+          </a:p>
+        </p:txBody>
+      </p:sp>
+    </p:spTree>
+    <p:extLst>
+      <p:ext uri="{BB962C8B-B14F-4D97-AF65-F5344CB8AC3E}">
+        <p14:creationId xmlns:p14="http://schemas.microsoft.com/office/powerpoint/2010/main" val="842573640"/>
+      </p:ext>
+    </p:extLst>
+  </p:cSld>
+  <p:clrMapOvr>
+    <a:masterClrMapping/>
+  </p:clrMapOvr>
+</p:sld>
+</file>
+
+<file path=ppt/slides/slide86.xml><?xml version="1.0" encoding="utf-8"?>
+<p:sld xmlns:a="http://schemas.openxmlformats.org/drawingml/2006/main" xmlns:r="http://schemas.openxmlformats.org/officeDocument/2006/relationships" xmlns:p="http://schemas.openxmlformats.org/presentationml/2006/main">
+  <p:cSld>
+    <p:spTree>
+      <p:nvGrpSpPr>
+        <p:cNvPr id="1" name=""/>
+        <p:cNvGrpSpPr/>
+        <p:nvPr/>
+      </p:nvGrpSpPr>
+      <p:grpSpPr>
+        <a:xfrm>
+          <a:off x="0" y="0"/>
+          <a:ext cx="0" cy="0"/>
+          <a:chOff x="0" y="0"/>
+          <a:chExt cx="0" cy="0"/>
+        </a:xfrm>
+      </p:grpSpPr>
+      <p:sp>
+        <p:nvSpPr>
+          <p:cNvPr id="2" name="Título 1"/>
+          <p:cNvSpPr>
+            <a:spLocks noGrp="1"/>
+          </p:cNvSpPr>
+          <p:nvPr>
+            <p:ph type="title"/>
+          </p:nvPr>
+        </p:nvSpPr>
+        <p:spPr/>
+        <p:txBody>
+          <a:bodyPr/>
+          <a:lstStyle/>
+          <a:p>
+            <a:r>
+              <a:rPr lang="es-ES" dirty="0" smtClean="0"/>
+              <a:t>Posibles Rutas</a:t>
+            </a:r>
+            <a:endParaRPr lang="es-ES" dirty="0"/>
+          </a:p>
+        </p:txBody>
+      </p:sp>
+      <p:sp>
+        <p:nvSpPr>
+          <p:cNvPr id="3" name="Marcador de contenido 2"/>
+          <p:cNvSpPr>
+            <a:spLocks noGrp="1"/>
+          </p:cNvSpPr>
+          <p:nvPr>
+            <p:ph idx="1"/>
+          </p:nvPr>
+        </p:nvSpPr>
+        <p:spPr/>
+        <p:txBody>
+          <a:bodyPr>
+            <a:normAutofit fontScale="92500" lnSpcReduction="20000"/>
+          </a:bodyPr>
+          <a:lstStyle/>
+          <a:p>
+            <a:pPr marL="514350" indent="-514350">
+              <a:buFont typeface="+mj-lt"/>
+              <a:buAutoNum type="arabicPeriod"/>
+            </a:pPr>
+            <a:r>
+              <a:rPr lang="es-ES" dirty="0"/>
+              <a:t>Ver mejora </a:t>
+            </a:r>
+            <a:r>
+              <a:rPr lang="es-ES" dirty="0" smtClean="0"/>
+              <a:t>respecto a GDC </a:t>
+            </a:r>
+            <a:r>
+              <a:rPr lang="es-ES" dirty="0"/>
+              <a:t>solo </a:t>
+            </a:r>
+            <a:r>
+              <a:rPr lang="es-ES" dirty="0" err="1"/>
+              <a:t>rnaseq</a:t>
+            </a:r>
+            <a:r>
+              <a:rPr lang="es-ES" dirty="0"/>
+              <a:t> e imágenes</a:t>
+            </a:r>
+          </a:p>
+          <a:p>
+            <a:pPr marL="971550" lvl="1" indent="-514350">
+              <a:buFont typeface="+mj-lt"/>
+              <a:buAutoNum type="arabicPeriod"/>
+            </a:pPr>
+            <a:r>
+              <a:rPr lang="es-ES" dirty="0"/>
+              <a:t>Imágenes: </a:t>
+            </a:r>
+            <a:endParaRPr lang="es-ES" dirty="0" smtClean="0"/>
+          </a:p>
+          <a:p>
+            <a:pPr marL="1428750" lvl="2" indent="-514350">
+              <a:buFont typeface="+mj-lt"/>
+              <a:buAutoNum type="arabicPeriod"/>
+            </a:pPr>
+            <a:r>
+              <a:rPr lang="es-ES" dirty="0"/>
+              <a:t>Mirar bibliografía clasificación </a:t>
+            </a:r>
+            <a:r>
+              <a:rPr lang="es-ES" dirty="0" smtClean="0"/>
+              <a:t>imágenes</a:t>
+            </a:r>
+          </a:p>
+          <a:p>
+            <a:pPr marL="1428750" lvl="2" indent="-514350">
+              <a:buFont typeface="+mj-lt"/>
+              <a:buAutoNum type="arabicPeriod"/>
+            </a:pPr>
+            <a:r>
+              <a:rPr lang="es-ES" dirty="0" smtClean="0"/>
+              <a:t>Buscar </a:t>
+            </a:r>
+            <a:r>
+              <a:rPr lang="es-ES" dirty="0"/>
+              <a:t>otras bases de datos para </a:t>
+            </a:r>
+            <a:r>
+              <a:rPr lang="es-ES" dirty="0" smtClean="0"/>
+              <a:t>test</a:t>
+            </a:r>
+            <a:endParaRPr lang="es-ES" dirty="0"/>
+          </a:p>
+          <a:p>
+            <a:pPr marL="971550" lvl="1" indent="-514350">
+              <a:buFont typeface="+mj-lt"/>
+              <a:buAutoNum type="arabicPeriod"/>
+            </a:pPr>
+            <a:r>
+              <a:rPr lang="es-ES" dirty="0" err="1" smtClean="0"/>
+              <a:t>RNASeq</a:t>
+            </a:r>
+            <a:r>
+              <a:rPr lang="es-ES" dirty="0"/>
+              <a:t>:</a:t>
+            </a:r>
+          </a:p>
+          <a:p>
+            <a:pPr marL="1428750" lvl="2" indent="-514350">
+              <a:buFont typeface="+mj-lt"/>
+              <a:buAutoNum type="arabicPeriod"/>
+            </a:pPr>
+            <a:r>
+              <a:rPr lang="es-ES" dirty="0"/>
+              <a:t>Repasar </a:t>
+            </a:r>
+            <a:r>
+              <a:rPr lang="es-ES" dirty="0" err="1"/>
+              <a:t>bibligrafía</a:t>
+            </a:r>
+            <a:r>
+              <a:rPr lang="es-ES" dirty="0"/>
+              <a:t> para </a:t>
+            </a:r>
+            <a:r>
+              <a:rPr lang="es-ES" dirty="0" err="1" smtClean="0"/>
+              <a:t>clasifición</a:t>
+            </a:r>
+            <a:endParaRPr lang="es-ES" dirty="0" smtClean="0"/>
+          </a:p>
+          <a:p>
+            <a:pPr marL="1428750" lvl="2" indent="-514350">
+              <a:buFont typeface="+mj-lt"/>
+              <a:buAutoNum type="arabicPeriod"/>
+            </a:pPr>
+            <a:r>
+              <a:rPr lang="es-ES" dirty="0" smtClean="0"/>
+              <a:t>Más bases de datos (GEO)</a:t>
+            </a:r>
+            <a:endParaRPr lang="es-ES" dirty="0"/>
+          </a:p>
+          <a:p>
+            <a:pPr marL="1428750" lvl="2" indent="-514350">
+              <a:buFont typeface="+mj-lt"/>
+              <a:buAutoNum type="arabicPeriod"/>
+            </a:pPr>
+            <a:r>
+              <a:rPr lang="es-ES" dirty="0"/>
+              <a:t>Pedir acceso</a:t>
+            </a:r>
+          </a:p>
+          <a:p>
+            <a:pPr marL="1428750" lvl="2" indent="-514350">
+              <a:buFont typeface="+mj-lt"/>
+              <a:buAutoNum type="arabicPeriod"/>
+            </a:pPr>
+            <a:r>
+              <a:rPr lang="es-ES" dirty="0"/>
+              <a:t>Ver fusión archivos </a:t>
+            </a:r>
+            <a:r>
+              <a:rPr lang="es-ES" dirty="0" err="1"/>
+              <a:t>count</a:t>
+            </a:r>
+            <a:r>
+              <a:rPr lang="es-ES" dirty="0"/>
+              <a:t> distintas bases de datos</a:t>
+            </a:r>
+          </a:p>
+          <a:p>
+            <a:pPr marL="1428750" lvl="2" indent="-514350">
+              <a:buFont typeface="+mj-lt"/>
+              <a:buAutoNum type="arabicPeriod"/>
+            </a:pPr>
+            <a:r>
+              <a:rPr lang="es-ES" dirty="0"/>
+              <a:t>Hablar con Dani fusión de </a:t>
+            </a:r>
+            <a:r>
+              <a:rPr lang="es-ES" dirty="0" err="1"/>
+              <a:t>counts</a:t>
+            </a:r>
+            <a:r>
+              <a:rPr lang="es-ES" dirty="0"/>
+              <a:t> o </a:t>
+            </a:r>
+            <a:r>
+              <a:rPr lang="es-ES" dirty="0" err="1"/>
+              <a:t>bam</a:t>
+            </a:r>
+            <a:r>
+              <a:rPr lang="es-ES" dirty="0"/>
+              <a:t> </a:t>
+            </a:r>
+          </a:p>
+          <a:p>
+            <a:pPr marL="514350" indent="-514350">
+              <a:buFont typeface="+mj-lt"/>
+              <a:buAutoNum type="arabicPeriod"/>
+            </a:pPr>
+            <a:r>
+              <a:rPr lang="es-ES" dirty="0" smtClean="0"/>
+              <a:t>Confirmar </a:t>
+            </a:r>
+            <a:r>
+              <a:rPr lang="es-ES" dirty="0" err="1" smtClean="0"/>
+              <a:t>estadío</a:t>
+            </a:r>
+            <a:endParaRPr lang="es-ES" dirty="0"/>
+          </a:p>
+          <a:p>
+            <a:pPr marL="514350" indent="-514350">
+              <a:buFont typeface="+mj-lt"/>
+              <a:buAutoNum type="arabicPeriod"/>
+            </a:pPr>
+            <a:r>
+              <a:rPr lang="es-ES" dirty="0" smtClean="0"/>
+              <a:t>Pronóstico </a:t>
+            </a:r>
+            <a:endParaRPr lang="es-ES" dirty="0"/>
+          </a:p>
+          <a:p>
+            <a:pPr marL="971550" lvl="1" indent="-514350">
+              <a:buFont typeface="+mj-lt"/>
+              <a:buAutoNum type="arabicPeriod"/>
+            </a:pPr>
+            <a:r>
+              <a:rPr lang="es-ES" dirty="0"/>
+              <a:t>Ver datos, análisis preliminar</a:t>
+            </a:r>
+          </a:p>
+          <a:p>
+            <a:pPr marL="971550" lvl="1" indent="-514350">
+              <a:buFont typeface="+mj-lt"/>
+              <a:buAutoNum type="arabicPeriod"/>
+            </a:pPr>
+            <a:r>
+              <a:rPr lang="es-ES" dirty="0"/>
+              <a:t>Ver en GEO con datos de pronóstico</a:t>
+            </a:r>
+          </a:p>
+          <a:p>
+            <a:endParaRPr lang="es-ES" dirty="0"/>
+          </a:p>
+        </p:txBody>
+      </p:sp>
+    </p:spTree>
+    <p:extLst>
+      <p:ext uri="{BB962C8B-B14F-4D97-AF65-F5344CB8AC3E}">
+        <p14:creationId xmlns:p14="http://schemas.microsoft.com/office/powerpoint/2010/main" val="2525383190"/>
+      </p:ext>
+    </p:extLst>
+  </p:cSld>
+  <p:clrMapOvr>
+    <a:masterClrMapping/>
+  </p:clrMapOvr>
+</p:sld>
+</file>
+
+<file path=ppt/slides/slide87.xml><?xml version="1.0" encoding="utf-8"?>
+<p:sld xmlns:a="http://schemas.openxmlformats.org/drawingml/2006/main" xmlns:r="http://schemas.openxmlformats.org/officeDocument/2006/relationships" xmlns:p="http://schemas.openxmlformats.org/presentationml/2006/main">
+  <p:cSld>
+    <p:spTree>
+      <p:nvGrpSpPr>
+        <p:cNvPr id="1" name=""/>
+        <p:cNvGrpSpPr/>
+        <p:nvPr/>
+      </p:nvGrpSpPr>
+      <p:grpSpPr>
+        <a:xfrm>
+          <a:off x="0" y="0"/>
+          <a:ext cx="0" cy="0"/>
+          <a:chOff x="0" y="0"/>
+          <a:chExt cx="0" cy="0"/>
+        </a:xfrm>
+      </p:grpSpPr>
+      <p:sp>
+        <p:nvSpPr>
+          <p:cNvPr id="2" name="Título 1"/>
+          <p:cNvSpPr>
+            <a:spLocks noGrp="1"/>
+          </p:cNvSpPr>
+          <p:nvPr>
+            <p:ph type="title"/>
+          </p:nvPr>
+        </p:nvSpPr>
+        <p:spPr/>
+        <p:txBody>
+          <a:bodyPr/>
+          <a:lstStyle/>
+          <a:p>
+            <a:r>
+              <a:rPr lang="es-ES" dirty="0" smtClean="0"/>
+              <a:t>1.1 Rendimiento Imágenes GDC vs GDC+GTEX </a:t>
+            </a:r>
+            <a:endParaRPr lang="es-ES" dirty="0"/>
+          </a:p>
+        </p:txBody>
+      </p:sp>
+      <p:sp>
+        <p:nvSpPr>
+          <p:cNvPr id="3" name="Marcador de contenido 2"/>
+          <p:cNvSpPr>
+            <a:spLocks noGrp="1"/>
+          </p:cNvSpPr>
+          <p:nvPr>
+            <p:ph idx="1"/>
+          </p:nvPr>
+        </p:nvSpPr>
+        <p:spPr>
+          <a:xfrm>
+            <a:off x="838200" y="1825625"/>
+            <a:ext cx="4443101" cy="4351338"/>
+          </a:xfrm>
+        </p:spPr>
+        <p:txBody>
+          <a:bodyPr>
+            <a:normAutofit/>
+          </a:bodyPr>
+          <a:lstStyle/>
+          <a:p>
+            <a:pPr marL="0" indent="0">
+              <a:buNone/>
+            </a:pPr>
+            <a:r>
+              <a:rPr lang="es-ES" u="sng" dirty="0" smtClean="0"/>
+              <a:t>GDC</a:t>
+            </a:r>
+          </a:p>
+          <a:p>
+            <a:r>
+              <a:rPr lang="es-ES" dirty="0" smtClean="0"/>
+              <a:t>Solo </a:t>
+            </a:r>
+            <a:r>
+              <a:rPr lang="es-ES" dirty="0"/>
+              <a:t>hay 6 muestras de tejido sano por lo que 10CV estratificado no es posible</a:t>
+            </a:r>
+          </a:p>
+          <a:p>
+            <a:endParaRPr lang="es-ES" dirty="0"/>
+          </a:p>
+          <a:p>
+            <a:r>
+              <a:rPr lang="es-ES" dirty="0"/>
+              <a:t>Resultados pobres</a:t>
+            </a:r>
+          </a:p>
+          <a:p>
+            <a:pPr marL="0" indent="0">
+              <a:buNone/>
+            </a:pPr>
+            <a:r>
+              <a:rPr lang="es-ES" dirty="0"/>
+              <a:t>ACC = 0.97</a:t>
+            </a:r>
+          </a:p>
+          <a:p>
+            <a:pPr marL="0" indent="0">
+              <a:buNone/>
+            </a:pPr>
+            <a:r>
+              <a:rPr lang="es-ES" dirty="0"/>
+              <a:t>F1 = 0.98</a:t>
+            </a:r>
+          </a:p>
+          <a:p>
+            <a:pPr marL="0" indent="0">
+              <a:buNone/>
+            </a:pPr>
+            <a:r>
+              <a:rPr lang="es-ES" dirty="0"/>
+              <a:t>TNR = 0.66 !</a:t>
+            </a:r>
+          </a:p>
+          <a:p>
+            <a:endParaRPr lang="es-ES" dirty="0"/>
+          </a:p>
+        </p:txBody>
+      </p:sp>
+      <p:pic>
+        <p:nvPicPr>
+          <p:cNvPr id="4" name="Imagen 3"/>
+          <p:cNvPicPr>
+            <a:picLocks noChangeAspect="1"/>
+          </p:cNvPicPr>
+          <p:nvPr/>
+        </p:nvPicPr>
+        <p:blipFill>
+          <a:blip r:embed="rId2"/>
+          <a:stretch>
+            <a:fillRect/>
+          </a:stretch>
+        </p:blipFill>
+        <p:spPr>
+          <a:xfrm>
+            <a:off x="5357734" y="1860777"/>
+            <a:ext cx="5996066" cy="4281034"/>
+          </a:xfrm>
+          <a:prstGeom prst="rect">
+            <a:avLst/>
+          </a:prstGeom>
+        </p:spPr>
+      </p:pic>
+    </p:spTree>
+    <p:extLst>
+      <p:ext uri="{BB962C8B-B14F-4D97-AF65-F5344CB8AC3E}">
+        <p14:creationId xmlns:p14="http://schemas.microsoft.com/office/powerpoint/2010/main" val="3401632930"/>
+      </p:ext>
+    </p:extLst>
+  </p:cSld>
+  <p:clrMapOvr>
+    <a:masterClrMapping/>
+  </p:clrMapOvr>
+</p:sld>
+</file>
+
+<file path=ppt/slides/slide88.xml><?xml version="1.0" encoding="utf-8"?>
+<p:sld xmlns:a="http://schemas.openxmlformats.org/drawingml/2006/main" xmlns:r="http://schemas.openxmlformats.org/officeDocument/2006/relationships" xmlns:p="http://schemas.openxmlformats.org/presentationml/2006/main">
+  <p:cSld>
+    <p:spTree>
+      <p:nvGrpSpPr>
+        <p:cNvPr id="1" name=""/>
+        <p:cNvGrpSpPr/>
+        <p:nvPr/>
+      </p:nvGrpSpPr>
+      <p:grpSpPr>
+        <a:xfrm>
+          <a:off x="0" y="0"/>
+          <a:ext cx="0" cy="0"/>
+          <a:chOff x="0" y="0"/>
+          <a:chExt cx="0" cy="0"/>
+        </a:xfrm>
+      </p:grpSpPr>
+      <p:sp>
+        <p:nvSpPr>
+          <p:cNvPr id="2" name="Título 1"/>
+          <p:cNvSpPr>
+            <a:spLocks noGrp="1"/>
+          </p:cNvSpPr>
+          <p:nvPr>
+            <p:ph type="title"/>
+          </p:nvPr>
+        </p:nvSpPr>
+        <p:spPr/>
+        <p:txBody>
+          <a:bodyPr/>
+          <a:lstStyle/>
+          <a:p>
+            <a:r>
+              <a:rPr lang="es-ES" dirty="0"/>
+              <a:t>1.1 Rendimiento Imágenes GDC vs GDC+GTEX </a:t>
+            </a:r>
+          </a:p>
+        </p:txBody>
+      </p:sp>
+      <p:sp>
+        <p:nvSpPr>
+          <p:cNvPr id="3" name="Marcador de contenido 2"/>
+          <p:cNvSpPr>
+            <a:spLocks noGrp="1"/>
+          </p:cNvSpPr>
+          <p:nvPr>
+            <p:ph idx="1"/>
+          </p:nvPr>
+        </p:nvSpPr>
+        <p:spPr/>
+        <p:txBody>
+          <a:bodyPr/>
+          <a:lstStyle/>
+          <a:p>
+            <a:pPr marL="0" indent="0">
+              <a:buNone/>
+            </a:pPr>
+            <a:r>
+              <a:rPr lang="es-ES" u="sng" dirty="0" smtClean="0"/>
+              <a:t>GDC+GTEX</a:t>
+            </a:r>
+            <a:endParaRPr lang="es-ES" u="sng" dirty="0"/>
+          </a:p>
+          <a:p>
+            <a:r>
+              <a:rPr lang="es-ES" dirty="0"/>
+              <a:t>(333 negativas +183 positivas</a:t>
+            </a:r>
+            <a:r>
+              <a:rPr lang="es-ES" dirty="0" smtClean="0"/>
+              <a:t>)</a:t>
+            </a:r>
+          </a:p>
+          <a:p>
+            <a:endParaRPr lang="es-ES" dirty="0"/>
+          </a:p>
+          <a:p>
+            <a:r>
+              <a:rPr lang="es-ES" dirty="0" smtClean="0"/>
+              <a:t>Resultados buenos</a:t>
+            </a:r>
+            <a:endParaRPr lang="es-ES" dirty="0"/>
+          </a:p>
+          <a:p>
+            <a:pPr marL="0" indent="0">
+              <a:buNone/>
+            </a:pPr>
+            <a:r>
+              <a:rPr lang="es-ES" dirty="0"/>
+              <a:t>ACC = 0.9888</a:t>
+            </a:r>
+          </a:p>
+          <a:p>
+            <a:pPr marL="0" indent="0">
+              <a:buNone/>
+            </a:pPr>
+            <a:r>
+              <a:rPr lang="es-ES" dirty="0"/>
+              <a:t>F1 = 0.9914</a:t>
+            </a:r>
+          </a:p>
+          <a:p>
+            <a:endParaRPr lang="es-ES" dirty="0"/>
+          </a:p>
+          <a:p>
+            <a:r>
+              <a:rPr lang="es-ES" dirty="0"/>
+              <a:t>6 Falsos positivos</a:t>
+            </a:r>
+          </a:p>
+          <a:p>
+            <a:endParaRPr lang="es-ES" dirty="0"/>
+          </a:p>
+        </p:txBody>
+      </p:sp>
+      <p:pic>
+        <p:nvPicPr>
+          <p:cNvPr id="4" name="Imagen 3"/>
+          <p:cNvPicPr>
+            <a:picLocks noChangeAspect="1"/>
+          </p:cNvPicPr>
+          <p:nvPr/>
+        </p:nvPicPr>
+        <p:blipFill>
+          <a:blip r:embed="rId2"/>
+          <a:stretch>
+            <a:fillRect/>
+          </a:stretch>
+        </p:blipFill>
+        <p:spPr>
+          <a:xfrm>
+            <a:off x="5964835" y="1930556"/>
+            <a:ext cx="5142876" cy="3657407"/>
+          </a:xfrm>
+          <a:prstGeom prst="rect">
+            <a:avLst/>
+          </a:prstGeom>
+        </p:spPr>
+      </p:pic>
+    </p:spTree>
+    <p:extLst>
+      <p:ext uri="{BB962C8B-B14F-4D97-AF65-F5344CB8AC3E}">
+        <p14:creationId xmlns:p14="http://schemas.microsoft.com/office/powerpoint/2010/main" val="2120840266"/>
+      </p:ext>
+    </p:extLst>
+  </p:cSld>
+  <p:clrMapOvr>
+    <a:masterClrMapping/>
+  </p:clrMapOvr>
+</p:sld>
+</file>
+
+<file path=ppt/slides/slide89.xml><?xml version="1.0" encoding="utf-8"?>
+<p:sld xmlns:a="http://schemas.openxmlformats.org/drawingml/2006/main" xmlns:r="http://schemas.openxmlformats.org/officeDocument/2006/relationships" xmlns:p="http://schemas.openxmlformats.org/presentationml/2006/main">
+  <p:cSld>
+    <p:spTree>
+      <p:nvGrpSpPr>
+        <p:cNvPr id="1" name=""/>
+        <p:cNvGrpSpPr/>
+        <p:nvPr/>
+      </p:nvGrpSpPr>
+      <p:grpSpPr>
+        <a:xfrm>
+          <a:off x="0" y="0"/>
+          <a:ext cx="0" cy="0"/>
+          <a:chOff x="0" y="0"/>
+          <a:chExt cx="0" cy="0"/>
+        </a:xfrm>
+      </p:grpSpPr>
+      <p:sp>
+        <p:nvSpPr>
+          <p:cNvPr id="2" name="Título 1"/>
+          <p:cNvSpPr>
+            <a:spLocks noGrp="1"/>
+          </p:cNvSpPr>
+          <p:nvPr>
+            <p:ph type="title"/>
+          </p:nvPr>
+        </p:nvSpPr>
+        <p:spPr/>
+        <p:txBody>
+          <a:bodyPr/>
+          <a:lstStyle/>
+          <a:p>
+            <a:r>
+              <a:rPr lang="es-ES" dirty="0" smtClean="0"/>
+              <a:t>1.1.1 Bibliografía Clasificación WSI cáncer de páncreas</a:t>
+            </a:r>
+            <a:endParaRPr lang="es-ES" dirty="0"/>
+          </a:p>
+        </p:txBody>
+      </p:sp>
+      <p:pic>
+        <p:nvPicPr>
+          <p:cNvPr id="5" name="Marcador de contenido 4"/>
+          <p:cNvPicPr>
+            <a:picLocks noGrp="1" noChangeAspect="1"/>
+          </p:cNvPicPr>
+          <p:nvPr>
+            <p:ph idx="1"/>
+          </p:nvPr>
+        </p:nvPicPr>
+        <p:blipFill>
+          <a:blip r:embed="rId2"/>
+          <a:stretch>
+            <a:fillRect/>
+          </a:stretch>
+        </p:blipFill>
+        <p:spPr>
+          <a:xfrm>
+            <a:off x="1228046" y="2216940"/>
+            <a:ext cx="9669224" cy="504895"/>
+          </a:xfrm>
+          <a:prstGeom prst="rect">
+            <a:avLst/>
+          </a:prstGeom>
+        </p:spPr>
+      </p:pic>
+      <p:pic>
+        <p:nvPicPr>
+          <p:cNvPr id="4" name="Imagen 3"/>
+          <p:cNvPicPr>
+            <a:picLocks noChangeAspect="1"/>
+          </p:cNvPicPr>
+          <p:nvPr/>
+        </p:nvPicPr>
+        <p:blipFill>
+          <a:blip r:embed="rId3"/>
+          <a:stretch>
+            <a:fillRect/>
+          </a:stretch>
+        </p:blipFill>
+        <p:spPr>
+          <a:xfrm>
+            <a:off x="1294730" y="2781209"/>
+            <a:ext cx="9602540" cy="1295581"/>
+          </a:xfrm>
+          <a:prstGeom prst="rect">
+            <a:avLst/>
+          </a:prstGeom>
+        </p:spPr>
+      </p:pic>
+      <p:sp>
+        <p:nvSpPr>
+          <p:cNvPr id="6" name="Marcador de contenido 2"/>
+          <p:cNvSpPr txBox="1">
+            <a:spLocks/>
+          </p:cNvSpPr>
+          <p:nvPr/>
+        </p:nvSpPr>
+        <p:spPr>
+          <a:xfrm>
+            <a:off x="838200" y="4255805"/>
+            <a:ext cx="10515600" cy="1972432"/>
+          </a:xfrm>
+          <a:prstGeom prst="rect">
+            <a:avLst/>
+          </a:prstGeom>
+        </p:spPr>
+        <p:txBody>
+          <a:bodyPr vert="horz" lIns="91440" tIns="45720" rIns="91440" bIns="45720" rtlCol="0">
+            <a:normAutofit/>
+          </a:bodyPr>
+          <a:lstStyle>
+            <a:lvl1pPr marL="228600" indent="-228600" algn="l" defTabSz="914400" rtl="0" eaLnBrk="1" latinLnBrk="0" hangingPunct="1">
+              <a:lnSpc>
+                <a:spcPct val="90000"/>
+              </a:lnSpc>
+              <a:spcBef>
+                <a:spcPts val="1000"/>
+              </a:spcBef>
+              <a:buFont typeface="Arial" panose="020B0604020202020204" pitchFamily="34" charset="0"/>
+              <a:buChar char="•"/>
+              <a:defRPr sz="2800" kern="1200">
+                <a:solidFill>
+                  <a:schemeClr val="tx1"/>
+                </a:solidFill>
+                <a:latin typeface="+mn-lt"/>
+                <a:ea typeface="+mn-ea"/>
+                <a:cs typeface="+mn-cs"/>
+              </a:defRPr>
+            </a:lvl1pPr>
+            <a:lvl2pPr marL="685800" indent="-228600" algn="l" defTabSz="914400" rtl="0" eaLnBrk="1" latinLnBrk="0" hangingPunct="1">
+              <a:lnSpc>
+                <a:spcPct val="90000"/>
+              </a:lnSpc>
+              <a:spcBef>
+                <a:spcPts val="500"/>
+              </a:spcBef>
+              <a:buFont typeface="Arial" panose="020B0604020202020204" pitchFamily="34" charset="0"/>
+              <a:buChar char="•"/>
+              <a:defRPr sz="2400" kern="1200">
+                <a:solidFill>
+                  <a:schemeClr val="tx1"/>
+                </a:solidFill>
+                <a:latin typeface="+mn-lt"/>
+                <a:ea typeface="+mn-ea"/>
+                <a:cs typeface="+mn-cs"/>
+              </a:defRPr>
+            </a:lvl2pPr>
+            <a:lvl3pPr marL="1143000" indent="-228600" algn="l" defTabSz="914400" rtl="0" eaLnBrk="1" latinLnBrk="0" hangingPunct="1">
+              <a:lnSpc>
+                <a:spcPct val="90000"/>
+              </a:lnSpc>
+              <a:spcBef>
+                <a:spcPts val="500"/>
+              </a:spcBef>
+              <a:buFont typeface="Arial" panose="020B0604020202020204" pitchFamily="34" charset="0"/>
+              <a:buChar char="•"/>
+              <a:defRPr sz="2000" kern="1200">
+                <a:solidFill>
+                  <a:schemeClr val="tx1"/>
+                </a:solidFill>
+                <a:latin typeface="+mn-lt"/>
+                <a:ea typeface="+mn-ea"/>
+                <a:cs typeface="+mn-cs"/>
+              </a:defRPr>
+            </a:lvl3pPr>
+            <a:lvl4pPr marL="1600200" indent="-228600" algn="l" defTabSz="914400" rtl="0" eaLnBrk="1" latinLnBrk="0" hangingPunct="1">
+              <a:lnSpc>
+                <a:spcPct val="90000"/>
+              </a:lnSpc>
+              <a:spcBef>
+                <a:spcPts val="500"/>
+              </a:spcBef>
+              <a:buFont typeface="Arial" panose="020B0604020202020204" pitchFamily="34" charset="0"/>
+              <a:buChar char="•"/>
+              <a:defRPr sz="1800" kern="1200">
+                <a:solidFill>
+                  <a:schemeClr val="tx1"/>
+                </a:solidFill>
+                <a:latin typeface="+mn-lt"/>
+                <a:ea typeface="+mn-ea"/>
+                <a:cs typeface="+mn-cs"/>
+              </a:defRPr>
+            </a:lvl4pPr>
+            <a:lvl5pPr marL="2057400" indent="-228600" algn="l" defTabSz="914400" rtl="0" eaLnBrk="1" latinLnBrk="0" hangingPunct="1">
+              <a:lnSpc>
+                <a:spcPct val="90000"/>
+              </a:lnSpc>
+              <a:spcBef>
+                <a:spcPts val="500"/>
+              </a:spcBef>
+              <a:buFont typeface="Arial" panose="020B0604020202020204" pitchFamily="34" charset="0"/>
+              <a:buChar char="•"/>
+              <a:defRPr sz="1800" kern="1200">
+                <a:solidFill>
+                  <a:schemeClr val="tx1"/>
+                </a:solidFill>
+                <a:latin typeface="+mn-lt"/>
+                <a:ea typeface="+mn-ea"/>
+                <a:cs typeface="+mn-cs"/>
+              </a:defRPr>
+            </a:lvl5pPr>
+            <a:lvl6pPr marL="2514600" indent="-228600" algn="l" defTabSz="914400" rtl="0" eaLnBrk="1" latinLnBrk="0" hangingPunct="1">
+              <a:lnSpc>
+                <a:spcPct val="90000"/>
+              </a:lnSpc>
+              <a:spcBef>
+                <a:spcPts val="500"/>
+              </a:spcBef>
+              <a:buFont typeface="Arial" panose="020B0604020202020204" pitchFamily="34" charset="0"/>
+              <a:buChar char="•"/>
+              <a:defRPr sz="1800" kern="1200">
+                <a:solidFill>
+                  <a:schemeClr val="tx1"/>
+                </a:solidFill>
+                <a:latin typeface="+mn-lt"/>
+                <a:ea typeface="+mn-ea"/>
+                <a:cs typeface="+mn-cs"/>
+              </a:defRPr>
+            </a:lvl6pPr>
+            <a:lvl7pPr marL="2971800" indent="-228600" algn="l" defTabSz="914400" rtl="0" eaLnBrk="1" latinLnBrk="0" hangingPunct="1">
+              <a:lnSpc>
+                <a:spcPct val="90000"/>
+              </a:lnSpc>
+              <a:spcBef>
+                <a:spcPts val="500"/>
+              </a:spcBef>
+              <a:buFont typeface="Arial" panose="020B0604020202020204" pitchFamily="34" charset="0"/>
+              <a:buChar char="•"/>
+              <a:defRPr sz="1800" kern="1200">
+                <a:solidFill>
+                  <a:schemeClr val="tx1"/>
+                </a:solidFill>
+                <a:latin typeface="+mn-lt"/>
+                <a:ea typeface="+mn-ea"/>
+                <a:cs typeface="+mn-cs"/>
+              </a:defRPr>
+            </a:lvl7pPr>
+            <a:lvl8pPr marL="3429000" indent="-228600" algn="l" defTabSz="914400" rtl="0" eaLnBrk="1" latinLnBrk="0" hangingPunct="1">
+              <a:lnSpc>
+                <a:spcPct val="90000"/>
+              </a:lnSpc>
+              <a:spcBef>
+                <a:spcPts val="500"/>
+              </a:spcBef>
+              <a:buFont typeface="Arial" panose="020B0604020202020204" pitchFamily="34" charset="0"/>
+              <a:buChar char="•"/>
+              <a:defRPr sz="1800" kern="1200">
+                <a:solidFill>
+                  <a:schemeClr val="tx1"/>
+                </a:solidFill>
+                <a:latin typeface="+mn-lt"/>
+                <a:ea typeface="+mn-ea"/>
+                <a:cs typeface="+mn-cs"/>
+              </a:defRPr>
+            </a:lvl8pPr>
+            <a:lvl9pPr marL="3886200" indent="-228600" algn="l" defTabSz="914400" rtl="0" eaLnBrk="1" latinLnBrk="0" hangingPunct="1">
+              <a:lnSpc>
+                <a:spcPct val="90000"/>
+              </a:lnSpc>
+              <a:spcBef>
+                <a:spcPts val="500"/>
+              </a:spcBef>
+              <a:buFont typeface="Arial" panose="020B0604020202020204" pitchFamily="34" charset="0"/>
+              <a:buChar char="•"/>
+              <a:defRPr sz="1800" kern="1200">
+                <a:solidFill>
+                  <a:schemeClr val="tx1"/>
+                </a:solidFill>
+                <a:latin typeface="+mn-lt"/>
+                <a:ea typeface="+mn-ea"/>
+                <a:cs typeface="+mn-cs"/>
+              </a:defRPr>
+            </a:lvl9pPr>
+          </a:lstStyle>
+          <a:p>
+            <a:r>
+              <a:rPr lang="es-ES" dirty="0" err="1" smtClean="0"/>
+              <a:t>Naito</a:t>
+            </a:r>
+            <a:r>
+              <a:rPr lang="es-ES" dirty="0" smtClean="0"/>
+              <a:t> et al. : Datos privados</a:t>
+            </a:r>
+          </a:p>
+          <a:p>
+            <a:r>
+              <a:rPr lang="es-ES" dirty="0" smtClean="0"/>
+              <a:t>Fu et al. : Datos se pueden pedir, pero modelos privados</a:t>
+            </a:r>
+          </a:p>
+          <a:p>
+            <a:r>
+              <a:rPr lang="es-ES" dirty="0" err="1" smtClean="0"/>
+              <a:t>Kriegsmann</a:t>
+            </a:r>
+            <a:r>
+              <a:rPr lang="es-ES" dirty="0" smtClean="0"/>
+              <a:t> et al. :  </a:t>
+            </a:r>
+            <a:r>
+              <a:rPr lang="en-US" dirty="0"/>
+              <a:t>Data are available from the corresponding authors upon reasonable request</a:t>
+            </a:r>
+            <a:r>
+              <a:rPr lang="en-US" dirty="0" smtClean="0"/>
+              <a:t>. </a:t>
+            </a:r>
+            <a:endParaRPr lang="es-ES" dirty="0" smtClean="0"/>
+          </a:p>
+        </p:txBody>
+      </p:sp>
+    </p:spTree>
+    <p:extLst>
+      <p:ext uri="{BB962C8B-B14F-4D97-AF65-F5344CB8AC3E}">
+        <p14:creationId xmlns:p14="http://schemas.microsoft.com/office/powerpoint/2010/main" val="2900718315"/>
       </p:ext>
     </p:extLst>
   </p:cSld>
@@ -15109,6 +20194,1377 @@
     <p:extLst>
       <p:ext uri="{BB962C8B-B14F-4D97-AF65-F5344CB8AC3E}">
         <p14:creationId xmlns:p14="http://schemas.microsoft.com/office/powerpoint/2010/main" val="1657774313"/>
+      </p:ext>
+    </p:extLst>
+  </p:cSld>
+  <p:clrMapOvr>
+    <a:masterClrMapping/>
+  </p:clrMapOvr>
+</p:sld>
+</file>
+
+<file path=ppt/slides/slide90.xml><?xml version="1.0" encoding="utf-8"?>
+<p:sld xmlns:a="http://schemas.openxmlformats.org/drawingml/2006/main" xmlns:r="http://schemas.openxmlformats.org/officeDocument/2006/relationships" xmlns:p="http://schemas.openxmlformats.org/presentationml/2006/main">
+  <p:cSld>
+    <p:spTree>
+      <p:nvGrpSpPr>
+        <p:cNvPr id="1" name=""/>
+        <p:cNvGrpSpPr/>
+        <p:nvPr/>
+      </p:nvGrpSpPr>
+      <p:grpSpPr>
+        <a:xfrm>
+          <a:off x="0" y="0"/>
+          <a:ext cx="0" cy="0"/>
+          <a:chOff x="0" y="0"/>
+          <a:chExt cx="0" cy="0"/>
+        </a:xfrm>
+      </p:grpSpPr>
+      <p:sp>
+        <p:nvSpPr>
+          <p:cNvPr id="2" name="Título 1"/>
+          <p:cNvSpPr>
+            <a:spLocks noGrp="1"/>
+          </p:cNvSpPr>
+          <p:nvPr>
+            <p:ph type="title"/>
+          </p:nvPr>
+        </p:nvSpPr>
+        <p:spPr/>
+        <p:txBody>
+          <a:bodyPr/>
+          <a:lstStyle/>
+          <a:p>
+            <a:r>
+              <a:rPr lang="es-ES" dirty="0" smtClean="0"/>
+              <a:t>1.1.1 Bibliografía WSI cáncer de páncreas</a:t>
+            </a:r>
+            <a:endParaRPr lang="es-ES" dirty="0"/>
+          </a:p>
+        </p:txBody>
+      </p:sp>
+      <p:sp>
+        <p:nvSpPr>
+          <p:cNvPr id="3" name="Marcador de contenido 2"/>
+          <p:cNvSpPr>
+            <a:spLocks noGrp="1"/>
+          </p:cNvSpPr>
+          <p:nvPr>
+            <p:ph idx="1"/>
+          </p:nvPr>
+        </p:nvSpPr>
+        <p:spPr/>
+        <p:txBody>
+          <a:bodyPr/>
+          <a:lstStyle/>
+          <a:p>
+            <a:pPr marL="0" indent="0">
+              <a:buNone/>
+            </a:pPr>
+            <a:r>
+              <a:rPr lang="en-US" b="1" dirty="0" smtClean="0"/>
+              <a:t>Pancreatic </a:t>
+            </a:r>
+            <a:r>
+              <a:rPr lang="en-US" b="1" dirty="0"/>
+              <a:t>Cancer Detection in Whole Slide Images Using Noisy Label </a:t>
+            </a:r>
+            <a:r>
+              <a:rPr lang="en-US" b="1" dirty="0" smtClean="0"/>
+              <a:t>Annotations</a:t>
+            </a:r>
+            <a:endParaRPr lang="es-ES" dirty="0" smtClean="0"/>
+          </a:p>
+          <a:p>
+            <a:pPr marL="0" indent="0">
+              <a:buNone/>
+            </a:pPr>
+            <a:r>
+              <a:rPr lang="es-ES" dirty="0" smtClean="0">
+                <a:hlinkClick r:id="rId2"/>
+              </a:rPr>
+              <a:t>https</a:t>
+            </a:r>
+            <a:r>
+              <a:rPr lang="es-ES" dirty="0">
+                <a:hlinkClick r:id="rId2"/>
+              </a:rPr>
+              <a:t>://www3.cs.stonybrook.edu/~</a:t>
+            </a:r>
+            <a:r>
+              <a:rPr lang="es-ES" dirty="0" smtClean="0">
+                <a:hlinkClick r:id="rId2"/>
+              </a:rPr>
+              <a:t>cvl/content/papers/2019/HanLe_MICCAI19.pdf</a:t>
+            </a:r>
+            <a:endParaRPr lang="es-ES" dirty="0" smtClean="0"/>
+          </a:p>
+          <a:p>
+            <a:r>
+              <a:rPr lang="en-US" dirty="0" err="1"/>
+              <a:t>Detección</a:t>
+            </a:r>
+            <a:r>
+              <a:rPr lang="en-US" dirty="0"/>
+              <a:t> de regions </a:t>
+            </a:r>
+            <a:r>
+              <a:rPr lang="en-US" dirty="0" err="1"/>
+              <a:t>cancerígenas</a:t>
+            </a:r>
+            <a:r>
+              <a:rPr lang="en-US" dirty="0"/>
+              <a:t> </a:t>
+            </a:r>
+            <a:r>
+              <a:rPr lang="en-US" dirty="0" err="1"/>
+              <a:t>usando</a:t>
+            </a:r>
+            <a:r>
+              <a:rPr lang="en-US" dirty="0"/>
+              <a:t> NLC (Noisy Label Classification)</a:t>
+            </a:r>
+          </a:p>
+          <a:p>
+            <a:pPr marL="0" indent="0">
+              <a:buNone/>
+            </a:pPr>
+            <a:endParaRPr lang="es-ES" dirty="0"/>
+          </a:p>
+        </p:txBody>
+      </p:sp>
+    </p:spTree>
+    <p:extLst>
+      <p:ext uri="{BB962C8B-B14F-4D97-AF65-F5344CB8AC3E}">
+        <p14:creationId xmlns:p14="http://schemas.microsoft.com/office/powerpoint/2010/main" val="3951285479"/>
+      </p:ext>
+    </p:extLst>
+  </p:cSld>
+  <p:clrMapOvr>
+    <a:masterClrMapping/>
+  </p:clrMapOvr>
+</p:sld>
+</file>
+
+<file path=ppt/slides/slide91.xml><?xml version="1.0" encoding="utf-8"?>
+<p:sld xmlns:a="http://schemas.openxmlformats.org/drawingml/2006/main" xmlns:r="http://schemas.openxmlformats.org/officeDocument/2006/relationships" xmlns:p="http://schemas.openxmlformats.org/presentationml/2006/main">
+  <p:cSld>
+    <p:spTree>
+      <p:nvGrpSpPr>
+        <p:cNvPr id="1" name=""/>
+        <p:cNvGrpSpPr/>
+        <p:nvPr/>
+      </p:nvGrpSpPr>
+      <p:grpSpPr>
+        <a:xfrm>
+          <a:off x="0" y="0"/>
+          <a:ext cx="0" cy="0"/>
+          <a:chOff x="0" y="0"/>
+          <a:chExt cx="0" cy="0"/>
+        </a:xfrm>
+      </p:grpSpPr>
+      <p:sp>
+        <p:nvSpPr>
+          <p:cNvPr id="2" name="Título 1"/>
+          <p:cNvSpPr>
+            <a:spLocks noGrp="1"/>
+          </p:cNvSpPr>
+          <p:nvPr>
+            <p:ph type="title"/>
+          </p:nvPr>
+        </p:nvSpPr>
+        <p:spPr/>
+        <p:txBody>
+          <a:bodyPr/>
+          <a:lstStyle/>
+          <a:p>
+            <a:r>
+              <a:rPr lang="es-ES" dirty="0"/>
+              <a:t>1.1.1 Bibliografía WSI cáncer de páncreas</a:t>
+            </a:r>
+          </a:p>
+        </p:txBody>
+      </p:sp>
+      <p:sp>
+        <p:nvSpPr>
+          <p:cNvPr id="3" name="Marcador de contenido 2"/>
+          <p:cNvSpPr>
+            <a:spLocks noGrp="1"/>
+          </p:cNvSpPr>
+          <p:nvPr>
+            <p:ph idx="1"/>
+          </p:nvPr>
+        </p:nvSpPr>
+        <p:spPr/>
+        <p:txBody>
+          <a:bodyPr>
+            <a:normAutofit/>
+          </a:bodyPr>
+          <a:lstStyle/>
+          <a:p>
+            <a:pPr marL="0" indent="0">
+              <a:buNone/>
+            </a:pPr>
+            <a:r>
+              <a:rPr lang="en-US" b="1" dirty="0" smtClean="0"/>
+              <a:t>Pancreatic </a:t>
+            </a:r>
+            <a:r>
+              <a:rPr lang="en-US" b="1" dirty="0"/>
+              <a:t>cancer grading in pathological images using deep learning convolutional neural networks</a:t>
+            </a:r>
+            <a:endParaRPr lang="es-ES" b="1" dirty="0"/>
+          </a:p>
+          <a:p>
+            <a:pPr marL="0" indent="0">
+              <a:buNone/>
+            </a:pPr>
+            <a:r>
+              <a:rPr lang="es-ES" dirty="0" smtClean="0">
+                <a:hlinkClick r:id="rId2"/>
+              </a:rPr>
+              <a:t>https</a:t>
+            </a:r>
+            <a:r>
+              <a:rPr lang="es-ES" dirty="0">
+                <a:hlinkClick r:id="rId2"/>
+              </a:rPr>
+              <a:t>://</a:t>
+            </a:r>
+            <a:r>
+              <a:rPr lang="es-ES" dirty="0" smtClean="0">
+                <a:hlinkClick r:id="rId2"/>
+              </a:rPr>
+              <a:t>f1000research.com/articles/10-1057</a:t>
+            </a:r>
+            <a:endParaRPr lang="es-ES" dirty="0" smtClean="0"/>
+          </a:p>
+          <a:p>
+            <a:r>
+              <a:rPr lang="es-ES" dirty="0"/>
+              <a:t>Clasificación del grado (como de anómalas son las células cancerígenas</a:t>
+            </a:r>
+            <a:r>
+              <a:rPr lang="es-ES" dirty="0" smtClean="0"/>
+              <a:t>)</a:t>
+            </a:r>
+          </a:p>
+          <a:p>
+            <a:r>
+              <a:rPr lang="es-ES" dirty="0" smtClean="0"/>
+              <a:t>Set de datos público</a:t>
+            </a:r>
+          </a:p>
+          <a:p>
+            <a:r>
+              <a:rPr lang="es-ES" dirty="0" smtClean="0"/>
+              <a:t>Ya se ha </a:t>
+            </a:r>
+            <a:r>
+              <a:rPr lang="es-ES" dirty="0"/>
+              <a:t>hecho </a:t>
+            </a:r>
+            <a:r>
+              <a:rPr lang="es-ES" dirty="0" smtClean="0"/>
+              <a:t>antes: </a:t>
+            </a:r>
+            <a:r>
+              <a:rPr lang="es-ES" dirty="0" smtClean="0">
+                <a:hlinkClick r:id="rId3"/>
+              </a:rPr>
+              <a:t>https</a:t>
+            </a:r>
+            <a:r>
+              <a:rPr lang="es-ES" dirty="0">
+                <a:hlinkClick r:id="rId3"/>
+              </a:rPr>
+              <a:t>://www.hindawi.com/journals/bmri/2013/175271</a:t>
+            </a:r>
+            <a:r>
+              <a:rPr lang="es-ES" dirty="0" smtClean="0">
+                <a:hlinkClick r:id="rId3"/>
+              </a:rPr>
+              <a:t>/</a:t>
+            </a:r>
+            <a:endParaRPr lang="es-ES" dirty="0" smtClean="0"/>
+          </a:p>
+          <a:p>
+            <a:pPr marL="0" indent="0">
+              <a:buNone/>
+            </a:pPr>
+            <a:endParaRPr lang="es-ES" dirty="0" smtClean="0"/>
+          </a:p>
+          <a:p>
+            <a:endParaRPr lang="es-ES" dirty="0"/>
+          </a:p>
+          <a:p>
+            <a:pPr marL="0" indent="0">
+              <a:buNone/>
+            </a:pPr>
+            <a:endParaRPr lang="es-ES" dirty="0"/>
+          </a:p>
+        </p:txBody>
+      </p:sp>
+    </p:spTree>
+    <p:extLst>
+      <p:ext uri="{BB962C8B-B14F-4D97-AF65-F5344CB8AC3E}">
+        <p14:creationId xmlns:p14="http://schemas.microsoft.com/office/powerpoint/2010/main" val="1714915157"/>
+      </p:ext>
+    </p:extLst>
+  </p:cSld>
+  <p:clrMapOvr>
+    <a:masterClrMapping/>
+  </p:clrMapOvr>
+</p:sld>
+</file>
+
+<file path=ppt/slides/slide92.xml><?xml version="1.0" encoding="utf-8"?>
+<p:sld xmlns:a="http://schemas.openxmlformats.org/drawingml/2006/main" xmlns:r="http://schemas.openxmlformats.org/officeDocument/2006/relationships" xmlns:p="http://schemas.openxmlformats.org/presentationml/2006/main">
+  <p:cSld>
+    <p:spTree>
+      <p:nvGrpSpPr>
+        <p:cNvPr id="1" name=""/>
+        <p:cNvGrpSpPr/>
+        <p:nvPr/>
+      </p:nvGrpSpPr>
+      <p:grpSpPr>
+        <a:xfrm>
+          <a:off x="0" y="0"/>
+          <a:ext cx="0" cy="0"/>
+          <a:chOff x="0" y="0"/>
+          <a:chExt cx="0" cy="0"/>
+        </a:xfrm>
+      </p:grpSpPr>
+      <p:sp>
+        <p:nvSpPr>
+          <p:cNvPr id="2" name="Título 1"/>
+          <p:cNvSpPr>
+            <a:spLocks noGrp="1"/>
+          </p:cNvSpPr>
+          <p:nvPr>
+            <p:ph type="title"/>
+          </p:nvPr>
+        </p:nvSpPr>
+        <p:spPr/>
+        <p:txBody>
+          <a:bodyPr/>
+          <a:lstStyle/>
+          <a:p>
+            <a:r>
+              <a:rPr lang="es-ES" dirty="0" smtClean="0"/>
+              <a:t>1.2.1 Clasificación usando </a:t>
+            </a:r>
+            <a:r>
+              <a:rPr lang="es-ES" dirty="0" err="1" smtClean="0"/>
+              <a:t>RNASeq</a:t>
+            </a:r>
+            <a:endParaRPr lang="es-ES" dirty="0"/>
+          </a:p>
+        </p:txBody>
+      </p:sp>
+      <p:sp>
+        <p:nvSpPr>
+          <p:cNvPr id="3" name="Marcador de contenido 2"/>
+          <p:cNvSpPr>
+            <a:spLocks noGrp="1"/>
+          </p:cNvSpPr>
+          <p:nvPr>
+            <p:ph idx="1"/>
+          </p:nvPr>
+        </p:nvSpPr>
+        <p:spPr/>
+        <p:txBody>
+          <a:bodyPr/>
+          <a:lstStyle/>
+          <a:p>
+            <a:endParaRPr lang="es-ES"/>
+          </a:p>
+        </p:txBody>
+      </p:sp>
+    </p:spTree>
+    <p:extLst>
+      <p:ext uri="{BB962C8B-B14F-4D97-AF65-F5344CB8AC3E}">
+        <p14:creationId xmlns:p14="http://schemas.microsoft.com/office/powerpoint/2010/main" val="2826485591"/>
+      </p:ext>
+    </p:extLst>
+  </p:cSld>
+  <p:clrMapOvr>
+    <a:masterClrMapping/>
+  </p:clrMapOvr>
+</p:sld>
+</file>
+
+<file path=ppt/slides/slide93.xml><?xml version="1.0" encoding="utf-8"?>
+<p:sld xmlns:a="http://schemas.openxmlformats.org/drawingml/2006/main" xmlns:r="http://schemas.openxmlformats.org/officeDocument/2006/relationships" xmlns:p="http://schemas.openxmlformats.org/presentationml/2006/main">
+  <p:cSld>
+    <p:spTree>
+      <p:nvGrpSpPr>
+        <p:cNvPr id="1" name=""/>
+        <p:cNvGrpSpPr/>
+        <p:nvPr/>
+      </p:nvGrpSpPr>
+      <p:grpSpPr>
+        <a:xfrm>
+          <a:off x="0" y="0"/>
+          <a:ext cx="0" cy="0"/>
+          <a:chOff x="0" y="0"/>
+          <a:chExt cx="0" cy="0"/>
+        </a:xfrm>
+      </p:grpSpPr>
+      <p:sp>
+        <p:nvSpPr>
+          <p:cNvPr id="2" name="Título 1"/>
+          <p:cNvSpPr>
+            <a:spLocks noGrp="1"/>
+          </p:cNvSpPr>
+          <p:nvPr>
+            <p:ph type="title"/>
+          </p:nvPr>
+        </p:nvSpPr>
+        <p:spPr/>
+        <p:txBody>
+          <a:bodyPr/>
+          <a:lstStyle/>
+          <a:p>
+            <a:r>
+              <a:rPr lang="es-ES" dirty="0" smtClean="0"/>
+              <a:t>1.1.2 Bases de datos para test</a:t>
+            </a:r>
+            <a:endParaRPr lang="es-ES" dirty="0"/>
+          </a:p>
+        </p:txBody>
+      </p:sp>
+      <p:sp>
+        <p:nvSpPr>
+          <p:cNvPr id="3" name="Marcador de contenido 2"/>
+          <p:cNvSpPr>
+            <a:spLocks noGrp="1"/>
+          </p:cNvSpPr>
+          <p:nvPr>
+            <p:ph idx="1"/>
+          </p:nvPr>
+        </p:nvSpPr>
+        <p:spPr/>
+        <p:txBody>
+          <a:bodyPr>
+            <a:normAutofit fontScale="92500" lnSpcReduction="10000"/>
+          </a:bodyPr>
+          <a:lstStyle/>
+          <a:p>
+            <a:pPr marL="0" indent="0">
+              <a:buNone/>
+            </a:pPr>
+            <a:r>
+              <a:rPr lang="es-ES" dirty="0" smtClean="0"/>
+              <a:t>TCIA:</a:t>
+            </a:r>
+          </a:p>
+          <a:p>
+            <a:r>
+              <a:rPr lang="es-ES" dirty="0" smtClean="0"/>
+              <a:t>Proyecto: CPTAC-PDA</a:t>
+            </a:r>
+          </a:p>
+          <a:p>
+            <a:r>
+              <a:rPr lang="es-ES" dirty="0" smtClean="0"/>
+              <a:t>Publico</a:t>
+            </a:r>
+          </a:p>
+          <a:p>
+            <a:r>
+              <a:rPr lang="es-ES" dirty="0" smtClean="0"/>
+              <a:t>Balance:</a:t>
+            </a:r>
+          </a:p>
+          <a:p>
+            <a:pPr marL="0" indent="0">
+              <a:buNone/>
+            </a:pPr>
+            <a:r>
+              <a:rPr lang="es-ES" dirty="0" smtClean="0"/>
+              <a:t>175 Normal </a:t>
+            </a:r>
+            <a:r>
+              <a:rPr lang="es-ES" dirty="0" err="1" smtClean="0"/>
+              <a:t>Tissue</a:t>
+            </a:r>
+            <a:endParaRPr lang="es-ES" dirty="0" smtClean="0"/>
+          </a:p>
+          <a:p>
+            <a:pPr marL="0" indent="0">
+              <a:buNone/>
+            </a:pPr>
+            <a:r>
+              <a:rPr lang="es-ES" dirty="0" smtClean="0"/>
+              <a:t>382  Tumor </a:t>
+            </a:r>
+            <a:r>
+              <a:rPr lang="es-ES" dirty="0" err="1" smtClean="0"/>
+              <a:t>tissue</a:t>
+            </a:r>
+            <a:endParaRPr lang="es-ES" dirty="0" smtClean="0"/>
+          </a:p>
+          <a:p>
+            <a:pPr marL="0" indent="0">
+              <a:buNone/>
+            </a:pPr>
+            <a:r>
+              <a:rPr lang="es-ES" dirty="0" smtClean="0"/>
+              <a:t>88 GB</a:t>
+            </a:r>
+          </a:p>
+          <a:p>
+            <a:r>
+              <a:rPr lang="es-ES" dirty="0" smtClean="0">
+                <a:hlinkClick r:id="rId2"/>
+              </a:rPr>
+              <a:t>URL:https</a:t>
+            </a:r>
+            <a:r>
+              <a:rPr lang="es-ES" dirty="0">
+                <a:hlinkClick r:id="rId2"/>
+              </a:rPr>
+              <a:t>://portal.imaging.datacommons.cancer.gov/explore/filters/?</a:t>
+            </a:r>
+            <a:r>
+              <a:rPr lang="es-ES" dirty="0" smtClean="0">
+                <a:hlinkClick r:id="rId2"/>
+              </a:rPr>
+              <a:t>collection_id=cptac_pda</a:t>
+            </a:r>
+            <a:r>
+              <a:rPr lang="es-ES" dirty="0" smtClean="0"/>
+              <a:t/>
+            </a:r>
+            <a:br>
+              <a:rPr lang="es-ES" dirty="0" smtClean="0"/>
+            </a:br>
+            <a:endParaRPr lang="es-ES" dirty="0"/>
+          </a:p>
+        </p:txBody>
+      </p:sp>
+    </p:spTree>
+    <p:extLst>
+      <p:ext uri="{BB962C8B-B14F-4D97-AF65-F5344CB8AC3E}">
+        <p14:creationId xmlns:p14="http://schemas.microsoft.com/office/powerpoint/2010/main" val="1026767582"/>
+      </p:ext>
+    </p:extLst>
+  </p:cSld>
+  <p:clrMapOvr>
+    <a:masterClrMapping/>
+  </p:clrMapOvr>
+</p:sld>
+</file>
+
+<file path=ppt/slides/slide94.xml><?xml version="1.0" encoding="utf-8"?>
+<p:sld xmlns:a="http://schemas.openxmlformats.org/drawingml/2006/main" xmlns:r="http://schemas.openxmlformats.org/officeDocument/2006/relationships" xmlns:p="http://schemas.openxmlformats.org/presentationml/2006/main">
+  <p:cSld>
+    <p:spTree>
+      <p:nvGrpSpPr>
+        <p:cNvPr id="1" name=""/>
+        <p:cNvGrpSpPr/>
+        <p:nvPr/>
+      </p:nvGrpSpPr>
+      <p:grpSpPr>
+        <a:xfrm>
+          <a:off x="0" y="0"/>
+          <a:ext cx="0" cy="0"/>
+          <a:chOff x="0" y="0"/>
+          <a:chExt cx="0" cy="0"/>
+        </a:xfrm>
+      </p:grpSpPr>
+      <p:sp>
+        <p:nvSpPr>
+          <p:cNvPr id="2" name="Título 1"/>
+          <p:cNvSpPr>
+            <a:spLocks noGrp="1"/>
+          </p:cNvSpPr>
+          <p:nvPr>
+            <p:ph type="title"/>
+          </p:nvPr>
+        </p:nvSpPr>
+        <p:spPr/>
+        <p:txBody>
+          <a:bodyPr/>
+          <a:lstStyle/>
+          <a:p>
+            <a:r>
+              <a:rPr lang="es-ES" dirty="0" smtClean="0"/>
+              <a:t>1.2.2 Más bases de datos</a:t>
+            </a:r>
+            <a:endParaRPr lang="es-ES" dirty="0"/>
+          </a:p>
+        </p:txBody>
+      </p:sp>
+      <p:sp>
+        <p:nvSpPr>
+          <p:cNvPr id="3" name="Marcador de contenido 2"/>
+          <p:cNvSpPr>
+            <a:spLocks noGrp="1"/>
+          </p:cNvSpPr>
+          <p:nvPr>
+            <p:ph idx="1"/>
+          </p:nvPr>
+        </p:nvSpPr>
+        <p:spPr/>
+        <p:txBody>
+          <a:bodyPr>
+            <a:normAutofit/>
+          </a:bodyPr>
+          <a:lstStyle/>
+          <a:p>
+            <a:pPr marL="0" indent="0">
+              <a:buNone/>
+            </a:pPr>
+            <a:r>
+              <a:rPr lang="en-US" dirty="0"/>
+              <a:t>Pancreatic Tumor and Normal tissue </a:t>
+            </a:r>
+            <a:r>
+              <a:rPr lang="en-US" dirty="0" smtClean="0"/>
+              <a:t>samples (GEO)</a:t>
+            </a:r>
+            <a:endParaRPr lang="es-ES" dirty="0" smtClean="0"/>
+          </a:p>
+          <a:p>
+            <a:r>
+              <a:rPr lang="es-ES" dirty="0" smtClean="0"/>
+              <a:t>52 </a:t>
+            </a:r>
+            <a:r>
+              <a:rPr lang="es-ES" dirty="0" err="1" smtClean="0"/>
+              <a:t>Samples</a:t>
+            </a:r>
+            <a:r>
+              <a:rPr lang="es-ES" dirty="0" smtClean="0"/>
+              <a:t>, 17 Normales, 35 </a:t>
+            </a:r>
+            <a:r>
+              <a:rPr lang="es-ES" dirty="0" err="1" smtClean="0"/>
+              <a:t>Cancer</a:t>
+            </a:r>
+            <a:endParaRPr lang="es-ES" dirty="0" smtClean="0"/>
+          </a:p>
+          <a:p>
+            <a:endParaRPr lang="es-ES" dirty="0"/>
+          </a:p>
+          <a:p>
+            <a:pPr marL="0" indent="0">
+              <a:buNone/>
+            </a:pPr>
+            <a:r>
+              <a:rPr lang="es-ES" dirty="0"/>
+              <a:t>https://www.ncbi.nlm.nih.gov/sites/GDSbrowser?acc=GDS4102</a:t>
+            </a:r>
+            <a:endParaRPr lang="es-ES" dirty="0" smtClean="0"/>
+          </a:p>
+          <a:p>
+            <a:endParaRPr lang="es-ES" dirty="0"/>
+          </a:p>
+        </p:txBody>
+      </p:sp>
+    </p:spTree>
+    <p:extLst>
+      <p:ext uri="{BB962C8B-B14F-4D97-AF65-F5344CB8AC3E}">
+        <p14:creationId xmlns:p14="http://schemas.microsoft.com/office/powerpoint/2010/main" val="3727597200"/>
+      </p:ext>
+    </p:extLst>
+  </p:cSld>
+  <p:clrMapOvr>
+    <a:masterClrMapping/>
+  </p:clrMapOvr>
+</p:sld>
+</file>
+
+<file path=ppt/slides/slide95.xml><?xml version="1.0" encoding="utf-8"?>
+<p:sld xmlns:a="http://schemas.openxmlformats.org/drawingml/2006/main" xmlns:r="http://schemas.openxmlformats.org/officeDocument/2006/relationships" xmlns:p="http://schemas.openxmlformats.org/presentationml/2006/main">
+  <p:cSld>
+    <p:spTree>
+      <p:nvGrpSpPr>
+        <p:cNvPr id="1" name=""/>
+        <p:cNvGrpSpPr/>
+        <p:nvPr/>
+      </p:nvGrpSpPr>
+      <p:grpSpPr>
+        <a:xfrm>
+          <a:off x="0" y="0"/>
+          <a:ext cx="0" cy="0"/>
+          <a:chOff x="0" y="0"/>
+          <a:chExt cx="0" cy="0"/>
+        </a:xfrm>
+      </p:grpSpPr>
+      <p:sp>
+        <p:nvSpPr>
+          <p:cNvPr id="2" name="Título 1"/>
+          <p:cNvSpPr>
+            <a:spLocks noGrp="1"/>
+          </p:cNvSpPr>
+          <p:nvPr>
+            <p:ph type="title"/>
+          </p:nvPr>
+        </p:nvSpPr>
+        <p:spPr/>
+        <p:txBody>
+          <a:bodyPr/>
+          <a:lstStyle/>
+          <a:p>
+            <a:r>
+              <a:rPr lang="es-ES" dirty="0" smtClean="0"/>
+              <a:t>1.2.5 Fusión de ficheros </a:t>
+            </a:r>
+            <a:r>
+              <a:rPr lang="es-ES" dirty="0" err="1" smtClean="0"/>
+              <a:t>count</a:t>
+            </a:r>
+            <a:r>
+              <a:rPr lang="es-ES" dirty="0" smtClean="0"/>
+              <a:t> y </a:t>
+            </a:r>
+            <a:r>
+              <a:rPr lang="es-ES" dirty="0" err="1" smtClean="0"/>
+              <a:t>bam</a:t>
+            </a:r>
+            <a:endParaRPr lang="es-ES" dirty="0"/>
+          </a:p>
+        </p:txBody>
+      </p:sp>
+      <p:sp>
+        <p:nvSpPr>
+          <p:cNvPr id="3" name="Marcador de contenido 2"/>
+          <p:cNvSpPr>
+            <a:spLocks noGrp="1"/>
+          </p:cNvSpPr>
+          <p:nvPr>
+            <p:ph idx="1"/>
+          </p:nvPr>
+        </p:nvSpPr>
+        <p:spPr/>
+        <p:txBody>
+          <a:bodyPr/>
+          <a:lstStyle/>
+          <a:p>
+            <a:r>
+              <a:rPr lang="en-US" dirty="0" smtClean="0"/>
+              <a:t>“Yes</a:t>
+            </a:r>
+            <a:r>
+              <a:rPr lang="en-US" dirty="0"/>
+              <a:t>, you are combining completely different experiments here, batch effects are almost certainly dominating any biological differences here. I doubt that this can meaningfully be corrected since you only have a single dataset with </a:t>
+            </a:r>
+            <a:r>
+              <a:rPr lang="en-US" dirty="0" err="1"/>
+              <a:t>normals</a:t>
+            </a:r>
+            <a:r>
+              <a:rPr lang="en-US" dirty="0"/>
+              <a:t>, therefore standard batch correction methods do not apply here. I'd just focus your DE analysis on this dataset. I realize that it is tempting to include more samples to have greater power but in situations like this that does more harm than good</a:t>
+            </a:r>
+            <a:r>
+              <a:rPr lang="en-US" dirty="0" smtClean="0"/>
+              <a:t>.”</a:t>
+            </a:r>
+          </a:p>
+          <a:p>
+            <a:pPr marL="0" indent="0">
+              <a:buNone/>
+            </a:pPr>
+            <a:r>
+              <a:rPr lang="es-ES" dirty="0">
+                <a:hlinkClick r:id="rId2"/>
+              </a:rPr>
+              <a:t>https://support.bioconductor.org/p/133724</a:t>
+            </a:r>
+            <a:r>
+              <a:rPr lang="es-ES" dirty="0" smtClean="0">
+                <a:hlinkClick r:id="rId2"/>
+              </a:rPr>
+              <a:t>/</a:t>
+            </a:r>
+            <a:endParaRPr lang="es-ES" dirty="0" smtClean="0"/>
+          </a:p>
+          <a:p>
+            <a:pPr marL="0" indent="0">
+              <a:buNone/>
+            </a:pPr>
+            <a:endParaRPr lang="es-ES" dirty="0"/>
+          </a:p>
+        </p:txBody>
+      </p:sp>
+    </p:spTree>
+    <p:extLst>
+      <p:ext uri="{BB962C8B-B14F-4D97-AF65-F5344CB8AC3E}">
+        <p14:creationId xmlns:p14="http://schemas.microsoft.com/office/powerpoint/2010/main" val="1534282498"/>
+      </p:ext>
+    </p:extLst>
+  </p:cSld>
+  <p:clrMapOvr>
+    <a:masterClrMapping/>
+  </p:clrMapOvr>
+</p:sld>
+</file>
+
+<file path=ppt/slides/slide96.xml><?xml version="1.0" encoding="utf-8"?>
+<p:sld xmlns:a="http://schemas.openxmlformats.org/drawingml/2006/main" xmlns:r="http://schemas.openxmlformats.org/officeDocument/2006/relationships" xmlns:p="http://schemas.openxmlformats.org/presentationml/2006/main">
+  <p:cSld>
+    <p:spTree>
+      <p:nvGrpSpPr>
+        <p:cNvPr id="1" name=""/>
+        <p:cNvGrpSpPr/>
+        <p:nvPr/>
+      </p:nvGrpSpPr>
+      <p:grpSpPr>
+        <a:xfrm>
+          <a:off x="0" y="0"/>
+          <a:ext cx="0" cy="0"/>
+          <a:chOff x="0" y="0"/>
+          <a:chExt cx="0" cy="0"/>
+        </a:xfrm>
+      </p:grpSpPr>
+      <p:sp>
+        <p:nvSpPr>
+          <p:cNvPr id="2" name="Título 1"/>
+          <p:cNvSpPr>
+            <a:spLocks noGrp="1"/>
+          </p:cNvSpPr>
+          <p:nvPr>
+            <p:ph type="title"/>
+          </p:nvPr>
+        </p:nvSpPr>
+        <p:spPr/>
+        <p:txBody>
+          <a:bodyPr/>
+          <a:lstStyle/>
+          <a:p>
+            <a:r>
+              <a:rPr lang="es-ES" dirty="0" smtClean="0"/>
+              <a:t>2. Predicción de estadio con imágenes</a:t>
+            </a:r>
+            <a:endParaRPr lang="es-ES" dirty="0"/>
+          </a:p>
+        </p:txBody>
+      </p:sp>
+      <p:sp>
+        <p:nvSpPr>
+          <p:cNvPr id="3" name="Marcador de contenido 2"/>
+          <p:cNvSpPr>
+            <a:spLocks noGrp="1"/>
+          </p:cNvSpPr>
+          <p:nvPr>
+            <p:ph idx="1"/>
+          </p:nvPr>
+        </p:nvSpPr>
+        <p:spPr>
+          <a:xfrm>
+            <a:off x="838200" y="1825625"/>
+            <a:ext cx="3357282" cy="4351338"/>
+          </a:xfrm>
+        </p:spPr>
+        <p:txBody>
+          <a:bodyPr/>
+          <a:lstStyle/>
+          <a:p>
+            <a:r>
+              <a:rPr lang="es-ES" dirty="0" smtClean="0"/>
+              <a:t>Toda la bibliografía usa datos clínicos, CT </a:t>
+            </a:r>
+            <a:r>
+              <a:rPr lang="es-ES" dirty="0" err="1" smtClean="0"/>
+              <a:t>scans</a:t>
+            </a:r>
+            <a:r>
+              <a:rPr lang="es-ES" dirty="0" smtClean="0"/>
+              <a:t>, resonancias magnéticas</a:t>
+            </a:r>
+          </a:p>
+          <a:p>
+            <a:pPr marL="0" indent="0">
+              <a:buNone/>
+            </a:pPr>
+            <a:endParaRPr lang="es-ES" dirty="0" smtClean="0"/>
+          </a:p>
+          <a:p>
+            <a:pPr marL="0" indent="0">
+              <a:buNone/>
+            </a:pPr>
+            <a:r>
+              <a:rPr lang="es-ES" dirty="0" smtClean="0"/>
+              <a:t>Resultados 10CV</a:t>
+            </a:r>
+            <a:endParaRPr lang="es-ES" dirty="0"/>
+          </a:p>
+          <a:p>
+            <a:r>
+              <a:rPr lang="es-ES" dirty="0" smtClean="0"/>
+              <a:t>ACC 0.624</a:t>
+            </a:r>
+          </a:p>
+          <a:p>
+            <a:r>
+              <a:rPr lang="es-ES" dirty="0" smtClean="0"/>
+              <a:t>F1 0.311</a:t>
+            </a:r>
+            <a:endParaRPr lang="es-ES" dirty="0"/>
+          </a:p>
+        </p:txBody>
+      </p:sp>
+      <p:pic>
+        <p:nvPicPr>
+          <p:cNvPr id="4" name="Imagen 3"/>
+          <p:cNvPicPr>
+            <a:picLocks noChangeAspect="1"/>
+          </p:cNvPicPr>
+          <p:nvPr/>
+        </p:nvPicPr>
+        <p:blipFill>
+          <a:blip r:embed="rId2">
+            <a:extLst>
+              <a:ext uri="{28A0092B-C50C-407E-A947-70E740481C1C}">
+                <a14:useLocalDpi xmlns:a14="http://schemas.microsoft.com/office/drawing/2010/main" val="0"/>
+              </a:ext>
+            </a:extLst>
+          </a:blip>
+          <a:stretch>
+            <a:fillRect/>
+          </a:stretch>
+        </p:blipFill>
+        <p:spPr>
+          <a:xfrm>
+            <a:off x="5181442" y="1825625"/>
+            <a:ext cx="5533174" cy="3960906"/>
+          </a:xfrm>
+          <a:prstGeom prst="rect">
+            <a:avLst/>
+          </a:prstGeom>
+        </p:spPr>
+      </p:pic>
+    </p:spTree>
+    <p:extLst>
+      <p:ext uri="{BB962C8B-B14F-4D97-AF65-F5344CB8AC3E}">
+        <p14:creationId xmlns:p14="http://schemas.microsoft.com/office/powerpoint/2010/main" val="1404492048"/>
+      </p:ext>
+    </p:extLst>
+  </p:cSld>
+  <p:clrMapOvr>
+    <a:masterClrMapping/>
+  </p:clrMapOvr>
+</p:sld>
+</file>
+
+<file path=ppt/slides/slide97.xml><?xml version="1.0" encoding="utf-8"?>
+<p:sld xmlns:a="http://schemas.openxmlformats.org/drawingml/2006/main" xmlns:r="http://schemas.openxmlformats.org/officeDocument/2006/relationships" xmlns:p="http://schemas.openxmlformats.org/presentationml/2006/main">
+  <p:cSld>
+    <p:spTree>
+      <p:nvGrpSpPr>
+        <p:cNvPr id="1" name=""/>
+        <p:cNvGrpSpPr/>
+        <p:nvPr/>
+      </p:nvGrpSpPr>
+      <p:grpSpPr>
+        <a:xfrm>
+          <a:off x="0" y="0"/>
+          <a:ext cx="0" cy="0"/>
+          <a:chOff x="0" y="0"/>
+          <a:chExt cx="0" cy="0"/>
+        </a:xfrm>
+      </p:grpSpPr>
+      <p:sp>
+        <p:nvSpPr>
+          <p:cNvPr id="2" name="Título 1"/>
+          <p:cNvSpPr>
+            <a:spLocks noGrp="1"/>
+          </p:cNvSpPr>
+          <p:nvPr>
+            <p:ph type="title"/>
+          </p:nvPr>
+        </p:nvSpPr>
+        <p:spPr/>
+        <p:txBody>
+          <a:bodyPr/>
+          <a:lstStyle/>
+          <a:p>
+            <a:r>
+              <a:rPr lang="es-ES" dirty="0" smtClean="0"/>
+              <a:t>1.1.2 Set </a:t>
+            </a:r>
+            <a:r>
+              <a:rPr lang="es-ES" dirty="0"/>
+              <a:t>de datos externos para test</a:t>
+            </a:r>
+          </a:p>
+        </p:txBody>
+      </p:sp>
+      <p:sp>
+        <p:nvSpPr>
+          <p:cNvPr id="3" name="Marcador de contenido 2"/>
+          <p:cNvSpPr>
+            <a:spLocks noGrp="1"/>
+          </p:cNvSpPr>
+          <p:nvPr>
+            <p:ph idx="1"/>
+          </p:nvPr>
+        </p:nvSpPr>
+        <p:spPr/>
+        <p:txBody>
+          <a:bodyPr/>
+          <a:lstStyle/>
+          <a:p>
+            <a:endParaRPr lang="es-ES"/>
+          </a:p>
+        </p:txBody>
+      </p:sp>
+    </p:spTree>
+    <p:extLst>
+      <p:ext uri="{BB962C8B-B14F-4D97-AF65-F5344CB8AC3E}">
+        <p14:creationId xmlns:p14="http://schemas.microsoft.com/office/powerpoint/2010/main" val="1507820853"/>
+      </p:ext>
+    </p:extLst>
+  </p:cSld>
+  <p:clrMapOvr>
+    <a:masterClrMapping/>
+  </p:clrMapOvr>
+</p:sld>
+</file>
+
+<file path=ppt/slides/slide98.xml><?xml version="1.0" encoding="utf-8"?>
+<p:sld xmlns:a="http://schemas.openxmlformats.org/drawingml/2006/main" xmlns:r="http://schemas.openxmlformats.org/officeDocument/2006/relationships" xmlns:p="http://schemas.openxmlformats.org/presentationml/2006/main">
+  <p:cSld>
+    <p:spTree>
+      <p:nvGrpSpPr>
+        <p:cNvPr id="1" name=""/>
+        <p:cNvGrpSpPr/>
+        <p:nvPr/>
+      </p:nvGrpSpPr>
+      <p:grpSpPr>
+        <a:xfrm>
+          <a:off x="0" y="0"/>
+          <a:ext cx="0" cy="0"/>
+          <a:chOff x="0" y="0"/>
+          <a:chExt cx="0" cy="0"/>
+        </a:xfrm>
+      </p:grpSpPr>
+      <p:sp>
+        <p:nvSpPr>
+          <p:cNvPr id="2" name="Título 1"/>
+          <p:cNvSpPr>
+            <a:spLocks noGrp="1"/>
+          </p:cNvSpPr>
+          <p:nvPr>
+            <p:ph type="ctrTitle"/>
+          </p:nvPr>
+        </p:nvSpPr>
+        <p:spPr>
+          <a:xfrm>
+            <a:off x="1524000" y="1077392"/>
+            <a:ext cx="9144000" cy="496125"/>
+          </a:xfrm>
+        </p:spPr>
+        <p:txBody>
+          <a:bodyPr>
+            <a:normAutofit fontScale="90000"/>
+          </a:bodyPr>
+          <a:lstStyle/>
+          <a:p>
+            <a:r>
+              <a:rPr lang="es-ES" dirty="0"/>
+              <a:t>Fusión de datos </a:t>
+            </a:r>
+            <a:r>
+              <a:rPr lang="es-ES" dirty="0" smtClean="0"/>
+              <a:t>heterogéneos: </a:t>
+            </a:r>
+            <a:endParaRPr lang="es-ES" dirty="0"/>
+          </a:p>
+        </p:txBody>
+      </p:sp>
+      <p:sp>
+        <p:nvSpPr>
+          <p:cNvPr id="3" name="Subtítulo 2"/>
+          <p:cNvSpPr>
+            <a:spLocks noGrp="1"/>
+          </p:cNvSpPr>
+          <p:nvPr>
+            <p:ph type="subTitle" idx="1"/>
+          </p:nvPr>
+        </p:nvSpPr>
+        <p:spPr>
+          <a:xfrm>
+            <a:off x="1524000" y="1755648"/>
+            <a:ext cx="9144000" cy="3502152"/>
+          </a:xfrm>
+        </p:spPr>
+        <p:txBody>
+          <a:bodyPr>
+            <a:normAutofit/>
+          </a:bodyPr>
+          <a:lstStyle/>
+          <a:p>
+            <a:endParaRPr lang="es-ES" dirty="0" smtClean="0"/>
+          </a:p>
+          <a:p>
+            <a:r>
+              <a:rPr lang="es-ES" dirty="0" smtClean="0"/>
+              <a:t>19/09/22</a:t>
+            </a:r>
+            <a:endParaRPr lang="es-ES" dirty="0"/>
+          </a:p>
+        </p:txBody>
+      </p:sp>
+    </p:spTree>
+    <p:extLst>
+      <p:ext uri="{BB962C8B-B14F-4D97-AF65-F5344CB8AC3E}">
+        <p14:creationId xmlns:p14="http://schemas.microsoft.com/office/powerpoint/2010/main" val="2523050354"/>
+      </p:ext>
+    </p:extLst>
+  </p:cSld>
+  <p:clrMapOvr>
+    <a:masterClrMapping/>
+  </p:clrMapOvr>
+</p:sld>
+</file>
+
+<file path=ppt/slides/slide99.xml><?xml version="1.0" encoding="utf-8"?>
+<p:sld xmlns:a="http://schemas.openxmlformats.org/drawingml/2006/main" xmlns:r="http://schemas.openxmlformats.org/officeDocument/2006/relationships" xmlns:p="http://schemas.openxmlformats.org/presentationml/2006/main">
+  <p:cSld>
+    <p:spTree>
+      <p:nvGrpSpPr>
+        <p:cNvPr id="1" name=""/>
+        <p:cNvGrpSpPr/>
+        <p:nvPr/>
+      </p:nvGrpSpPr>
+      <p:grpSpPr>
+        <a:xfrm>
+          <a:off x="0" y="0"/>
+          <a:ext cx="0" cy="0"/>
+          <a:chOff x="0" y="0"/>
+          <a:chExt cx="0" cy="0"/>
+        </a:xfrm>
+      </p:grpSpPr>
+      <p:sp>
+        <p:nvSpPr>
+          <p:cNvPr id="2" name="Título 1"/>
+          <p:cNvSpPr>
+            <a:spLocks noGrp="1"/>
+          </p:cNvSpPr>
+          <p:nvPr>
+            <p:ph type="title"/>
+          </p:nvPr>
+        </p:nvSpPr>
+        <p:spPr/>
+        <p:txBody>
+          <a:bodyPr/>
+          <a:lstStyle/>
+          <a:p>
+            <a:r>
+              <a:rPr lang="es-ES" dirty="0" smtClean="0"/>
+              <a:t>Set de datos TCIA</a:t>
+            </a:r>
+            <a:endParaRPr lang="es-ES" dirty="0"/>
+          </a:p>
+        </p:txBody>
+      </p:sp>
+      <p:sp>
+        <p:nvSpPr>
+          <p:cNvPr id="3" name="Marcador de contenido 2"/>
+          <p:cNvSpPr>
+            <a:spLocks noGrp="1"/>
+          </p:cNvSpPr>
+          <p:nvPr>
+            <p:ph idx="1"/>
+          </p:nvPr>
+        </p:nvSpPr>
+        <p:spPr/>
+        <p:txBody>
+          <a:bodyPr/>
+          <a:lstStyle/>
+          <a:p>
+            <a:r>
+              <a:rPr lang="es-ES" dirty="0" err="1"/>
+              <a:t>RNASeq</a:t>
+            </a:r>
+            <a:r>
+              <a:rPr lang="es-ES" dirty="0"/>
+              <a:t> Tumor </a:t>
+            </a:r>
+            <a:r>
+              <a:rPr lang="es-ES" dirty="0" err="1"/>
+              <a:t>Tissue</a:t>
+            </a:r>
+            <a:r>
+              <a:rPr lang="es-ES" dirty="0"/>
+              <a:t> </a:t>
+            </a:r>
+            <a:r>
+              <a:rPr lang="es-ES" dirty="0" err="1"/>
+              <a:t>Samples</a:t>
+            </a:r>
+            <a:r>
+              <a:rPr lang="es-ES" dirty="0"/>
+              <a:t>: 228 </a:t>
+            </a:r>
+            <a:endParaRPr lang="es-ES" dirty="0" smtClean="0"/>
+          </a:p>
+          <a:p>
+            <a:r>
+              <a:rPr lang="es-ES" dirty="0" err="1" smtClean="0"/>
+              <a:t>RNASeq</a:t>
+            </a:r>
+            <a:r>
+              <a:rPr lang="es-ES" dirty="0" smtClean="0"/>
+              <a:t> </a:t>
+            </a:r>
+            <a:r>
+              <a:rPr lang="es-ES" dirty="0"/>
+              <a:t>Normal </a:t>
+            </a:r>
+            <a:r>
+              <a:rPr lang="es-ES" dirty="0" err="1"/>
+              <a:t>Tissue</a:t>
+            </a:r>
+            <a:r>
+              <a:rPr lang="es-ES" dirty="0"/>
+              <a:t> </a:t>
+            </a:r>
+            <a:r>
+              <a:rPr lang="es-ES" dirty="0" err="1"/>
+              <a:t>Samples</a:t>
+            </a:r>
+            <a:r>
+              <a:rPr lang="es-ES" dirty="0"/>
+              <a:t>: 52 </a:t>
+            </a:r>
+            <a:endParaRPr lang="es-ES" dirty="0" smtClean="0"/>
+          </a:p>
+          <a:p>
+            <a:endParaRPr lang="es-ES" dirty="0" smtClean="0"/>
+          </a:p>
+          <a:p>
+            <a:r>
+              <a:rPr lang="es-ES" dirty="0" smtClean="0"/>
+              <a:t>WSI </a:t>
+            </a:r>
+            <a:r>
+              <a:rPr lang="es-ES" dirty="0"/>
+              <a:t>Tumor </a:t>
+            </a:r>
+            <a:r>
+              <a:rPr lang="es-ES" dirty="0" err="1"/>
+              <a:t>Tissue</a:t>
+            </a:r>
+            <a:r>
+              <a:rPr lang="es-ES" dirty="0"/>
+              <a:t> </a:t>
+            </a:r>
+            <a:r>
+              <a:rPr lang="es-ES" dirty="0" err="1"/>
+              <a:t>Samples</a:t>
+            </a:r>
+            <a:r>
+              <a:rPr lang="es-ES" dirty="0"/>
+              <a:t>: 382 </a:t>
+            </a:r>
+            <a:endParaRPr lang="es-ES" dirty="0" smtClean="0"/>
+          </a:p>
+          <a:p>
+            <a:r>
+              <a:rPr lang="es-ES" dirty="0" smtClean="0"/>
+              <a:t>WSI </a:t>
+            </a:r>
+            <a:r>
+              <a:rPr lang="es-ES" dirty="0"/>
+              <a:t>Normal </a:t>
+            </a:r>
+            <a:r>
+              <a:rPr lang="es-ES" dirty="0" err="1"/>
+              <a:t>Tissue</a:t>
+            </a:r>
+            <a:r>
+              <a:rPr lang="es-ES" dirty="0"/>
+              <a:t> </a:t>
+            </a:r>
+            <a:r>
+              <a:rPr lang="es-ES" dirty="0" err="1"/>
+              <a:t>Samples</a:t>
+            </a:r>
+            <a:r>
+              <a:rPr lang="es-ES" dirty="0"/>
+              <a:t>: 175 </a:t>
+            </a:r>
+            <a:endParaRPr lang="es-ES" dirty="0" smtClean="0"/>
+          </a:p>
+          <a:p>
+            <a:endParaRPr lang="es-ES" dirty="0" smtClean="0"/>
+          </a:p>
+          <a:p>
+            <a:r>
+              <a:rPr lang="es-ES" dirty="0" err="1" smtClean="0"/>
+              <a:t>WSI+RNASeq</a:t>
+            </a:r>
+            <a:r>
+              <a:rPr lang="es-ES" dirty="0" smtClean="0"/>
+              <a:t> </a:t>
+            </a:r>
+            <a:r>
+              <a:rPr lang="es-ES" dirty="0"/>
+              <a:t>Tumor </a:t>
+            </a:r>
+            <a:r>
+              <a:rPr lang="es-ES" dirty="0" err="1"/>
+              <a:t>Tissue</a:t>
+            </a:r>
+            <a:r>
+              <a:rPr lang="es-ES" dirty="0"/>
+              <a:t> </a:t>
+            </a:r>
+            <a:r>
+              <a:rPr lang="es-ES" dirty="0" err="1"/>
+              <a:t>Samples</a:t>
+            </a:r>
+            <a:r>
+              <a:rPr lang="es-ES" dirty="0"/>
+              <a:t>: </a:t>
+            </a:r>
+            <a:r>
+              <a:rPr lang="es-ES" dirty="0" smtClean="0"/>
+              <a:t>146</a:t>
+            </a:r>
+          </a:p>
+          <a:p>
+            <a:r>
+              <a:rPr lang="es-ES" dirty="0" smtClean="0"/>
+              <a:t> </a:t>
+            </a:r>
+            <a:r>
+              <a:rPr lang="es-ES" dirty="0" err="1"/>
+              <a:t>WSI+RNASeq</a:t>
+            </a:r>
+            <a:r>
+              <a:rPr lang="es-ES" dirty="0"/>
+              <a:t> Normal </a:t>
+            </a:r>
+            <a:r>
+              <a:rPr lang="es-ES" dirty="0" err="1"/>
+              <a:t>Tissue</a:t>
+            </a:r>
+            <a:r>
+              <a:rPr lang="es-ES" dirty="0"/>
+              <a:t> </a:t>
+            </a:r>
+            <a:r>
+              <a:rPr lang="es-ES" dirty="0" err="1"/>
+              <a:t>Samples</a:t>
+            </a:r>
+            <a:r>
+              <a:rPr lang="es-ES" dirty="0"/>
+              <a:t>: 39</a:t>
+            </a:r>
+          </a:p>
+        </p:txBody>
+      </p:sp>
+    </p:spTree>
+    <p:extLst>
+      <p:ext uri="{BB962C8B-B14F-4D97-AF65-F5344CB8AC3E}">
+        <p14:creationId xmlns:p14="http://schemas.microsoft.com/office/powerpoint/2010/main" val="3175180928"/>
       </p:ext>
     </p:extLst>
   </p:cSld>
